--- a/Data/Files/conceptual fig.pptx
+++ b/Data/Files/conceptual fig.pptx
@@ -5,12 +5,14 @@
     <p:sldMasterId id="2147483660" r:id="rId1"/>
   </p:sldMasterIdLst>
   <p:notesMasterIdLst>
-    <p:notesMasterId r:id="rId5"/>
+    <p:notesMasterId r:id="rId7"/>
   </p:notesMasterIdLst>
   <p:sldIdLst>
     <p:sldId id="258" r:id="rId2"/>
     <p:sldId id="259" r:id="rId3"/>
     <p:sldId id="257" r:id="rId4"/>
+    <p:sldId id="260" r:id="rId5"/>
+    <p:sldId id="279" r:id="rId6"/>
   </p:sldIdLst>
   <p:sldSz cx="22860000" cy="22860000"/>
   <p:notesSz cx="6858000" cy="9144000"/>
@@ -199,7 +201,7 @@
           <a:p>
             <a:fld id="{6EF42F18-7C0E-CF48-BB0F-BAFC8608EBBD}" type="datetimeFigureOut">
               <a:rPr lang="en-US" smtClean="0"/>
-              <a:t>4/1/22</a:t>
+              <a:t>6/30/22</a:t>
             </a:fld>
             <a:endParaRPr lang="en-US"/>
           </a:p>
@@ -718,6 +720,127 @@
 </p:notes>
 </file>
 
+<file path=ppt/notesSlides/notesSlide4.xml><?xml version="1.0" encoding="utf-8"?>
+<p:notes xmlns:a="http://schemas.openxmlformats.org/drawingml/2006/main" xmlns:r="http://schemas.openxmlformats.org/officeDocument/2006/relationships" xmlns:p="http://schemas.openxmlformats.org/presentationml/2006/main">
+  <p:cSld>
+    <p:spTree>
+      <p:nvGrpSpPr>
+        <p:cNvPr id="1" name=""/>
+        <p:cNvGrpSpPr/>
+        <p:nvPr/>
+      </p:nvGrpSpPr>
+      <p:grpSpPr>
+        <a:xfrm>
+          <a:off x="0" y="0"/>
+          <a:ext cx="0" cy="0"/>
+          <a:chOff x="0" y="0"/>
+          <a:chExt cx="0" cy="0"/>
+        </a:xfrm>
+      </p:grpSpPr>
+      <p:sp>
+        <p:nvSpPr>
+          <p:cNvPr id="2" name="Slide Image Placeholder 1"/>
+          <p:cNvSpPr>
+            <a:spLocks noGrp="1" noRot="1" noChangeAspect="1"/>
+          </p:cNvSpPr>
+          <p:nvPr>
+            <p:ph type="sldImg"/>
+          </p:nvPr>
+        </p:nvSpPr>
+        <p:spPr/>
+      </p:sp>
+      <p:sp>
+        <p:nvSpPr>
+          <p:cNvPr id="3" name="Notes Placeholder 2"/>
+          <p:cNvSpPr>
+            <a:spLocks noGrp="1"/>
+          </p:cNvSpPr>
+          <p:nvPr>
+            <p:ph type="body" idx="1"/>
+          </p:nvPr>
+        </p:nvSpPr>
+        <p:spPr/>
+        <p:txBody>
+          <a:bodyPr/>
+          <a:lstStyle/>
+          <a:p>
+            <a:r>
+              <a:rPr lang="en-US" dirty="0"/>
+              <a:t>We want to emphasize that swimming capacity is a function of fish size.  </a:t>
+            </a:r>
+          </a:p>
+          <a:p>
+            <a:pPr marL="228600" indent="-228600">
+              <a:buAutoNum type="arabicPeriod"/>
+            </a:pPr>
+            <a:r>
+              <a:rPr lang="en-US" dirty="0"/>
+              <a:t>aerobic swimming and fish size: tested, but not often in adult salmon / more in other species. For example, </a:t>
+            </a:r>
+            <a:r>
+              <a:rPr lang="en-US" dirty="0" err="1"/>
+              <a:t>Tirsgaard</a:t>
+            </a:r>
+            <a:r>
+              <a:rPr lang="en-US" dirty="0"/>
+              <a:t> et al CBPA 2015 work on Cod</a:t>
+            </a:r>
+          </a:p>
+          <a:p>
+            <a:pPr marL="228600" indent="-228600">
+              <a:buAutoNum type="arabicPeriod"/>
+            </a:pPr>
+            <a:r>
+              <a:rPr lang="en-US" dirty="0"/>
+              <a:t>Anaerobic – generally, no true idea about adult salmon (?! right?). They can sprint faster, yes, but what are the consequences, e.g. larger fish can’t recover as well? Especially in warmer water conditions? (e.g. Clark et al </a:t>
+            </a:r>
+            <a:r>
+              <a:rPr lang="en-US" dirty="0" err="1"/>
+              <a:t>PloS</a:t>
+            </a:r>
+            <a:r>
+              <a:rPr lang="en-US" dirty="0"/>
+              <a:t> ONE 2012)</a:t>
+            </a:r>
+          </a:p>
+        </p:txBody>
+      </p:sp>
+      <p:sp>
+        <p:nvSpPr>
+          <p:cNvPr id="4" name="Slide Number Placeholder 3"/>
+          <p:cNvSpPr>
+            <a:spLocks noGrp="1"/>
+          </p:cNvSpPr>
+          <p:nvPr>
+            <p:ph type="sldNum" sz="quarter" idx="5"/>
+          </p:nvPr>
+        </p:nvSpPr>
+        <p:spPr/>
+        <p:txBody>
+          <a:bodyPr/>
+          <a:lstStyle/>
+          <a:p>
+            <a:fld id="{234DC609-6AB3-3A40-857A-4308321FE124}" type="slidenum">
+              <a:rPr lang="en-US" smtClean="0"/>
+              <a:t>5</a:t>
+            </a:fld>
+            <a:endParaRPr lang="en-US"/>
+          </a:p>
+        </p:txBody>
+      </p:sp>
+    </p:spTree>
+    <p:extLst>
+      <p:ext uri="{BB962C8B-B14F-4D97-AF65-F5344CB8AC3E}">
+        <p14:creationId xmlns:p14="http://schemas.microsoft.com/office/powerpoint/2010/main" val="3486711768"/>
+      </p:ext>
+    </p:extLst>
+  </p:cSld>
+  <p:clrMapOvr>
+    <a:masterClrMapping/>
+  </p:clrMapOvr>
+</p:notes>
+</file>
+
 <file path=ppt/slideLayouts/slideLayout1.xml><?xml version="1.0" encoding="utf-8"?>
 <p:sldLayout xmlns:a="http://schemas.openxmlformats.org/drawingml/2006/main" xmlns:r="http://schemas.openxmlformats.org/officeDocument/2006/relationships" xmlns:p="http://schemas.openxmlformats.org/presentationml/2006/main" type="title" preserve="1">
   <p:cSld name="Title Slide">
@@ -849,7 +972,7 @@
           <a:p>
             <a:fld id="{240D43B3-3CC5-7945-9ADF-A02E1BD68C77}" type="datetimeFigureOut">
               <a:rPr lang="en-US" smtClean="0"/>
-              <a:t>4/1/22</a:t>
+              <a:t>6/30/22</a:t>
             </a:fld>
             <a:endParaRPr lang="en-US"/>
           </a:p>
@@ -1019,7 +1142,7 @@
           <a:p>
             <a:fld id="{240D43B3-3CC5-7945-9ADF-A02E1BD68C77}" type="datetimeFigureOut">
               <a:rPr lang="en-US" smtClean="0"/>
-              <a:t>4/1/22</a:t>
+              <a:t>6/30/22</a:t>
             </a:fld>
             <a:endParaRPr lang="en-US"/>
           </a:p>
@@ -1199,7 +1322,7 @@
           <a:p>
             <a:fld id="{240D43B3-3CC5-7945-9ADF-A02E1BD68C77}" type="datetimeFigureOut">
               <a:rPr lang="en-US" smtClean="0"/>
-              <a:t>4/1/22</a:t>
+              <a:t>6/30/22</a:t>
             </a:fld>
             <a:endParaRPr lang="en-US"/>
           </a:p>
@@ -1369,7 +1492,7 @@
           <a:p>
             <a:fld id="{240D43B3-3CC5-7945-9ADF-A02E1BD68C77}" type="datetimeFigureOut">
               <a:rPr lang="en-US" smtClean="0"/>
-              <a:t>4/1/22</a:t>
+              <a:t>6/30/22</a:t>
             </a:fld>
             <a:endParaRPr lang="en-US"/>
           </a:p>
@@ -1613,7 +1736,7 @@
           <a:p>
             <a:fld id="{240D43B3-3CC5-7945-9ADF-A02E1BD68C77}" type="datetimeFigureOut">
               <a:rPr lang="en-US" smtClean="0"/>
-              <a:t>4/1/22</a:t>
+              <a:t>6/30/22</a:t>
             </a:fld>
             <a:endParaRPr lang="en-US"/>
           </a:p>
@@ -1845,7 +1968,7 @@
           <a:p>
             <a:fld id="{240D43B3-3CC5-7945-9ADF-A02E1BD68C77}" type="datetimeFigureOut">
               <a:rPr lang="en-US" smtClean="0"/>
-              <a:t>4/1/22</a:t>
+              <a:t>6/30/22</a:t>
             </a:fld>
             <a:endParaRPr lang="en-US"/>
           </a:p>
@@ -2212,7 +2335,7 @@
           <a:p>
             <a:fld id="{240D43B3-3CC5-7945-9ADF-A02E1BD68C77}" type="datetimeFigureOut">
               <a:rPr lang="en-US" smtClean="0"/>
-              <a:t>4/1/22</a:t>
+              <a:t>6/30/22</a:t>
             </a:fld>
             <a:endParaRPr lang="en-US"/>
           </a:p>
@@ -2330,7 +2453,7 @@
           <a:p>
             <a:fld id="{240D43B3-3CC5-7945-9ADF-A02E1BD68C77}" type="datetimeFigureOut">
               <a:rPr lang="en-US" smtClean="0"/>
-              <a:t>4/1/22</a:t>
+              <a:t>6/30/22</a:t>
             </a:fld>
             <a:endParaRPr lang="en-US"/>
           </a:p>
@@ -2425,7 +2548,7 @@
           <a:p>
             <a:fld id="{240D43B3-3CC5-7945-9ADF-A02E1BD68C77}" type="datetimeFigureOut">
               <a:rPr lang="en-US" smtClean="0"/>
-              <a:t>4/1/22</a:t>
+              <a:t>6/30/22</a:t>
             </a:fld>
             <a:endParaRPr lang="en-US"/>
           </a:p>
@@ -2702,7 +2825,7 @@
           <a:p>
             <a:fld id="{240D43B3-3CC5-7945-9ADF-A02E1BD68C77}" type="datetimeFigureOut">
               <a:rPr lang="en-US" smtClean="0"/>
-              <a:t>4/1/22</a:t>
+              <a:t>6/30/22</a:t>
             </a:fld>
             <a:endParaRPr lang="en-US"/>
           </a:p>
@@ -2959,7 +3082,7 @@
           <a:p>
             <a:fld id="{240D43B3-3CC5-7945-9ADF-A02E1BD68C77}" type="datetimeFigureOut">
               <a:rPr lang="en-US" smtClean="0"/>
-              <a:t>4/1/22</a:t>
+              <a:t>6/30/22</a:t>
             </a:fld>
             <a:endParaRPr lang="en-US"/>
           </a:p>
@@ -3172,7 +3295,7 @@
           <a:p>
             <a:fld id="{240D43B3-3CC5-7945-9ADF-A02E1BD68C77}" type="datetimeFigureOut">
               <a:rPr lang="en-US" smtClean="0"/>
-              <a:t>4/1/22</a:t>
+              <a:t>6/30/22</a:t>
             </a:fld>
             <a:endParaRPr lang="en-US"/>
           </a:p>
@@ -5262,7 +5385,7 @@
               <a:rPr lang="en-US" sz="2800" b="1" dirty="0">
                 <a:latin typeface="Helvetica" pitchFamily="2" charset="0"/>
               </a:rPr>
-              <a:t>SPRINT</a:t>
+              <a:t>BURST</a:t>
             </a:r>
           </a:p>
         </p:txBody>
@@ -8183,10 +8306,10 @@
         </p:nvGrpSpPr>
         <p:grpSpPr>
           <a:xfrm>
-            <a:off x="2542261" y="3374528"/>
-            <a:ext cx="13619803" cy="2207172"/>
-            <a:chOff x="2556812" y="11395023"/>
-            <a:chExt cx="13619803" cy="2207172"/>
+            <a:off x="2574871" y="3374528"/>
+            <a:ext cx="13587193" cy="2207172"/>
+            <a:chOff x="2589422" y="11395023"/>
+            <a:chExt cx="13587193" cy="2207172"/>
           </a:xfrm>
         </p:grpSpPr>
         <p:grpSp>
@@ -8575,105 +8698,6 @@
             </p:sp>
           </p:grpSp>
         </p:grpSp>
-        <p:sp>
-          <p:nvSpPr>
-            <p:cNvPr id="38" name="TextBox 37">
-              <a:extLst>
-                <a:ext uri="{FF2B5EF4-FFF2-40B4-BE49-F238E27FC236}">
-                  <a16:creationId xmlns:a16="http://schemas.microsoft.com/office/drawing/2014/main" id="{122D4755-713F-3942-8264-4F83E2839B80}"/>
-                </a:ext>
-              </a:extLst>
-            </p:cNvPr>
-            <p:cNvSpPr txBox="1"/>
-            <p:nvPr/>
-          </p:nvSpPr>
-          <p:spPr>
-            <a:xfrm>
-              <a:off x="2556812" y="13084228"/>
-              <a:ext cx="1250855" cy="461665"/>
-            </a:xfrm>
-            <a:prstGeom prst="rect">
-              <a:avLst/>
-            </a:prstGeom>
-            <a:solidFill>
-              <a:schemeClr val="bg1"/>
-            </a:solidFill>
-          </p:spPr>
-          <p:txBody>
-            <a:bodyPr wrap="none" rtlCol="0">
-              <a:spAutoFit/>
-            </a:bodyPr>
-            <a:lstStyle/>
-            <a:p>
-              <a:r>
-                <a:rPr lang="en-US" sz="2400" b="1" dirty="0">
-                  <a:solidFill>
-                    <a:srgbClr val="FF0000"/>
-                  </a:solidFill>
-                </a:rPr>
-                <a:t>FATIGUE</a:t>
-              </a:r>
-            </a:p>
-          </p:txBody>
-        </p:sp>
-        <p:sp>
-          <p:nvSpPr>
-            <p:cNvPr id="150" name="Diamond 149">
-              <a:extLst>
-                <a:ext uri="{FF2B5EF4-FFF2-40B4-BE49-F238E27FC236}">
-                  <a16:creationId xmlns:a16="http://schemas.microsoft.com/office/drawing/2014/main" id="{D66D4549-49CD-8D4E-B87E-FF3ACD56A245}"/>
-                </a:ext>
-              </a:extLst>
-            </p:cNvPr>
-            <p:cNvSpPr/>
-            <p:nvPr/>
-          </p:nvSpPr>
-          <p:spPr>
-            <a:xfrm>
-              <a:off x="4109552" y="12779344"/>
-              <a:ext cx="345697" cy="319961"/>
-            </a:xfrm>
-            <a:prstGeom prst="diamond">
-              <a:avLst/>
-            </a:prstGeom>
-            <a:solidFill>
-              <a:srgbClr val="FF0000"/>
-            </a:solidFill>
-            <a:ln w="28575">
-              <a:solidFill>
-                <a:srgbClr val="C00000"/>
-              </a:solidFill>
-            </a:ln>
-          </p:spPr>
-          <p:style>
-            <a:lnRef idx="2">
-              <a:schemeClr val="accent1">
-                <a:shade val="50000"/>
-              </a:schemeClr>
-            </a:lnRef>
-            <a:fillRef idx="1">
-              <a:schemeClr val="accent1"/>
-            </a:fillRef>
-            <a:effectRef idx="0">
-              <a:schemeClr val="accent1"/>
-            </a:effectRef>
-            <a:fontRef idx="minor">
-              <a:schemeClr val="lt1"/>
-            </a:fontRef>
-          </p:style>
-          <p:txBody>
-            <a:bodyPr rtlCol="0" anchor="ctr"/>
-            <a:lstStyle/>
-            <a:p>
-              <a:pPr algn="ctr"/>
-              <a:endParaRPr lang="en-US">
-                <a:solidFill>
-                  <a:srgbClr val="FF0000"/>
-                </a:solidFill>
-              </a:endParaRPr>
-            </a:p>
-          </p:txBody>
-        </p:sp>
         <p:grpSp>
           <p:nvGrpSpPr>
             <p:cNvPr id="21" name="Group 20">
@@ -8847,161 +8871,6 @@
             </p:txBody>
           </p:sp>
         </p:grpSp>
-        <p:sp>
-          <p:nvSpPr>
-            <p:cNvPr id="39" name="Diamond 38">
-              <a:extLst>
-                <a:ext uri="{FF2B5EF4-FFF2-40B4-BE49-F238E27FC236}">
-                  <a16:creationId xmlns:a16="http://schemas.microsoft.com/office/drawing/2014/main" id="{167D4C8E-927A-DE4C-AF15-3CD25847230B}"/>
-                </a:ext>
-              </a:extLst>
-            </p:cNvPr>
-            <p:cNvSpPr/>
-            <p:nvPr/>
-          </p:nvSpPr>
-          <p:spPr>
-            <a:xfrm>
-              <a:off x="2592676" y="12150057"/>
-              <a:ext cx="345697" cy="319961"/>
-            </a:xfrm>
-            <a:prstGeom prst="diamond">
-              <a:avLst/>
-            </a:prstGeom>
-            <a:solidFill>
-              <a:srgbClr val="FF0000"/>
-            </a:solidFill>
-            <a:ln w="28575">
-              <a:solidFill>
-                <a:srgbClr val="C00000"/>
-              </a:solidFill>
-            </a:ln>
-          </p:spPr>
-          <p:style>
-            <a:lnRef idx="2">
-              <a:schemeClr val="accent1">
-                <a:shade val="50000"/>
-              </a:schemeClr>
-            </a:lnRef>
-            <a:fillRef idx="1">
-              <a:schemeClr val="accent1"/>
-            </a:fillRef>
-            <a:effectRef idx="0">
-              <a:schemeClr val="accent1"/>
-            </a:effectRef>
-            <a:fontRef idx="minor">
-              <a:schemeClr val="lt1"/>
-            </a:fontRef>
-          </p:style>
-          <p:txBody>
-            <a:bodyPr rtlCol="0" anchor="ctr"/>
-            <a:lstStyle/>
-            <a:p>
-              <a:pPr algn="ctr"/>
-              <a:endParaRPr lang="en-US">
-                <a:solidFill>
-                  <a:srgbClr val="FF0000"/>
-                </a:solidFill>
-              </a:endParaRPr>
-            </a:p>
-          </p:txBody>
-        </p:sp>
-        <p:cxnSp>
-          <p:nvCxnSpPr>
-            <p:cNvPr id="197" name="Straight Connector 196">
-              <a:extLst>
-                <a:ext uri="{FF2B5EF4-FFF2-40B4-BE49-F238E27FC236}">
-                  <a16:creationId xmlns:a16="http://schemas.microsoft.com/office/drawing/2014/main" id="{97270B6E-0953-B14D-8928-581DBD927486}"/>
-                </a:ext>
-              </a:extLst>
-            </p:cNvPr>
-            <p:cNvCxnSpPr>
-              <a:cxnSpLocks/>
-            </p:cNvCxnSpPr>
-            <p:nvPr/>
-          </p:nvCxnSpPr>
-          <p:spPr>
-            <a:xfrm>
-              <a:off x="2794557" y="12582298"/>
-              <a:ext cx="109191" cy="501930"/>
-            </a:xfrm>
-            <a:prstGeom prst="line">
-              <a:avLst/>
-            </a:prstGeom>
-            <a:ln w="38100" cap="flat">
-              <a:solidFill>
-                <a:schemeClr val="accent6">
-                  <a:lumMod val="75000"/>
-                </a:schemeClr>
-              </a:solidFill>
-              <a:bevel/>
-              <a:headEnd type="triangle" w="lg" len="lg"/>
-              <a:tailEnd type="none" w="lg" len="lg"/>
-            </a:ln>
-          </p:spPr>
-          <p:style>
-            <a:lnRef idx="1">
-              <a:schemeClr val="accent1"/>
-            </a:lnRef>
-            <a:fillRef idx="0">
-              <a:schemeClr val="accent1"/>
-            </a:fillRef>
-            <a:effectRef idx="0">
-              <a:schemeClr val="accent1"/>
-            </a:effectRef>
-            <a:fontRef idx="minor">
-              <a:schemeClr val="tx1"/>
-            </a:fontRef>
-          </p:style>
-        </p:cxnSp>
-        <p:cxnSp>
-          <p:nvCxnSpPr>
-            <p:cNvPr id="199" name="Straight Connector 198">
-              <a:extLst>
-                <a:ext uri="{FF2B5EF4-FFF2-40B4-BE49-F238E27FC236}">
-                  <a16:creationId xmlns:a16="http://schemas.microsoft.com/office/drawing/2014/main" id="{B9F54BFF-A83A-B744-BF43-196FC52C0D36}"/>
-                </a:ext>
-              </a:extLst>
-            </p:cNvPr>
-            <p:cNvCxnSpPr>
-              <a:cxnSpLocks/>
-              <a:endCxn id="38" idx="3"/>
-            </p:cNvCxnSpPr>
-            <p:nvPr/>
-          </p:nvCxnSpPr>
-          <p:spPr>
-            <a:xfrm flipH="1">
-              <a:off x="3807667" y="13077191"/>
-              <a:ext cx="266862" cy="237870"/>
-            </a:xfrm>
-            <a:prstGeom prst="line">
-              <a:avLst/>
-            </a:prstGeom>
-            <a:ln w="38100" cap="flat">
-              <a:solidFill>
-                <a:schemeClr val="accent6">
-                  <a:lumMod val="75000"/>
-                </a:schemeClr>
-              </a:solidFill>
-              <a:bevel/>
-              <a:headEnd type="triangle" w="lg" len="lg"/>
-              <a:tailEnd type="none" w="lg" len="lg"/>
-            </a:ln>
-          </p:spPr>
-          <p:style>
-            <a:lnRef idx="1">
-              <a:schemeClr val="accent1"/>
-            </a:lnRef>
-            <a:fillRef idx="0">
-              <a:schemeClr val="accent1"/>
-            </a:fillRef>
-            <a:effectRef idx="0">
-              <a:schemeClr val="accent1"/>
-            </a:effectRef>
-            <a:fontRef idx="minor">
-              <a:schemeClr val="tx1"/>
-            </a:fontRef>
-          </p:style>
-        </p:cxnSp>
       </p:grpSp>
       <p:grpSp>
         <p:nvGrpSpPr>
@@ -11928,8 +11797,8 @@
         </p:nvSpPr>
         <p:spPr>
           <a:xfrm rot="16200000">
-            <a:off x="755170" y="8429990"/>
-            <a:ext cx="2262158" cy="646331"/>
+            <a:off x="476430" y="8178527"/>
+            <a:ext cx="2262158" cy="1200329"/>
           </a:xfrm>
           <a:prstGeom prst="rect">
             <a:avLst/>
@@ -11948,6 +11817,15 @@
                 <a:latin typeface="Helvetica" pitchFamily="2" charset="0"/>
               </a:rPr>
               <a:t>Recovery</a:t>
+            </a:r>
+          </a:p>
+          <a:p>
+            <a:pPr algn="ctr"/>
+            <a:r>
+              <a:rPr lang="en-US" sz="3600" b="1" dirty="0">
+                <a:latin typeface="Helvetica" pitchFamily="2" charset="0"/>
+              </a:rPr>
+              <a:t> costs</a:t>
             </a:r>
           </a:p>
         </p:txBody>
@@ -12087,7 +11965,7 @@
         </p:nvSpPr>
         <p:spPr>
           <a:xfrm>
-            <a:off x="12801279" y="14131535"/>
+            <a:off x="12801279" y="14156935"/>
             <a:ext cx="843619" cy="523220"/>
           </a:xfrm>
           <a:prstGeom prst="roundRect">
@@ -12148,7 +12026,7 @@
         </p:nvSpPr>
         <p:spPr>
           <a:xfrm flipV="1">
-            <a:off x="12801279" y="15050691"/>
+            <a:off x="12801279" y="15660291"/>
             <a:ext cx="843619" cy="6689"/>
           </a:xfrm>
           <a:custGeom>
@@ -13152,7 +13030,7 @@
         <p:spPr>
           <a:xfrm>
             <a:off x="13868536" y="14046646"/>
-            <a:ext cx="2642103" cy="707886"/>
+            <a:ext cx="2642103" cy="1200329"/>
           </a:xfrm>
           <a:prstGeom prst="rect">
             <a:avLst/>
@@ -13166,7 +13044,7 @@
           <a:lstStyle/>
           <a:p>
             <a:r>
-              <a:rPr lang="en-US" sz="2000" dirty="0">
+              <a:rPr lang="en-US" sz="2400" dirty="0">
                 <a:latin typeface="Helvetica" pitchFamily="2" charset="0"/>
               </a:rPr>
               <a:t>Sustained long timeframes, indefinite</a:t>
@@ -13188,8 +13066,8 @@
         </p:nvSpPr>
         <p:spPr>
           <a:xfrm>
-            <a:off x="13868535" y="14779503"/>
-            <a:ext cx="2744379" cy="1015663"/>
+            <a:off x="13868535" y="15439903"/>
+            <a:ext cx="2744379" cy="1569660"/>
           </a:xfrm>
           <a:prstGeom prst="rect">
             <a:avLst/>
@@ -13203,7 +13081,7 @@
           <a:lstStyle/>
           <a:p>
             <a:r>
-              <a:rPr lang="en-US" sz="2000" dirty="0">
+              <a:rPr lang="en-US" sz="2400" dirty="0">
                 <a:latin typeface="Helvetica" pitchFamily="2" charset="0"/>
               </a:rPr>
               <a:t>Speeds above what can be measured in swim flumes &amp; tunnels</a:t>
@@ -24681,37 +24559,6 @@
           </a:p>
         </p:txBody>
       </p:sp>
-      <p:pic>
-        <p:nvPicPr>
-          <p:cNvPr id="29" name="Picture 28">
-            <a:extLst>
-              <a:ext uri="{FF2B5EF4-FFF2-40B4-BE49-F238E27FC236}">
-                <a16:creationId xmlns:a16="http://schemas.microsoft.com/office/drawing/2014/main" id="{A3960313-0B07-6F4C-A7B2-50897918CEFA}"/>
-              </a:ext>
-            </a:extLst>
-          </p:cNvPr>
-          <p:cNvPicPr>
-            <a:picLocks noChangeAspect="1"/>
-          </p:cNvPicPr>
-          <p:nvPr/>
-        </p:nvPicPr>
-        <p:blipFill rotWithShape="1">
-          <a:blip r:embed="rId3">
-            <a:biLevel thresh="75000"/>
-          </a:blip>
-          <a:srcRect l="67617"/>
-          <a:stretch/>
-        </p:blipFill>
-        <p:spPr>
-          <a:xfrm>
-            <a:off x="8457053" y="7039843"/>
-            <a:ext cx="1225367" cy="682725"/>
-          </a:xfrm>
-          <a:prstGeom prst="rect">
-            <a:avLst/>
-          </a:prstGeom>
-        </p:spPr>
-      </p:pic>
       <p:sp>
         <p:nvSpPr>
           <p:cNvPr id="41" name="TextBox 40">
@@ -24759,1044 +24606,6 @@
           </a:p>
         </p:txBody>
       </p:sp>
-      <p:pic>
-        <p:nvPicPr>
-          <p:cNvPr id="92" name="Picture 91">
-            <a:extLst>
-              <a:ext uri="{FF2B5EF4-FFF2-40B4-BE49-F238E27FC236}">
-                <a16:creationId xmlns:a16="http://schemas.microsoft.com/office/drawing/2014/main" id="{014397EB-9CA5-A34C-ABC4-681AA44DABDD}"/>
-              </a:ext>
-            </a:extLst>
-          </p:cNvPr>
-          <p:cNvPicPr>
-            <a:picLocks noChangeAspect="1"/>
-          </p:cNvPicPr>
-          <p:nvPr/>
-        </p:nvPicPr>
-        <p:blipFill rotWithShape="1">
-          <a:blip r:embed="rId3">
-            <a:biLevel thresh="75000"/>
-          </a:blip>
-          <a:srcRect l="79440" r="1"/>
-          <a:stretch/>
-        </p:blipFill>
-        <p:spPr>
-          <a:xfrm>
-            <a:off x="10106403" y="7026622"/>
-            <a:ext cx="777946" cy="682725"/>
-          </a:xfrm>
-          <a:prstGeom prst="rect">
-            <a:avLst/>
-          </a:prstGeom>
-        </p:spPr>
-      </p:pic>
-      <p:pic>
-        <p:nvPicPr>
-          <p:cNvPr id="93" name="Picture 92">
-            <a:extLst>
-              <a:ext uri="{FF2B5EF4-FFF2-40B4-BE49-F238E27FC236}">
-                <a16:creationId xmlns:a16="http://schemas.microsoft.com/office/drawing/2014/main" id="{BBCC986A-35FA-7A44-B9F4-A90F1F9DA4B6}"/>
-              </a:ext>
-            </a:extLst>
-          </p:cNvPr>
-          <p:cNvPicPr>
-            <a:picLocks noChangeAspect="1"/>
-          </p:cNvPicPr>
-          <p:nvPr/>
-        </p:nvPicPr>
-        <p:blipFill rotWithShape="1">
-          <a:blip r:embed="rId3">
-            <a:biLevel thresh="75000"/>
-          </a:blip>
-          <a:srcRect l="84254" r="1"/>
-          <a:stretch/>
-        </p:blipFill>
-        <p:spPr>
-          <a:xfrm>
-            <a:off x="10872829" y="7012488"/>
-            <a:ext cx="595784" cy="682725"/>
-          </a:xfrm>
-          <a:prstGeom prst="rect">
-            <a:avLst/>
-          </a:prstGeom>
-        </p:spPr>
-      </p:pic>
-      <p:pic>
-        <p:nvPicPr>
-          <p:cNvPr id="94" name="Picture 93">
-            <a:extLst>
-              <a:ext uri="{FF2B5EF4-FFF2-40B4-BE49-F238E27FC236}">
-                <a16:creationId xmlns:a16="http://schemas.microsoft.com/office/drawing/2014/main" id="{CD328EA6-FA4B-3343-A860-08DBC5C46DBA}"/>
-              </a:ext>
-            </a:extLst>
-          </p:cNvPr>
-          <p:cNvPicPr>
-            <a:picLocks noChangeAspect="1"/>
-          </p:cNvPicPr>
-          <p:nvPr/>
-        </p:nvPicPr>
-        <p:blipFill rotWithShape="1">
-          <a:blip r:embed="rId3">
-            <a:biLevel thresh="75000"/>
-          </a:blip>
-          <a:srcRect l="84750" r="1"/>
-          <a:stretch/>
-        </p:blipFill>
-        <p:spPr>
-          <a:xfrm>
-            <a:off x="11427291" y="7002333"/>
-            <a:ext cx="577025" cy="682725"/>
-          </a:xfrm>
-          <a:prstGeom prst="rect">
-            <a:avLst/>
-          </a:prstGeom>
-        </p:spPr>
-      </p:pic>
-      <p:pic>
-        <p:nvPicPr>
-          <p:cNvPr id="95" name="Picture 94">
-            <a:extLst>
-              <a:ext uri="{FF2B5EF4-FFF2-40B4-BE49-F238E27FC236}">
-                <a16:creationId xmlns:a16="http://schemas.microsoft.com/office/drawing/2014/main" id="{425F4FBF-9E14-D24D-84D9-6B90BAA9B7AA}"/>
-              </a:ext>
-            </a:extLst>
-          </p:cNvPr>
-          <p:cNvPicPr>
-            <a:picLocks noChangeAspect="1"/>
-          </p:cNvPicPr>
-          <p:nvPr/>
-        </p:nvPicPr>
-        <p:blipFill rotWithShape="1">
-          <a:blip r:embed="rId3">
-            <a:biLevel thresh="75000"/>
-          </a:blip>
-          <a:srcRect l="37527" r="45414"/>
-          <a:stretch/>
-        </p:blipFill>
-        <p:spPr>
-          <a:xfrm>
-            <a:off x="5752110" y="7055302"/>
-            <a:ext cx="645459" cy="682725"/>
-          </a:xfrm>
-          <a:prstGeom prst="rect">
-            <a:avLst/>
-          </a:prstGeom>
-        </p:spPr>
-      </p:pic>
-      <p:pic>
-        <p:nvPicPr>
-          <p:cNvPr id="96" name="Picture 95">
-            <a:extLst>
-              <a:ext uri="{FF2B5EF4-FFF2-40B4-BE49-F238E27FC236}">
-                <a16:creationId xmlns:a16="http://schemas.microsoft.com/office/drawing/2014/main" id="{908D9F47-0B8D-7946-823D-B66E8C5C6B41}"/>
-              </a:ext>
-            </a:extLst>
-          </p:cNvPr>
-          <p:cNvPicPr>
-            <a:picLocks noChangeAspect="1"/>
-          </p:cNvPicPr>
-          <p:nvPr/>
-        </p:nvPicPr>
-        <p:blipFill rotWithShape="1">
-          <a:blip r:embed="rId3">
-            <a:biLevel thresh="75000"/>
-          </a:blip>
-          <a:srcRect l="37527" r="45414"/>
-          <a:stretch/>
-        </p:blipFill>
-        <p:spPr>
-          <a:xfrm>
-            <a:off x="5123410" y="7045154"/>
-            <a:ext cx="645459" cy="682725"/>
-          </a:xfrm>
-          <a:prstGeom prst="rect">
-            <a:avLst/>
-          </a:prstGeom>
-        </p:spPr>
-      </p:pic>
-      <p:pic>
-        <p:nvPicPr>
-          <p:cNvPr id="97" name="Picture 96">
-            <a:extLst>
-              <a:ext uri="{FF2B5EF4-FFF2-40B4-BE49-F238E27FC236}">
-                <a16:creationId xmlns:a16="http://schemas.microsoft.com/office/drawing/2014/main" id="{391DCF58-F810-5741-908A-E4280FF35E90}"/>
-              </a:ext>
-            </a:extLst>
-          </p:cNvPr>
-          <p:cNvPicPr>
-            <a:picLocks noChangeAspect="1"/>
-          </p:cNvPicPr>
-          <p:nvPr/>
-        </p:nvPicPr>
-        <p:blipFill rotWithShape="1">
-          <a:blip r:embed="rId3">
-            <a:biLevel thresh="75000"/>
-          </a:blip>
-          <a:srcRect l="37527" r="45414"/>
-          <a:stretch/>
-        </p:blipFill>
-        <p:spPr>
-          <a:xfrm>
-            <a:off x="4509978" y="7035899"/>
-            <a:ext cx="645459" cy="682725"/>
-          </a:xfrm>
-          <a:prstGeom prst="rect">
-            <a:avLst/>
-          </a:prstGeom>
-        </p:spPr>
-      </p:pic>
-      <p:pic>
-        <p:nvPicPr>
-          <p:cNvPr id="98" name="Picture 97">
-            <a:extLst>
-              <a:ext uri="{FF2B5EF4-FFF2-40B4-BE49-F238E27FC236}">
-                <a16:creationId xmlns:a16="http://schemas.microsoft.com/office/drawing/2014/main" id="{D9E9FC51-DFE1-E640-8A1C-31B3DDE9929F}"/>
-              </a:ext>
-            </a:extLst>
-          </p:cNvPr>
-          <p:cNvPicPr>
-            <a:picLocks noChangeAspect="1"/>
-          </p:cNvPicPr>
-          <p:nvPr/>
-        </p:nvPicPr>
-        <p:blipFill rotWithShape="1">
-          <a:blip r:embed="rId3">
-            <a:biLevel thresh="75000"/>
-          </a:blip>
-          <a:srcRect l="37527" r="45414"/>
-          <a:stretch/>
-        </p:blipFill>
-        <p:spPr>
-          <a:xfrm>
-            <a:off x="3870621" y="7035899"/>
-            <a:ext cx="645459" cy="682725"/>
-          </a:xfrm>
-          <a:prstGeom prst="rect">
-            <a:avLst/>
-          </a:prstGeom>
-        </p:spPr>
-      </p:pic>
-      <p:pic>
-        <p:nvPicPr>
-          <p:cNvPr id="99" name="Picture 98">
-            <a:extLst>
-              <a:ext uri="{FF2B5EF4-FFF2-40B4-BE49-F238E27FC236}">
-                <a16:creationId xmlns:a16="http://schemas.microsoft.com/office/drawing/2014/main" id="{471DDD5B-D747-9444-BC79-0BF743AB1152}"/>
-              </a:ext>
-            </a:extLst>
-          </p:cNvPr>
-          <p:cNvPicPr>
-            <a:picLocks noChangeAspect="1"/>
-          </p:cNvPicPr>
-          <p:nvPr/>
-        </p:nvPicPr>
-        <p:blipFill rotWithShape="1">
-          <a:blip r:embed="rId3">
-            <a:biLevel thresh="75000"/>
-          </a:blip>
-          <a:srcRect l="37527" r="45414"/>
-          <a:stretch/>
-        </p:blipFill>
-        <p:spPr>
-          <a:xfrm>
-            <a:off x="3242446" y="7035899"/>
-            <a:ext cx="645459" cy="682725"/>
-          </a:xfrm>
-          <a:prstGeom prst="rect">
-            <a:avLst/>
-          </a:prstGeom>
-        </p:spPr>
-      </p:pic>
-      <p:pic>
-        <p:nvPicPr>
-          <p:cNvPr id="100" name="Picture 99">
-            <a:extLst>
-              <a:ext uri="{FF2B5EF4-FFF2-40B4-BE49-F238E27FC236}">
-                <a16:creationId xmlns:a16="http://schemas.microsoft.com/office/drawing/2014/main" id="{7F4C6137-F33C-F544-BC0D-990B79AB67EE}"/>
-              </a:ext>
-            </a:extLst>
-          </p:cNvPr>
-          <p:cNvPicPr>
-            <a:picLocks noChangeAspect="1"/>
-          </p:cNvPicPr>
-          <p:nvPr/>
-        </p:nvPicPr>
-        <p:blipFill rotWithShape="1">
-          <a:blip r:embed="rId3">
-            <a:biLevel thresh="75000"/>
-          </a:blip>
-          <a:srcRect l="37527" r="45414"/>
-          <a:stretch/>
-        </p:blipFill>
-        <p:spPr>
-          <a:xfrm>
-            <a:off x="2599051" y="7035899"/>
-            <a:ext cx="645459" cy="682725"/>
-          </a:xfrm>
-          <a:prstGeom prst="rect">
-            <a:avLst/>
-          </a:prstGeom>
-        </p:spPr>
-      </p:pic>
-      <p:pic>
-        <p:nvPicPr>
-          <p:cNvPr id="101" name="Picture 100">
-            <a:extLst>
-              <a:ext uri="{FF2B5EF4-FFF2-40B4-BE49-F238E27FC236}">
-                <a16:creationId xmlns:a16="http://schemas.microsoft.com/office/drawing/2014/main" id="{5A8E8405-BC73-D348-A53F-C1221C1D004E}"/>
-              </a:ext>
-            </a:extLst>
-          </p:cNvPr>
-          <p:cNvPicPr>
-            <a:picLocks noChangeAspect="1"/>
-          </p:cNvPicPr>
-          <p:nvPr/>
-        </p:nvPicPr>
-        <p:blipFill rotWithShape="1">
-          <a:blip r:embed="rId3">
-            <a:biLevel thresh="75000"/>
-          </a:blip>
-          <a:srcRect l="37527" r="45414"/>
-          <a:stretch/>
-        </p:blipFill>
-        <p:spPr>
-          <a:xfrm>
-            <a:off x="1972556" y="7035899"/>
-            <a:ext cx="645459" cy="682725"/>
-          </a:xfrm>
-          <a:prstGeom prst="rect">
-            <a:avLst/>
-          </a:prstGeom>
-        </p:spPr>
-      </p:pic>
-      <p:pic>
-        <p:nvPicPr>
-          <p:cNvPr id="102" name="Picture 101">
-            <a:extLst>
-              <a:ext uri="{FF2B5EF4-FFF2-40B4-BE49-F238E27FC236}">
-                <a16:creationId xmlns:a16="http://schemas.microsoft.com/office/drawing/2014/main" id="{16952187-EF2B-274E-807D-2E03465E38E5}"/>
-              </a:ext>
-            </a:extLst>
-          </p:cNvPr>
-          <p:cNvPicPr>
-            <a:picLocks noChangeAspect="1"/>
-          </p:cNvPicPr>
-          <p:nvPr/>
-        </p:nvPicPr>
-        <p:blipFill rotWithShape="1">
-          <a:blip r:embed="rId3">
-            <a:duotone>
-              <a:schemeClr val="accent6">
-                <a:shade val="45000"/>
-                <a:satMod val="135000"/>
-              </a:schemeClr>
-              <a:prstClr val="white"/>
-            </a:duotone>
-          </a:blip>
-          <a:srcRect l="79440" r="1"/>
-          <a:stretch/>
-        </p:blipFill>
-        <p:spPr>
-          <a:xfrm>
-            <a:off x="10042515" y="7849877"/>
-            <a:ext cx="777946" cy="682725"/>
-          </a:xfrm>
-          <a:prstGeom prst="rect">
-            <a:avLst/>
-          </a:prstGeom>
-        </p:spPr>
-      </p:pic>
-      <p:pic>
-        <p:nvPicPr>
-          <p:cNvPr id="103" name="Picture 102">
-            <a:extLst>
-              <a:ext uri="{FF2B5EF4-FFF2-40B4-BE49-F238E27FC236}">
-                <a16:creationId xmlns:a16="http://schemas.microsoft.com/office/drawing/2014/main" id="{A0FE1105-C03A-1B48-B7AD-FBBC0E5C79C2}"/>
-              </a:ext>
-            </a:extLst>
-          </p:cNvPr>
-          <p:cNvPicPr>
-            <a:picLocks noChangeAspect="1"/>
-          </p:cNvPicPr>
-          <p:nvPr/>
-        </p:nvPicPr>
-        <p:blipFill rotWithShape="1">
-          <a:blip r:embed="rId3">
-            <a:duotone>
-              <a:schemeClr val="accent6">
-                <a:shade val="45000"/>
-                <a:satMod val="135000"/>
-              </a:schemeClr>
-              <a:prstClr val="white"/>
-            </a:duotone>
-          </a:blip>
-          <a:srcRect l="84254" r="1"/>
-          <a:stretch/>
-        </p:blipFill>
-        <p:spPr>
-          <a:xfrm>
-            <a:off x="10800783" y="7835434"/>
-            <a:ext cx="595784" cy="682725"/>
-          </a:xfrm>
-          <a:prstGeom prst="rect">
-            <a:avLst/>
-          </a:prstGeom>
-        </p:spPr>
-      </p:pic>
-      <p:pic>
-        <p:nvPicPr>
-          <p:cNvPr id="104" name="Picture 103">
-            <a:extLst>
-              <a:ext uri="{FF2B5EF4-FFF2-40B4-BE49-F238E27FC236}">
-                <a16:creationId xmlns:a16="http://schemas.microsoft.com/office/drawing/2014/main" id="{3C51DDB3-9A16-4744-9716-0FB833746B6D}"/>
-              </a:ext>
-            </a:extLst>
-          </p:cNvPr>
-          <p:cNvPicPr>
-            <a:picLocks noChangeAspect="1"/>
-          </p:cNvPicPr>
-          <p:nvPr/>
-        </p:nvPicPr>
-        <p:blipFill rotWithShape="1">
-          <a:blip r:embed="rId3">
-            <a:duotone>
-              <a:schemeClr val="accent6">
-                <a:shade val="45000"/>
-                <a:satMod val="135000"/>
-              </a:schemeClr>
-              <a:prstClr val="white"/>
-            </a:duotone>
-          </a:blip>
-          <a:srcRect l="84750" r="1"/>
-          <a:stretch/>
-        </p:blipFill>
-        <p:spPr>
-          <a:xfrm>
-            <a:off x="11373105" y="7845907"/>
-            <a:ext cx="577025" cy="682725"/>
-          </a:xfrm>
-          <a:prstGeom prst="rect">
-            <a:avLst/>
-          </a:prstGeom>
-        </p:spPr>
-      </p:pic>
-      <p:pic>
-        <p:nvPicPr>
-          <p:cNvPr id="105" name="Picture 104">
-            <a:extLst>
-              <a:ext uri="{FF2B5EF4-FFF2-40B4-BE49-F238E27FC236}">
-                <a16:creationId xmlns:a16="http://schemas.microsoft.com/office/drawing/2014/main" id="{D9814E75-55FE-EC45-88CD-0CAF276BEF85}"/>
-              </a:ext>
-            </a:extLst>
-          </p:cNvPr>
-          <p:cNvPicPr>
-            <a:picLocks noChangeAspect="1"/>
-          </p:cNvPicPr>
-          <p:nvPr/>
-        </p:nvPicPr>
-        <p:blipFill rotWithShape="1">
-          <a:blip r:embed="rId4">
-            <a:duotone>
-              <a:schemeClr val="accent6">
-                <a:shade val="45000"/>
-                <a:satMod val="135000"/>
-              </a:schemeClr>
-              <a:prstClr val="white"/>
-            </a:duotone>
-            <a:extLst>
-              <a:ext uri="{BEBA8EAE-BF5A-486C-A8C5-ECC9F3942E4B}">
-                <a14:imgProps xmlns:a14="http://schemas.microsoft.com/office/drawing/2010/main">
-                  <a14:imgLayer r:embed="rId5">
-                    <a14:imgEffect>
-                      <a14:brightnessContrast bright="40000" contrast="-40000"/>
-                    </a14:imgEffect>
-                  </a14:imgLayer>
-                </a14:imgProps>
-              </a:ext>
-            </a:extLst>
-          </a:blip>
-          <a:srcRect l="79440" r="1"/>
-          <a:stretch/>
-        </p:blipFill>
-        <p:spPr>
-          <a:xfrm>
-            <a:off x="8172728" y="7872739"/>
-            <a:ext cx="777946" cy="682725"/>
-          </a:xfrm>
-          <a:prstGeom prst="rect">
-            <a:avLst/>
-          </a:prstGeom>
-        </p:spPr>
-      </p:pic>
-      <p:pic>
-        <p:nvPicPr>
-          <p:cNvPr id="106" name="Picture 105">
-            <a:extLst>
-              <a:ext uri="{FF2B5EF4-FFF2-40B4-BE49-F238E27FC236}">
-                <a16:creationId xmlns:a16="http://schemas.microsoft.com/office/drawing/2014/main" id="{F7AF8741-D128-FB46-98B5-AFBE03F20011}"/>
-              </a:ext>
-            </a:extLst>
-          </p:cNvPr>
-          <p:cNvPicPr>
-            <a:picLocks noChangeAspect="1"/>
-          </p:cNvPicPr>
-          <p:nvPr/>
-        </p:nvPicPr>
-        <p:blipFill rotWithShape="1">
-          <a:blip r:embed="rId3">
-            <a:duotone>
-              <a:schemeClr val="accent6">
-                <a:shade val="45000"/>
-                <a:satMod val="135000"/>
-              </a:schemeClr>
-              <a:prstClr val="white"/>
-            </a:duotone>
-          </a:blip>
-          <a:srcRect l="84254" r="1"/>
-          <a:stretch/>
-        </p:blipFill>
-        <p:spPr>
-          <a:xfrm>
-            <a:off x="8981487" y="7858604"/>
-            <a:ext cx="595784" cy="682725"/>
-          </a:xfrm>
-          <a:prstGeom prst="rect">
-            <a:avLst/>
-          </a:prstGeom>
-        </p:spPr>
-      </p:pic>
-      <p:pic>
-        <p:nvPicPr>
-          <p:cNvPr id="107" name="Picture 106">
-            <a:extLst>
-              <a:ext uri="{FF2B5EF4-FFF2-40B4-BE49-F238E27FC236}">
-                <a16:creationId xmlns:a16="http://schemas.microsoft.com/office/drawing/2014/main" id="{95F2F1A0-EB73-524E-B937-15B8D948A3EB}"/>
-              </a:ext>
-            </a:extLst>
-          </p:cNvPr>
-          <p:cNvPicPr>
-            <a:picLocks noChangeAspect="1"/>
-          </p:cNvPicPr>
-          <p:nvPr/>
-        </p:nvPicPr>
-        <p:blipFill rotWithShape="1">
-          <a:blip r:embed="rId3">
-            <a:duotone>
-              <a:schemeClr val="accent6">
-                <a:shade val="45000"/>
-                <a:satMod val="135000"/>
-              </a:schemeClr>
-              <a:prstClr val="white"/>
-            </a:duotone>
-          </a:blip>
-          <a:srcRect l="82523" r="1"/>
-          <a:stretch/>
-        </p:blipFill>
-        <p:spPr>
-          <a:xfrm>
-            <a:off x="9553002" y="7865075"/>
-            <a:ext cx="661268" cy="682725"/>
-          </a:xfrm>
-          <a:prstGeom prst="rect">
-            <a:avLst/>
-          </a:prstGeom>
-        </p:spPr>
-      </p:pic>
-      <p:pic>
-        <p:nvPicPr>
-          <p:cNvPr id="108" name="Picture 107">
-            <a:extLst>
-              <a:ext uri="{FF2B5EF4-FFF2-40B4-BE49-F238E27FC236}">
-                <a16:creationId xmlns:a16="http://schemas.microsoft.com/office/drawing/2014/main" id="{6798E348-0077-4A4E-9264-EB4B0BD1025F}"/>
-              </a:ext>
-            </a:extLst>
-          </p:cNvPr>
-          <p:cNvPicPr>
-            <a:picLocks noChangeAspect="1"/>
-          </p:cNvPicPr>
-          <p:nvPr/>
-        </p:nvPicPr>
-        <p:blipFill>
-          <a:blip r:embed="rId6">
-            <a:duotone>
-              <a:schemeClr val="accent6">
-                <a:shade val="45000"/>
-                <a:satMod val="135000"/>
-              </a:schemeClr>
-              <a:prstClr val="white"/>
-            </a:duotone>
-            <a:extLst>
-              <a:ext uri="{BEBA8EAE-BF5A-486C-A8C5-ECC9F3942E4B}">
-                <a14:imgProps xmlns:a14="http://schemas.microsoft.com/office/drawing/2010/main">
-                  <a14:imgLayer r:embed="rId7">
-                    <a14:imgEffect>
-                      <a14:sharpenSoften amount="50000"/>
-                    </a14:imgEffect>
-                  </a14:imgLayer>
-                </a14:imgProps>
-              </a:ext>
-            </a:extLst>
-          </a:blip>
-          <a:stretch>
-            <a:fillRect/>
-          </a:stretch>
-        </p:blipFill>
-        <p:spPr>
-          <a:xfrm>
-            <a:off x="7125102" y="8018862"/>
-            <a:ext cx="1037517" cy="487880"/>
-          </a:xfrm>
-          <a:prstGeom prst="rect">
-            <a:avLst/>
-          </a:prstGeom>
-        </p:spPr>
-      </p:pic>
-      <p:pic>
-        <p:nvPicPr>
-          <p:cNvPr id="109" name="Picture 108">
-            <a:extLst>
-              <a:ext uri="{FF2B5EF4-FFF2-40B4-BE49-F238E27FC236}">
-                <a16:creationId xmlns:a16="http://schemas.microsoft.com/office/drawing/2014/main" id="{D13F971E-0912-1A49-95BF-FF40DE829957}"/>
-              </a:ext>
-            </a:extLst>
-          </p:cNvPr>
-          <p:cNvPicPr>
-            <a:picLocks noChangeAspect="1"/>
-          </p:cNvPicPr>
-          <p:nvPr/>
-        </p:nvPicPr>
-        <p:blipFill>
-          <a:blip r:embed="rId6">
-            <a:duotone>
-              <a:schemeClr val="accent6">
-                <a:shade val="45000"/>
-                <a:satMod val="135000"/>
-              </a:schemeClr>
-              <a:prstClr val="white"/>
-            </a:duotone>
-            <a:extLst>
-              <a:ext uri="{BEBA8EAE-BF5A-486C-A8C5-ECC9F3942E4B}">
-                <a14:imgProps xmlns:a14="http://schemas.microsoft.com/office/drawing/2010/main">
-                  <a14:imgLayer r:embed="rId8">
-                    <a14:imgEffect>
-                      <a14:sharpenSoften amount="50000"/>
-                    </a14:imgEffect>
-                  </a14:imgLayer>
-                </a14:imgProps>
-              </a:ext>
-            </a:extLst>
-          </a:blip>
-          <a:stretch>
-            <a:fillRect/>
-          </a:stretch>
-        </p:blipFill>
-        <p:spPr>
-          <a:xfrm>
-            <a:off x="6081884" y="8014134"/>
-            <a:ext cx="1037517" cy="487880"/>
-          </a:xfrm>
-          <a:prstGeom prst="rect">
-            <a:avLst/>
-          </a:prstGeom>
-        </p:spPr>
-      </p:pic>
-      <p:pic>
-        <p:nvPicPr>
-          <p:cNvPr id="110" name="Picture 109">
-            <a:extLst>
-              <a:ext uri="{FF2B5EF4-FFF2-40B4-BE49-F238E27FC236}">
-                <a16:creationId xmlns:a16="http://schemas.microsoft.com/office/drawing/2014/main" id="{8C7ECE65-C759-7841-8DCA-564F435D7183}"/>
-              </a:ext>
-            </a:extLst>
-          </p:cNvPr>
-          <p:cNvPicPr>
-            <a:picLocks noChangeAspect="1"/>
-          </p:cNvPicPr>
-          <p:nvPr/>
-        </p:nvPicPr>
-        <p:blipFill>
-          <a:blip r:embed="rId6">
-            <a:duotone>
-              <a:schemeClr val="accent6">
-                <a:shade val="45000"/>
-                <a:satMod val="135000"/>
-              </a:schemeClr>
-              <a:prstClr val="white"/>
-            </a:duotone>
-            <a:extLst>
-              <a:ext uri="{BEBA8EAE-BF5A-486C-A8C5-ECC9F3942E4B}">
-                <a14:imgProps xmlns:a14="http://schemas.microsoft.com/office/drawing/2010/main">
-                  <a14:imgLayer r:embed="rId9">
-                    <a14:imgEffect>
-                      <a14:sharpenSoften amount="50000"/>
-                    </a14:imgEffect>
-                  </a14:imgLayer>
-                </a14:imgProps>
-              </a:ext>
-            </a:extLst>
-          </a:blip>
-          <a:stretch>
-            <a:fillRect/>
-          </a:stretch>
-        </p:blipFill>
-        <p:spPr>
-          <a:xfrm>
-            <a:off x="5044367" y="7998912"/>
-            <a:ext cx="1037517" cy="487880"/>
-          </a:xfrm>
-          <a:prstGeom prst="rect">
-            <a:avLst/>
-          </a:prstGeom>
-        </p:spPr>
-      </p:pic>
-      <p:pic>
-        <p:nvPicPr>
-          <p:cNvPr id="114" name="Picture 113">
-            <a:extLst>
-              <a:ext uri="{FF2B5EF4-FFF2-40B4-BE49-F238E27FC236}">
-                <a16:creationId xmlns:a16="http://schemas.microsoft.com/office/drawing/2014/main" id="{2720AF96-91FF-2547-9AAC-74D36168ED0A}"/>
-              </a:ext>
-            </a:extLst>
-          </p:cNvPr>
-          <p:cNvPicPr>
-            <a:picLocks noChangeAspect="1"/>
-          </p:cNvPicPr>
-          <p:nvPr/>
-        </p:nvPicPr>
-        <p:blipFill rotWithShape="1">
-          <a:blip r:embed="rId3">
-            <a:biLevel thresh="75000"/>
-          </a:blip>
-          <a:srcRect l="37527" r="45414"/>
-          <a:stretch/>
-        </p:blipFill>
-        <p:spPr>
-          <a:xfrm>
-            <a:off x="7016032" y="7075589"/>
-            <a:ext cx="645459" cy="682725"/>
-          </a:xfrm>
-          <a:prstGeom prst="rect">
-            <a:avLst/>
-          </a:prstGeom>
-        </p:spPr>
-      </p:pic>
-      <p:pic>
-        <p:nvPicPr>
-          <p:cNvPr id="115" name="Picture 114">
-            <a:extLst>
-              <a:ext uri="{FF2B5EF4-FFF2-40B4-BE49-F238E27FC236}">
-                <a16:creationId xmlns:a16="http://schemas.microsoft.com/office/drawing/2014/main" id="{DA1E8F8B-3050-9C42-AE19-8245E8F33FA4}"/>
-              </a:ext>
-            </a:extLst>
-          </p:cNvPr>
-          <p:cNvPicPr>
-            <a:picLocks noChangeAspect="1"/>
-          </p:cNvPicPr>
-          <p:nvPr/>
-        </p:nvPicPr>
-        <p:blipFill rotWithShape="1">
-          <a:blip r:embed="rId3">
-            <a:biLevel thresh="75000"/>
-          </a:blip>
-          <a:srcRect l="37527" r="45414"/>
-          <a:stretch/>
-        </p:blipFill>
-        <p:spPr>
-          <a:xfrm>
-            <a:off x="6387332" y="7065441"/>
-            <a:ext cx="645459" cy="682725"/>
-          </a:xfrm>
-          <a:prstGeom prst="rect">
-            <a:avLst/>
-          </a:prstGeom>
-        </p:spPr>
-      </p:pic>
-      <p:pic>
-        <p:nvPicPr>
-          <p:cNvPr id="116" name="Picture 115">
-            <a:extLst>
-              <a:ext uri="{FF2B5EF4-FFF2-40B4-BE49-F238E27FC236}">
-                <a16:creationId xmlns:a16="http://schemas.microsoft.com/office/drawing/2014/main" id="{44B15169-18A6-7346-B9E6-53A8F6B9B5CD}"/>
-              </a:ext>
-            </a:extLst>
-          </p:cNvPr>
-          <p:cNvPicPr>
-            <a:picLocks noChangeAspect="1"/>
-          </p:cNvPicPr>
-          <p:nvPr/>
-        </p:nvPicPr>
-        <p:blipFill rotWithShape="1">
-          <a:blip r:embed="rId3">
-            <a:biLevel thresh="75000"/>
-          </a:blip>
-          <a:srcRect l="37527" r="45414"/>
-          <a:stretch/>
-        </p:blipFill>
-        <p:spPr>
-          <a:xfrm>
-            <a:off x="7872427" y="7066476"/>
-            <a:ext cx="645459" cy="682725"/>
-          </a:xfrm>
-          <a:prstGeom prst="rect">
-            <a:avLst/>
-          </a:prstGeom>
-        </p:spPr>
-      </p:pic>
-      <p:pic>
-        <p:nvPicPr>
-          <p:cNvPr id="117" name="Picture 116">
-            <a:extLst>
-              <a:ext uri="{FF2B5EF4-FFF2-40B4-BE49-F238E27FC236}">
-                <a16:creationId xmlns:a16="http://schemas.microsoft.com/office/drawing/2014/main" id="{4C9EB811-B6AA-9841-ABA9-818FEEF8F0DF}"/>
-              </a:ext>
-            </a:extLst>
-          </p:cNvPr>
-          <p:cNvPicPr>
-            <a:picLocks noChangeAspect="1"/>
-          </p:cNvPicPr>
-          <p:nvPr/>
-        </p:nvPicPr>
-        <p:blipFill rotWithShape="1">
-          <a:blip r:embed="rId3">
-            <a:biLevel thresh="75000"/>
-          </a:blip>
-          <a:srcRect l="79440" r="1"/>
-          <a:stretch/>
-        </p:blipFill>
-        <p:spPr>
-          <a:xfrm>
-            <a:off x="9445940" y="7060517"/>
-            <a:ext cx="777946" cy="682725"/>
-          </a:xfrm>
-          <a:prstGeom prst="rect">
-            <a:avLst/>
-          </a:prstGeom>
-        </p:spPr>
-      </p:pic>
-      <p:pic>
-        <p:nvPicPr>
-          <p:cNvPr id="118" name="Picture 117">
-            <a:extLst>
-              <a:ext uri="{FF2B5EF4-FFF2-40B4-BE49-F238E27FC236}">
-                <a16:creationId xmlns:a16="http://schemas.microsoft.com/office/drawing/2014/main" id="{32F9F375-3F3D-3E45-AB98-9869FBEB7170}"/>
-              </a:ext>
-            </a:extLst>
-          </p:cNvPr>
-          <p:cNvPicPr>
-            <a:picLocks noChangeAspect="1"/>
-          </p:cNvPicPr>
-          <p:nvPr/>
-        </p:nvPicPr>
-        <p:blipFill rotWithShape="1">
-          <a:blip r:embed="rId3">
-            <a:biLevel thresh="75000"/>
-          </a:blip>
-          <a:srcRect l="37527" r="45414"/>
-          <a:stretch/>
-        </p:blipFill>
-        <p:spPr>
-          <a:xfrm>
-            <a:off x="7367471" y="7065440"/>
-            <a:ext cx="645459" cy="682725"/>
-          </a:xfrm>
-          <a:prstGeom prst="rect">
-            <a:avLst/>
-          </a:prstGeom>
-        </p:spPr>
-      </p:pic>
-      <p:pic>
-        <p:nvPicPr>
-          <p:cNvPr id="119" name="Picture 118">
-            <a:extLst>
-              <a:ext uri="{FF2B5EF4-FFF2-40B4-BE49-F238E27FC236}">
-                <a16:creationId xmlns:a16="http://schemas.microsoft.com/office/drawing/2014/main" id="{07C510C4-5CBB-C141-9C8D-18E442FD7A6B}"/>
-              </a:ext>
-            </a:extLst>
-          </p:cNvPr>
-          <p:cNvPicPr>
-            <a:picLocks noChangeAspect="1"/>
-          </p:cNvPicPr>
-          <p:nvPr/>
-        </p:nvPicPr>
-        <p:blipFill rotWithShape="1">
-          <a:blip r:embed="rId6">
-            <a:duotone>
-              <a:schemeClr val="accent6">
-                <a:shade val="45000"/>
-                <a:satMod val="135000"/>
-              </a:schemeClr>
-              <a:prstClr val="white"/>
-            </a:duotone>
-            <a:extLst>
-              <a:ext uri="{BEBA8EAE-BF5A-486C-A8C5-ECC9F3942E4B}">
-                <a14:imgProps xmlns:a14="http://schemas.microsoft.com/office/drawing/2010/main">
-                  <a14:imgLayer r:embed="rId10">
-                    <a14:imgEffect>
-                      <a14:sharpenSoften amount="50000"/>
-                    </a14:imgEffect>
-                  </a14:imgLayer>
-                </a14:imgProps>
-              </a:ext>
-            </a:extLst>
-          </a:blip>
-          <a:srcRect l="29252"/>
-          <a:stretch/>
-        </p:blipFill>
-        <p:spPr>
-          <a:xfrm>
-            <a:off x="1989151" y="8008438"/>
-            <a:ext cx="734020" cy="487880"/>
-          </a:xfrm>
-          <a:prstGeom prst="rect">
-            <a:avLst/>
-          </a:prstGeom>
-        </p:spPr>
-      </p:pic>
-      <p:pic>
-        <p:nvPicPr>
-          <p:cNvPr id="120" name="Picture 119">
-            <a:extLst>
-              <a:ext uri="{FF2B5EF4-FFF2-40B4-BE49-F238E27FC236}">
-                <a16:creationId xmlns:a16="http://schemas.microsoft.com/office/drawing/2014/main" id="{9EB759C6-3DAB-7640-8FA9-BFA59098FCE8}"/>
-              </a:ext>
-            </a:extLst>
-          </p:cNvPr>
-          <p:cNvPicPr>
-            <a:picLocks noChangeAspect="1"/>
-          </p:cNvPicPr>
-          <p:nvPr/>
-        </p:nvPicPr>
-        <p:blipFill>
-          <a:blip r:embed="rId6">
-            <a:duotone>
-              <a:schemeClr val="accent6">
-                <a:shade val="45000"/>
-                <a:satMod val="135000"/>
-              </a:schemeClr>
-              <a:prstClr val="white"/>
-            </a:duotone>
-            <a:extLst>
-              <a:ext uri="{BEBA8EAE-BF5A-486C-A8C5-ECC9F3942E4B}">
-                <a14:imgProps xmlns:a14="http://schemas.microsoft.com/office/drawing/2010/main">
-                  <a14:imgLayer r:embed="rId11">
-                    <a14:imgEffect>
-                      <a14:sharpenSoften amount="50000"/>
-                    </a14:imgEffect>
-                  </a14:imgLayer>
-                </a14:imgProps>
-              </a:ext>
-            </a:extLst>
-          </a:blip>
-          <a:stretch>
-            <a:fillRect/>
-          </a:stretch>
-        </p:blipFill>
-        <p:spPr>
-          <a:xfrm>
-            <a:off x="3363615" y="8021706"/>
-            <a:ext cx="1037517" cy="487880"/>
-          </a:xfrm>
-          <a:prstGeom prst="rect">
-            <a:avLst/>
-          </a:prstGeom>
-        </p:spPr>
-      </p:pic>
-      <p:pic>
-        <p:nvPicPr>
-          <p:cNvPr id="121" name="Picture 120">
-            <a:extLst>
-              <a:ext uri="{FF2B5EF4-FFF2-40B4-BE49-F238E27FC236}">
-                <a16:creationId xmlns:a16="http://schemas.microsoft.com/office/drawing/2014/main" id="{B5847947-D1D0-E342-9680-AFA8F6560FC2}"/>
-              </a:ext>
-            </a:extLst>
-          </p:cNvPr>
-          <p:cNvPicPr>
-            <a:picLocks noChangeAspect="1"/>
-          </p:cNvPicPr>
-          <p:nvPr/>
-        </p:nvPicPr>
-        <p:blipFill rotWithShape="1">
-          <a:blip r:embed="rId12">
-            <a:duotone>
-              <a:schemeClr val="accent6">
-                <a:shade val="45000"/>
-                <a:satMod val="135000"/>
-              </a:schemeClr>
-              <a:prstClr val="white"/>
-            </a:duotone>
-            <a:extLst>
-              <a:ext uri="{BEBA8EAE-BF5A-486C-A8C5-ECC9F3942E4B}">
-                <a14:imgProps xmlns:a14="http://schemas.microsoft.com/office/drawing/2010/main">
-                  <a14:imgLayer r:embed="rId13">
-                    <a14:imgEffect>
-                      <a14:sharpenSoften amount="50000"/>
-                    </a14:imgEffect>
-                  </a14:imgLayer>
-                </a14:imgProps>
-              </a:ext>
-            </a:extLst>
-          </a:blip>
-          <a:srcRect l="37527" r="45414"/>
-          <a:stretch/>
-        </p:blipFill>
-        <p:spPr>
-          <a:xfrm>
-            <a:off x="2736059" y="7845871"/>
-            <a:ext cx="645459" cy="682725"/>
-          </a:xfrm>
-          <a:prstGeom prst="rect">
-            <a:avLst/>
-          </a:prstGeom>
-        </p:spPr>
-      </p:pic>
-      <p:pic>
-        <p:nvPicPr>
-          <p:cNvPr id="122" name="Picture 121">
-            <a:extLst>
-              <a:ext uri="{FF2B5EF4-FFF2-40B4-BE49-F238E27FC236}">
-                <a16:creationId xmlns:a16="http://schemas.microsoft.com/office/drawing/2014/main" id="{9C148A86-1537-9441-8B08-7E14827E07FB}"/>
-              </a:ext>
-            </a:extLst>
-          </p:cNvPr>
-          <p:cNvPicPr>
-            <a:picLocks noChangeAspect="1"/>
-          </p:cNvPicPr>
-          <p:nvPr/>
-        </p:nvPicPr>
-        <p:blipFill rotWithShape="1">
-          <a:blip r:embed="rId12">
-            <a:duotone>
-              <a:schemeClr val="accent6">
-                <a:shade val="45000"/>
-                <a:satMod val="135000"/>
-              </a:schemeClr>
-              <a:prstClr val="white"/>
-            </a:duotone>
-            <a:extLst>
-              <a:ext uri="{BEBA8EAE-BF5A-486C-A8C5-ECC9F3942E4B}">
-                <a14:imgProps xmlns:a14="http://schemas.microsoft.com/office/drawing/2010/main">
-                  <a14:imgLayer r:embed="rId14">
-                    <a14:imgEffect>
-                      <a14:sharpenSoften amount="50000"/>
-                    </a14:imgEffect>
-                  </a14:imgLayer>
-                </a14:imgProps>
-              </a:ext>
-            </a:extLst>
-          </a:blip>
-          <a:srcRect l="37527" r="45414"/>
-          <a:stretch/>
-        </p:blipFill>
-        <p:spPr>
-          <a:xfrm>
-            <a:off x="4421551" y="7831831"/>
-            <a:ext cx="645459" cy="682725"/>
-          </a:xfrm>
-          <a:prstGeom prst="rect">
-            <a:avLst/>
-          </a:prstGeom>
-        </p:spPr>
-      </p:pic>
       <p:grpSp>
         <p:nvGrpSpPr>
           <p:cNvPr id="149" name="Group 148">
@@ -25832,7 +24641,7 @@
             <p:nvPr/>
           </p:nvPicPr>
           <p:blipFill rotWithShape="1">
-            <a:blip r:embed="rId15"/>
+            <a:blip r:embed="rId3"/>
             <a:srcRect t="21054" b="38356"/>
             <a:stretch/>
           </p:blipFill>
@@ -27612,82 +26421,6 @@
           </a:p>
         </p:txBody>
       </p:sp>
-      <p:sp>
-        <p:nvSpPr>
-          <p:cNvPr id="126" name="TextBox 125">
-            <a:extLst>
-              <a:ext uri="{FF2B5EF4-FFF2-40B4-BE49-F238E27FC236}">
-                <a16:creationId xmlns:a16="http://schemas.microsoft.com/office/drawing/2014/main" id="{D29083F1-F3E8-0941-AA7D-6C8914901F21}"/>
-              </a:ext>
-            </a:extLst>
-          </p:cNvPr>
-          <p:cNvSpPr txBox="1"/>
-          <p:nvPr/>
-        </p:nvSpPr>
-        <p:spPr>
-          <a:xfrm>
-            <a:off x="11510946" y="7976800"/>
-            <a:ext cx="2896601" cy="461665"/>
-          </a:xfrm>
-          <a:prstGeom prst="rect">
-            <a:avLst/>
-          </a:prstGeom>
-          <a:noFill/>
-        </p:spPr>
-        <p:txBody>
-          <a:bodyPr wrap="square" rtlCol="0">
-            <a:spAutoFit/>
-          </a:bodyPr>
-          <a:lstStyle/>
-          <a:p>
-            <a:pPr algn="ctr"/>
-            <a:r>
-              <a:rPr lang="en-US" sz="2400" b="1" dirty="0">
-                <a:latin typeface="Helvetica" pitchFamily="2" charset="0"/>
-              </a:rPr>
-              <a:t>Red muscle</a:t>
-            </a:r>
-          </a:p>
-        </p:txBody>
-      </p:sp>
-      <p:sp>
-        <p:nvSpPr>
-          <p:cNvPr id="127" name="TextBox 126">
-            <a:extLst>
-              <a:ext uri="{FF2B5EF4-FFF2-40B4-BE49-F238E27FC236}">
-                <a16:creationId xmlns:a16="http://schemas.microsoft.com/office/drawing/2014/main" id="{5E857DA7-B867-1A44-BA40-B4CD38897329}"/>
-              </a:ext>
-            </a:extLst>
-          </p:cNvPr>
-          <p:cNvSpPr txBox="1"/>
-          <p:nvPr/>
-        </p:nvSpPr>
-        <p:spPr>
-          <a:xfrm>
-            <a:off x="11732479" y="7184566"/>
-            <a:ext cx="2677806" cy="461665"/>
-          </a:xfrm>
-          <a:prstGeom prst="rect">
-            <a:avLst/>
-          </a:prstGeom>
-          <a:noFill/>
-        </p:spPr>
-        <p:txBody>
-          <a:bodyPr wrap="square" rtlCol="0">
-            <a:spAutoFit/>
-          </a:bodyPr>
-          <a:lstStyle/>
-          <a:p>
-            <a:pPr algn="ctr"/>
-            <a:r>
-              <a:rPr lang="en-US" sz="2400" b="1" dirty="0">
-                <a:latin typeface="Helvetica" pitchFamily="2" charset="0"/>
-              </a:rPr>
-              <a:t>White muscle</a:t>
-            </a:r>
-          </a:p>
-        </p:txBody>
-      </p:sp>
       <p:pic>
         <p:nvPicPr>
           <p:cNvPr id="128" name="Picture 127">
@@ -27703,7 +26436,7 @@
           <p:nvPr/>
         </p:nvPicPr>
         <p:blipFill rotWithShape="1">
-          <a:blip r:embed="rId3">
+          <a:blip r:embed="rId4">
             <a:biLevel thresh="75000"/>
           </a:blip>
           <a:srcRect l="67617"/>
@@ -27734,7 +26467,7 @@
           <p:nvPr/>
         </p:nvPicPr>
         <p:blipFill>
-          <a:blip r:embed="rId6">
+          <a:blip r:embed="rId5">
             <a:duotone>
               <a:schemeClr val="accent6">
                 <a:shade val="45000"/>
@@ -27745,7 +26478,7 @@
             <a:extLst>
               <a:ext uri="{BEBA8EAE-BF5A-486C-A8C5-ECC9F3942E4B}">
                 <a14:imgProps xmlns:a14="http://schemas.microsoft.com/office/drawing/2010/main">
-                  <a14:imgLayer r:embed="rId16">
+                  <a14:imgLayer r:embed="rId6">
                     <a14:imgEffect>
                       <a14:sharpenSoften amount="50000"/>
                     </a14:imgEffect>
@@ -27768,55 +26501,1221 @@
           </a:prstGeom>
         </p:spPr>
       </p:pic>
-      <p:pic>
-        <p:nvPicPr>
-          <p:cNvPr id="130" name="Picture 129">
+      <p:grpSp>
+        <p:nvGrpSpPr>
+          <p:cNvPr id="2" name="Group 1">
             <a:extLst>
               <a:ext uri="{FF2B5EF4-FFF2-40B4-BE49-F238E27FC236}">
-                <a16:creationId xmlns:a16="http://schemas.microsoft.com/office/drawing/2014/main" id="{EF867485-D35D-1248-B386-FE405BB8BF80}"/>
+                <a16:creationId xmlns:a16="http://schemas.microsoft.com/office/drawing/2014/main" id="{069BBE43-4C9E-85A3-3A56-F1FF8939FEF8}"/>
               </a:ext>
             </a:extLst>
           </p:cNvPr>
-          <p:cNvPicPr>
-            <a:picLocks noChangeAspect="1"/>
-          </p:cNvPicPr>
+          <p:cNvGrpSpPr/>
           <p:nvPr/>
-        </p:nvPicPr>
-        <p:blipFill>
-          <a:blip r:embed="rId6">
-            <a:duotone>
-              <a:schemeClr val="accent6">
-                <a:shade val="45000"/>
-                <a:satMod val="135000"/>
-              </a:schemeClr>
-              <a:prstClr val="white"/>
-            </a:duotone>
-            <a:extLst>
-              <a:ext uri="{BEBA8EAE-BF5A-486C-A8C5-ECC9F3942E4B}">
-                <a14:imgProps xmlns:a14="http://schemas.microsoft.com/office/drawing/2010/main">
-                  <a14:imgLayer r:embed="rId17">
-                    <a14:imgEffect>
-                      <a14:sharpenSoften amount="50000"/>
-                    </a14:imgEffect>
-                  </a14:imgLayer>
-                </a14:imgProps>
-              </a:ext>
-            </a:extLst>
-          </a:blip>
-          <a:stretch>
-            <a:fillRect/>
-          </a:stretch>
-        </p:blipFill>
-        <p:spPr>
+        </p:nvGrpSpPr>
+        <p:grpSpPr>
           <a:xfrm>
-            <a:off x="13933974" y="7945725"/>
-            <a:ext cx="776861" cy="365310"/>
+            <a:off x="1972556" y="7002333"/>
+            <a:ext cx="12738279" cy="1553131"/>
+            <a:chOff x="1972556" y="7002333"/>
+            <a:chExt cx="12738279" cy="1553131"/>
           </a:xfrm>
-          <a:prstGeom prst="rect">
-            <a:avLst/>
-          </a:prstGeom>
-        </p:spPr>
-      </p:pic>
+        </p:grpSpPr>
+        <p:pic>
+          <p:nvPicPr>
+            <p:cNvPr id="29" name="Picture 28">
+              <a:extLst>
+                <a:ext uri="{FF2B5EF4-FFF2-40B4-BE49-F238E27FC236}">
+                  <a16:creationId xmlns:a16="http://schemas.microsoft.com/office/drawing/2014/main" id="{A3960313-0B07-6F4C-A7B2-50897918CEFA}"/>
+                </a:ext>
+              </a:extLst>
+            </p:cNvPr>
+            <p:cNvPicPr>
+              <a:picLocks noChangeAspect="1"/>
+            </p:cNvPicPr>
+            <p:nvPr/>
+          </p:nvPicPr>
+          <p:blipFill rotWithShape="1">
+            <a:blip r:embed="rId4">
+              <a:biLevel thresh="75000"/>
+            </a:blip>
+            <a:srcRect l="67617"/>
+            <a:stretch/>
+          </p:blipFill>
+          <p:spPr>
+            <a:xfrm>
+              <a:off x="8457053" y="7039843"/>
+              <a:ext cx="1225367" cy="682725"/>
+            </a:xfrm>
+            <a:prstGeom prst="rect">
+              <a:avLst/>
+            </a:prstGeom>
+          </p:spPr>
+        </p:pic>
+        <p:pic>
+          <p:nvPicPr>
+            <p:cNvPr id="92" name="Picture 91">
+              <a:extLst>
+                <a:ext uri="{FF2B5EF4-FFF2-40B4-BE49-F238E27FC236}">
+                  <a16:creationId xmlns:a16="http://schemas.microsoft.com/office/drawing/2014/main" id="{014397EB-9CA5-A34C-ABC4-681AA44DABDD}"/>
+                </a:ext>
+              </a:extLst>
+            </p:cNvPr>
+            <p:cNvPicPr>
+              <a:picLocks noChangeAspect="1"/>
+            </p:cNvPicPr>
+            <p:nvPr/>
+          </p:nvPicPr>
+          <p:blipFill rotWithShape="1">
+            <a:blip r:embed="rId4">
+              <a:biLevel thresh="75000"/>
+            </a:blip>
+            <a:srcRect l="79440" r="1"/>
+            <a:stretch/>
+          </p:blipFill>
+          <p:spPr>
+            <a:xfrm>
+              <a:off x="10106403" y="7026622"/>
+              <a:ext cx="777946" cy="682725"/>
+            </a:xfrm>
+            <a:prstGeom prst="rect">
+              <a:avLst/>
+            </a:prstGeom>
+          </p:spPr>
+        </p:pic>
+        <p:pic>
+          <p:nvPicPr>
+            <p:cNvPr id="93" name="Picture 92">
+              <a:extLst>
+                <a:ext uri="{FF2B5EF4-FFF2-40B4-BE49-F238E27FC236}">
+                  <a16:creationId xmlns:a16="http://schemas.microsoft.com/office/drawing/2014/main" id="{BBCC986A-35FA-7A44-B9F4-A90F1F9DA4B6}"/>
+                </a:ext>
+              </a:extLst>
+            </p:cNvPr>
+            <p:cNvPicPr>
+              <a:picLocks noChangeAspect="1"/>
+            </p:cNvPicPr>
+            <p:nvPr/>
+          </p:nvPicPr>
+          <p:blipFill rotWithShape="1">
+            <a:blip r:embed="rId4">
+              <a:biLevel thresh="75000"/>
+            </a:blip>
+            <a:srcRect l="84254" r="1"/>
+            <a:stretch/>
+          </p:blipFill>
+          <p:spPr>
+            <a:xfrm>
+              <a:off x="10872829" y="7012488"/>
+              <a:ext cx="595784" cy="682725"/>
+            </a:xfrm>
+            <a:prstGeom prst="rect">
+              <a:avLst/>
+            </a:prstGeom>
+          </p:spPr>
+        </p:pic>
+        <p:pic>
+          <p:nvPicPr>
+            <p:cNvPr id="94" name="Picture 93">
+              <a:extLst>
+                <a:ext uri="{FF2B5EF4-FFF2-40B4-BE49-F238E27FC236}">
+                  <a16:creationId xmlns:a16="http://schemas.microsoft.com/office/drawing/2014/main" id="{CD328EA6-FA4B-3343-A860-08DBC5C46DBA}"/>
+                </a:ext>
+              </a:extLst>
+            </p:cNvPr>
+            <p:cNvPicPr>
+              <a:picLocks noChangeAspect="1"/>
+            </p:cNvPicPr>
+            <p:nvPr/>
+          </p:nvPicPr>
+          <p:blipFill rotWithShape="1">
+            <a:blip r:embed="rId4">
+              <a:biLevel thresh="75000"/>
+            </a:blip>
+            <a:srcRect l="84750" r="1"/>
+            <a:stretch/>
+          </p:blipFill>
+          <p:spPr>
+            <a:xfrm>
+              <a:off x="11427291" y="7002333"/>
+              <a:ext cx="577025" cy="682725"/>
+            </a:xfrm>
+            <a:prstGeom prst="rect">
+              <a:avLst/>
+            </a:prstGeom>
+          </p:spPr>
+        </p:pic>
+        <p:pic>
+          <p:nvPicPr>
+            <p:cNvPr id="95" name="Picture 94">
+              <a:extLst>
+                <a:ext uri="{FF2B5EF4-FFF2-40B4-BE49-F238E27FC236}">
+                  <a16:creationId xmlns:a16="http://schemas.microsoft.com/office/drawing/2014/main" id="{425F4FBF-9E14-D24D-84D9-6B90BAA9B7AA}"/>
+                </a:ext>
+              </a:extLst>
+            </p:cNvPr>
+            <p:cNvPicPr>
+              <a:picLocks noChangeAspect="1"/>
+            </p:cNvPicPr>
+            <p:nvPr/>
+          </p:nvPicPr>
+          <p:blipFill rotWithShape="1">
+            <a:blip r:embed="rId4">
+              <a:biLevel thresh="75000"/>
+            </a:blip>
+            <a:srcRect l="37527" r="45414"/>
+            <a:stretch/>
+          </p:blipFill>
+          <p:spPr>
+            <a:xfrm>
+              <a:off x="5752110" y="7055302"/>
+              <a:ext cx="645459" cy="682725"/>
+            </a:xfrm>
+            <a:prstGeom prst="rect">
+              <a:avLst/>
+            </a:prstGeom>
+          </p:spPr>
+        </p:pic>
+        <p:pic>
+          <p:nvPicPr>
+            <p:cNvPr id="96" name="Picture 95">
+              <a:extLst>
+                <a:ext uri="{FF2B5EF4-FFF2-40B4-BE49-F238E27FC236}">
+                  <a16:creationId xmlns:a16="http://schemas.microsoft.com/office/drawing/2014/main" id="{908D9F47-0B8D-7946-823D-B66E8C5C6B41}"/>
+                </a:ext>
+              </a:extLst>
+            </p:cNvPr>
+            <p:cNvPicPr>
+              <a:picLocks noChangeAspect="1"/>
+            </p:cNvPicPr>
+            <p:nvPr/>
+          </p:nvPicPr>
+          <p:blipFill rotWithShape="1">
+            <a:blip r:embed="rId4">
+              <a:biLevel thresh="75000"/>
+            </a:blip>
+            <a:srcRect l="37527" r="45414"/>
+            <a:stretch/>
+          </p:blipFill>
+          <p:spPr>
+            <a:xfrm>
+              <a:off x="5123410" y="7045154"/>
+              <a:ext cx="645459" cy="682725"/>
+            </a:xfrm>
+            <a:prstGeom prst="rect">
+              <a:avLst/>
+            </a:prstGeom>
+          </p:spPr>
+        </p:pic>
+        <p:pic>
+          <p:nvPicPr>
+            <p:cNvPr id="97" name="Picture 96">
+              <a:extLst>
+                <a:ext uri="{FF2B5EF4-FFF2-40B4-BE49-F238E27FC236}">
+                  <a16:creationId xmlns:a16="http://schemas.microsoft.com/office/drawing/2014/main" id="{391DCF58-F810-5741-908A-E4280FF35E90}"/>
+                </a:ext>
+              </a:extLst>
+            </p:cNvPr>
+            <p:cNvPicPr>
+              <a:picLocks noChangeAspect="1"/>
+            </p:cNvPicPr>
+            <p:nvPr/>
+          </p:nvPicPr>
+          <p:blipFill rotWithShape="1">
+            <a:blip r:embed="rId4">
+              <a:biLevel thresh="75000"/>
+            </a:blip>
+            <a:srcRect l="37527" r="45414"/>
+            <a:stretch/>
+          </p:blipFill>
+          <p:spPr>
+            <a:xfrm>
+              <a:off x="4509978" y="7035899"/>
+              <a:ext cx="645459" cy="682725"/>
+            </a:xfrm>
+            <a:prstGeom prst="rect">
+              <a:avLst/>
+            </a:prstGeom>
+          </p:spPr>
+        </p:pic>
+        <p:pic>
+          <p:nvPicPr>
+            <p:cNvPr id="98" name="Picture 97">
+              <a:extLst>
+                <a:ext uri="{FF2B5EF4-FFF2-40B4-BE49-F238E27FC236}">
+                  <a16:creationId xmlns:a16="http://schemas.microsoft.com/office/drawing/2014/main" id="{D9E9FC51-DFE1-E640-8A1C-31B3DDE9929F}"/>
+                </a:ext>
+              </a:extLst>
+            </p:cNvPr>
+            <p:cNvPicPr>
+              <a:picLocks noChangeAspect="1"/>
+            </p:cNvPicPr>
+            <p:nvPr/>
+          </p:nvPicPr>
+          <p:blipFill rotWithShape="1">
+            <a:blip r:embed="rId4">
+              <a:biLevel thresh="75000"/>
+            </a:blip>
+            <a:srcRect l="37527" r="45414"/>
+            <a:stretch/>
+          </p:blipFill>
+          <p:spPr>
+            <a:xfrm>
+              <a:off x="3870621" y="7035899"/>
+              <a:ext cx="645459" cy="682725"/>
+            </a:xfrm>
+            <a:prstGeom prst="rect">
+              <a:avLst/>
+            </a:prstGeom>
+          </p:spPr>
+        </p:pic>
+        <p:pic>
+          <p:nvPicPr>
+            <p:cNvPr id="99" name="Picture 98">
+              <a:extLst>
+                <a:ext uri="{FF2B5EF4-FFF2-40B4-BE49-F238E27FC236}">
+                  <a16:creationId xmlns:a16="http://schemas.microsoft.com/office/drawing/2014/main" id="{471DDD5B-D747-9444-BC79-0BF743AB1152}"/>
+                </a:ext>
+              </a:extLst>
+            </p:cNvPr>
+            <p:cNvPicPr>
+              <a:picLocks noChangeAspect="1"/>
+            </p:cNvPicPr>
+            <p:nvPr/>
+          </p:nvPicPr>
+          <p:blipFill rotWithShape="1">
+            <a:blip r:embed="rId4">
+              <a:biLevel thresh="75000"/>
+            </a:blip>
+            <a:srcRect l="37527" r="45414"/>
+            <a:stretch/>
+          </p:blipFill>
+          <p:spPr>
+            <a:xfrm>
+              <a:off x="3242446" y="7035899"/>
+              <a:ext cx="645459" cy="682725"/>
+            </a:xfrm>
+            <a:prstGeom prst="rect">
+              <a:avLst/>
+            </a:prstGeom>
+          </p:spPr>
+        </p:pic>
+        <p:pic>
+          <p:nvPicPr>
+            <p:cNvPr id="100" name="Picture 99">
+              <a:extLst>
+                <a:ext uri="{FF2B5EF4-FFF2-40B4-BE49-F238E27FC236}">
+                  <a16:creationId xmlns:a16="http://schemas.microsoft.com/office/drawing/2014/main" id="{7F4C6137-F33C-F544-BC0D-990B79AB67EE}"/>
+                </a:ext>
+              </a:extLst>
+            </p:cNvPr>
+            <p:cNvPicPr>
+              <a:picLocks noChangeAspect="1"/>
+            </p:cNvPicPr>
+            <p:nvPr/>
+          </p:nvPicPr>
+          <p:blipFill rotWithShape="1">
+            <a:blip r:embed="rId4">
+              <a:biLevel thresh="75000"/>
+            </a:blip>
+            <a:srcRect l="37527" r="45414"/>
+            <a:stretch/>
+          </p:blipFill>
+          <p:spPr>
+            <a:xfrm>
+              <a:off x="2599051" y="7035899"/>
+              <a:ext cx="645459" cy="682725"/>
+            </a:xfrm>
+            <a:prstGeom prst="rect">
+              <a:avLst/>
+            </a:prstGeom>
+          </p:spPr>
+        </p:pic>
+        <p:pic>
+          <p:nvPicPr>
+            <p:cNvPr id="101" name="Picture 100">
+              <a:extLst>
+                <a:ext uri="{FF2B5EF4-FFF2-40B4-BE49-F238E27FC236}">
+                  <a16:creationId xmlns:a16="http://schemas.microsoft.com/office/drawing/2014/main" id="{5A8E8405-BC73-D348-A53F-C1221C1D004E}"/>
+                </a:ext>
+              </a:extLst>
+            </p:cNvPr>
+            <p:cNvPicPr>
+              <a:picLocks noChangeAspect="1"/>
+            </p:cNvPicPr>
+            <p:nvPr/>
+          </p:nvPicPr>
+          <p:blipFill rotWithShape="1">
+            <a:blip r:embed="rId4">
+              <a:biLevel thresh="75000"/>
+            </a:blip>
+            <a:srcRect l="37527" r="45414"/>
+            <a:stretch/>
+          </p:blipFill>
+          <p:spPr>
+            <a:xfrm>
+              <a:off x="1972556" y="7035899"/>
+              <a:ext cx="645459" cy="682725"/>
+            </a:xfrm>
+            <a:prstGeom prst="rect">
+              <a:avLst/>
+            </a:prstGeom>
+          </p:spPr>
+        </p:pic>
+        <p:pic>
+          <p:nvPicPr>
+            <p:cNvPr id="102" name="Picture 101">
+              <a:extLst>
+                <a:ext uri="{FF2B5EF4-FFF2-40B4-BE49-F238E27FC236}">
+                  <a16:creationId xmlns:a16="http://schemas.microsoft.com/office/drawing/2014/main" id="{16952187-EF2B-274E-807D-2E03465E38E5}"/>
+                </a:ext>
+              </a:extLst>
+            </p:cNvPr>
+            <p:cNvPicPr>
+              <a:picLocks noChangeAspect="1"/>
+            </p:cNvPicPr>
+            <p:nvPr/>
+          </p:nvPicPr>
+          <p:blipFill rotWithShape="1">
+            <a:blip r:embed="rId4">
+              <a:duotone>
+                <a:schemeClr val="accent6">
+                  <a:shade val="45000"/>
+                  <a:satMod val="135000"/>
+                </a:schemeClr>
+                <a:prstClr val="white"/>
+              </a:duotone>
+            </a:blip>
+            <a:srcRect l="79440" r="1"/>
+            <a:stretch/>
+          </p:blipFill>
+          <p:spPr>
+            <a:xfrm>
+              <a:off x="10042515" y="7849877"/>
+              <a:ext cx="777946" cy="682725"/>
+            </a:xfrm>
+            <a:prstGeom prst="rect">
+              <a:avLst/>
+            </a:prstGeom>
+          </p:spPr>
+        </p:pic>
+        <p:pic>
+          <p:nvPicPr>
+            <p:cNvPr id="103" name="Picture 102">
+              <a:extLst>
+                <a:ext uri="{FF2B5EF4-FFF2-40B4-BE49-F238E27FC236}">
+                  <a16:creationId xmlns:a16="http://schemas.microsoft.com/office/drawing/2014/main" id="{A0FE1105-C03A-1B48-B7AD-FBBC0E5C79C2}"/>
+                </a:ext>
+              </a:extLst>
+            </p:cNvPr>
+            <p:cNvPicPr>
+              <a:picLocks noChangeAspect="1"/>
+            </p:cNvPicPr>
+            <p:nvPr/>
+          </p:nvPicPr>
+          <p:blipFill rotWithShape="1">
+            <a:blip r:embed="rId4">
+              <a:duotone>
+                <a:schemeClr val="accent6">
+                  <a:shade val="45000"/>
+                  <a:satMod val="135000"/>
+                </a:schemeClr>
+                <a:prstClr val="white"/>
+              </a:duotone>
+            </a:blip>
+            <a:srcRect l="84254" r="1"/>
+            <a:stretch/>
+          </p:blipFill>
+          <p:spPr>
+            <a:xfrm>
+              <a:off x="10800783" y="7835434"/>
+              <a:ext cx="595784" cy="682725"/>
+            </a:xfrm>
+            <a:prstGeom prst="rect">
+              <a:avLst/>
+            </a:prstGeom>
+          </p:spPr>
+        </p:pic>
+        <p:pic>
+          <p:nvPicPr>
+            <p:cNvPr id="104" name="Picture 103">
+              <a:extLst>
+                <a:ext uri="{FF2B5EF4-FFF2-40B4-BE49-F238E27FC236}">
+                  <a16:creationId xmlns:a16="http://schemas.microsoft.com/office/drawing/2014/main" id="{3C51DDB3-9A16-4744-9716-0FB833746B6D}"/>
+                </a:ext>
+              </a:extLst>
+            </p:cNvPr>
+            <p:cNvPicPr>
+              <a:picLocks noChangeAspect="1"/>
+            </p:cNvPicPr>
+            <p:nvPr/>
+          </p:nvPicPr>
+          <p:blipFill rotWithShape="1">
+            <a:blip r:embed="rId4">
+              <a:duotone>
+                <a:schemeClr val="accent6">
+                  <a:shade val="45000"/>
+                  <a:satMod val="135000"/>
+                </a:schemeClr>
+                <a:prstClr val="white"/>
+              </a:duotone>
+            </a:blip>
+            <a:srcRect l="84750" r="1"/>
+            <a:stretch/>
+          </p:blipFill>
+          <p:spPr>
+            <a:xfrm>
+              <a:off x="11373105" y="7845907"/>
+              <a:ext cx="577025" cy="682725"/>
+            </a:xfrm>
+            <a:prstGeom prst="rect">
+              <a:avLst/>
+            </a:prstGeom>
+          </p:spPr>
+        </p:pic>
+        <p:pic>
+          <p:nvPicPr>
+            <p:cNvPr id="105" name="Picture 104">
+              <a:extLst>
+                <a:ext uri="{FF2B5EF4-FFF2-40B4-BE49-F238E27FC236}">
+                  <a16:creationId xmlns:a16="http://schemas.microsoft.com/office/drawing/2014/main" id="{D9814E75-55FE-EC45-88CD-0CAF276BEF85}"/>
+                </a:ext>
+              </a:extLst>
+            </p:cNvPr>
+            <p:cNvPicPr>
+              <a:picLocks noChangeAspect="1"/>
+            </p:cNvPicPr>
+            <p:nvPr/>
+          </p:nvPicPr>
+          <p:blipFill rotWithShape="1">
+            <a:blip r:embed="rId7">
+              <a:duotone>
+                <a:schemeClr val="accent6">
+                  <a:shade val="45000"/>
+                  <a:satMod val="135000"/>
+                </a:schemeClr>
+                <a:prstClr val="white"/>
+              </a:duotone>
+              <a:extLst>
+                <a:ext uri="{BEBA8EAE-BF5A-486C-A8C5-ECC9F3942E4B}">
+                  <a14:imgProps xmlns:a14="http://schemas.microsoft.com/office/drawing/2010/main">
+                    <a14:imgLayer r:embed="rId8">
+                      <a14:imgEffect>
+                        <a14:brightnessContrast bright="40000" contrast="-40000"/>
+                      </a14:imgEffect>
+                    </a14:imgLayer>
+                  </a14:imgProps>
+                </a:ext>
+              </a:extLst>
+            </a:blip>
+            <a:srcRect l="79440" r="1"/>
+            <a:stretch/>
+          </p:blipFill>
+          <p:spPr>
+            <a:xfrm>
+              <a:off x="8172728" y="7872739"/>
+              <a:ext cx="777946" cy="682725"/>
+            </a:xfrm>
+            <a:prstGeom prst="rect">
+              <a:avLst/>
+            </a:prstGeom>
+          </p:spPr>
+        </p:pic>
+        <p:pic>
+          <p:nvPicPr>
+            <p:cNvPr id="106" name="Picture 105">
+              <a:extLst>
+                <a:ext uri="{FF2B5EF4-FFF2-40B4-BE49-F238E27FC236}">
+                  <a16:creationId xmlns:a16="http://schemas.microsoft.com/office/drawing/2014/main" id="{F7AF8741-D128-FB46-98B5-AFBE03F20011}"/>
+                </a:ext>
+              </a:extLst>
+            </p:cNvPr>
+            <p:cNvPicPr>
+              <a:picLocks noChangeAspect="1"/>
+            </p:cNvPicPr>
+            <p:nvPr/>
+          </p:nvPicPr>
+          <p:blipFill rotWithShape="1">
+            <a:blip r:embed="rId4">
+              <a:duotone>
+                <a:schemeClr val="accent6">
+                  <a:shade val="45000"/>
+                  <a:satMod val="135000"/>
+                </a:schemeClr>
+                <a:prstClr val="white"/>
+              </a:duotone>
+            </a:blip>
+            <a:srcRect l="84254" r="1"/>
+            <a:stretch/>
+          </p:blipFill>
+          <p:spPr>
+            <a:xfrm>
+              <a:off x="8981487" y="7858604"/>
+              <a:ext cx="595784" cy="682725"/>
+            </a:xfrm>
+            <a:prstGeom prst="rect">
+              <a:avLst/>
+            </a:prstGeom>
+          </p:spPr>
+        </p:pic>
+        <p:pic>
+          <p:nvPicPr>
+            <p:cNvPr id="107" name="Picture 106">
+              <a:extLst>
+                <a:ext uri="{FF2B5EF4-FFF2-40B4-BE49-F238E27FC236}">
+                  <a16:creationId xmlns:a16="http://schemas.microsoft.com/office/drawing/2014/main" id="{95F2F1A0-EB73-524E-B937-15B8D948A3EB}"/>
+                </a:ext>
+              </a:extLst>
+            </p:cNvPr>
+            <p:cNvPicPr>
+              <a:picLocks noChangeAspect="1"/>
+            </p:cNvPicPr>
+            <p:nvPr/>
+          </p:nvPicPr>
+          <p:blipFill rotWithShape="1">
+            <a:blip r:embed="rId4">
+              <a:duotone>
+                <a:schemeClr val="accent6">
+                  <a:shade val="45000"/>
+                  <a:satMod val="135000"/>
+                </a:schemeClr>
+                <a:prstClr val="white"/>
+              </a:duotone>
+            </a:blip>
+            <a:srcRect l="82523" r="1"/>
+            <a:stretch/>
+          </p:blipFill>
+          <p:spPr>
+            <a:xfrm>
+              <a:off x="9553002" y="7865075"/>
+              <a:ext cx="661268" cy="682725"/>
+            </a:xfrm>
+            <a:prstGeom prst="rect">
+              <a:avLst/>
+            </a:prstGeom>
+          </p:spPr>
+        </p:pic>
+        <p:pic>
+          <p:nvPicPr>
+            <p:cNvPr id="108" name="Picture 107">
+              <a:extLst>
+                <a:ext uri="{FF2B5EF4-FFF2-40B4-BE49-F238E27FC236}">
+                  <a16:creationId xmlns:a16="http://schemas.microsoft.com/office/drawing/2014/main" id="{6798E348-0077-4A4E-9264-EB4B0BD1025F}"/>
+                </a:ext>
+              </a:extLst>
+            </p:cNvPr>
+            <p:cNvPicPr>
+              <a:picLocks noChangeAspect="1"/>
+            </p:cNvPicPr>
+            <p:nvPr/>
+          </p:nvPicPr>
+          <p:blipFill>
+            <a:blip r:embed="rId5">
+              <a:duotone>
+                <a:schemeClr val="accent6">
+                  <a:shade val="45000"/>
+                  <a:satMod val="135000"/>
+                </a:schemeClr>
+                <a:prstClr val="white"/>
+              </a:duotone>
+              <a:extLst>
+                <a:ext uri="{BEBA8EAE-BF5A-486C-A8C5-ECC9F3942E4B}">
+                  <a14:imgProps xmlns:a14="http://schemas.microsoft.com/office/drawing/2010/main">
+                    <a14:imgLayer r:embed="rId9">
+                      <a14:imgEffect>
+                        <a14:sharpenSoften amount="50000"/>
+                      </a14:imgEffect>
+                    </a14:imgLayer>
+                  </a14:imgProps>
+                </a:ext>
+              </a:extLst>
+            </a:blip>
+            <a:stretch>
+              <a:fillRect/>
+            </a:stretch>
+          </p:blipFill>
+          <p:spPr>
+            <a:xfrm>
+              <a:off x="7125102" y="8018862"/>
+              <a:ext cx="1037517" cy="487880"/>
+            </a:xfrm>
+            <a:prstGeom prst="rect">
+              <a:avLst/>
+            </a:prstGeom>
+          </p:spPr>
+        </p:pic>
+        <p:pic>
+          <p:nvPicPr>
+            <p:cNvPr id="109" name="Picture 108">
+              <a:extLst>
+                <a:ext uri="{FF2B5EF4-FFF2-40B4-BE49-F238E27FC236}">
+                  <a16:creationId xmlns:a16="http://schemas.microsoft.com/office/drawing/2014/main" id="{D13F971E-0912-1A49-95BF-FF40DE829957}"/>
+                </a:ext>
+              </a:extLst>
+            </p:cNvPr>
+            <p:cNvPicPr>
+              <a:picLocks noChangeAspect="1"/>
+            </p:cNvPicPr>
+            <p:nvPr/>
+          </p:nvPicPr>
+          <p:blipFill>
+            <a:blip r:embed="rId5">
+              <a:duotone>
+                <a:schemeClr val="accent6">
+                  <a:shade val="45000"/>
+                  <a:satMod val="135000"/>
+                </a:schemeClr>
+                <a:prstClr val="white"/>
+              </a:duotone>
+              <a:extLst>
+                <a:ext uri="{BEBA8EAE-BF5A-486C-A8C5-ECC9F3942E4B}">
+                  <a14:imgProps xmlns:a14="http://schemas.microsoft.com/office/drawing/2010/main">
+                    <a14:imgLayer r:embed="rId10">
+                      <a14:imgEffect>
+                        <a14:sharpenSoften amount="50000"/>
+                      </a14:imgEffect>
+                    </a14:imgLayer>
+                  </a14:imgProps>
+                </a:ext>
+              </a:extLst>
+            </a:blip>
+            <a:stretch>
+              <a:fillRect/>
+            </a:stretch>
+          </p:blipFill>
+          <p:spPr>
+            <a:xfrm>
+              <a:off x="6081884" y="8014134"/>
+              <a:ext cx="1037517" cy="487880"/>
+            </a:xfrm>
+            <a:prstGeom prst="rect">
+              <a:avLst/>
+            </a:prstGeom>
+          </p:spPr>
+        </p:pic>
+        <p:pic>
+          <p:nvPicPr>
+            <p:cNvPr id="110" name="Picture 109">
+              <a:extLst>
+                <a:ext uri="{FF2B5EF4-FFF2-40B4-BE49-F238E27FC236}">
+                  <a16:creationId xmlns:a16="http://schemas.microsoft.com/office/drawing/2014/main" id="{8C7ECE65-C759-7841-8DCA-564F435D7183}"/>
+                </a:ext>
+              </a:extLst>
+            </p:cNvPr>
+            <p:cNvPicPr>
+              <a:picLocks noChangeAspect="1"/>
+            </p:cNvPicPr>
+            <p:nvPr/>
+          </p:nvPicPr>
+          <p:blipFill>
+            <a:blip r:embed="rId5">
+              <a:duotone>
+                <a:schemeClr val="accent6">
+                  <a:shade val="45000"/>
+                  <a:satMod val="135000"/>
+                </a:schemeClr>
+                <a:prstClr val="white"/>
+              </a:duotone>
+              <a:extLst>
+                <a:ext uri="{BEBA8EAE-BF5A-486C-A8C5-ECC9F3942E4B}">
+                  <a14:imgProps xmlns:a14="http://schemas.microsoft.com/office/drawing/2010/main">
+                    <a14:imgLayer r:embed="rId11">
+                      <a14:imgEffect>
+                        <a14:sharpenSoften amount="50000"/>
+                      </a14:imgEffect>
+                    </a14:imgLayer>
+                  </a14:imgProps>
+                </a:ext>
+              </a:extLst>
+            </a:blip>
+            <a:stretch>
+              <a:fillRect/>
+            </a:stretch>
+          </p:blipFill>
+          <p:spPr>
+            <a:xfrm>
+              <a:off x="5044367" y="7998912"/>
+              <a:ext cx="1037517" cy="487880"/>
+            </a:xfrm>
+            <a:prstGeom prst="rect">
+              <a:avLst/>
+            </a:prstGeom>
+          </p:spPr>
+        </p:pic>
+        <p:pic>
+          <p:nvPicPr>
+            <p:cNvPr id="114" name="Picture 113">
+              <a:extLst>
+                <a:ext uri="{FF2B5EF4-FFF2-40B4-BE49-F238E27FC236}">
+                  <a16:creationId xmlns:a16="http://schemas.microsoft.com/office/drawing/2014/main" id="{2720AF96-91FF-2547-9AAC-74D36168ED0A}"/>
+                </a:ext>
+              </a:extLst>
+            </p:cNvPr>
+            <p:cNvPicPr>
+              <a:picLocks noChangeAspect="1"/>
+            </p:cNvPicPr>
+            <p:nvPr/>
+          </p:nvPicPr>
+          <p:blipFill rotWithShape="1">
+            <a:blip r:embed="rId4">
+              <a:biLevel thresh="75000"/>
+            </a:blip>
+            <a:srcRect l="37527" r="45414"/>
+            <a:stretch/>
+          </p:blipFill>
+          <p:spPr>
+            <a:xfrm>
+              <a:off x="7016032" y="7075589"/>
+              <a:ext cx="645459" cy="682725"/>
+            </a:xfrm>
+            <a:prstGeom prst="rect">
+              <a:avLst/>
+            </a:prstGeom>
+          </p:spPr>
+        </p:pic>
+        <p:pic>
+          <p:nvPicPr>
+            <p:cNvPr id="115" name="Picture 114">
+              <a:extLst>
+                <a:ext uri="{FF2B5EF4-FFF2-40B4-BE49-F238E27FC236}">
+                  <a16:creationId xmlns:a16="http://schemas.microsoft.com/office/drawing/2014/main" id="{DA1E8F8B-3050-9C42-AE19-8245E8F33FA4}"/>
+                </a:ext>
+              </a:extLst>
+            </p:cNvPr>
+            <p:cNvPicPr>
+              <a:picLocks noChangeAspect="1"/>
+            </p:cNvPicPr>
+            <p:nvPr/>
+          </p:nvPicPr>
+          <p:blipFill rotWithShape="1">
+            <a:blip r:embed="rId4">
+              <a:biLevel thresh="75000"/>
+            </a:blip>
+            <a:srcRect l="37527" r="45414"/>
+            <a:stretch/>
+          </p:blipFill>
+          <p:spPr>
+            <a:xfrm>
+              <a:off x="6387332" y="7065441"/>
+              <a:ext cx="645459" cy="682725"/>
+            </a:xfrm>
+            <a:prstGeom prst="rect">
+              <a:avLst/>
+            </a:prstGeom>
+          </p:spPr>
+        </p:pic>
+        <p:pic>
+          <p:nvPicPr>
+            <p:cNvPr id="116" name="Picture 115">
+              <a:extLst>
+                <a:ext uri="{FF2B5EF4-FFF2-40B4-BE49-F238E27FC236}">
+                  <a16:creationId xmlns:a16="http://schemas.microsoft.com/office/drawing/2014/main" id="{44B15169-18A6-7346-B9E6-53A8F6B9B5CD}"/>
+                </a:ext>
+              </a:extLst>
+            </p:cNvPr>
+            <p:cNvPicPr>
+              <a:picLocks noChangeAspect="1"/>
+            </p:cNvPicPr>
+            <p:nvPr/>
+          </p:nvPicPr>
+          <p:blipFill rotWithShape="1">
+            <a:blip r:embed="rId4">
+              <a:biLevel thresh="75000"/>
+            </a:blip>
+            <a:srcRect l="37527" r="45414"/>
+            <a:stretch/>
+          </p:blipFill>
+          <p:spPr>
+            <a:xfrm>
+              <a:off x="7872427" y="7066476"/>
+              <a:ext cx="645459" cy="682725"/>
+            </a:xfrm>
+            <a:prstGeom prst="rect">
+              <a:avLst/>
+            </a:prstGeom>
+          </p:spPr>
+        </p:pic>
+        <p:pic>
+          <p:nvPicPr>
+            <p:cNvPr id="117" name="Picture 116">
+              <a:extLst>
+                <a:ext uri="{FF2B5EF4-FFF2-40B4-BE49-F238E27FC236}">
+                  <a16:creationId xmlns:a16="http://schemas.microsoft.com/office/drawing/2014/main" id="{4C9EB811-B6AA-9841-ABA9-818FEEF8F0DF}"/>
+                </a:ext>
+              </a:extLst>
+            </p:cNvPr>
+            <p:cNvPicPr>
+              <a:picLocks noChangeAspect="1"/>
+            </p:cNvPicPr>
+            <p:nvPr/>
+          </p:nvPicPr>
+          <p:blipFill rotWithShape="1">
+            <a:blip r:embed="rId4">
+              <a:biLevel thresh="75000"/>
+            </a:blip>
+            <a:srcRect l="79440" r="1"/>
+            <a:stretch/>
+          </p:blipFill>
+          <p:spPr>
+            <a:xfrm>
+              <a:off x="9445940" y="7060517"/>
+              <a:ext cx="777946" cy="682725"/>
+            </a:xfrm>
+            <a:prstGeom prst="rect">
+              <a:avLst/>
+            </a:prstGeom>
+          </p:spPr>
+        </p:pic>
+        <p:pic>
+          <p:nvPicPr>
+            <p:cNvPr id="118" name="Picture 117">
+              <a:extLst>
+                <a:ext uri="{FF2B5EF4-FFF2-40B4-BE49-F238E27FC236}">
+                  <a16:creationId xmlns:a16="http://schemas.microsoft.com/office/drawing/2014/main" id="{32F9F375-3F3D-3E45-AB98-9869FBEB7170}"/>
+                </a:ext>
+              </a:extLst>
+            </p:cNvPr>
+            <p:cNvPicPr>
+              <a:picLocks noChangeAspect="1"/>
+            </p:cNvPicPr>
+            <p:nvPr/>
+          </p:nvPicPr>
+          <p:blipFill rotWithShape="1">
+            <a:blip r:embed="rId4">
+              <a:biLevel thresh="75000"/>
+            </a:blip>
+            <a:srcRect l="37527" r="45414"/>
+            <a:stretch/>
+          </p:blipFill>
+          <p:spPr>
+            <a:xfrm>
+              <a:off x="7367471" y="7065440"/>
+              <a:ext cx="645459" cy="682725"/>
+            </a:xfrm>
+            <a:prstGeom prst="rect">
+              <a:avLst/>
+            </a:prstGeom>
+          </p:spPr>
+        </p:pic>
+        <p:pic>
+          <p:nvPicPr>
+            <p:cNvPr id="119" name="Picture 118">
+              <a:extLst>
+                <a:ext uri="{FF2B5EF4-FFF2-40B4-BE49-F238E27FC236}">
+                  <a16:creationId xmlns:a16="http://schemas.microsoft.com/office/drawing/2014/main" id="{07C510C4-5CBB-C141-9C8D-18E442FD7A6B}"/>
+                </a:ext>
+              </a:extLst>
+            </p:cNvPr>
+            <p:cNvPicPr>
+              <a:picLocks noChangeAspect="1"/>
+            </p:cNvPicPr>
+            <p:nvPr/>
+          </p:nvPicPr>
+          <p:blipFill rotWithShape="1">
+            <a:blip r:embed="rId5">
+              <a:duotone>
+                <a:schemeClr val="accent6">
+                  <a:shade val="45000"/>
+                  <a:satMod val="135000"/>
+                </a:schemeClr>
+                <a:prstClr val="white"/>
+              </a:duotone>
+              <a:extLst>
+                <a:ext uri="{BEBA8EAE-BF5A-486C-A8C5-ECC9F3942E4B}">
+                  <a14:imgProps xmlns:a14="http://schemas.microsoft.com/office/drawing/2010/main">
+                    <a14:imgLayer r:embed="rId12">
+                      <a14:imgEffect>
+                        <a14:sharpenSoften amount="50000"/>
+                      </a14:imgEffect>
+                    </a14:imgLayer>
+                  </a14:imgProps>
+                </a:ext>
+              </a:extLst>
+            </a:blip>
+            <a:srcRect l="29252"/>
+            <a:stretch/>
+          </p:blipFill>
+          <p:spPr>
+            <a:xfrm>
+              <a:off x="1989151" y="8008438"/>
+              <a:ext cx="734020" cy="487880"/>
+            </a:xfrm>
+            <a:prstGeom prst="rect">
+              <a:avLst/>
+            </a:prstGeom>
+          </p:spPr>
+        </p:pic>
+        <p:pic>
+          <p:nvPicPr>
+            <p:cNvPr id="120" name="Picture 119">
+              <a:extLst>
+                <a:ext uri="{FF2B5EF4-FFF2-40B4-BE49-F238E27FC236}">
+                  <a16:creationId xmlns:a16="http://schemas.microsoft.com/office/drawing/2014/main" id="{9EB759C6-3DAB-7640-8FA9-BFA59098FCE8}"/>
+                </a:ext>
+              </a:extLst>
+            </p:cNvPr>
+            <p:cNvPicPr>
+              <a:picLocks noChangeAspect="1"/>
+            </p:cNvPicPr>
+            <p:nvPr/>
+          </p:nvPicPr>
+          <p:blipFill>
+            <a:blip r:embed="rId5">
+              <a:duotone>
+                <a:schemeClr val="accent6">
+                  <a:shade val="45000"/>
+                  <a:satMod val="135000"/>
+                </a:schemeClr>
+                <a:prstClr val="white"/>
+              </a:duotone>
+              <a:extLst>
+                <a:ext uri="{BEBA8EAE-BF5A-486C-A8C5-ECC9F3942E4B}">
+                  <a14:imgProps xmlns:a14="http://schemas.microsoft.com/office/drawing/2010/main">
+                    <a14:imgLayer r:embed="rId13">
+                      <a14:imgEffect>
+                        <a14:sharpenSoften amount="50000"/>
+                      </a14:imgEffect>
+                    </a14:imgLayer>
+                  </a14:imgProps>
+                </a:ext>
+              </a:extLst>
+            </a:blip>
+            <a:stretch>
+              <a:fillRect/>
+            </a:stretch>
+          </p:blipFill>
+          <p:spPr>
+            <a:xfrm>
+              <a:off x="3363615" y="8021706"/>
+              <a:ext cx="1037517" cy="487880"/>
+            </a:xfrm>
+            <a:prstGeom prst="rect">
+              <a:avLst/>
+            </a:prstGeom>
+          </p:spPr>
+        </p:pic>
+        <p:pic>
+          <p:nvPicPr>
+            <p:cNvPr id="121" name="Picture 120">
+              <a:extLst>
+                <a:ext uri="{FF2B5EF4-FFF2-40B4-BE49-F238E27FC236}">
+                  <a16:creationId xmlns:a16="http://schemas.microsoft.com/office/drawing/2014/main" id="{B5847947-D1D0-E342-9680-AFA8F6560FC2}"/>
+                </a:ext>
+              </a:extLst>
+            </p:cNvPr>
+            <p:cNvPicPr>
+              <a:picLocks noChangeAspect="1"/>
+            </p:cNvPicPr>
+            <p:nvPr/>
+          </p:nvPicPr>
+          <p:blipFill rotWithShape="1">
+            <a:blip r:embed="rId14">
+              <a:duotone>
+                <a:schemeClr val="accent6">
+                  <a:shade val="45000"/>
+                  <a:satMod val="135000"/>
+                </a:schemeClr>
+                <a:prstClr val="white"/>
+              </a:duotone>
+              <a:extLst>
+                <a:ext uri="{BEBA8EAE-BF5A-486C-A8C5-ECC9F3942E4B}">
+                  <a14:imgProps xmlns:a14="http://schemas.microsoft.com/office/drawing/2010/main">
+                    <a14:imgLayer r:embed="rId15">
+                      <a14:imgEffect>
+                        <a14:sharpenSoften amount="50000"/>
+                      </a14:imgEffect>
+                    </a14:imgLayer>
+                  </a14:imgProps>
+                </a:ext>
+              </a:extLst>
+            </a:blip>
+            <a:srcRect l="37527" r="45414"/>
+            <a:stretch/>
+          </p:blipFill>
+          <p:spPr>
+            <a:xfrm>
+              <a:off x="2736059" y="7845871"/>
+              <a:ext cx="645459" cy="682725"/>
+            </a:xfrm>
+            <a:prstGeom prst="rect">
+              <a:avLst/>
+            </a:prstGeom>
+          </p:spPr>
+        </p:pic>
+        <p:pic>
+          <p:nvPicPr>
+            <p:cNvPr id="122" name="Picture 121">
+              <a:extLst>
+                <a:ext uri="{FF2B5EF4-FFF2-40B4-BE49-F238E27FC236}">
+                  <a16:creationId xmlns:a16="http://schemas.microsoft.com/office/drawing/2014/main" id="{9C148A86-1537-9441-8B08-7E14827E07FB}"/>
+                </a:ext>
+              </a:extLst>
+            </p:cNvPr>
+            <p:cNvPicPr>
+              <a:picLocks noChangeAspect="1"/>
+            </p:cNvPicPr>
+            <p:nvPr/>
+          </p:nvPicPr>
+          <p:blipFill rotWithShape="1">
+            <a:blip r:embed="rId14">
+              <a:duotone>
+                <a:schemeClr val="accent6">
+                  <a:shade val="45000"/>
+                  <a:satMod val="135000"/>
+                </a:schemeClr>
+                <a:prstClr val="white"/>
+              </a:duotone>
+              <a:extLst>
+                <a:ext uri="{BEBA8EAE-BF5A-486C-A8C5-ECC9F3942E4B}">
+                  <a14:imgProps xmlns:a14="http://schemas.microsoft.com/office/drawing/2010/main">
+                    <a14:imgLayer r:embed="rId16">
+                      <a14:imgEffect>
+                        <a14:sharpenSoften amount="50000"/>
+                      </a14:imgEffect>
+                    </a14:imgLayer>
+                  </a14:imgProps>
+                </a:ext>
+              </a:extLst>
+            </a:blip>
+            <a:srcRect l="37527" r="45414"/>
+            <a:stretch/>
+          </p:blipFill>
+          <p:spPr>
+            <a:xfrm>
+              <a:off x="4421551" y="7831831"/>
+              <a:ext cx="645459" cy="682725"/>
+            </a:xfrm>
+            <a:prstGeom prst="rect">
+              <a:avLst/>
+            </a:prstGeom>
+          </p:spPr>
+        </p:pic>
+        <p:sp>
+          <p:nvSpPr>
+            <p:cNvPr id="126" name="TextBox 125">
+              <a:extLst>
+                <a:ext uri="{FF2B5EF4-FFF2-40B4-BE49-F238E27FC236}">
+                  <a16:creationId xmlns:a16="http://schemas.microsoft.com/office/drawing/2014/main" id="{D29083F1-F3E8-0941-AA7D-6C8914901F21}"/>
+                </a:ext>
+              </a:extLst>
+            </p:cNvPr>
+            <p:cNvSpPr txBox="1"/>
+            <p:nvPr/>
+          </p:nvSpPr>
+          <p:spPr>
+            <a:xfrm>
+              <a:off x="11510946" y="7976800"/>
+              <a:ext cx="2896601" cy="461665"/>
+            </a:xfrm>
+            <a:prstGeom prst="rect">
+              <a:avLst/>
+            </a:prstGeom>
+            <a:noFill/>
+          </p:spPr>
+          <p:txBody>
+            <a:bodyPr wrap="square" rtlCol="0">
+              <a:spAutoFit/>
+            </a:bodyPr>
+            <a:lstStyle/>
+            <a:p>
+              <a:pPr algn="ctr"/>
+              <a:r>
+                <a:rPr lang="en-US" sz="2400" b="1" dirty="0">
+                  <a:latin typeface="Helvetica" pitchFamily="2" charset="0"/>
+                </a:rPr>
+                <a:t>Red muscle</a:t>
+              </a:r>
+            </a:p>
+          </p:txBody>
+        </p:sp>
+        <p:sp>
+          <p:nvSpPr>
+            <p:cNvPr id="127" name="TextBox 126">
+              <a:extLst>
+                <a:ext uri="{FF2B5EF4-FFF2-40B4-BE49-F238E27FC236}">
+                  <a16:creationId xmlns:a16="http://schemas.microsoft.com/office/drawing/2014/main" id="{5E857DA7-B867-1A44-BA40-B4CD38897329}"/>
+                </a:ext>
+              </a:extLst>
+            </p:cNvPr>
+            <p:cNvSpPr txBox="1"/>
+            <p:nvPr/>
+          </p:nvSpPr>
+          <p:spPr>
+            <a:xfrm>
+              <a:off x="11732479" y="7184566"/>
+              <a:ext cx="2677806" cy="461665"/>
+            </a:xfrm>
+            <a:prstGeom prst="rect">
+              <a:avLst/>
+            </a:prstGeom>
+            <a:noFill/>
+          </p:spPr>
+          <p:txBody>
+            <a:bodyPr wrap="square" rtlCol="0">
+              <a:spAutoFit/>
+            </a:bodyPr>
+            <a:lstStyle/>
+            <a:p>
+              <a:pPr algn="ctr"/>
+              <a:r>
+                <a:rPr lang="en-US" sz="2400" b="1" dirty="0">
+                  <a:latin typeface="Helvetica" pitchFamily="2" charset="0"/>
+                </a:rPr>
+                <a:t>White muscle</a:t>
+              </a:r>
+            </a:p>
+          </p:txBody>
+        </p:sp>
+        <p:pic>
+          <p:nvPicPr>
+            <p:cNvPr id="130" name="Picture 129">
+              <a:extLst>
+                <a:ext uri="{FF2B5EF4-FFF2-40B4-BE49-F238E27FC236}">
+                  <a16:creationId xmlns:a16="http://schemas.microsoft.com/office/drawing/2014/main" id="{EF867485-D35D-1248-B386-FE405BB8BF80}"/>
+                </a:ext>
+              </a:extLst>
+            </p:cNvPr>
+            <p:cNvPicPr>
+              <a:picLocks noChangeAspect="1"/>
+            </p:cNvPicPr>
+            <p:nvPr/>
+          </p:nvPicPr>
+          <p:blipFill>
+            <a:blip r:embed="rId5">
+              <a:duotone>
+                <a:schemeClr val="accent6">
+                  <a:shade val="45000"/>
+                  <a:satMod val="135000"/>
+                </a:schemeClr>
+                <a:prstClr val="white"/>
+              </a:duotone>
+              <a:extLst>
+                <a:ext uri="{BEBA8EAE-BF5A-486C-A8C5-ECC9F3942E4B}">
+                  <a14:imgProps xmlns:a14="http://schemas.microsoft.com/office/drawing/2010/main">
+                    <a14:imgLayer r:embed="rId17">
+                      <a14:imgEffect>
+                        <a14:sharpenSoften amount="50000"/>
+                      </a14:imgEffect>
+                    </a14:imgLayer>
+                  </a14:imgProps>
+                </a:ext>
+              </a:extLst>
+            </a:blip>
+            <a:stretch>
+              <a:fillRect/>
+            </a:stretch>
+          </p:blipFill>
+          <p:spPr>
+            <a:xfrm>
+              <a:off x="13933974" y="7945725"/>
+              <a:ext cx="776861" cy="365310"/>
+            </a:xfrm>
+            <a:prstGeom prst="rect">
+              <a:avLst/>
+            </a:prstGeom>
+          </p:spPr>
+        </p:pic>
+      </p:grpSp>
       <p:cxnSp>
         <p:nvCxnSpPr>
           <p:cNvPr id="131" name="Straight Connector 130">
@@ -28455,6 +28354,6680 @@
 </p:sld>
 </file>
 
+<file path=ppt/slides/slide4.xml><?xml version="1.0" encoding="utf-8"?>
+<p:sld xmlns:a="http://schemas.openxmlformats.org/drawingml/2006/main" xmlns:r="http://schemas.openxmlformats.org/officeDocument/2006/relationships" xmlns:p="http://schemas.openxmlformats.org/presentationml/2006/main">
+  <p:cSld>
+    <p:spTree>
+      <p:nvGrpSpPr>
+        <p:cNvPr id="1" name=""/>
+        <p:cNvGrpSpPr/>
+        <p:nvPr/>
+      </p:nvGrpSpPr>
+      <p:grpSpPr>
+        <a:xfrm>
+          <a:off x="0" y="0"/>
+          <a:ext cx="0" cy="0"/>
+          <a:chOff x="0" y="0"/>
+          <a:chExt cx="0" cy="0"/>
+        </a:xfrm>
+      </p:grpSpPr>
+    </p:spTree>
+    <p:extLst>
+      <p:ext uri="{BB962C8B-B14F-4D97-AF65-F5344CB8AC3E}">
+        <p14:creationId xmlns:p14="http://schemas.microsoft.com/office/powerpoint/2010/main" val="465849190"/>
+      </p:ext>
+    </p:extLst>
+  </p:cSld>
+  <p:clrMapOvr>
+    <a:masterClrMapping/>
+  </p:clrMapOvr>
+</p:sld>
+</file>
+
+<file path=ppt/slides/slide5.xml><?xml version="1.0" encoding="utf-8"?>
+<p:sld xmlns:a="http://schemas.openxmlformats.org/drawingml/2006/main" xmlns:r="http://schemas.openxmlformats.org/officeDocument/2006/relationships" xmlns:p="http://schemas.openxmlformats.org/presentationml/2006/main">
+  <p:cSld>
+    <p:spTree>
+      <p:nvGrpSpPr>
+        <p:cNvPr id="1" name=""/>
+        <p:cNvGrpSpPr/>
+        <p:nvPr/>
+      </p:nvGrpSpPr>
+      <p:grpSpPr>
+        <a:xfrm>
+          <a:off x="0" y="0"/>
+          <a:ext cx="0" cy="0"/>
+          <a:chOff x="0" y="0"/>
+          <a:chExt cx="0" cy="0"/>
+        </a:xfrm>
+      </p:grpSpPr>
+      <p:pic>
+        <p:nvPicPr>
+          <p:cNvPr id="7" name="Content Placeholder 12" descr="A close up of a map&#10;&#10;Description automatically generated">
+            <a:extLst>
+              <a:ext uri="{FF2B5EF4-FFF2-40B4-BE49-F238E27FC236}">
+                <a16:creationId xmlns:a16="http://schemas.microsoft.com/office/drawing/2014/main" id="{9C3D2A8F-EF05-9345-AA6F-64C798A4D955}"/>
+              </a:ext>
+            </a:extLst>
+          </p:cNvPr>
+          <p:cNvPicPr>
+            <a:picLocks noChangeAspect="1"/>
+          </p:cNvPicPr>
+          <p:nvPr/>
+        </p:nvPicPr>
+        <p:blipFill rotWithShape="1">
+          <a:blip r:embed="rId3"/>
+          <a:srcRect l="16930" b="56054"/>
+          <a:stretch/>
+        </p:blipFill>
+        <p:spPr>
+          <a:xfrm>
+            <a:off x="2069439" y="3023510"/>
+            <a:ext cx="6409082" cy="6781142"/>
+          </a:xfrm>
+          <a:prstGeom prst="rect">
+            <a:avLst/>
+          </a:prstGeom>
+        </p:spPr>
+      </p:pic>
+      <p:pic>
+        <p:nvPicPr>
+          <p:cNvPr id="8" name="Content Placeholder 12" descr="A close up of a map&#10;&#10;Description automatically generated">
+            <a:extLst>
+              <a:ext uri="{FF2B5EF4-FFF2-40B4-BE49-F238E27FC236}">
+                <a16:creationId xmlns:a16="http://schemas.microsoft.com/office/drawing/2014/main" id="{2BA68D04-EA6C-FC4A-8E61-CDDFB39250F4}"/>
+              </a:ext>
+            </a:extLst>
+          </p:cNvPr>
+          <p:cNvPicPr>
+            <a:picLocks noChangeAspect="1"/>
+          </p:cNvPicPr>
+          <p:nvPr/>
+        </p:nvPicPr>
+        <p:blipFill rotWithShape="1">
+          <a:blip r:embed="rId3"/>
+          <a:srcRect l="16873" t="52083" b="5347"/>
+          <a:stretch/>
+        </p:blipFill>
+        <p:spPr>
+          <a:xfrm>
+            <a:off x="8030254" y="3340282"/>
+            <a:ext cx="6413451" cy="6568811"/>
+          </a:xfrm>
+          <a:prstGeom prst="rect">
+            <a:avLst/>
+          </a:prstGeom>
+        </p:spPr>
+      </p:pic>
+      <p:sp>
+        <p:nvSpPr>
+          <p:cNvPr id="2" name="Date Placeholder 1">
+            <a:extLst>
+              <a:ext uri="{FF2B5EF4-FFF2-40B4-BE49-F238E27FC236}">
+                <a16:creationId xmlns:a16="http://schemas.microsoft.com/office/drawing/2014/main" id="{1F29C92F-3BE8-E847-94AA-534B8DEA8C57}"/>
+              </a:ext>
+            </a:extLst>
+          </p:cNvPr>
+          <p:cNvSpPr>
+            <a:spLocks noGrp="1"/>
+          </p:cNvSpPr>
+          <p:nvPr>
+            <p:ph type="dt" sz="half" idx="10"/>
+          </p:nvPr>
+        </p:nvSpPr>
+        <p:spPr/>
+        <p:txBody>
+          <a:bodyPr/>
+          <a:lstStyle/>
+          <a:p>
+            <a:fld id="{3C6C39A6-8C61-C249-9B1E-7733FD457584}" type="datetime1">
+              <a:rPr lang="en-US" smtClean="0"/>
+              <a:t>6/30/22</a:t>
+            </a:fld>
+            <a:endParaRPr lang="en-US"/>
+          </a:p>
+        </p:txBody>
+      </p:sp>
+      <p:sp>
+        <p:nvSpPr>
+          <p:cNvPr id="3" name="Slide Number Placeholder 2">
+            <a:extLst>
+              <a:ext uri="{FF2B5EF4-FFF2-40B4-BE49-F238E27FC236}">
+                <a16:creationId xmlns:a16="http://schemas.microsoft.com/office/drawing/2014/main" id="{EED9B497-EB14-4C40-AB82-16A388721747}"/>
+              </a:ext>
+            </a:extLst>
+          </p:cNvPr>
+          <p:cNvSpPr>
+            <a:spLocks noGrp="1"/>
+          </p:cNvSpPr>
+          <p:nvPr>
+            <p:ph type="sldNum" sz="quarter" idx="12"/>
+          </p:nvPr>
+        </p:nvSpPr>
+        <p:spPr/>
+        <p:txBody>
+          <a:bodyPr/>
+          <a:lstStyle/>
+          <a:p>
+            <a:fld id="{2DD8AAF5-D656-5140-82F7-385C7BD61E0E}" type="slidenum">
+              <a:rPr lang="en-US" smtClean="0"/>
+              <a:t>5</a:t>
+            </a:fld>
+            <a:endParaRPr lang="en-US"/>
+          </a:p>
+        </p:txBody>
+      </p:sp>
+      <p:sp>
+        <p:nvSpPr>
+          <p:cNvPr id="13" name="Rectangle 12">
+            <a:extLst>
+              <a:ext uri="{FF2B5EF4-FFF2-40B4-BE49-F238E27FC236}">
+                <a16:creationId xmlns:a16="http://schemas.microsoft.com/office/drawing/2014/main" id="{8C8DDD98-7B9E-FE45-A43C-1ED5F786AB2C}"/>
+              </a:ext>
+            </a:extLst>
+          </p:cNvPr>
+          <p:cNvSpPr/>
+          <p:nvPr/>
+        </p:nvSpPr>
+        <p:spPr>
+          <a:xfrm>
+            <a:off x="9840221" y="87675"/>
+            <a:ext cx="14610075" cy="1978080"/>
+          </a:xfrm>
+          <a:prstGeom prst="rect">
+            <a:avLst/>
+          </a:prstGeom>
+          <a:ln w="38100"/>
+        </p:spPr>
+        <p:style>
+          <a:lnRef idx="2">
+            <a:schemeClr val="dk1"/>
+          </a:lnRef>
+          <a:fillRef idx="1">
+            <a:schemeClr val="lt1"/>
+          </a:fillRef>
+          <a:effectRef idx="0">
+            <a:schemeClr val="dk1"/>
+          </a:effectRef>
+          <a:fontRef idx="minor">
+            <a:schemeClr val="dk1"/>
+          </a:fontRef>
+        </p:style>
+        <p:txBody>
+          <a:bodyPr rtlCol="0" anchor="ctr"/>
+          <a:lstStyle/>
+          <a:p>
+            <a:pPr algn="ctr">
+              <a:lnSpc>
+                <a:spcPct val="150000"/>
+              </a:lnSpc>
+            </a:pPr>
+            <a:r>
+              <a:rPr lang="en-US" sz="3750" dirty="0"/>
+              <a:t>Smaller fish will transition to ANAEROBIC metabolism at lower velocities</a:t>
+            </a:r>
+          </a:p>
+          <a:p>
+            <a:pPr algn="ctr">
+              <a:lnSpc>
+                <a:spcPct val="150000"/>
+              </a:lnSpc>
+            </a:pPr>
+            <a:r>
+              <a:rPr lang="en-US" sz="3750" dirty="0"/>
+              <a:t>BL/s as a unit has limitations but many studies only report BL/s</a:t>
+            </a:r>
+            <a:endParaRPr lang="en-US" sz="3750" dirty="0">
+              <a:ln>
+                <a:solidFill>
+                  <a:schemeClr val="tx1"/>
+                </a:solidFill>
+              </a:ln>
+              <a:solidFill>
+                <a:schemeClr val="tx1"/>
+              </a:solidFill>
+            </a:endParaRPr>
+          </a:p>
+        </p:txBody>
+      </p:sp>
+      <p:cxnSp>
+        <p:nvCxnSpPr>
+          <p:cNvPr id="22" name="Straight Connector 21">
+            <a:extLst>
+              <a:ext uri="{FF2B5EF4-FFF2-40B4-BE49-F238E27FC236}">
+                <a16:creationId xmlns:a16="http://schemas.microsoft.com/office/drawing/2014/main" id="{A8EEF075-DE43-C0F3-48AA-8C2B89B73CC7}"/>
+              </a:ext>
+            </a:extLst>
+          </p:cNvPr>
+          <p:cNvCxnSpPr>
+            <a:cxnSpLocks/>
+          </p:cNvCxnSpPr>
+          <p:nvPr/>
+        </p:nvCxnSpPr>
+        <p:spPr>
+          <a:xfrm>
+            <a:off x="4508717" y="6652572"/>
+            <a:ext cx="0" cy="2157915"/>
+          </a:xfrm>
+          <a:prstGeom prst="line">
+            <a:avLst/>
+          </a:prstGeom>
+          <a:ln w="19050">
+            <a:solidFill>
+              <a:schemeClr val="bg1">
+                <a:lumMod val="50000"/>
+              </a:schemeClr>
+            </a:solidFill>
+            <a:prstDash val="dash"/>
+          </a:ln>
+        </p:spPr>
+        <p:style>
+          <a:lnRef idx="1">
+            <a:schemeClr val="dk1"/>
+          </a:lnRef>
+          <a:fillRef idx="0">
+            <a:schemeClr val="dk1"/>
+          </a:fillRef>
+          <a:effectRef idx="0">
+            <a:schemeClr val="dk1"/>
+          </a:effectRef>
+          <a:fontRef idx="minor">
+            <a:schemeClr val="tx1"/>
+          </a:fontRef>
+        </p:style>
+      </p:cxnSp>
+      <p:grpSp>
+        <p:nvGrpSpPr>
+          <p:cNvPr id="39" name="Group 38">
+            <a:extLst>
+              <a:ext uri="{FF2B5EF4-FFF2-40B4-BE49-F238E27FC236}">
+                <a16:creationId xmlns:a16="http://schemas.microsoft.com/office/drawing/2014/main" id="{6FAAEA6D-0BF5-3362-92F6-F51F7E56C466}"/>
+              </a:ext>
+            </a:extLst>
+          </p:cNvPr>
+          <p:cNvGrpSpPr/>
+          <p:nvPr/>
+        </p:nvGrpSpPr>
+        <p:grpSpPr>
+          <a:xfrm>
+            <a:off x="11805099" y="6504169"/>
+            <a:ext cx="1809712" cy="2604274"/>
+            <a:chOff x="2937044" y="532973"/>
+            <a:chExt cx="1968786" cy="2707313"/>
+          </a:xfrm>
+        </p:grpSpPr>
+        <p:sp>
+          <p:nvSpPr>
+            <p:cNvPr id="19" name="TextBox 18">
+              <a:extLst>
+                <a:ext uri="{FF2B5EF4-FFF2-40B4-BE49-F238E27FC236}">
+                  <a16:creationId xmlns:a16="http://schemas.microsoft.com/office/drawing/2014/main" id="{905E8E7C-EC70-5C44-B18B-278DEA213886}"/>
+                </a:ext>
+              </a:extLst>
+            </p:cNvPr>
+            <p:cNvSpPr txBox="1"/>
+            <p:nvPr/>
+          </p:nvSpPr>
+          <p:spPr>
+            <a:xfrm>
+              <a:off x="3946332" y="2504392"/>
+              <a:ext cx="959498" cy="735894"/>
+            </a:xfrm>
+            <a:prstGeom prst="rect">
+              <a:avLst/>
+            </a:prstGeom>
+            <a:noFill/>
+          </p:spPr>
+          <p:txBody>
+            <a:bodyPr wrap="none" rtlCol="0">
+              <a:spAutoFit/>
+            </a:bodyPr>
+            <a:lstStyle/>
+            <a:p>
+              <a:r>
+                <a:rPr lang="en-US" sz="2000" dirty="0">
+                  <a:solidFill>
+                    <a:schemeClr val="accent3">
+                      <a:lumMod val="50000"/>
+                    </a:schemeClr>
+                  </a:solidFill>
+                  <a:latin typeface="Helvetica" pitchFamily="2" charset="0"/>
+                </a:rPr>
+                <a:t>80 cm</a:t>
+              </a:r>
+            </a:p>
+            <a:p>
+              <a:endParaRPr lang="en-US" sz="2000" dirty="0">
+                <a:solidFill>
+                  <a:schemeClr val="accent3">
+                    <a:lumMod val="50000"/>
+                  </a:schemeClr>
+                </a:solidFill>
+                <a:latin typeface="Helvetica" pitchFamily="2" charset="0"/>
+              </a:endParaRPr>
+            </a:p>
+          </p:txBody>
+        </p:sp>
+        <p:pic>
+          <p:nvPicPr>
+            <p:cNvPr id="24" name="Picture 23" descr="A close up of a logo&#10;&#10;Description automatically generated">
+              <a:extLst>
+                <a:ext uri="{FF2B5EF4-FFF2-40B4-BE49-F238E27FC236}">
+                  <a16:creationId xmlns:a16="http://schemas.microsoft.com/office/drawing/2014/main" id="{E012DA7D-A04C-E61D-60AB-51177213443B}"/>
+                </a:ext>
+              </a:extLst>
+            </p:cNvPr>
+            <p:cNvPicPr>
+              <a:picLocks noChangeAspect="1"/>
+            </p:cNvPicPr>
+            <p:nvPr/>
+          </p:nvPicPr>
+          <p:blipFill rotWithShape="1">
+            <a:blip r:embed="rId4">
+              <a:duotone>
+                <a:schemeClr val="accent6">
+                  <a:shade val="45000"/>
+                  <a:satMod val="135000"/>
+                </a:schemeClr>
+                <a:prstClr val="white"/>
+              </a:duotone>
+              <a:extLst>
+                <a:ext uri="{BEBA8EAE-BF5A-486C-A8C5-ECC9F3942E4B}">
+                  <a14:imgProps xmlns:a14="http://schemas.microsoft.com/office/drawing/2010/main">
+                    <a14:imgLayer r:embed="rId5">
+                      <a14:imgEffect>
+                        <a14:sharpenSoften amount="100000"/>
+                      </a14:imgEffect>
+                      <a14:imgEffect>
+                        <a14:saturation sat="0"/>
+                      </a14:imgEffect>
+                      <a14:imgEffect>
+                        <a14:brightnessContrast bright="-100000" contrast="100000"/>
+                      </a14:imgEffect>
+                    </a14:imgLayer>
+                  </a14:imgProps>
+                </a:ext>
+                <a:ext uri="{28A0092B-C50C-407E-A947-70E740481C1C}">
+                  <a14:useLocalDpi xmlns:a14="http://schemas.microsoft.com/office/drawing/2010/main"/>
+                </a:ext>
+              </a:extLst>
+            </a:blip>
+            <a:srcRect/>
+            <a:stretch/>
+          </p:blipFill>
+          <p:spPr>
+            <a:xfrm flipH="1">
+              <a:off x="3910947" y="532973"/>
+              <a:ext cx="883152" cy="334239"/>
+            </a:xfrm>
+            <a:prstGeom prst="rect">
+              <a:avLst/>
+            </a:prstGeom>
+          </p:spPr>
+        </p:pic>
+        <p:pic>
+          <p:nvPicPr>
+            <p:cNvPr id="25" name="Picture 24" descr="A close up of a logo&#10;&#10;Description automatically generated">
+              <a:extLst>
+                <a:ext uri="{FF2B5EF4-FFF2-40B4-BE49-F238E27FC236}">
+                  <a16:creationId xmlns:a16="http://schemas.microsoft.com/office/drawing/2014/main" id="{D38C4969-C971-E06C-DAE7-3AC69D287C44}"/>
+                </a:ext>
+              </a:extLst>
+            </p:cNvPr>
+            <p:cNvPicPr>
+              <a:picLocks noChangeAspect="1"/>
+            </p:cNvPicPr>
+            <p:nvPr/>
+          </p:nvPicPr>
+          <p:blipFill rotWithShape="1">
+            <a:blip r:embed="rId4">
+              <a:duotone>
+                <a:schemeClr val="accent3">
+                  <a:shade val="45000"/>
+                  <a:satMod val="135000"/>
+                </a:schemeClr>
+                <a:prstClr val="white"/>
+              </a:duotone>
+              <a:extLst>
+                <a:ext uri="{BEBA8EAE-BF5A-486C-A8C5-ECC9F3942E4B}">
+                  <a14:imgProps xmlns:a14="http://schemas.microsoft.com/office/drawing/2010/main">
+                    <a14:imgLayer r:embed="rId6">
+                      <a14:imgEffect>
+                        <a14:brightnessContrast bright="-40000" contrast="40000"/>
+                      </a14:imgEffect>
+                    </a14:imgLayer>
+                  </a14:imgProps>
+                </a:ext>
+                <a:ext uri="{28A0092B-C50C-407E-A947-70E740481C1C}">
+                  <a14:useLocalDpi xmlns:a14="http://schemas.microsoft.com/office/drawing/2010/main"/>
+                </a:ext>
+              </a:extLst>
+            </a:blip>
+            <a:srcRect/>
+            <a:stretch/>
+          </p:blipFill>
+          <p:spPr>
+            <a:xfrm flipH="1">
+              <a:off x="2937044" y="1801279"/>
+              <a:ext cx="1892266" cy="716150"/>
+            </a:xfrm>
+            <a:prstGeom prst="rect">
+              <a:avLst/>
+            </a:prstGeom>
+          </p:spPr>
+        </p:pic>
+        <p:pic>
+          <p:nvPicPr>
+            <p:cNvPr id="26" name="Picture 25" descr="A close up of a logo&#10;&#10;Description automatically generated">
+              <a:extLst>
+                <a:ext uri="{FF2B5EF4-FFF2-40B4-BE49-F238E27FC236}">
+                  <a16:creationId xmlns:a16="http://schemas.microsoft.com/office/drawing/2014/main" id="{5A4E7C98-6BFD-B276-C785-6F9730778E4B}"/>
+                </a:ext>
+              </a:extLst>
+            </p:cNvPr>
+            <p:cNvPicPr>
+              <a:picLocks noChangeAspect="1"/>
+            </p:cNvPicPr>
+            <p:nvPr/>
+          </p:nvPicPr>
+          <p:blipFill rotWithShape="1">
+            <a:blip r:embed="rId4">
+              <a:duotone>
+                <a:prstClr val="black"/>
+                <a:schemeClr val="tx2">
+                  <a:tint val="45000"/>
+                  <a:satMod val="400000"/>
+                </a:schemeClr>
+              </a:duotone>
+              <a:extLst>
+                <a:ext uri="{BEBA8EAE-BF5A-486C-A8C5-ECC9F3942E4B}">
+                  <a14:imgProps xmlns:a14="http://schemas.microsoft.com/office/drawing/2010/main">
+                    <a14:imgLayer r:embed="rId7">
+                      <a14:imgEffect>
+                        <a14:brightnessContrast bright="-40000" contrast="40000"/>
+                      </a14:imgEffect>
+                    </a14:imgLayer>
+                  </a14:imgProps>
+                </a:ext>
+                <a:ext uri="{28A0092B-C50C-407E-A947-70E740481C1C}">
+                  <a14:useLocalDpi xmlns:a14="http://schemas.microsoft.com/office/drawing/2010/main"/>
+                </a:ext>
+              </a:extLst>
+            </a:blip>
+            <a:srcRect/>
+            <a:stretch/>
+          </p:blipFill>
+          <p:spPr>
+            <a:xfrm flipH="1">
+              <a:off x="3572976" y="1195341"/>
+              <a:ext cx="1221122" cy="459615"/>
+            </a:xfrm>
+            <a:prstGeom prst="rect">
+              <a:avLst/>
+            </a:prstGeom>
+          </p:spPr>
+        </p:pic>
+        <p:cxnSp>
+          <p:nvCxnSpPr>
+            <p:cNvPr id="9" name="Straight Arrow Connector 8">
+              <a:extLst>
+                <a:ext uri="{FF2B5EF4-FFF2-40B4-BE49-F238E27FC236}">
+                  <a16:creationId xmlns:a16="http://schemas.microsoft.com/office/drawing/2014/main" id="{83AFC3A1-CE9B-770C-3F0D-446047797D76}"/>
+                </a:ext>
+              </a:extLst>
+            </p:cNvPr>
+            <p:cNvCxnSpPr>
+              <a:cxnSpLocks/>
+            </p:cNvCxnSpPr>
+            <p:nvPr/>
+          </p:nvCxnSpPr>
+          <p:spPr>
+            <a:xfrm>
+              <a:off x="2982342" y="2517429"/>
+              <a:ext cx="1732529" cy="0"/>
+            </a:xfrm>
+            <a:prstGeom prst="straightConnector1">
+              <a:avLst/>
+            </a:prstGeom>
+            <a:ln w="19050">
+              <a:solidFill>
+                <a:schemeClr val="accent3">
+                  <a:lumMod val="50000"/>
+                </a:schemeClr>
+              </a:solidFill>
+              <a:headEnd type="triangle"/>
+              <a:tailEnd type="triangle"/>
+            </a:ln>
+          </p:spPr>
+          <p:style>
+            <a:lnRef idx="1">
+              <a:schemeClr val="accent1"/>
+            </a:lnRef>
+            <a:fillRef idx="0">
+              <a:schemeClr val="accent1"/>
+            </a:fillRef>
+            <a:effectRef idx="0">
+              <a:schemeClr val="accent1"/>
+            </a:effectRef>
+            <a:fontRef idx="minor">
+              <a:schemeClr val="tx1"/>
+            </a:fontRef>
+          </p:style>
+        </p:cxnSp>
+        <p:cxnSp>
+          <p:nvCxnSpPr>
+            <p:cNvPr id="28" name="Straight Arrow Connector 27">
+              <a:extLst>
+                <a:ext uri="{FF2B5EF4-FFF2-40B4-BE49-F238E27FC236}">
+                  <a16:creationId xmlns:a16="http://schemas.microsoft.com/office/drawing/2014/main" id="{5C20ECA3-A0FA-4C31-92F0-1AA7E3DB37EF}"/>
+                </a:ext>
+              </a:extLst>
+            </p:cNvPr>
+            <p:cNvCxnSpPr>
+              <a:cxnSpLocks/>
+            </p:cNvCxnSpPr>
+            <p:nvPr/>
+          </p:nvCxnSpPr>
+          <p:spPr>
+            <a:xfrm>
+              <a:off x="3598572" y="1680192"/>
+              <a:ext cx="1116299" cy="0"/>
+            </a:xfrm>
+            <a:prstGeom prst="straightConnector1">
+              <a:avLst/>
+            </a:prstGeom>
+            <a:ln w="19050">
+              <a:solidFill>
+                <a:schemeClr val="tx1"/>
+              </a:solidFill>
+              <a:headEnd type="triangle"/>
+              <a:tailEnd type="triangle"/>
+            </a:ln>
+          </p:spPr>
+          <p:style>
+            <a:lnRef idx="1">
+              <a:schemeClr val="accent1"/>
+            </a:lnRef>
+            <a:fillRef idx="0">
+              <a:schemeClr val="accent1"/>
+            </a:fillRef>
+            <a:effectRef idx="0">
+              <a:schemeClr val="accent1"/>
+            </a:effectRef>
+            <a:fontRef idx="minor">
+              <a:schemeClr val="tx1"/>
+            </a:fontRef>
+          </p:style>
+        </p:cxnSp>
+        <p:cxnSp>
+          <p:nvCxnSpPr>
+            <p:cNvPr id="29" name="Straight Arrow Connector 28">
+              <a:extLst>
+                <a:ext uri="{FF2B5EF4-FFF2-40B4-BE49-F238E27FC236}">
+                  <a16:creationId xmlns:a16="http://schemas.microsoft.com/office/drawing/2014/main" id="{C5CB6903-29EF-AC83-2F50-FA6A233F3322}"/>
+                </a:ext>
+              </a:extLst>
+            </p:cNvPr>
+            <p:cNvCxnSpPr>
+              <a:cxnSpLocks/>
+            </p:cNvCxnSpPr>
+            <p:nvPr/>
+          </p:nvCxnSpPr>
+          <p:spPr>
+            <a:xfrm>
+              <a:off x="3866931" y="884035"/>
+              <a:ext cx="883153" cy="0"/>
+            </a:xfrm>
+            <a:prstGeom prst="straightConnector1">
+              <a:avLst/>
+            </a:prstGeom>
+            <a:ln w="19050">
+              <a:solidFill>
+                <a:schemeClr val="accent6">
+                  <a:lumMod val="75000"/>
+                </a:schemeClr>
+              </a:solidFill>
+              <a:headEnd type="triangle"/>
+              <a:tailEnd type="triangle"/>
+            </a:ln>
+          </p:spPr>
+          <p:style>
+            <a:lnRef idx="1">
+              <a:schemeClr val="accent1"/>
+            </a:lnRef>
+            <a:fillRef idx="0">
+              <a:schemeClr val="accent1"/>
+            </a:fillRef>
+            <a:effectRef idx="0">
+              <a:schemeClr val="accent1"/>
+            </a:effectRef>
+            <a:fontRef idx="minor">
+              <a:schemeClr val="tx1"/>
+            </a:fontRef>
+          </p:style>
+        </p:cxnSp>
+        <p:sp>
+          <p:nvSpPr>
+            <p:cNvPr id="32" name="TextBox 31">
+              <a:extLst>
+                <a:ext uri="{FF2B5EF4-FFF2-40B4-BE49-F238E27FC236}">
+                  <a16:creationId xmlns:a16="http://schemas.microsoft.com/office/drawing/2014/main" id="{8FBC345C-4855-F8A9-4FEB-4BF7F5B27841}"/>
+                </a:ext>
+              </a:extLst>
+            </p:cNvPr>
+            <p:cNvSpPr txBox="1"/>
+            <p:nvPr/>
+          </p:nvSpPr>
+          <p:spPr>
+            <a:xfrm>
+              <a:off x="3946332" y="1624688"/>
+              <a:ext cx="959498" cy="735894"/>
+            </a:xfrm>
+            <a:prstGeom prst="rect">
+              <a:avLst/>
+            </a:prstGeom>
+            <a:noFill/>
+          </p:spPr>
+          <p:txBody>
+            <a:bodyPr wrap="none" rtlCol="0">
+              <a:spAutoFit/>
+            </a:bodyPr>
+            <a:lstStyle/>
+            <a:p>
+              <a:r>
+                <a:rPr lang="en-US" sz="2000" dirty="0">
+                  <a:latin typeface="Helvetica" pitchFamily="2" charset="0"/>
+                </a:rPr>
+                <a:t>50 cm</a:t>
+              </a:r>
+            </a:p>
+            <a:p>
+              <a:endParaRPr lang="en-US" sz="2000" dirty="0">
+                <a:latin typeface="Helvetica" pitchFamily="2" charset="0"/>
+              </a:endParaRPr>
+            </a:p>
+          </p:txBody>
+        </p:sp>
+        <p:sp>
+          <p:nvSpPr>
+            <p:cNvPr id="33" name="TextBox 32">
+              <a:extLst>
+                <a:ext uri="{FF2B5EF4-FFF2-40B4-BE49-F238E27FC236}">
+                  <a16:creationId xmlns:a16="http://schemas.microsoft.com/office/drawing/2014/main" id="{FA7D4713-0A45-ECCB-AAB4-FC5959EBCDEC}"/>
+                </a:ext>
+              </a:extLst>
+            </p:cNvPr>
+            <p:cNvSpPr txBox="1"/>
+            <p:nvPr/>
+          </p:nvSpPr>
+          <p:spPr>
+            <a:xfrm>
+              <a:off x="3946332" y="845442"/>
+              <a:ext cx="959498" cy="735894"/>
+            </a:xfrm>
+            <a:prstGeom prst="rect">
+              <a:avLst/>
+            </a:prstGeom>
+            <a:noFill/>
+          </p:spPr>
+          <p:txBody>
+            <a:bodyPr wrap="none" rtlCol="0">
+              <a:spAutoFit/>
+            </a:bodyPr>
+            <a:lstStyle/>
+            <a:p>
+              <a:r>
+                <a:rPr lang="en-US" sz="2000" dirty="0">
+                  <a:solidFill>
+                    <a:schemeClr val="accent6">
+                      <a:lumMod val="75000"/>
+                    </a:schemeClr>
+                  </a:solidFill>
+                  <a:latin typeface="Helvetica" pitchFamily="2" charset="0"/>
+                </a:rPr>
+                <a:t>30 cm</a:t>
+              </a:r>
+            </a:p>
+            <a:p>
+              <a:endParaRPr lang="en-US" sz="2000" dirty="0">
+                <a:solidFill>
+                  <a:schemeClr val="accent6">
+                    <a:lumMod val="75000"/>
+                  </a:schemeClr>
+                </a:solidFill>
+                <a:latin typeface="Helvetica" pitchFamily="2" charset="0"/>
+              </a:endParaRPr>
+            </a:p>
+          </p:txBody>
+        </p:sp>
+      </p:grpSp>
+      <p:sp>
+        <p:nvSpPr>
+          <p:cNvPr id="35" name="Rectangle 34">
+            <a:extLst>
+              <a:ext uri="{FF2B5EF4-FFF2-40B4-BE49-F238E27FC236}">
+                <a16:creationId xmlns:a16="http://schemas.microsoft.com/office/drawing/2014/main" id="{A3F8168C-53D1-12AC-1320-9D790296232B}"/>
+              </a:ext>
+            </a:extLst>
+          </p:cNvPr>
+          <p:cNvSpPr/>
+          <p:nvPr/>
+        </p:nvSpPr>
+        <p:spPr>
+          <a:xfrm>
+            <a:off x="2368333" y="6415486"/>
+            <a:ext cx="1130207" cy="2203952"/>
+          </a:xfrm>
+          <a:prstGeom prst="rect">
+            <a:avLst/>
+          </a:prstGeom>
+          <a:noFill/>
+          <a:ln w="38100">
+            <a:noFill/>
+          </a:ln>
+        </p:spPr>
+        <p:style>
+          <a:lnRef idx="2">
+            <a:schemeClr val="accent2"/>
+          </a:lnRef>
+          <a:fillRef idx="1">
+            <a:schemeClr val="lt1"/>
+          </a:fillRef>
+          <a:effectRef idx="0">
+            <a:schemeClr val="accent2"/>
+          </a:effectRef>
+          <a:fontRef idx="minor">
+            <a:schemeClr val="dk1"/>
+          </a:fontRef>
+        </p:style>
+        <p:txBody>
+          <a:bodyPr rtlCol="0" anchor="ctr"/>
+          <a:lstStyle/>
+          <a:p>
+            <a:pPr algn="ctr"/>
+            <a:r>
+              <a:rPr lang="en-US" sz="2000" b="1" dirty="0">
+                <a:latin typeface="Helvetica" pitchFamily="2" charset="0"/>
+              </a:rPr>
+              <a:t>Aerobic</a:t>
+            </a:r>
+            <a:r>
+              <a:rPr lang="en-US" sz="2000" dirty="0">
+                <a:latin typeface="Helvetica" pitchFamily="2" charset="0"/>
+              </a:rPr>
+              <a:t> swim speeds</a:t>
+            </a:r>
+          </a:p>
+        </p:txBody>
+      </p:sp>
+      <p:sp>
+        <p:nvSpPr>
+          <p:cNvPr id="37" name="Rectangle 36">
+            <a:extLst>
+              <a:ext uri="{FF2B5EF4-FFF2-40B4-BE49-F238E27FC236}">
+                <a16:creationId xmlns:a16="http://schemas.microsoft.com/office/drawing/2014/main" id="{55BD4BF4-5171-3C12-6FAC-8EE2CE0EB827}"/>
+              </a:ext>
+            </a:extLst>
+          </p:cNvPr>
+          <p:cNvSpPr/>
+          <p:nvPr/>
+        </p:nvSpPr>
+        <p:spPr>
+          <a:xfrm>
+            <a:off x="4411001" y="6593761"/>
+            <a:ext cx="2255674" cy="426840"/>
+          </a:xfrm>
+          <a:prstGeom prst="rect">
+            <a:avLst/>
+          </a:prstGeom>
+          <a:noFill/>
+          <a:ln w="38100">
+            <a:noFill/>
+          </a:ln>
+        </p:spPr>
+        <p:style>
+          <a:lnRef idx="2">
+            <a:schemeClr val="accent1">
+              <a:shade val="50000"/>
+            </a:schemeClr>
+          </a:lnRef>
+          <a:fillRef idx="1">
+            <a:schemeClr val="accent1"/>
+          </a:fillRef>
+          <a:effectRef idx="0">
+            <a:schemeClr val="accent1"/>
+          </a:effectRef>
+          <a:fontRef idx="minor">
+            <a:schemeClr val="lt1"/>
+          </a:fontRef>
+        </p:style>
+        <p:txBody>
+          <a:bodyPr rtlCol="0" anchor="ctr"/>
+          <a:lstStyle/>
+          <a:p>
+            <a:pPr algn="ctr"/>
+            <a:r>
+              <a:rPr lang="en-US" sz="2200" dirty="0">
+                <a:solidFill>
+                  <a:schemeClr val="tx1"/>
+                </a:solidFill>
+                <a:latin typeface="Helvetica" pitchFamily="2" charset="0"/>
+              </a:rPr>
+              <a:t>Aerobic to anaerobic transition at </a:t>
+            </a:r>
+          </a:p>
+          <a:p>
+            <a:pPr algn="ctr"/>
+            <a:r>
+              <a:rPr lang="en-US" sz="2200" b="1" dirty="0">
+                <a:solidFill>
+                  <a:schemeClr val="tx1"/>
+                </a:solidFill>
+                <a:latin typeface="Helvetica" pitchFamily="2" charset="0"/>
+              </a:rPr>
+              <a:t>~ 80 % Ucrit </a:t>
+            </a:r>
+            <a:r>
+              <a:rPr lang="en-US" sz="2200" baseline="30000" dirty="0">
+                <a:solidFill>
+                  <a:schemeClr val="tx1"/>
+                </a:solidFill>
+                <a:latin typeface="Helvetica" pitchFamily="2" charset="0"/>
+              </a:rPr>
+              <a:t>1,2</a:t>
+            </a:r>
+            <a:r>
+              <a:rPr lang="en-US" sz="2200" b="1" dirty="0">
+                <a:solidFill>
+                  <a:schemeClr val="tx1"/>
+                </a:solidFill>
+                <a:latin typeface="Helvetica" pitchFamily="2" charset="0"/>
+              </a:rPr>
+              <a:t> </a:t>
+            </a:r>
+            <a:r>
+              <a:rPr lang="en-US" sz="2200" b="1" dirty="0">
+                <a:latin typeface="Helvetica" pitchFamily="2" charset="0"/>
+              </a:rPr>
+              <a:t> </a:t>
+            </a:r>
+          </a:p>
+        </p:txBody>
+      </p:sp>
+      <p:sp>
+        <p:nvSpPr>
+          <p:cNvPr id="43" name="Right Arrow 42">
+            <a:extLst>
+              <a:ext uri="{FF2B5EF4-FFF2-40B4-BE49-F238E27FC236}">
+                <a16:creationId xmlns:a16="http://schemas.microsoft.com/office/drawing/2014/main" id="{F6297335-38E8-553E-3887-6B83AFAB1C67}"/>
+              </a:ext>
+            </a:extLst>
+          </p:cNvPr>
+          <p:cNvSpPr/>
+          <p:nvPr/>
+        </p:nvSpPr>
+        <p:spPr>
+          <a:xfrm rot="13270018">
+            <a:off x="4456694" y="6331484"/>
+            <a:ext cx="328397" cy="243045"/>
+          </a:xfrm>
+          <a:prstGeom prst="rightArrow">
+            <a:avLst>
+              <a:gd name="adj1" fmla="val 50000"/>
+              <a:gd name="adj2" fmla="val 56578"/>
+            </a:avLst>
+          </a:prstGeom>
+          <a:solidFill>
+            <a:schemeClr val="bg1">
+              <a:lumMod val="50000"/>
+            </a:schemeClr>
+          </a:solidFill>
+          <a:ln>
+            <a:solidFill>
+              <a:schemeClr val="bg1">
+                <a:lumMod val="50000"/>
+              </a:schemeClr>
+            </a:solidFill>
+          </a:ln>
+        </p:spPr>
+        <p:style>
+          <a:lnRef idx="2">
+            <a:schemeClr val="accent1">
+              <a:shade val="50000"/>
+            </a:schemeClr>
+          </a:lnRef>
+          <a:fillRef idx="1">
+            <a:schemeClr val="accent1"/>
+          </a:fillRef>
+          <a:effectRef idx="0">
+            <a:schemeClr val="accent1"/>
+          </a:effectRef>
+          <a:fontRef idx="minor">
+            <a:schemeClr val="lt1"/>
+          </a:fontRef>
+        </p:style>
+        <p:txBody>
+          <a:bodyPr rtlCol="0" anchor="ctr"/>
+          <a:lstStyle/>
+          <a:p>
+            <a:pPr algn="ctr"/>
+            <a:endParaRPr lang="en-US" sz="3350"/>
+          </a:p>
+        </p:txBody>
+      </p:sp>
+      <p:pic>
+        <p:nvPicPr>
+          <p:cNvPr id="71" name="Picture 70">
+            <a:extLst>
+              <a:ext uri="{FF2B5EF4-FFF2-40B4-BE49-F238E27FC236}">
+                <a16:creationId xmlns:a16="http://schemas.microsoft.com/office/drawing/2014/main" id="{C4AB2BAF-6B11-1FE9-0095-7F81D733EB99}"/>
+              </a:ext>
+            </a:extLst>
+          </p:cNvPr>
+          <p:cNvPicPr>
+            <a:picLocks noChangeAspect="1"/>
+          </p:cNvPicPr>
+          <p:nvPr/>
+        </p:nvPicPr>
+        <p:blipFill rotWithShape="1">
+          <a:blip r:embed="rId8">
+            <a:biLevel thresh="75000"/>
+          </a:blip>
+          <a:srcRect l="37527" r="45414"/>
+          <a:stretch/>
+        </p:blipFill>
+        <p:spPr>
+          <a:xfrm>
+            <a:off x="4136270" y="17609382"/>
+            <a:ext cx="645459" cy="682725"/>
+          </a:xfrm>
+          <a:prstGeom prst="rect">
+            <a:avLst/>
+          </a:prstGeom>
+        </p:spPr>
+      </p:pic>
+      <p:pic>
+        <p:nvPicPr>
+          <p:cNvPr id="72" name="Picture 71">
+            <a:extLst>
+              <a:ext uri="{FF2B5EF4-FFF2-40B4-BE49-F238E27FC236}">
+                <a16:creationId xmlns:a16="http://schemas.microsoft.com/office/drawing/2014/main" id="{9DB5378F-E407-6595-11F6-BCD74EDFE7EF}"/>
+              </a:ext>
+            </a:extLst>
+          </p:cNvPr>
+          <p:cNvPicPr>
+            <a:picLocks noChangeAspect="1"/>
+          </p:cNvPicPr>
+          <p:nvPr/>
+        </p:nvPicPr>
+        <p:blipFill rotWithShape="1">
+          <a:blip r:embed="rId8">
+            <a:biLevel thresh="75000"/>
+          </a:blip>
+          <a:srcRect l="37527" r="45414"/>
+          <a:stretch/>
+        </p:blipFill>
+        <p:spPr>
+          <a:xfrm>
+            <a:off x="3496913" y="17609382"/>
+            <a:ext cx="645459" cy="682725"/>
+          </a:xfrm>
+          <a:prstGeom prst="rect">
+            <a:avLst/>
+          </a:prstGeom>
+        </p:spPr>
+      </p:pic>
+      <p:pic>
+        <p:nvPicPr>
+          <p:cNvPr id="73" name="Picture 72">
+            <a:extLst>
+              <a:ext uri="{FF2B5EF4-FFF2-40B4-BE49-F238E27FC236}">
+                <a16:creationId xmlns:a16="http://schemas.microsoft.com/office/drawing/2014/main" id="{BA92B1D5-DE6F-9114-B65A-0E6BA42D6406}"/>
+              </a:ext>
+            </a:extLst>
+          </p:cNvPr>
+          <p:cNvPicPr>
+            <a:picLocks noChangeAspect="1"/>
+          </p:cNvPicPr>
+          <p:nvPr/>
+        </p:nvPicPr>
+        <p:blipFill rotWithShape="1">
+          <a:blip r:embed="rId8">
+            <a:biLevel thresh="75000"/>
+          </a:blip>
+          <a:srcRect l="37527" r="45414"/>
+          <a:stretch/>
+        </p:blipFill>
+        <p:spPr>
+          <a:xfrm>
+            <a:off x="2868738" y="17609382"/>
+            <a:ext cx="645459" cy="682725"/>
+          </a:xfrm>
+          <a:prstGeom prst="rect">
+            <a:avLst/>
+          </a:prstGeom>
+        </p:spPr>
+      </p:pic>
+      <p:pic>
+        <p:nvPicPr>
+          <p:cNvPr id="74" name="Picture 73">
+            <a:extLst>
+              <a:ext uri="{FF2B5EF4-FFF2-40B4-BE49-F238E27FC236}">
+                <a16:creationId xmlns:a16="http://schemas.microsoft.com/office/drawing/2014/main" id="{701D8755-CAEF-C8C3-981D-AEFCB0C6A3C7}"/>
+              </a:ext>
+            </a:extLst>
+          </p:cNvPr>
+          <p:cNvPicPr>
+            <a:picLocks noChangeAspect="1"/>
+          </p:cNvPicPr>
+          <p:nvPr/>
+        </p:nvPicPr>
+        <p:blipFill rotWithShape="1">
+          <a:blip r:embed="rId8">
+            <a:biLevel thresh="75000"/>
+          </a:blip>
+          <a:srcRect l="37527" r="45414"/>
+          <a:stretch/>
+        </p:blipFill>
+        <p:spPr>
+          <a:xfrm>
+            <a:off x="2225343" y="17609382"/>
+            <a:ext cx="645459" cy="682725"/>
+          </a:xfrm>
+          <a:prstGeom prst="rect">
+            <a:avLst/>
+          </a:prstGeom>
+        </p:spPr>
+      </p:pic>
+      <p:pic>
+        <p:nvPicPr>
+          <p:cNvPr id="75" name="Picture 74">
+            <a:extLst>
+              <a:ext uri="{FF2B5EF4-FFF2-40B4-BE49-F238E27FC236}">
+                <a16:creationId xmlns:a16="http://schemas.microsoft.com/office/drawing/2014/main" id="{4494A136-D72B-45BD-D2F9-B8386BEF13AC}"/>
+              </a:ext>
+            </a:extLst>
+          </p:cNvPr>
+          <p:cNvPicPr>
+            <a:picLocks noChangeAspect="1"/>
+          </p:cNvPicPr>
+          <p:nvPr/>
+        </p:nvPicPr>
+        <p:blipFill rotWithShape="1">
+          <a:blip r:embed="rId8">
+            <a:biLevel thresh="75000"/>
+          </a:blip>
+          <a:srcRect l="37527" r="45414"/>
+          <a:stretch/>
+        </p:blipFill>
+        <p:spPr>
+          <a:xfrm>
+            <a:off x="1598848" y="17609382"/>
+            <a:ext cx="645459" cy="682725"/>
+          </a:xfrm>
+          <a:prstGeom prst="rect">
+            <a:avLst/>
+          </a:prstGeom>
+        </p:spPr>
+      </p:pic>
+      <p:pic>
+        <p:nvPicPr>
+          <p:cNvPr id="76" name="Picture 75">
+            <a:extLst>
+              <a:ext uri="{FF2B5EF4-FFF2-40B4-BE49-F238E27FC236}">
+                <a16:creationId xmlns:a16="http://schemas.microsoft.com/office/drawing/2014/main" id="{E706D091-698A-E56B-9E1B-DE505079DFB1}"/>
+              </a:ext>
+            </a:extLst>
+          </p:cNvPr>
+          <p:cNvPicPr>
+            <a:picLocks noChangeAspect="1"/>
+          </p:cNvPicPr>
+          <p:nvPr/>
+        </p:nvPicPr>
+        <p:blipFill rotWithShape="1">
+          <a:blip r:embed="rId9">
+            <a:duotone>
+              <a:schemeClr val="accent6">
+                <a:shade val="45000"/>
+                <a:satMod val="135000"/>
+              </a:schemeClr>
+              <a:prstClr val="white"/>
+            </a:duotone>
+            <a:extLst>
+              <a:ext uri="{BEBA8EAE-BF5A-486C-A8C5-ECC9F3942E4B}">
+                <a14:imgProps xmlns:a14="http://schemas.microsoft.com/office/drawing/2010/main">
+                  <a14:imgLayer r:embed="rId10">
+                    <a14:imgEffect>
+                      <a14:sharpenSoften amount="50000"/>
+                    </a14:imgEffect>
+                  </a14:imgLayer>
+                </a14:imgProps>
+              </a:ext>
+            </a:extLst>
+          </a:blip>
+          <a:srcRect l="29252"/>
+          <a:stretch/>
+        </p:blipFill>
+        <p:spPr>
+          <a:xfrm>
+            <a:off x="1615443" y="18581921"/>
+            <a:ext cx="734020" cy="487880"/>
+          </a:xfrm>
+          <a:prstGeom prst="rect">
+            <a:avLst/>
+          </a:prstGeom>
+        </p:spPr>
+      </p:pic>
+      <p:pic>
+        <p:nvPicPr>
+          <p:cNvPr id="77" name="Picture 76">
+            <a:extLst>
+              <a:ext uri="{FF2B5EF4-FFF2-40B4-BE49-F238E27FC236}">
+                <a16:creationId xmlns:a16="http://schemas.microsoft.com/office/drawing/2014/main" id="{02949627-C5E2-7BC5-1E12-1EB8F3E8E0D5}"/>
+              </a:ext>
+            </a:extLst>
+          </p:cNvPr>
+          <p:cNvPicPr>
+            <a:picLocks noChangeAspect="1"/>
+          </p:cNvPicPr>
+          <p:nvPr/>
+        </p:nvPicPr>
+        <p:blipFill>
+          <a:blip r:embed="rId9">
+            <a:duotone>
+              <a:schemeClr val="accent6">
+                <a:shade val="45000"/>
+                <a:satMod val="135000"/>
+              </a:schemeClr>
+              <a:prstClr val="white"/>
+            </a:duotone>
+            <a:extLst>
+              <a:ext uri="{BEBA8EAE-BF5A-486C-A8C5-ECC9F3942E4B}">
+                <a14:imgProps xmlns:a14="http://schemas.microsoft.com/office/drawing/2010/main">
+                  <a14:imgLayer r:embed="rId11">
+                    <a14:imgEffect>
+                      <a14:sharpenSoften amount="50000"/>
+                    </a14:imgEffect>
+                  </a14:imgLayer>
+                </a14:imgProps>
+              </a:ext>
+            </a:extLst>
+          </a:blip>
+          <a:stretch>
+            <a:fillRect/>
+          </a:stretch>
+        </p:blipFill>
+        <p:spPr>
+          <a:xfrm>
+            <a:off x="2989907" y="18595189"/>
+            <a:ext cx="1037517" cy="487880"/>
+          </a:xfrm>
+          <a:prstGeom prst="rect">
+            <a:avLst/>
+          </a:prstGeom>
+        </p:spPr>
+      </p:pic>
+      <p:pic>
+        <p:nvPicPr>
+          <p:cNvPr id="78" name="Picture 77">
+            <a:extLst>
+              <a:ext uri="{FF2B5EF4-FFF2-40B4-BE49-F238E27FC236}">
+                <a16:creationId xmlns:a16="http://schemas.microsoft.com/office/drawing/2014/main" id="{580AD415-BE2B-5C83-46FF-9FCD836AB101}"/>
+              </a:ext>
+            </a:extLst>
+          </p:cNvPr>
+          <p:cNvPicPr>
+            <a:picLocks noChangeAspect="1"/>
+          </p:cNvPicPr>
+          <p:nvPr/>
+        </p:nvPicPr>
+        <p:blipFill rotWithShape="1">
+          <a:blip r:embed="rId12">
+            <a:duotone>
+              <a:schemeClr val="accent6">
+                <a:shade val="45000"/>
+                <a:satMod val="135000"/>
+              </a:schemeClr>
+              <a:prstClr val="white"/>
+            </a:duotone>
+            <a:extLst>
+              <a:ext uri="{BEBA8EAE-BF5A-486C-A8C5-ECC9F3942E4B}">
+                <a14:imgProps xmlns:a14="http://schemas.microsoft.com/office/drawing/2010/main">
+                  <a14:imgLayer r:embed="rId13">
+                    <a14:imgEffect>
+                      <a14:sharpenSoften amount="50000"/>
+                    </a14:imgEffect>
+                  </a14:imgLayer>
+                </a14:imgProps>
+              </a:ext>
+            </a:extLst>
+          </a:blip>
+          <a:srcRect l="37527" r="45414"/>
+          <a:stretch/>
+        </p:blipFill>
+        <p:spPr>
+          <a:xfrm>
+            <a:off x="2362351" y="18419354"/>
+            <a:ext cx="645459" cy="682725"/>
+          </a:xfrm>
+          <a:prstGeom prst="rect">
+            <a:avLst/>
+          </a:prstGeom>
+        </p:spPr>
+      </p:pic>
+      <p:pic>
+        <p:nvPicPr>
+          <p:cNvPr id="79" name="Picture 78">
+            <a:extLst>
+              <a:ext uri="{FF2B5EF4-FFF2-40B4-BE49-F238E27FC236}">
+                <a16:creationId xmlns:a16="http://schemas.microsoft.com/office/drawing/2014/main" id="{08C1C25F-E421-891B-60BB-3FDDD1FC8196}"/>
+              </a:ext>
+            </a:extLst>
+          </p:cNvPr>
+          <p:cNvPicPr>
+            <a:picLocks noChangeAspect="1"/>
+          </p:cNvPicPr>
+          <p:nvPr/>
+        </p:nvPicPr>
+        <p:blipFill rotWithShape="1">
+          <a:blip r:embed="rId12">
+            <a:duotone>
+              <a:schemeClr val="accent6">
+                <a:shade val="45000"/>
+                <a:satMod val="135000"/>
+              </a:schemeClr>
+              <a:prstClr val="white"/>
+            </a:duotone>
+            <a:extLst>
+              <a:ext uri="{BEBA8EAE-BF5A-486C-A8C5-ECC9F3942E4B}">
+                <a14:imgProps xmlns:a14="http://schemas.microsoft.com/office/drawing/2010/main">
+                  <a14:imgLayer r:embed="rId14">
+                    <a14:imgEffect>
+                      <a14:sharpenSoften amount="50000"/>
+                    </a14:imgEffect>
+                  </a14:imgLayer>
+                </a14:imgProps>
+              </a:ext>
+            </a:extLst>
+          </a:blip>
+          <a:srcRect l="37527" r="45414"/>
+          <a:stretch/>
+        </p:blipFill>
+        <p:spPr>
+          <a:xfrm>
+            <a:off x="4047843" y="18405314"/>
+            <a:ext cx="645459" cy="682725"/>
+          </a:xfrm>
+          <a:prstGeom prst="rect">
+            <a:avLst/>
+          </a:prstGeom>
+        </p:spPr>
+      </p:pic>
+      <p:pic>
+        <p:nvPicPr>
+          <p:cNvPr id="80" name="Picture 79">
+            <a:extLst>
+              <a:ext uri="{FF2B5EF4-FFF2-40B4-BE49-F238E27FC236}">
+                <a16:creationId xmlns:a16="http://schemas.microsoft.com/office/drawing/2014/main" id="{147CC3AA-1EC8-1D77-8652-6D47008BED7F}"/>
+              </a:ext>
+            </a:extLst>
+          </p:cNvPr>
+          <p:cNvPicPr>
+            <a:picLocks noChangeAspect="1"/>
+          </p:cNvPicPr>
+          <p:nvPr/>
+        </p:nvPicPr>
+        <p:blipFill rotWithShape="1">
+          <a:blip r:embed="rId8">
+            <a:biLevel thresh="75000"/>
+          </a:blip>
+          <a:srcRect l="37527" r="45414"/>
+          <a:stretch/>
+        </p:blipFill>
+        <p:spPr>
+          <a:xfrm>
+            <a:off x="8313271" y="17587546"/>
+            <a:ext cx="645459" cy="682725"/>
+          </a:xfrm>
+          <a:prstGeom prst="rect">
+            <a:avLst/>
+          </a:prstGeom>
+        </p:spPr>
+      </p:pic>
+      <p:pic>
+        <p:nvPicPr>
+          <p:cNvPr id="81" name="Picture 80">
+            <a:extLst>
+              <a:ext uri="{FF2B5EF4-FFF2-40B4-BE49-F238E27FC236}">
+                <a16:creationId xmlns:a16="http://schemas.microsoft.com/office/drawing/2014/main" id="{0982F7DC-E4B1-3466-7936-33309A72F25A}"/>
+              </a:ext>
+            </a:extLst>
+          </p:cNvPr>
+          <p:cNvPicPr>
+            <a:picLocks noChangeAspect="1"/>
+          </p:cNvPicPr>
+          <p:nvPr/>
+        </p:nvPicPr>
+        <p:blipFill rotWithShape="1">
+          <a:blip r:embed="rId8">
+            <a:biLevel thresh="75000"/>
+          </a:blip>
+          <a:srcRect l="37527" r="45414"/>
+          <a:stretch/>
+        </p:blipFill>
+        <p:spPr>
+          <a:xfrm>
+            <a:off x="6512326" y="17622954"/>
+            <a:ext cx="645459" cy="682725"/>
+          </a:xfrm>
+          <a:prstGeom prst="rect">
+            <a:avLst/>
+          </a:prstGeom>
+        </p:spPr>
+      </p:pic>
+      <p:pic>
+        <p:nvPicPr>
+          <p:cNvPr id="82" name="Picture 81">
+            <a:extLst>
+              <a:ext uri="{FF2B5EF4-FFF2-40B4-BE49-F238E27FC236}">
+                <a16:creationId xmlns:a16="http://schemas.microsoft.com/office/drawing/2014/main" id="{33970040-1458-0045-A65E-0E94158EE0EA}"/>
+              </a:ext>
+            </a:extLst>
+          </p:cNvPr>
+          <p:cNvPicPr>
+            <a:picLocks noChangeAspect="1"/>
+          </p:cNvPicPr>
+          <p:nvPr/>
+        </p:nvPicPr>
+        <p:blipFill rotWithShape="1">
+          <a:blip r:embed="rId8">
+            <a:biLevel thresh="75000"/>
+          </a:blip>
+          <a:srcRect l="37527" r="45414"/>
+          <a:stretch/>
+        </p:blipFill>
+        <p:spPr>
+          <a:xfrm>
+            <a:off x="5884151" y="17622954"/>
+            <a:ext cx="645459" cy="682725"/>
+          </a:xfrm>
+          <a:prstGeom prst="rect">
+            <a:avLst/>
+          </a:prstGeom>
+        </p:spPr>
+      </p:pic>
+      <p:pic>
+        <p:nvPicPr>
+          <p:cNvPr id="83" name="Picture 82">
+            <a:extLst>
+              <a:ext uri="{FF2B5EF4-FFF2-40B4-BE49-F238E27FC236}">
+                <a16:creationId xmlns:a16="http://schemas.microsoft.com/office/drawing/2014/main" id="{147D7902-A228-FD50-CE9F-A04183C5A4D9}"/>
+              </a:ext>
+            </a:extLst>
+          </p:cNvPr>
+          <p:cNvPicPr>
+            <a:picLocks noChangeAspect="1"/>
+          </p:cNvPicPr>
+          <p:nvPr/>
+        </p:nvPicPr>
+        <p:blipFill rotWithShape="1">
+          <a:blip r:embed="rId8">
+            <a:biLevel thresh="75000"/>
+          </a:blip>
+          <a:srcRect l="37527" r="45414"/>
+          <a:stretch/>
+        </p:blipFill>
+        <p:spPr>
+          <a:xfrm>
+            <a:off x="5280011" y="17629033"/>
+            <a:ext cx="645459" cy="682725"/>
+          </a:xfrm>
+          <a:prstGeom prst="rect">
+            <a:avLst/>
+          </a:prstGeom>
+        </p:spPr>
+      </p:pic>
+      <p:pic>
+        <p:nvPicPr>
+          <p:cNvPr id="84" name="Picture 83">
+            <a:extLst>
+              <a:ext uri="{FF2B5EF4-FFF2-40B4-BE49-F238E27FC236}">
+                <a16:creationId xmlns:a16="http://schemas.microsoft.com/office/drawing/2014/main" id="{8CA43769-E7A3-0490-7939-431C844FF36C}"/>
+              </a:ext>
+            </a:extLst>
+          </p:cNvPr>
+          <p:cNvPicPr>
+            <a:picLocks noChangeAspect="1"/>
+          </p:cNvPicPr>
+          <p:nvPr/>
+        </p:nvPicPr>
+        <p:blipFill rotWithShape="1">
+          <a:blip r:embed="rId8">
+            <a:biLevel thresh="75000"/>
+          </a:blip>
+          <a:srcRect l="37527" r="45414"/>
+          <a:stretch/>
+        </p:blipFill>
+        <p:spPr>
+          <a:xfrm>
+            <a:off x="4653516" y="17629033"/>
+            <a:ext cx="645459" cy="682725"/>
+          </a:xfrm>
+          <a:prstGeom prst="rect">
+            <a:avLst/>
+          </a:prstGeom>
+        </p:spPr>
+      </p:pic>
+      <p:pic>
+        <p:nvPicPr>
+          <p:cNvPr id="85" name="Picture 84">
+            <a:extLst>
+              <a:ext uri="{FF2B5EF4-FFF2-40B4-BE49-F238E27FC236}">
+                <a16:creationId xmlns:a16="http://schemas.microsoft.com/office/drawing/2014/main" id="{2C56FAA9-63F3-E82B-C8D9-F94314505420}"/>
+              </a:ext>
+            </a:extLst>
+          </p:cNvPr>
+          <p:cNvPicPr>
+            <a:picLocks noChangeAspect="1"/>
+          </p:cNvPicPr>
+          <p:nvPr/>
+        </p:nvPicPr>
+        <p:blipFill rotWithShape="1">
+          <a:blip r:embed="rId9">
+            <a:duotone>
+              <a:schemeClr val="accent6">
+                <a:shade val="45000"/>
+                <a:satMod val="135000"/>
+              </a:schemeClr>
+              <a:prstClr val="white"/>
+            </a:duotone>
+            <a:extLst>
+              <a:ext uri="{BEBA8EAE-BF5A-486C-A8C5-ECC9F3942E4B}">
+                <a14:imgProps xmlns:a14="http://schemas.microsoft.com/office/drawing/2010/main">
+                  <a14:imgLayer r:embed="rId10">
+                    <a14:imgEffect>
+                      <a14:sharpenSoften amount="50000"/>
+                    </a14:imgEffect>
+                  </a14:imgLayer>
+                </a14:imgProps>
+              </a:ext>
+            </a:extLst>
+          </a:blip>
+          <a:srcRect l="29252"/>
+          <a:stretch/>
+        </p:blipFill>
+        <p:spPr>
+          <a:xfrm>
+            <a:off x="4670111" y="18601572"/>
+            <a:ext cx="734020" cy="487880"/>
+          </a:xfrm>
+          <a:prstGeom prst="rect">
+            <a:avLst/>
+          </a:prstGeom>
+        </p:spPr>
+      </p:pic>
+      <p:pic>
+        <p:nvPicPr>
+          <p:cNvPr id="86" name="Picture 85">
+            <a:extLst>
+              <a:ext uri="{FF2B5EF4-FFF2-40B4-BE49-F238E27FC236}">
+                <a16:creationId xmlns:a16="http://schemas.microsoft.com/office/drawing/2014/main" id="{2A906B72-EB09-1A74-3F63-EC9BC87085DC}"/>
+              </a:ext>
+            </a:extLst>
+          </p:cNvPr>
+          <p:cNvPicPr>
+            <a:picLocks noChangeAspect="1"/>
+          </p:cNvPicPr>
+          <p:nvPr/>
+        </p:nvPicPr>
+        <p:blipFill>
+          <a:blip r:embed="rId9">
+            <a:duotone>
+              <a:schemeClr val="accent6">
+                <a:shade val="45000"/>
+                <a:satMod val="135000"/>
+              </a:schemeClr>
+              <a:prstClr val="white"/>
+            </a:duotone>
+            <a:extLst>
+              <a:ext uri="{BEBA8EAE-BF5A-486C-A8C5-ECC9F3942E4B}">
+                <a14:imgProps xmlns:a14="http://schemas.microsoft.com/office/drawing/2010/main">
+                  <a14:imgLayer r:embed="rId11">
+                    <a14:imgEffect>
+                      <a14:sharpenSoften amount="50000"/>
+                    </a14:imgEffect>
+                  </a14:imgLayer>
+                </a14:imgProps>
+              </a:ext>
+            </a:extLst>
+          </a:blip>
+          <a:stretch>
+            <a:fillRect/>
+          </a:stretch>
+        </p:blipFill>
+        <p:spPr>
+          <a:xfrm>
+            <a:off x="5607433" y="18601572"/>
+            <a:ext cx="1037517" cy="487880"/>
+          </a:xfrm>
+          <a:prstGeom prst="rect">
+            <a:avLst/>
+          </a:prstGeom>
+        </p:spPr>
+      </p:pic>
+      <p:pic>
+        <p:nvPicPr>
+          <p:cNvPr id="87" name="Picture 86">
+            <a:extLst>
+              <a:ext uri="{FF2B5EF4-FFF2-40B4-BE49-F238E27FC236}">
+                <a16:creationId xmlns:a16="http://schemas.microsoft.com/office/drawing/2014/main" id="{20ACD5D8-3755-9AD6-E297-7344EA6890A4}"/>
+              </a:ext>
+            </a:extLst>
+          </p:cNvPr>
+          <p:cNvPicPr>
+            <a:picLocks noChangeAspect="1"/>
+          </p:cNvPicPr>
+          <p:nvPr/>
+        </p:nvPicPr>
+        <p:blipFill rotWithShape="1">
+          <a:blip r:embed="rId12">
+            <a:duotone>
+              <a:schemeClr val="accent6">
+                <a:shade val="45000"/>
+                <a:satMod val="135000"/>
+              </a:schemeClr>
+              <a:prstClr val="white"/>
+            </a:duotone>
+            <a:extLst>
+              <a:ext uri="{BEBA8EAE-BF5A-486C-A8C5-ECC9F3942E4B}">
+                <a14:imgProps xmlns:a14="http://schemas.microsoft.com/office/drawing/2010/main">
+                  <a14:imgLayer r:embed="rId13">
+                    <a14:imgEffect>
+                      <a14:sharpenSoften amount="50000"/>
+                    </a14:imgEffect>
+                  </a14:imgLayer>
+                </a14:imgProps>
+              </a:ext>
+            </a:extLst>
+          </a:blip>
+          <a:srcRect l="37527" r="45414"/>
+          <a:stretch/>
+        </p:blipFill>
+        <p:spPr>
+          <a:xfrm>
+            <a:off x="5417019" y="18439005"/>
+            <a:ext cx="645459" cy="682725"/>
+          </a:xfrm>
+          <a:prstGeom prst="rect">
+            <a:avLst/>
+          </a:prstGeom>
+        </p:spPr>
+      </p:pic>
+      <p:pic>
+        <p:nvPicPr>
+          <p:cNvPr id="88" name="Picture 87">
+            <a:extLst>
+              <a:ext uri="{FF2B5EF4-FFF2-40B4-BE49-F238E27FC236}">
+                <a16:creationId xmlns:a16="http://schemas.microsoft.com/office/drawing/2014/main" id="{C50A0D55-D31C-3D77-272D-8C1A92212905}"/>
+              </a:ext>
+            </a:extLst>
+          </p:cNvPr>
+          <p:cNvPicPr>
+            <a:picLocks noChangeAspect="1"/>
+          </p:cNvPicPr>
+          <p:nvPr/>
+        </p:nvPicPr>
+        <p:blipFill rotWithShape="1">
+          <a:blip r:embed="rId12">
+            <a:duotone>
+              <a:schemeClr val="accent6">
+                <a:shade val="45000"/>
+                <a:satMod val="135000"/>
+              </a:schemeClr>
+              <a:prstClr val="white"/>
+            </a:duotone>
+            <a:extLst>
+              <a:ext uri="{BEBA8EAE-BF5A-486C-A8C5-ECC9F3942E4B}">
+                <a14:imgProps xmlns:a14="http://schemas.microsoft.com/office/drawing/2010/main">
+                  <a14:imgLayer r:embed="rId14">
+                    <a14:imgEffect>
+                      <a14:sharpenSoften amount="50000"/>
+                    </a14:imgEffect>
+                  </a14:imgLayer>
+                </a14:imgProps>
+              </a:ext>
+            </a:extLst>
+          </a:blip>
+          <a:srcRect l="37527" r="45414"/>
+          <a:stretch/>
+        </p:blipFill>
+        <p:spPr>
+          <a:xfrm>
+            <a:off x="8116909" y="18419354"/>
+            <a:ext cx="645459" cy="682725"/>
+          </a:xfrm>
+          <a:prstGeom prst="rect">
+            <a:avLst/>
+          </a:prstGeom>
+        </p:spPr>
+      </p:pic>
+      <p:pic>
+        <p:nvPicPr>
+          <p:cNvPr id="89" name="Picture 88">
+            <a:extLst>
+              <a:ext uri="{FF2B5EF4-FFF2-40B4-BE49-F238E27FC236}">
+                <a16:creationId xmlns:a16="http://schemas.microsoft.com/office/drawing/2014/main" id="{081E5F4F-8EB8-7786-9A71-C15532F509E5}"/>
+              </a:ext>
+            </a:extLst>
+          </p:cNvPr>
+          <p:cNvPicPr>
+            <a:picLocks noChangeAspect="1"/>
+          </p:cNvPicPr>
+          <p:nvPr/>
+        </p:nvPicPr>
+        <p:blipFill rotWithShape="1">
+          <a:blip r:embed="rId8">
+            <a:biLevel thresh="75000"/>
+          </a:blip>
+          <a:srcRect l="67617"/>
+          <a:stretch/>
+        </p:blipFill>
+        <p:spPr>
+          <a:xfrm>
+            <a:off x="6843350" y="17607761"/>
+            <a:ext cx="1225367" cy="682725"/>
+          </a:xfrm>
+          <a:prstGeom prst="rect">
+            <a:avLst/>
+          </a:prstGeom>
+        </p:spPr>
+      </p:pic>
+      <p:pic>
+        <p:nvPicPr>
+          <p:cNvPr id="92" name="Picture 91">
+            <a:extLst>
+              <a:ext uri="{FF2B5EF4-FFF2-40B4-BE49-F238E27FC236}">
+                <a16:creationId xmlns:a16="http://schemas.microsoft.com/office/drawing/2014/main" id="{A69B57A9-BA15-06E2-AAD9-B83E1700E570}"/>
+              </a:ext>
+            </a:extLst>
+          </p:cNvPr>
+          <p:cNvPicPr>
+            <a:picLocks noChangeAspect="1"/>
+          </p:cNvPicPr>
+          <p:nvPr/>
+        </p:nvPicPr>
+        <p:blipFill rotWithShape="1">
+          <a:blip r:embed="rId8">
+            <a:duotone>
+              <a:schemeClr val="accent6">
+                <a:shade val="45000"/>
+                <a:satMod val="135000"/>
+              </a:schemeClr>
+              <a:prstClr val="white"/>
+            </a:duotone>
+          </a:blip>
+          <a:srcRect l="79440" r="1"/>
+          <a:stretch/>
+        </p:blipFill>
+        <p:spPr>
+          <a:xfrm>
+            <a:off x="10870184" y="18364214"/>
+            <a:ext cx="777946" cy="682725"/>
+          </a:xfrm>
+          <a:prstGeom prst="rect">
+            <a:avLst/>
+          </a:prstGeom>
+        </p:spPr>
+      </p:pic>
+      <p:pic>
+        <p:nvPicPr>
+          <p:cNvPr id="93" name="Picture 92">
+            <a:extLst>
+              <a:ext uri="{FF2B5EF4-FFF2-40B4-BE49-F238E27FC236}">
+                <a16:creationId xmlns:a16="http://schemas.microsoft.com/office/drawing/2014/main" id="{78EAB52D-4082-D320-2F49-FBDE93EB5626}"/>
+              </a:ext>
+            </a:extLst>
+          </p:cNvPr>
+          <p:cNvPicPr>
+            <a:picLocks noChangeAspect="1"/>
+          </p:cNvPicPr>
+          <p:nvPr/>
+        </p:nvPicPr>
+        <p:blipFill rotWithShape="1">
+          <a:blip r:embed="rId8">
+            <a:duotone>
+              <a:schemeClr val="accent6">
+                <a:shade val="45000"/>
+                <a:satMod val="135000"/>
+              </a:schemeClr>
+              <a:prstClr val="white"/>
+            </a:duotone>
+          </a:blip>
+          <a:srcRect l="84254" r="1"/>
+          <a:stretch/>
+        </p:blipFill>
+        <p:spPr>
+          <a:xfrm>
+            <a:off x="11628452" y="18349771"/>
+            <a:ext cx="595784" cy="682725"/>
+          </a:xfrm>
+          <a:prstGeom prst="rect">
+            <a:avLst/>
+          </a:prstGeom>
+        </p:spPr>
+      </p:pic>
+      <p:pic>
+        <p:nvPicPr>
+          <p:cNvPr id="94" name="Picture 93">
+            <a:extLst>
+              <a:ext uri="{FF2B5EF4-FFF2-40B4-BE49-F238E27FC236}">
+                <a16:creationId xmlns:a16="http://schemas.microsoft.com/office/drawing/2014/main" id="{6443AA99-195D-FD64-DC6A-845935508C35}"/>
+              </a:ext>
+            </a:extLst>
+          </p:cNvPr>
+          <p:cNvPicPr>
+            <a:picLocks noChangeAspect="1"/>
+          </p:cNvPicPr>
+          <p:nvPr/>
+        </p:nvPicPr>
+        <p:blipFill rotWithShape="1">
+          <a:blip r:embed="rId15">
+            <a:duotone>
+              <a:schemeClr val="accent6">
+                <a:shade val="45000"/>
+                <a:satMod val="135000"/>
+              </a:schemeClr>
+              <a:prstClr val="white"/>
+            </a:duotone>
+            <a:extLst>
+              <a:ext uri="{BEBA8EAE-BF5A-486C-A8C5-ECC9F3942E4B}">
+                <a14:imgProps xmlns:a14="http://schemas.microsoft.com/office/drawing/2010/main">
+                  <a14:imgLayer r:embed="rId16">
+                    <a14:imgEffect>
+                      <a14:brightnessContrast bright="40000" contrast="-40000"/>
+                    </a14:imgEffect>
+                  </a14:imgLayer>
+                </a14:imgProps>
+              </a:ext>
+            </a:extLst>
+          </a:blip>
+          <a:srcRect l="79440" r="1"/>
+          <a:stretch/>
+        </p:blipFill>
+        <p:spPr>
+          <a:xfrm>
+            <a:off x="9051654" y="18404593"/>
+            <a:ext cx="777946" cy="682725"/>
+          </a:xfrm>
+          <a:prstGeom prst="rect">
+            <a:avLst/>
+          </a:prstGeom>
+        </p:spPr>
+      </p:pic>
+      <p:pic>
+        <p:nvPicPr>
+          <p:cNvPr id="95" name="Picture 94">
+            <a:extLst>
+              <a:ext uri="{FF2B5EF4-FFF2-40B4-BE49-F238E27FC236}">
+                <a16:creationId xmlns:a16="http://schemas.microsoft.com/office/drawing/2014/main" id="{C3374E0B-0FDD-2787-718A-B58CEB96D55B}"/>
+              </a:ext>
+            </a:extLst>
+          </p:cNvPr>
+          <p:cNvPicPr>
+            <a:picLocks noChangeAspect="1"/>
+          </p:cNvPicPr>
+          <p:nvPr/>
+        </p:nvPicPr>
+        <p:blipFill rotWithShape="1">
+          <a:blip r:embed="rId8">
+            <a:duotone>
+              <a:schemeClr val="accent6">
+                <a:shade val="45000"/>
+                <a:satMod val="135000"/>
+              </a:schemeClr>
+              <a:prstClr val="white"/>
+            </a:duotone>
+          </a:blip>
+          <a:srcRect l="84254" r="1"/>
+          <a:stretch/>
+        </p:blipFill>
+        <p:spPr>
+          <a:xfrm>
+            <a:off x="9809156" y="18372941"/>
+            <a:ext cx="595784" cy="682725"/>
+          </a:xfrm>
+          <a:prstGeom prst="rect">
+            <a:avLst/>
+          </a:prstGeom>
+        </p:spPr>
+      </p:pic>
+      <p:pic>
+        <p:nvPicPr>
+          <p:cNvPr id="96" name="Picture 95">
+            <a:extLst>
+              <a:ext uri="{FF2B5EF4-FFF2-40B4-BE49-F238E27FC236}">
+                <a16:creationId xmlns:a16="http://schemas.microsoft.com/office/drawing/2014/main" id="{E6476E66-2E7B-70E2-02F2-A50FA286E25B}"/>
+              </a:ext>
+            </a:extLst>
+          </p:cNvPr>
+          <p:cNvPicPr>
+            <a:picLocks noChangeAspect="1"/>
+          </p:cNvPicPr>
+          <p:nvPr/>
+        </p:nvPicPr>
+        <p:blipFill rotWithShape="1">
+          <a:blip r:embed="rId8">
+            <a:duotone>
+              <a:schemeClr val="accent6">
+                <a:shade val="45000"/>
+                <a:satMod val="135000"/>
+              </a:schemeClr>
+              <a:prstClr val="white"/>
+            </a:duotone>
+          </a:blip>
+          <a:srcRect l="82523" r="1"/>
+          <a:stretch/>
+        </p:blipFill>
+        <p:spPr>
+          <a:xfrm>
+            <a:off x="10380671" y="18379412"/>
+            <a:ext cx="661268" cy="682725"/>
+          </a:xfrm>
+          <a:prstGeom prst="rect">
+            <a:avLst/>
+          </a:prstGeom>
+        </p:spPr>
+      </p:pic>
+      <p:pic>
+        <p:nvPicPr>
+          <p:cNvPr id="97" name="Picture 96">
+            <a:extLst>
+              <a:ext uri="{FF2B5EF4-FFF2-40B4-BE49-F238E27FC236}">
+                <a16:creationId xmlns:a16="http://schemas.microsoft.com/office/drawing/2014/main" id="{85908B10-7F12-1D59-421F-611D4D8836D7}"/>
+              </a:ext>
+            </a:extLst>
+          </p:cNvPr>
+          <p:cNvPicPr>
+            <a:picLocks noChangeAspect="1"/>
+          </p:cNvPicPr>
+          <p:nvPr/>
+        </p:nvPicPr>
+        <p:blipFill rotWithShape="1">
+          <a:blip r:embed="rId8">
+            <a:biLevel thresh="75000"/>
+          </a:blip>
+          <a:srcRect l="79440" r="1"/>
+          <a:stretch/>
+        </p:blipFill>
+        <p:spPr>
+          <a:xfrm>
+            <a:off x="8237151" y="17587546"/>
+            <a:ext cx="777946" cy="682725"/>
+          </a:xfrm>
+          <a:prstGeom prst="rect">
+            <a:avLst/>
+          </a:prstGeom>
+        </p:spPr>
+      </p:pic>
+      <p:pic>
+        <p:nvPicPr>
+          <p:cNvPr id="98" name="Picture 97">
+            <a:extLst>
+              <a:ext uri="{FF2B5EF4-FFF2-40B4-BE49-F238E27FC236}">
+                <a16:creationId xmlns:a16="http://schemas.microsoft.com/office/drawing/2014/main" id="{D6ED9FE1-A6D4-19DE-B857-5CB650DDDD66}"/>
+              </a:ext>
+            </a:extLst>
+          </p:cNvPr>
+          <p:cNvPicPr>
+            <a:picLocks noChangeAspect="1"/>
+          </p:cNvPicPr>
+          <p:nvPr/>
+        </p:nvPicPr>
+        <p:blipFill>
+          <a:blip r:embed="rId9">
+            <a:duotone>
+              <a:schemeClr val="accent6">
+                <a:shade val="45000"/>
+                <a:satMod val="135000"/>
+              </a:schemeClr>
+              <a:prstClr val="white"/>
+            </a:duotone>
+            <a:extLst>
+              <a:ext uri="{BEBA8EAE-BF5A-486C-A8C5-ECC9F3942E4B}">
+                <a14:imgProps xmlns:a14="http://schemas.microsoft.com/office/drawing/2010/main">
+                  <a14:imgLayer r:embed="rId11">
+                    <a14:imgEffect>
+                      <a14:sharpenSoften amount="50000"/>
+                    </a14:imgEffect>
+                  </a14:imgLayer>
+                </a14:imgProps>
+              </a:ext>
+            </a:extLst>
+          </a:blip>
+          <a:stretch>
+            <a:fillRect/>
+          </a:stretch>
+        </p:blipFill>
+        <p:spPr>
+          <a:xfrm>
+            <a:off x="6496862" y="18574338"/>
+            <a:ext cx="1037517" cy="487880"/>
+          </a:xfrm>
+          <a:prstGeom prst="rect">
+            <a:avLst/>
+          </a:prstGeom>
+        </p:spPr>
+      </p:pic>
+      <p:pic>
+        <p:nvPicPr>
+          <p:cNvPr id="99" name="Picture 98">
+            <a:extLst>
+              <a:ext uri="{FF2B5EF4-FFF2-40B4-BE49-F238E27FC236}">
+                <a16:creationId xmlns:a16="http://schemas.microsoft.com/office/drawing/2014/main" id="{4D75857A-7044-5F28-99D7-FBEC6BD0C66B}"/>
+              </a:ext>
+            </a:extLst>
+          </p:cNvPr>
+          <p:cNvPicPr>
+            <a:picLocks noChangeAspect="1"/>
+          </p:cNvPicPr>
+          <p:nvPr/>
+        </p:nvPicPr>
+        <p:blipFill rotWithShape="1">
+          <a:blip r:embed="rId9">
+            <a:duotone>
+              <a:schemeClr val="accent6">
+                <a:shade val="45000"/>
+                <a:satMod val="135000"/>
+              </a:schemeClr>
+              <a:prstClr val="white"/>
+            </a:duotone>
+            <a:extLst>
+              <a:ext uri="{BEBA8EAE-BF5A-486C-A8C5-ECC9F3942E4B}">
+                <a14:imgProps xmlns:a14="http://schemas.microsoft.com/office/drawing/2010/main">
+                  <a14:imgLayer r:embed="rId10">
+                    <a14:imgEffect>
+                      <a14:sharpenSoften amount="50000"/>
+                    </a14:imgEffect>
+                  </a14:imgLayer>
+                </a14:imgProps>
+              </a:ext>
+            </a:extLst>
+          </a:blip>
+          <a:srcRect l="29252"/>
+          <a:stretch/>
+        </p:blipFill>
+        <p:spPr>
+          <a:xfrm>
+            <a:off x="7507527" y="18569588"/>
+            <a:ext cx="734020" cy="487880"/>
+          </a:xfrm>
+          <a:prstGeom prst="rect">
+            <a:avLst/>
+          </a:prstGeom>
+        </p:spPr>
+      </p:pic>
+      <p:pic>
+        <p:nvPicPr>
+          <p:cNvPr id="100" name="Picture 99">
+            <a:extLst>
+              <a:ext uri="{FF2B5EF4-FFF2-40B4-BE49-F238E27FC236}">
+                <a16:creationId xmlns:a16="http://schemas.microsoft.com/office/drawing/2014/main" id="{723FA964-47BA-393B-E9B2-54A5410D921B}"/>
+              </a:ext>
+            </a:extLst>
+          </p:cNvPr>
+          <p:cNvPicPr>
+            <a:picLocks noChangeAspect="1"/>
+          </p:cNvPicPr>
+          <p:nvPr/>
+        </p:nvPicPr>
+        <p:blipFill rotWithShape="1">
+          <a:blip r:embed="rId9">
+            <a:duotone>
+              <a:schemeClr val="accent6">
+                <a:shade val="45000"/>
+                <a:satMod val="135000"/>
+              </a:schemeClr>
+              <a:prstClr val="white"/>
+            </a:duotone>
+            <a:extLst>
+              <a:ext uri="{BEBA8EAE-BF5A-486C-A8C5-ECC9F3942E4B}">
+                <a14:imgProps xmlns:a14="http://schemas.microsoft.com/office/drawing/2010/main">
+                  <a14:imgLayer r:embed="rId10">
+                    <a14:imgEffect>
+                      <a14:sharpenSoften amount="50000"/>
+                    </a14:imgEffect>
+                  </a14:imgLayer>
+                </a14:imgProps>
+              </a:ext>
+            </a:extLst>
+          </a:blip>
+          <a:srcRect l="29252"/>
+          <a:stretch/>
+        </p:blipFill>
+        <p:spPr>
+          <a:xfrm>
+            <a:off x="8329512" y="18581921"/>
+            <a:ext cx="734020" cy="487880"/>
+          </a:xfrm>
+          <a:prstGeom prst="rect">
+            <a:avLst/>
+          </a:prstGeom>
+        </p:spPr>
+      </p:pic>
+      <p:pic>
+        <p:nvPicPr>
+          <p:cNvPr id="101" name="Picture 100">
+            <a:extLst>
+              <a:ext uri="{FF2B5EF4-FFF2-40B4-BE49-F238E27FC236}">
+                <a16:creationId xmlns:a16="http://schemas.microsoft.com/office/drawing/2014/main" id="{7C00F3E0-B45C-1473-2ECE-CA2281E54B45}"/>
+              </a:ext>
+            </a:extLst>
+          </p:cNvPr>
+          <p:cNvPicPr>
+            <a:picLocks noChangeAspect="1"/>
+          </p:cNvPicPr>
+          <p:nvPr/>
+        </p:nvPicPr>
+        <p:blipFill rotWithShape="1">
+          <a:blip r:embed="rId8">
+            <a:biLevel thresh="75000"/>
+          </a:blip>
+          <a:srcRect l="79440" r="1"/>
+          <a:stretch/>
+        </p:blipFill>
+        <p:spPr>
+          <a:xfrm>
+            <a:off x="9019990" y="17576776"/>
+            <a:ext cx="777946" cy="682725"/>
+          </a:xfrm>
+          <a:prstGeom prst="rect">
+            <a:avLst/>
+          </a:prstGeom>
+        </p:spPr>
+      </p:pic>
+      <p:pic>
+        <p:nvPicPr>
+          <p:cNvPr id="104" name="Picture 103">
+            <a:extLst>
+              <a:ext uri="{FF2B5EF4-FFF2-40B4-BE49-F238E27FC236}">
+                <a16:creationId xmlns:a16="http://schemas.microsoft.com/office/drawing/2014/main" id="{326F8BAD-3487-157A-A958-B66FA05D7301}"/>
+              </a:ext>
+            </a:extLst>
+          </p:cNvPr>
+          <p:cNvPicPr>
+            <a:picLocks noChangeAspect="1"/>
+          </p:cNvPicPr>
+          <p:nvPr/>
+        </p:nvPicPr>
+        <p:blipFill rotWithShape="1">
+          <a:blip r:embed="rId8">
+            <a:biLevel thresh="75000"/>
+          </a:blip>
+          <a:srcRect l="84254" r="1"/>
+          <a:stretch/>
+        </p:blipFill>
+        <p:spPr>
+          <a:xfrm>
+            <a:off x="9763260" y="17563852"/>
+            <a:ext cx="595784" cy="682725"/>
+          </a:xfrm>
+          <a:prstGeom prst="rect">
+            <a:avLst/>
+          </a:prstGeom>
+        </p:spPr>
+      </p:pic>
+      <p:pic>
+        <p:nvPicPr>
+          <p:cNvPr id="105" name="Picture 104">
+            <a:extLst>
+              <a:ext uri="{FF2B5EF4-FFF2-40B4-BE49-F238E27FC236}">
+                <a16:creationId xmlns:a16="http://schemas.microsoft.com/office/drawing/2014/main" id="{9520A084-D981-24EA-E285-992A7D32E1B3}"/>
+              </a:ext>
+            </a:extLst>
+          </p:cNvPr>
+          <p:cNvPicPr>
+            <a:picLocks noChangeAspect="1"/>
+          </p:cNvPicPr>
+          <p:nvPr/>
+        </p:nvPicPr>
+        <p:blipFill rotWithShape="1">
+          <a:blip r:embed="rId8">
+            <a:biLevel thresh="75000"/>
+          </a:blip>
+          <a:srcRect l="84254" r="1"/>
+          <a:stretch/>
+        </p:blipFill>
+        <p:spPr>
+          <a:xfrm>
+            <a:off x="10323253" y="17532200"/>
+            <a:ext cx="595784" cy="682725"/>
+          </a:xfrm>
+          <a:prstGeom prst="rect">
+            <a:avLst/>
+          </a:prstGeom>
+        </p:spPr>
+      </p:pic>
+      <p:pic>
+        <p:nvPicPr>
+          <p:cNvPr id="106" name="Picture 105">
+            <a:extLst>
+              <a:ext uri="{FF2B5EF4-FFF2-40B4-BE49-F238E27FC236}">
+                <a16:creationId xmlns:a16="http://schemas.microsoft.com/office/drawing/2014/main" id="{219988E1-D4DF-C6BC-E790-454FC78F477A}"/>
+              </a:ext>
+            </a:extLst>
+          </p:cNvPr>
+          <p:cNvPicPr>
+            <a:picLocks noChangeAspect="1"/>
+          </p:cNvPicPr>
+          <p:nvPr/>
+        </p:nvPicPr>
+        <p:blipFill rotWithShape="1">
+          <a:blip r:embed="rId8">
+            <a:biLevel thresh="75000"/>
+          </a:blip>
+          <a:srcRect l="84254" r="1"/>
+          <a:stretch/>
+        </p:blipFill>
+        <p:spPr>
+          <a:xfrm>
+            <a:off x="10900147" y="17532200"/>
+            <a:ext cx="595784" cy="682725"/>
+          </a:xfrm>
+          <a:prstGeom prst="rect">
+            <a:avLst/>
+          </a:prstGeom>
+        </p:spPr>
+      </p:pic>
+      <p:pic>
+        <p:nvPicPr>
+          <p:cNvPr id="107" name="Picture 106">
+            <a:extLst>
+              <a:ext uri="{FF2B5EF4-FFF2-40B4-BE49-F238E27FC236}">
+                <a16:creationId xmlns:a16="http://schemas.microsoft.com/office/drawing/2014/main" id="{1C78CF04-B7EA-3A85-8842-0B758245A61A}"/>
+              </a:ext>
+            </a:extLst>
+          </p:cNvPr>
+          <p:cNvPicPr>
+            <a:picLocks noChangeAspect="1"/>
+          </p:cNvPicPr>
+          <p:nvPr/>
+        </p:nvPicPr>
+        <p:blipFill rotWithShape="1">
+          <a:blip r:embed="rId8">
+            <a:biLevel thresh="75000"/>
+          </a:blip>
+          <a:srcRect l="84254" r="1"/>
+          <a:stretch/>
+        </p:blipFill>
+        <p:spPr>
+          <a:xfrm>
+            <a:off x="11430000" y="17498191"/>
+            <a:ext cx="595784" cy="682725"/>
+          </a:xfrm>
+          <a:prstGeom prst="rect">
+            <a:avLst/>
+          </a:prstGeom>
+        </p:spPr>
+      </p:pic>
+      <p:pic>
+        <p:nvPicPr>
+          <p:cNvPr id="108" name="Picture 107">
+            <a:extLst>
+              <a:ext uri="{FF2B5EF4-FFF2-40B4-BE49-F238E27FC236}">
+                <a16:creationId xmlns:a16="http://schemas.microsoft.com/office/drawing/2014/main" id="{8B4A8419-102C-6CD6-584C-80A82B48F063}"/>
+              </a:ext>
+            </a:extLst>
+          </p:cNvPr>
+          <p:cNvPicPr>
+            <a:picLocks noChangeAspect="1"/>
+          </p:cNvPicPr>
+          <p:nvPr/>
+        </p:nvPicPr>
+        <p:blipFill rotWithShape="1">
+          <a:blip r:embed="rId8">
+            <a:biLevel thresh="75000"/>
+          </a:blip>
+          <a:srcRect l="37527" r="45414"/>
+          <a:stretch/>
+        </p:blipFill>
+        <p:spPr>
+          <a:xfrm>
+            <a:off x="7972847" y="17552126"/>
+            <a:ext cx="645459" cy="682725"/>
+          </a:xfrm>
+          <a:prstGeom prst="rect">
+            <a:avLst/>
+          </a:prstGeom>
+        </p:spPr>
+      </p:pic>
+      <p:pic>
+        <p:nvPicPr>
+          <p:cNvPr id="6" name="Picture 5">
+            <a:extLst>
+              <a:ext uri="{FF2B5EF4-FFF2-40B4-BE49-F238E27FC236}">
+                <a16:creationId xmlns:a16="http://schemas.microsoft.com/office/drawing/2014/main" id="{C47BCBFF-B8F0-0EFC-0934-578348A41B94}"/>
+              </a:ext>
+            </a:extLst>
+          </p:cNvPr>
+          <p:cNvPicPr>
+            <a:picLocks noChangeAspect="1"/>
+          </p:cNvPicPr>
+          <p:nvPr/>
+        </p:nvPicPr>
+        <p:blipFill rotWithShape="1">
+          <a:blip r:embed="rId17"/>
+          <a:srcRect l="9908"/>
+          <a:stretch/>
+        </p:blipFill>
+        <p:spPr>
+          <a:xfrm>
+            <a:off x="1830748" y="19878432"/>
+            <a:ext cx="4486326" cy="831139"/>
+          </a:xfrm>
+          <a:prstGeom prst="rect">
+            <a:avLst/>
+          </a:prstGeom>
+        </p:spPr>
+      </p:pic>
+      <p:sp>
+        <p:nvSpPr>
+          <p:cNvPr id="143" name="TextBox 142">
+            <a:extLst>
+              <a:ext uri="{FF2B5EF4-FFF2-40B4-BE49-F238E27FC236}">
+                <a16:creationId xmlns:a16="http://schemas.microsoft.com/office/drawing/2014/main" id="{8E60F641-E97B-07F6-B490-56C7AC44E778}"/>
+              </a:ext>
+            </a:extLst>
+          </p:cNvPr>
+          <p:cNvSpPr txBox="1"/>
+          <p:nvPr/>
+        </p:nvSpPr>
+        <p:spPr>
+          <a:xfrm>
+            <a:off x="6051984" y="20281588"/>
+            <a:ext cx="1169220" cy="461665"/>
+          </a:xfrm>
+          <a:prstGeom prst="rect">
+            <a:avLst/>
+          </a:prstGeom>
+          <a:noFill/>
+        </p:spPr>
+        <p:txBody>
+          <a:bodyPr wrap="square" rtlCol="0">
+            <a:spAutoFit/>
+          </a:bodyPr>
+          <a:lstStyle/>
+          <a:p>
+            <a:pPr algn="ctr"/>
+            <a:r>
+              <a:rPr lang="en-US" sz="2400" b="1" dirty="0">
+                <a:latin typeface="Helvetica" pitchFamily="2" charset="0"/>
+              </a:rPr>
+              <a:t>RM</a:t>
+            </a:r>
+          </a:p>
+        </p:txBody>
+      </p:sp>
+      <p:sp>
+        <p:nvSpPr>
+          <p:cNvPr id="144" name="TextBox 143">
+            <a:extLst>
+              <a:ext uri="{FF2B5EF4-FFF2-40B4-BE49-F238E27FC236}">
+                <a16:creationId xmlns:a16="http://schemas.microsoft.com/office/drawing/2014/main" id="{475D5954-A565-B117-EFE6-8ABCB2850F61}"/>
+              </a:ext>
+            </a:extLst>
+          </p:cNvPr>
+          <p:cNvSpPr txBox="1"/>
+          <p:nvPr/>
+        </p:nvSpPr>
+        <p:spPr>
+          <a:xfrm>
+            <a:off x="6140301" y="19867110"/>
+            <a:ext cx="1080903" cy="461665"/>
+          </a:xfrm>
+          <a:prstGeom prst="rect">
+            <a:avLst/>
+          </a:prstGeom>
+          <a:noFill/>
+        </p:spPr>
+        <p:txBody>
+          <a:bodyPr wrap="square" rtlCol="0">
+            <a:spAutoFit/>
+          </a:bodyPr>
+          <a:lstStyle/>
+          <a:p>
+            <a:pPr algn="ctr"/>
+            <a:r>
+              <a:rPr lang="en-US" sz="2400" b="1" dirty="0">
+                <a:latin typeface="Helvetica" pitchFamily="2" charset="0"/>
+              </a:rPr>
+              <a:t>WM</a:t>
+            </a:r>
+          </a:p>
+        </p:txBody>
+      </p:sp>
+      <p:sp>
+        <p:nvSpPr>
+          <p:cNvPr id="149" name="Rounded Rectangle 148">
+            <a:extLst>
+              <a:ext uri="{FF2B5EF4-FFF2-40B4-BE49-F238E27FC236}">
+                <a16:creationId xmlns:a16="http://schemas.microsoft.com/office/drawing/2014/main" id="{EDE58480-D301-CC75-D93E-DCDD10601696}"/>
+              </a:ext>
+            </a:extLst>
+          </p:cNvPr>
+          <p:cNvSpPr/>
+          <p:nvPr/>
+        </p:nvSpPr>
+        <p:spPr>
+          <a:xfrm>
+            <a:off x="2401894" y="8259394"/>
+            <a:ext cx="5033637" cy="503589"/>
+          </a:xfrm>
+          <a:custGeom>
+            <a:avLst/>
+            <a:gdLst>
+              <a:gd name="connsiteX0" fmla="*/ 0 w 5379417"/>
+              <a:gd name="connsiteY0" fmla="*/ 119008 h 714032"/>
+              <a:gd name="connsiteX1" fmla="*/ 119008 w 5379417"/>
+              <a:gd name="connsiteY1" fmla="*/ 0 h 714032"/>
+              <a:gd name="connsiteX2" fmla="*/ 5260409 w 5379417"/>
+              <a:gd name="connsiteY2" fmla="*/ 0 h 714032"/>
+              <a:gd name="connsiteX3" fmla="*/ 5379417 w 5379417"/>
+              <a:gd name="connsiteY3" fmla="*/ 119008 h 714032"/>
+              <a:gd name="connsiteX4" fmla="*/ 5379417 w 5379417"/>
+              <a:gd name="connsiteY4" fmla="*/ 595024 h 714032"/>
+              <a:gd name="connsiteX5" fmla="*/ 5260409 w 5379417"/>
+              <a:gd name="connsiteY5" fmla="*/ 714032 h 714032"/>
+              <a:gd name="connsiteX6" fmla="*/ 119008 w 5379417"/>
+              <a:gd name="connsiteY6" fmla="*/ 714032 h 714032"/>
+              <a:gd name="connsiteX7" fmla="*/ 0 w 5379417"/>
+              <a:gd name="connsiteY7" fmla="*/ 595024 h 714032"/>
+              <a:gd name="connsiteX8" fmla="*/ 0 w 5379417"/>
+              <a:gd name="connsiteY8" fmla="*/ 119008 h 714032"/>
+              <a:gd name="connsiteX0" fmla="*/ 1111910 w 5379417"/>
+              <a:gd name="connsiteY0" fmla="*/ 148269 h 714032"/>
+              <a:gd name="connsiteX1" fmla="*/ 119008 w 5379417"/>
+              <a:gd name="connsiteY1" fmla="*/ 0 h 714032"/>
+              <a:gd name="connsiteX2" fmla="*/ 5260409 w 5379417"/>
+              <a:gd name="connsiteY2" fmla="*/ 0 h 714032"/>
+              <a:gd name="connsiteX3" fmla="*/ 5379417 w 5379417"/>
+              <a:gd name="connsiteY3" fmla="*/ 119008 h 714032"/>
+              <a:gd name="connsiteX4" fmla="*/ 5379417 w 5379417"/>
+              <a:gd name="connsiteY4" fmla="*/ 595024 h 714032"/>
+              <a:gd name="connsiteX5" fmla="*/ 5260409 w 5379417"/>
+              <a:gd name="connsiteY5" fmla="*/ 714032 h 714032"/>
+              <a:gd name="connsiteX6" fmla="*/ 119008 w 5379417"/>
+              <a:gd name="connsiteY6" fmla="*/ 714032 h 714032"/>
+              <a:gd name="connsiteX7" fmla="*/ 0 w 5379417"/>
+              <a:gd name="connsiteY7" fmla="*/ 595024 h 714032"/>
+              <a:gd name="connsiteX8" fmla="*/ 1111910 w 5379417"/>
+              <a:gd name="connsiteY8" fmla="*/ 148269 h 714032"/>
+              <a:gd name="connsiteX0" fmla="*/ 1111910 w 5379417"/>
+              <a:gd name="connsiteY0" fmla="*/ 184845 h 750608"/>
+              <a:gd name="connsiteX1" fmla="*/ 1187027 w 5379417"/>
+              <a:gd name="connsiteY1" fmla="*/ 0 h 750608"/>
+              <a:gd name="connsiteX2" fmla="*/ 5260409 w 5379417"/>
+              <a:gd name="connsiteY2" fmla="*/ 36576 h 750608"/>
+              <a:gd name="connsiteX3" fmla="*/ 5379417 w 5379417"/>
+              <a:gd name="connsiteY3" fmla="*/ 155584 h 750608"/>
+              <a:gd name="connsiteX4" fmla="*/ 5379417 w 5379417"/>
+              <a:gd name="connsiteY4" fmla="*/ 631600 h 750608"/>
+              <a:gd name="connsiteX5" fmla="*/ 5260409 w 5379417"/>
+              <a:gd name="connsiteY5" fmla="*/ 750608 h 750608"/>
+              <a:gd name="connsiteX6" fmla="*/ 119008 w 5379417"/>
+              <a:gd name="connsiteY6" fmla="*/ 750608 h 750608"/>
+              <a:gd name="connsiteX7" fmla="*/ 0 w 5379417"/>
+              <a:gd name="connsiteY7" fmla="*/ 631600 h 750608"/>
+              <a:gd name="connsiteX8" fmla="*/ 1111910 w 5379417"/>
+              <a:gd name="connsiteY8" fmla="*/ 184845 h 750608"/>
+              <a:gd name="connsiteX0" fmla="*/ 958291 w 5379417"/>
+              <a:gd name="connsiteY0" fmla="*/ 206791 h 750608"/>
+              <a:gd name="connsiteX1" fmla="*/ 1187027 w 5379417"/>
+              <a:gd name="connsiteY1" fmla="*/ 0 h 750608"/>
+              <a:gd name="connsiteX2" fmla="*/ 5260409 w 5379417"/>
+              <a:gd name="connsiteY2" fmla="*/ 36576 h 750608"/>
+              <a:gd name="connsiteX3" fmla="*/ 5379417 w 5379417"/>
+              <a:gd name="connsiteY3" fmla="*/ 155584 h 750608"/>
+              <a:gd name="connsiteX4" fmla="*/ 5379417 w 5379417"/>
+              <a:gd name="connsiteY4" fmla="*/ 631600 h 750608"/>
+              <a:gd name="connsiteX5" fmla="*/ 5260409 w 5379417"/>
+              <a:gd name="connsiteY5" fmla="*/ 750608 h 750608"/>
+              <a:gd name="connsiteX6" fmla="*/ 119008 w 5379417"/>
+              <a:gd name="connsiteY6" fmla="*/ 750608 h 750608"/>
+              <a:gd name="connsiteX7" fmla="*/ 0 w 5379417"/>
+              <a:gd name="connsiteY7" fmla="*/ 631600 h 750608"/>
+              <a:gd name="connsiteX8" fmla="*/ 958291 w 5379417"/>
+              <a:gd name="connsiteY8" fmla="*/ 206791 h 750608"/>
+              <a:gd name="connsiteX0" fmla="*/ 851328 w 5272454"/>
+              <a:gd name="connsiteY0" fmla="*/ 206791 h 750608"/>
+              <a:gd name="connsiteX1" fmla="*/ 1080064 w 5272454"/>
+              <a:gd name="connsiteY1" fmla="*/ 0 h 750608"/>
+              <a:gd name="connsiteX2" fmla="*/ 5153446 w 5272454"/>
+              <a:gd name="connsiteY2" fmla="*/ 36576 h 750608"/>
+              <a:gd name="connsiteX3" fmla="*/ 5272454 w 5272454"/>
+              <a:gd name="connsiteY3" fmla="*/ 155584 h 750608"/>
+              <a:gd name="connsiteX4" fmla="*/ 5272454 w 5272454"/>
+              <a:gd name="connsiteY4" fmla="*/ 631600 h 750608"/>
+              <a:gd name="connsiteX5" fmla="*/ 5153446 w 5272454"/>
+              <a:gd name="connsiteY5" fmla="*/ 750608 h 750608"/>
+              <a:gd name="connsiteX6" fmla="*/ 12045 w 5272454"/>
+              <a:gd name="connsiteY6" fmla="*/ 750608 h 750608"/>
+              <a:gd name="connsiteX7" fmla="*/ 171014 w 5272454"/>
+              <a:gd name="connsiteY7" fmla="*/ 595024 h 750608"/>
+              <a:gd name="connsiteX8" fmla="*/ 851328 w 5272454"/>
+              <a:gd name="connsiteY8" fmla="*/ 206791 h 750608"/>
+              <a:gd name="connsiteX0" fmla="*/ 851328 w 5272454"/>
+              <a:gd name="connsiteY0" fmla="*/ 206791 h 750608"/>
+              <a:gd name="connsiteX1" fmla="*/ 1080064 w 5272454"/>
+              <a:gd name="connsiteY1" fmla="*/ 0 h 750608"/>
+              <a:gd name="connsiteX2" fmla="*/ 5153446 w 5272454"/>
+              <a:gd name="connsiteY2" fmla="*/ 36576 h 750608"/>
+              <a:gd name="connsiteX3" fmla="*/ 5272454 w 5272454"/>
+              <a:gd name="connsiteY3" fmla="*/ 155584 h 750608"/>
+              <a:gd name="connsiteX4" fmla="*/ 5272454 w 5272454"/>
+              <a:gd name="connsiteY4" fmla="*/ 631600 h 750608"/>
+              <a:gd name="connsiteX5" fmla="*/ 5153446 w 5272454"/>
+              <a:gd name="connsiteY5" fmla="*/ 750608 h 750608"/>
+              <a:gd name="connsiteX6" fmla="*/ 12045 w 5272454"/>
+              <a:gd name="connsiteY6" fmla="*/ 750608 h 750608"/>
+              <a:gd name="connsiteX7" fmla="*/ 171014 w 5272454"/>
+              <a:gd name="connsiteY7" fmla="*/ 595024 h 750608"/>
+              <a:gd name="connsiteX8" fmla="*/ 851328 w 5272454"/>
+              <a:gd name="connsiteY8" fmla="*/ 206791 h 750608"/>
+              <a:gd name="connsiteX0" fmla="*/ 900609 w 5321735"/>
+              <a:gd name="connsiteY0" fmla="*/ 206791 h 750608"/>
+              <a:gd name="connsiteX1" fmla="*/ 1129345 w 5321735"/>
+              <a:gd name="connsiteY1" fmla="*/ 0 h 750608"/>
+              <a:gd name="connsiteX2" fmla="*/ 5202727 w 5321735"/>
+              <a:gd name="connsiteY2" fmla="*/ 36576 h 750608"/>
+              <a:gd name="connsiteX3" fmla="*/ 5321735 w 5321735"/>
+              <a:gd name="connsiteY3" fmla="*/ 155584 h 750608"/>
+              <a:gd name="connsiteX4" fmla="*/ 5321735 w 5321735"/>
+              <a:gd name="connsiteY4" fmla="*/ 631600 h 750608"/>
+              <a:gd name="connsiteX5" fmla="*/ 5202727 w 5321735"/>
+              <a:gd name="connsiteY5" fmla="*/ 750608 h 750608"/>
+              <a:gd name="connsiteX6" fmla="*/ 10120 w 5321735"/>
+              <a:gd name="connsiteY6" fmla="*/ 699402 h 750608"/>
+              <a:gd name="connsiteX7" fmla="*/ 220295 w 5321735"/>
+              <a:gd name="connsiteY7" fmla="*/ 595024 h 750608"/>
+              <a:gd name="connsiteX8" fmla="*/ 900609 w 5321735"/>
+              <a:gd name="connsiteY8" fmla="*/ 206791 h 750608"/>
+              <a:gd name="connsiteX0" fmla="*/ 812827 w 5321735"/>
+              <a:gd name="connsiteY0" fmla="*/ 279943 h 750608"/>
+              <a:gd name="connsiteX1" fmla="*/ 1129345 w 5321735"/>
+              <a:gd name="connsiteY1" fmla="*/ 0 h 750608"/>
+              <a:gd name="connsiteX2" fmla="*/ 5202727 w 5321735"/>
+              <a:gd name="connsiteY2" fmla="*/ 36576 h 750608"/>
+              <a:gd name="connsiteX3" fmla="*/ 5321735 w 5321735"/>
+              <a:gd name="connsiteY3" fmla="*/ 155584 h 750608"/>
+              <a:gd name="connsiteX4" fmla="*/ 5321735 w 5321735"/>
+              <a:gd name="connsiteY4" fmla="*/ 631600 h 750608"/>
+              <a:gd name="connsiteX5" fmla="*/ 5202727 w 5321735"/>
+              <a:gd name="connsiteY5" fmla="*/ 750608 h 750608"/>
+              <a:gd name="connsiteX6" fmla="*/ 10120 w 5321735"/>
+              <a:gd name="connsiteY6" fmla="*/ 699402 h 750608"/>
+              <a:gd name="connsiteX7" fmla="*/ 220295 w 5321735"/>
+              <a:gd name="connsiteY7" fmla="*/ 595024 h 750608"/>
+              <a:gd name="connsiteX8" fmla="*/ 812827 w 5321735"/>
+              <a:gd name="connsiteY8" fmla="*/ 279943 h 750608"/>
+              <a:gd name="connsiteX0" fmla="*/ 812827 w 5321735"/>
+              <a:gd name="connsiteY0" fmla="*/ 279943 h 750608"/>
+              <a:gd name="connsiteX1" fmla="*/ 1129345 w 5321735"/>
+              <a:gd name="connsiteY1" fmla="*/ 0 h 750608"/>
+              <a:gd name="connsiteX2" fmla="*/ 5202727 w 5321735"/>
+              <a:gd name="connsiteY2" fmla="*/ 36576 h 750608"/>
+              <a:gd name="connsiteX3" fmla="*/ 5321735 w 5321735"/>
+              <a:gd name="connsiteY3" fmla="*/ 155584 h 750608"/>
+              <a:gd name="connsiteX4" fmla="*/ 5321735 w 5321735"/>
+              <a:gd name="connsiteY4" fmla="*/ 631600 h 750608"/>
+              <a:gd name="connsiteX5" fmla="*/ 5202727 w 5321735"/>
+              <a:gd name="connsiteY5" fmla="*/ 750608 h 750608"/>
+              <a:gd name="connsiteX6" fmla="*/ 10120 w 5321735"/>
+              <a:gd name="connsiteY6" fmla="*/ 699402 h 750608"/>
+              <a:gd name="connsiteX7" fmla="*/ 220295 w 5321735"/>
+              <a:gd name="connsiteY7" fmla="*/ 595024 h 750608"/>
+              <a:gd name="connsiteX8" fmla="*/ 812827 w 5321735"/>
+              <a:gd name="connsiteY8" fmla="*/ 279943 h 750608"/>
+              <a:gd name="connsiteX0" fmla="*/ 812827 w 5321735"/>
+              <a:gd name="connsiteY0" fmla="*/ 279943 h 750608"/>
+              <a:gd name="connsiteX1" fmla="*/ 1129345 w 5321735"/>
+              <a:gd name="connsiteY1" fmla="*/ 0 h 750608"/>
+              <a:gd name="connsiteX2" fmla="*/ 5202727 w 5321735"/>
+              <a:gd name="connsiteY2" fmla="*/ 36576 h 750608"/>
+              <a:gd name="connsiteX3" fmla="*/ 5321735 w 5321735"/>
+              <a:gd name="connsiteY3" fmla="*/ 155584 h 750608"/>
+              <a:gd name="connsiteX4" fmla="*/ 5321735 w 5321735"/>
+              <a:gd name="connsiteY4" fmla="*/ 631600 h 750608"/>
+              <a:gd name="connsiteX5" fmla="*/ 5202727 w 5321735"/>
+              <a:gd name="connsiteY5" fmla="*/ 750608 h 750608"/>
+              <a:gd name="connsiteX6" fmla="*/ 10120 w 5321735"/>
+              <a:gd name="connsiteY6" fmla="*/ 699402 h 750608"/>
+              <a:gd name="connsiteX7" fmla="*/ 220295 w 5321735"/>
+              <a:gd name="connsiteY7" fmla="*/ 595024 h 750608"/>
+              <a:gd name="connsiteX8" fmla="*/ 812827 w 5321735"/>
+              <a:gd name="connsiteY8" fmla="*/ 279943 h 750608"/>
+              <a:gd name="connsiteX0" fmla="*/ 812827 w 5321735"/>
+              <a:gd name="connsiteY0" fmla="*/ 279943 h 750608"/>
+              <a:gd name="connsiteX1" fmla="*/ 1129345 w 5321735"/>
+              <a:gd name="connsiteY1" fmla="*/ 0 h 750608"/>
+              <a:gd name="connsiteX2" fmla="*/ 5202727 w 5321735"/>
+              <a:gd name="connsiteY2" fmla="*/ 36576 h 750608"/>
+              <a:gd name="connsiteX3" fmla="*/ 5321735 w 5321735"/>
+              <a:gd name="connsiteY3" fmla="*/ 155584 h 750608"/>
+              <a:gd name="connsiteX4" fmla="*/ 5321735 w 5321735"/>
+              <a:gd name="connsiteY4" fmla="*/ 631600 h 750608"/>
+              <a:gd name="connsiteX5" fmla="*/ 5202727 w 5321735"/>
+              <a:gd name="connsiteY5" fmla="*/ 750608 h 750608"/>
+              <a:gd name="connsiteX6" fmla="*/ 10120 w 5321735"/>
+              <a:gd name="connsiteY6" fmla="*/ 699402 h 750608"/>
+              <a:gd name="connsiteX7" fmla="*/ 220295 w 5321735"/>
+              <a:gd name="connsiteY7" fmla="*/ 595024 h 750608"/>
+              <a:gd name="connsiteX8" fmla="*/ 812827 w 5321735"/>
+              <a:gd name="connsiteY8" fmla="*/ 279943 h 750608"/>
+              <a:gd name="connsiteX0" fmla="*/ 812827 w 5321735"/>
+              <a:gd name="connsiteY0" fmla="*/ 279943 h 750608"/>
+              <a:gd name="connsiteX1" fmla="*/ 1129345 w 5321735"/>
+              <a:gd name="connsiteY1" fmla="*/ 0 h 750608"/>
+              <a:gd name="connsiteX2" fmla="*/ 5202727 w 5321735"/>
+              <a:gd name="connsiteY2" fmla="*/ 36576 h 750608"/>
+              <a:gd name="connsiteX3" fmla="*/ 5321735 w 5321735"/>
+              <a:gd name="connsiteY3" fmla="*/ 155584 h 750608"/>
+              <a:gd name="connsiteX4" fmla="*/ 5321735 w 5321735"/>
+              <a:gd name="connsiteY4" fmla="*/ 631600 h 750608"/>
+              <a:gd name="connsiteX5" fmla="*/ 5202727 w 5321735"/>
+              <a:gd name="connsiteY5" fmla="*/ 750608 h 750608"/>
+              <a:gd name="connsiteX6" fmla="*/ 10120 w 5321735"/>
+              <a:gd name="connsiteY6" fmla="*/ 699402 h 750608"/>
+              <a:gd name="connsiteX7" fmla="*/ 220295 w 5321735"/>
+              <a:gd name="connsiteY7" fmla="*/ 595024 h 750608"/>
+              <a:gd name="connsiteX8" fmla="*/ 812827 w 5321735"/>
+              <a:gd name="connsiteY8" fmla="*/ 279943 h 750608"/>
+              <a:gd name="connsiteX0" fmla="*/ 812827 w 5321735"/>
+              <a:gd name="connsiteY0" fmla="*/ 309204 h 750608"/>
+              <a:gd name="connsiteX1" fmla="*/ 1129345 w 5321735"/>
+              <a:gd name="connsiteY1" fmla="*/ 0 h 750608"/>
+              <a:gd name="connsiteX2" fmla="*/ 5202727 w 5321735"/>
+              <a:gd name="connsiteY2" fmla="*/ 36576 h 750608"/>
+              <a:gd name="connsiteX3" fmla="*/ 5321735 w 5321735"/>
+              <a:gd name="connsiteY3" fmla="*/ 155584 h 750608"/>
+              <a:gd name="connsiteX4" fmla="*/ 5321735 w 5321735"/>
+              <a:gd name="connsiteY4" fmla="*/ 631600 h 750608"/>
+              <a:gd name="connsiteX5" fmla="*/ 5202727 w 5321735"/>
+              <a:gd name="connsiteY5" fmla="*/ 750608 h 750608"/>
+              <a:gd name="connsiteX6" fmla="*/ 10120 w 5321735"/>
+              <a:gd name="connsiteY6" fmla="*/ 699402 h 750608"/>
+              <a:gd name="connsiteX7" fmla="*/ 220295 w 5321735"/>
+              <a:gd name="connsiteY7" fmla="*/ 595024 h 750608"/>
+              <a:gd name="connsiteX8" fmla="*/ 812827 w 5321735"/>
+              <a:gd name="connsiteY8" fmla="*/ 309204 h 750608"/>
+              <a:gd name="connsiteX0" fmla="*/ 810377 w 5319285"/>
+              <a:gd name="connsiteY0" fmla="*/ 309204 h 750608"/>
+              <a:gd name="connsiteX1" fmla="*/ 1126895 w 5319285"/>
+              <a:gd name="connsiteY1" fmla="*/ 0 h 750608"/>
+              <a:gd name="connsiteX2" fmla="*/ 5200277 w 5319285"/>
+              <a:gd name="connsiteY2" fmla="*/ 36576 h 750608"/>
+              <a:gd name="connsiteX3" fmla="*/ 5319285 w 5319285"/>
+              <a:gd name="connsiteY3" fmla="*/ 155584 h 750608"/>
+              <a:gd name="connsiteX4" fmla="*/ 5319285 w 5319285"/>
+              <a:gd name="connsiteY4" fmla="*/ 631600 h 750608"/>
+              <a:gd name="connsiteX5" fmla="*/ 5200277 w 5319285"/>
+              <a:gd name="connsiteY5" fmla="*/ 750608 h 750608"/>
+              <a:gd name="connsiteX6" fmla="*/ 7670 w 5319285"/>
+              <a:gd name="connsiteY6" fmla="*/ 699402 h 750608"/>
+              <a:gd name="connsiteX7" fmla="*/ 320258 w 5319285"/>
+              <a:gd name="connsiteY7" fmla="*/ 558448 h 750608"/>
+              <a:gd name="connsiteX8" fmla="*/ 810377 w 5319285"/>
+              <a:gd name="connsiteY8" fmla="*/ 309204 h 750608"/>
+              <a:gd name="connsiteX0" fmla="*/ 1018545 w 5527453"/>
+              <a:gd name="connsiteY0" fmla="*/ 309204 h 750608"/>
+              <a:gd name="connsiteX1" fmla="*/ 1335063 w 5527453"/>
+              <a:gd name="connsiteY1" fmla="*/ 0 h 750608"/>
+              <a:gd name="connsiteX2" fmla="*/ 5408445 w 5527453"/>
+              <a:gd name="connsiteY2" fmla="*/ 36576 h 750608"/>
+              <a:gd name="connsiteX3" fmla="*/ 5527453 w 5527453"/>
+              <a:gd name="connsiteY3" fmla="*/ 155584 h 750608"/>
+              <a:gd name="connsiteX4" fmla="*/ 5527453 w 5527453"/>
+              <a:gd name="connsiteY4" fmla="*/ 631600 h 750608"/>
+              <a:gd name="connsiteX5" fmla="*/ 5408445 w 5527453"/>
+              <a:gd name="connsiteY5" fmla="*/ 750608 h 750608"/>
+              <a:gd name="connsiteX6" fmla="*/ 215838 w 5527453"/>
+              <a:gd name="connsiteY6" fmla="*/ 699402 h 750608"/>
+              <a:gd name="connsiteX7" fmla="*/ 1018545 w 5527453"/>
+              <a:gd name="connsiteY7" fmla="*/ 309204 h 750608"/>
+              <a:gd name="connsiteX0" fmla="*/ 802707 w 5311615"/>
+              <a:gd name="connsiteY0" fmla="*/ 309204 h 750608"/>
+              <a:gd name="connsiteX1" fmla="*/ 1119225 w 5311615"/>
+              <a:gd name="connsiteY1" fmla="*/ 0 h 750608"/>
+              <a:gd name="connsiteX2" fmla="*/ 5192607 w 5311615"/>
+              <a:gd name="connsiteY2" fmla="*/ 36576 h 750608"/>
+              <a:gd name="connsiteX3" fmla="*/ 5311615 w 5311615"/>
+              <a:gd name="connsiteY3" fmla="*/ 155584 h 750608"/>
+              <a:gd name="connsiteX4" fmla="*/ 5311615 w 5311615"/>
+              <a:gd name="connsiteY4" fmla="*/ 631600 h 750608"/>
+              <a:gd name="connsiteX5" fmla="*/ 5192607 w 5311615"/>
+              <a:gd name="connsiteY5" fmla="*/ 750608 h 750608"/>
+              <a:gd name="connsiteX6" fmla="*/ 0 w 5311615"/>
+              <a:gd name="connsiteY6" fmla="*/ 699402 h 750608"/>
+              <a:gd name="connsiteX7" fmla="*/ 802707 w 5311615"/>
+              <a:gd name="connsiteY7" fmla="*/ 309204 h 750608"/>
+              <a:gd name="connsiteX0" fmla="*/ 802707 w 5311615"/>
+              <a:gd name="connsiteY0" fmla="*/ 323834 h 765238"/>
+              <a:gd name="connsiteX1" fmla="*/ 1177747 w 5311615"/>
+              <a:gd name="connsiteY1" fmla="*/ 0 h 765238"/>
+              <a:gd name="connsiteX2" fmla="*/ 5192607 w 5311615"/>
+              <a:gd name="connsiteY2" fmla="*/ 51206 h 765238"/>
+              <a:gd name="connsiteX3" fmla="*/ 5311615 w 5311615"/>
+              <a:gd name="connsiteY3" fmla="*/ 170214 h 765238"/>
+              <a:gd name="connsiteX4" fmla="*/ 5311615 w 5311615"/>
+              <a:gd name="connsiteY4" fmla="*/ 646230 h 765238"/>
+              <a:gd name="connsiteX5" fmla="*/ 5192607 w 5311615"/>
+              <a:gd name="connsiteY5" fmla="*/ 765238 h 765238"/>
+              <a:gd name="connsiteX6" fmla="*/ 0 w 5311615"/>
+              <a:gd name="connsiteY6" fmla="*/ 714032 h 765238"/>
+              <a:gd name="connsiteX7" fmla="*/ 802707 w 5311615"/>
+              <a:gd name="connsiteY7" fmla="*/ 323834 h 765238"/>
+              <a:gd name="connsiteX0" fmla="*/ 802707 w 5311615"/>
+              <a:gd name="connsiteY0" fmla="*/ 323834 h 765238"/>
+              <a:gd name="connsiteX1" fmla="*/ 1177747 w 5311615"/>
+              <a:gd name="connsiteY1" fmla="*/ 0 h 765238"/>
+              <a:gd name="connsiteX2" fmla="*/ 5192607 w 5311615"/>
+              <a:gd name="connsiteY2" fmla="*/ 51206 h 765238"/>
+              <a:gd name="connsiteX3" fmla="*/ 5311615 w 5311615"/>
+              <a:gd name="connsiteY3" fmla="*/ 170214 h 765238"/>
+              <a:gd name="connsiteX4" fmla="*/ 5311615 w 5311615"/>
+              <a:gd name="connsiteY4" fmla="*/ 646230 h 765238"/>
+              <a:gd name="connsiteX5" fmla="*/ 5192607 w 5311615"/>
+              <a:gd name="connsiteY5" fmla="*/ 765238 h 765238"/>
+              <a:gd name="connsiteX6" fmla="*/ 0 w 5311615"/>
+              <a:gd name="connsiteY6" fmla="*/ 714032 h 765238"/>
+              <a:gd name="connsiteX7" fmla="*/ 802707 w 5311615"/>
+              <a:gd name="connsiteY7" fmla="*/ 323834 h 765238"/>
+              <a:gd name="connsiteX0" fmla="*/ 766131 w 5311615"/>
+              <a:gd name="connsiteY0" fmla="*/ 375040 h 765238"/>
+              <a:gd name="connsiteX1" fmla="*/ 1177747 w 5311615"/>
+              <a:gd name="connsiteY1" fmla="*/ 0 h 765238"/>
+              <a:gd name="connsiteX2" fmla="*/ 5192607 w 5311615"/>
+              <a:gd name="connsiteY2" fmla="*/ 51206 h 765238"/>
+              <a:gd name="connsiteX3" fmla="*/ 5311615 w 5311615"/>
+              <a:gd name="connsiteY3" fmla="*/ 170214 h 765238"/>
+              <a:gd name="connsiteX4" fmla="*/ 5311615 w 5311615"/>
+              <a:gd name="connsiteY4" fmla="*/ 646230 h 765238"/>
+              <a:gd name="connsiteX5" fmla="*/ 5192607 w 5311615"/>
+              <a:gd name="connsiteY5" fmla="*/ 765238 h 765238"/>
+              <a:gd name="connsiteX6" fmla="*/ 0 w 5311615"/>
+              <a:gd name="connsiteY6" fmla="*/ 714032 h 765238"/>
+              <a:gd name="connsiteX7" fmla="*/ 766131 w 5311615"/>
+              <a:gd name="connsiteY7" fmla="*/ 375040 h 765238"/>
+              <a:gd name="connsiteX0" fmla="*/ 766131 w 5311615"/>
+              <a:gd name="connsiteY0" fmla="*/ 375040 h 765238"/>
+              <a:gd name="connsiteX1" fmla="*/ 1177747 w 5311615"/>
+              <a:gd name="connsiteY1" fmla="*/ 0 h 765238"/>
+              <a:gd name="connsiteX2" fmla="*/ 5192607 w 5311615"/>
+              <a:gd name="connsiteY2" fmla="*/ 51206 h 765238"/>
+              <a:gd name="connsiteX3" fmla="*/ 5260409 w 5311615"/>
+              <a:gd name="connsiteY3" fmla="*/ 140953 h 765238"/>
+              <a:gd name="connsiteX4" fmla="*/ 5311615 w 5311615"/>
+              <a:gd name="connsiteY4" fmla="*/ 646230 h 765238"/>
+              <a:gd name="connsiteX5" fmla="*/ 5192607 w 5311615"/>
+              <a:gd name="connsiteY5" fmla="*/ 765238 h 765238"/>
+              <a:gd name="connsiteX6" fmla="*/ 0 w 5311615"/>
+              <a:gd name="connsiteY6" fmla="*/ 714032 h 765238"/>
+              <a:gd name="connsiteX7" fmla="*/ 766131 w 5311615"/>
+              <a:gd name="connsiteY7" fmla="*/ 375040 h 765238"/>
+              <a:gd name="connsiteX0" fmla="*/ 766131 w 5311615"/>
+              <a:gd name="connsiteY0" fmla="*/ 375040 h 721347"/>
+              <a:gd name="connsiteX1" fmla="*/ 1177747 w 5311615"/>
+              <a:gd name="connsiteY1" fmla="*/ 0 h 721347"/>
+              <a:gd name="connsiteX2" fmla="*/ 5192607 w 5311615"/>
+              <a:gd name="connsiteY2" fmla="*/ 51206 h 721347"/>
+              <a:gd name="connsiteX3" fmla="*/ 5260409 w 5311615"/>
+              <a:gd name="connsiteY3" fmla="*/ 140953 h 721347"/>
+              <a:gd name="connsiteX4" fmla="*/ 5311615 w 5311615"/>
+              <a:gd name="connsiteY4" fmla="*/ 646230 h 721347"/>
+              <a:gd name="connsiteX5" fmla="*/ 5243814 w 5311615"/>
+              <a:gd name="connsiteY5" fmla="*/ 721347 h 721347"/>
+              <a:gd name="connsiteX6" fmla="*/ 0 w 5311615"/>
+              <a:gd name="connsiteY6" fmla="*/ 714032 h 721347"/>
+              <a:gd name="connsiteX7" fmla="*/ 766131 w 5311615"/>
+              <a:gd name="connsiteY7" fmla="*/ 375040 h 721347"/>
+              <a:gd name="connsiteX0" fmla="*/ 766131 w 5273543"/>
+              <a:gd name="connsiteY0" fmla="*/ 375040 h 722306"/>
+              <a:gd name="connsiteX1" fmla="*/ 1177747 w 5273543"/>
+              <a:gd name="connsiteY1" fmla="*/ 0 h 722306"/>
+              <a:gd name="connsiteX2" fmla="*/ 5192607 w 5273543"/>
+              <a:gd name="connsiteY2" fmla="*/ 51206 h 722306"/>
+              <a:gd name="connsiteX3" fmla="*/ 5260409 w 5273543"/>
+              <a:gd name="connsiteY3" fmla="*/ 140953 h 722306"/>
+              <a:gd name="connsiteX4" fmla="*/ 5245778 w 5273543"/>
+              <a:gd name="connsiteY4" fmla="*/ 668176 h 722306"/>
+              <a:gd name="connsiteX5" fmla="*/ 5243814 w 5273543"/>
+              <a:gd name="connsiteY5" fmla="*/ 721347 h 722306"/>
+              <a:gd name="connsiteX6" fmla="*/ 0 w 5273543"/>
+              <a:gd name="connsiteY6" fmla="*/ 714032 h 722306"/>
+              <a:gd name="connsiteX7" fmla="*/ 766131 w 5273543"/>
+              <a:gd name="connsiteY7" fmla="*/ 375040 h 722306"/>
+              <a:gd name="connsiteX0" fmla="*/ 766131 w 5273543"/>
+              <a:gd name="connsiteY0" fmla="*/ 375040 h 722306"/>
+              <a:gd name="connsiteX1" fmla="*/ 1177747 w 5273543"/>
+              <a:gd name="connsiteY1" fmla="*/ 0 h 722306"/>
+              <a:gd name="connsiteX2" fmla="*/ 5260409 w 5273543"/>
+              <a:gd name="connsiteY2" fmla="*/ 140953 h 722306"/>
+              <a:gd name="connsiteX3" fmla="*/ 5245778 w 5273543"/>
+              <a:gd name="connsiteY3" fmla="*/ 668176 h 722306"/>
+              <a:gd name="connsiteX4" fmla="*/ 5243814 w 5273543"/>
+              <a:gd name="connsiteY4" fmla="*/ 721347 h 722306"/>
+              <a:gd name="connsiteX5" fmla="*/ 0 w 5273543"/>
+              <a:gd name="connsiteY5" fmla="*/ 714032 h 722306"/>
+              <a:gd name="connsiteX6" fmla="*/ 766131 w 5273543"/>
+              <a:gd name="connsiteY6" fmla="*/ 375040 h 722306"/>
+              <a:gd name="connsiteX0" fmla="*/ 766131 w 5273543"/>
+              <a:gd name="connsiteY0" fmla="*/ 375040 h 722306"/>
+              <a:gd name="connsiteX1" fmla="*/ 1177747 w 5273543"/>
+              <a:gd name="connsiteY1" fmla="*/ 0 h 722306"/>
+              <a:gd name="connsiteX2" fmla="*/ 5267724 w 5273543"/>
+              <a:gd name="connsiteY2" fmla="*/ 411615 h 722306"/>
+              <a:gd name="connsiteX3" fmla="*/ 5245778 w 5273543"/>
+              <a:gd name="connsiteY3" fmla="*/ 668176 h 722306"/>
+              <a:gd name="connsiteX4" fmla="*/ 5243814 w 5273543"/>
+              <a:gd name="connsiteY4" fmla="*/ 721347 h 722306"/>
+              <a:gd name="connsiteX5" fmla="*/ 0 w 5273543"/>
+              <a:gd name="connsiteY5" fmla="*/ 714032 h 722306"/>
+              <a:gd name="connsiteX6" fmla="*/ 766131 w 5273543"/>
+              <a:gd name="connsiteY6" fmla="*/ 375040 h 722306"/>
+              <a:gd name="connsiteX0" fmla="*/ 766131 w 5273543"/>
+              <a:gd name="connsiteY0" fmla="*/ 28445 h 375711"/>
+              <a:gd name="connsiteX1" fmla="*/ 987552 w 5273543"/>
+              <a:gd name="connsiteY1" fmla="*/ 19165 h 375711"/>
+              <a:gd name="connsiteX2" fmla="*/ 5267724 w 5273543"/>
+              <a:gd name="connsiteY2" fmla="*/ 65020 h 375711"/>
+              <a:gd name="connsiteX3" fmla="*/ 5245778 w 5273543"/>
+              <a:gd name="connsiteY3" fmla="*/ 321581 h 375711"/>
+              <a:gd name="connsiteX4" fmla="*/ 5243814 w 5273543"/>
+              <a:gd name="connsiteY4" fmla="*/ 374752 h 375711"/>
+              <a:gd name="connsiteX5" fmla="*/ 0 w 5273543"/>
+              <a:gd name="connsiteY5" fmla="*/ 367437 h 375711"/>
+              <a:gd name="connsiteX6" fmla="*/ 766131 w 5273543"/>
+              <a:gd name="connsiteY6" fmla="*/ 28445 h 375711"/>
+              <a:gd name="connsiteX0" fmla="*/ 766131 w 5273543"/>
+              <a:gd name="connsiteY0" fmla="*/ 65838 h 413104"/>
+              <a:gd name="connsiteX1" fmla="*/ 987552 w 5273543"/>
+              <a:gd name="connsiteY1" fmla="*/ 56558 h 413104"/>
+              <a:gd name="connsiteX2" fmla="*/ 5231148 w 5273543"/>
+              <a:gd name="connsiteY2" fmla="*/ 0 h 413104"/>
+              <a:gd name="connsiteX3" fmla="*/ 5245778 w 5273543"/>
+              <a:gd name="connsiteY3" fmla="*/ 358974 h 413104"/>
+              <a:gd name="connsiteX4" fmla="*/ 5243814 w 5273543"/>
+              <a:gd name="connsiteY4" fmla="*/ 412145 h 413104"/>
+              <a:gd name="connsiteX5" fmla="*/ 0 w 5273543"/>
+              <a:gd name="connsiteY5" fmla="*/ 404830 h 413104"/>
+              <a:gd name="connsiteX6" fmla="*/ 766131 w 5273543"/>
+              <a:gd name="connsiteY6" fmla="*/ 65838 h 413104"/>
+              <a:gd name="connsiteX0" fmla="*/ 766131 w 5273543"/>
+              <a:gd name="connsiteY0" fmla="*/ 28445 h 375711"/>
+              <a:gd name="connsiteX1" fmla="*/ 987552 w 5273543"/>
+              <a:gd name="connsiteY1" fmla="*/ 19165 h 375711"/>
+              <a:gd name="connsiteX2" fmla="*/ 5253094 w 5273543"/>
+              <a:gd name="connsiteY2" fmla="*/ 57705 h 375711"/>
+              <a:gd name="connsiteX3" fmla="*/ 5245778 w 5273543"/>
+              <a:gd name="connsiteY3" fmla="*/ 321581 h 375711"/>
+              <a:gd name="connsiteX4" fmla="*/ 5243814 w 5273543"/>
+              <a:gd name="connsiteY4" fmla="*/ 374752 h 375711"/>
+              <a:gd name="connsiteX5" fmla="*/ 0 w 5273543"/>
+              <a:gd name="connsiteY5" fmla="*/ 367437 h 375711"/>
+              <a:gd name="connsiteX6" fmla="*/ 766131 w 5273543"/>
+              <a:gd name="connsiteY6" fmla="*/ 28445 h 375711"/>
+              <a:gd name="connsiteX0" fmla="*/ 488154 w 5273543"/>
+              <a:gd name="connsiteY0" fmla="*/ 170214 h 356546"/>
+              <a:gd name="connsiteX1" fmla="*/ 987552 w 5273543"/>
+              <a:gd name="connsiteY1" fmla="*/ 0 h 356546"/>
+              <a:gd name="connsiteX2" fmla="*/ 5253094 w 5273543"/>
+              <a:gd name="connsiteY2" fmla="*/ 38540 h 356546"/>
+              <a:gd name="connsiteX3" fmla="*/ 5245778 w 5273543"/>
+              <a:gd name="connsiteY3" fmla="*/ 302416 h 356546"/>
+              <a:gd name="connsiteX4" fmla="*/ 5243814 w 5273543"/>
+              <a:gd name="connsiteY4" fmla="*/ 355587 h 356546"/>
+              <a:gd name="connsiteX5" fmla="*/ 0 w 5273543"/>
+              <a:gd name="connsiteY5" fmla="*/ 348272 h 356546"/>
+              <a:gd name="connsiteX6" fmla="*/ 488154 w 5273543"/>
+              <a:gd name="connsiteY6" fmla="*/ 170214 h 356546"/>
+              <a:gd name="connsiteX0" fmla="*/ 488154 w 5273543"/>
+              <a:gd name="connsiteY0" fmla="*/ 250681 h 437013"/>
+              <a:gd name="connsiteX1" fmla="*/ 972922 w 5273543"/>
+              <a:gd name="connsiteY1" fmla="*/ 0 h 437013"/>
+              <a:gd name="connsiteX2" fmla="*/ 5253094 w 5273543"/>
+              <a:gd name="connsiteY2" fmla="*/ 119007 h 437013"/>
+              <a:gd name="connsiteX3" fmla="*/ 5245778 w 5273543"/>
+              <a:gd name="connsiteY3" fmla="*/ 382883 h 437013"/>
+              <a:gd name="connsiteX4" fmla="*/ 5243814 w 5273543"/>
+              <a:gd name="connsiteY4" fmla="*/ 436054 h 437013"/>
+              <a:gd name="connsiteX5" fmla="*/ 0 w 5273543"/>
+              <a:gd name="connsiteY5" fmla="*/ 428739 h 437013"/>
+              <a:gd name="connsiteX6" fmla="*/ 488154 w 5273543"/>
+              <a:gd name="connsiteY6" fmla="*/ 250681 h 437013"/>
+              <a:gd name="connsiteX0" fmla="*/ 488154 w 5273543"/>
+              <a:gd name="connsiteY0" fmla="*/ 250681 h 437013"/>
+              <a:gd name="connsiteX1" fmla="*/ 972922 w 5273543"/>
+              <a:gd name="connsiteY1" fmla="*/ 0 h 437013"/>
+              <a:gd name="connsiteX2" fmla="*/ 5253094 w 5273543"/>
+              <a:gd name="connsiteY2" fmla="*/ 9279 h 437013"/>
+              <a:gd name="connsiteX3" fmla="*/ 5245778 w 5273543"/>
+              <a:gd name="connsiteY3" fmla="*/ 382883 h 437013"/>
+              <a:gd name="connsiteX4" fmla="*/ 5243814 w 5273543"/>
+              <a:gd name="connsiteY4" fmla="*/ 436054 h 437013"/>
+              <a:gd name="connsiteX5" fmla="*/ 0 w 5273543"/>
+              <a:gd name="connsiteY5" fmla="*/ 428739 h 437013"/>
+              <a:gd name="connsiteX6" fmla="*/ 488154 w 5273543"/>
+              <a:gd name="connsiteY6" fmla="*/ 250681 h 437013"/>
+              <a:gd name="connsiteX0" fmla="*/ 488154 w 5273543"/>
+              <a:gd name="connsiteY0" fmla="*/ 241402 h 427734"/>
+              <a:gd name="connsiteX1" fmla="*/ 914400 w 5273543"/>
+              <a:gd name="connsiteY1" fmla="*/ 12667 h 427734"/>
+              <a:gd name="connsiteX2" fmla="*/ 5253094 w 5273543"/>
+              <a:gd name="connsiteY2" fmla="*/ 0 h 427734"/>
+              <a:gd name="connsiteX3" fmla="*/ 5245778 w 5273543"/>
+              <a:gd name="connsiteY3" fmla="*/ 373604 h 427734"/>
+              <a:gd name="connsiteX4" fmla="*/ 5243814 w 5273543"/>
+              <a:gd name="connsiteY4" fmla="*/ 426775 h 427734"/>
+              <a:gd name="connsiteX5" fmla="*/ 0 w 5273543"/>
+              <a:gd name="connsiteY5" fmla="*/ 419460 h 427734"/>
+              <a:gd name="connsiteX6" fmla="*/ 488154 w 5273543"/>
+              <a:gd name="connsiteY6" fmla="*/ 241402 h 427734"/>
+              <a:gd name="connsiteX0" fmla="*/ 488154 w 5273543"/>
+              <a:gd name="connsiteY0" fmla="*/ 248179 h 434511"/>
+              <a:gd name="connsiteX1" fmla="*/ 914400 w 5273543"/>
+              <a:gd name="connsiteY1" fmla="*/ 19444 h 434511"/>
+              <a:gd name="connsiteX2" fmla="*/ 4726400 w 5273543"/>
+              <a:gd name="connsiteY2" fmla="*/ 0 h 434511"/>
+              <a:gd name="connsiteX3" fmla="*/ 5245778 w 5273543"/>
+              <a:gd name="connsiteY3" fmla="*/ 380381 h 434511"/>
+              <a:gd name="connsiteX4" fmla="*/ 5243814 w 5273543"/>
+              <a:gd name="connsiteY4" fmla="*/ 433552 h 434511"/>
+              <a:gd name="connsiteX5" fmla="*/ 0 w 5273543"/>
+              <a:gd name="connsiteY5" fmla="*/ 426237 h 434511"/>
+              <a:gd name="connsiteX6" fmla="*/ 488154 w 5273543"/>
+              <a:gd name="connsiteY6" fmla="*/ 248179 h 434511"/>
+              <a:gd name="connsiteX0" fmla="*/ 488154 w 5253934"/>
+              <a:gd name="connsiteY0" fmla="*/ 248179 h 433552"/>
+              <a:gd name="connsiteX1" fmla="*/ 914400 w 5253934"/>
+              <a:gd name="connsiteY1" fmla="*/ 19444 h 433552"/>
+              <a:gd name="connsiteX2" fmla="*/ 4726400 w 5253934"/>
+              <a:gd name="connsiteY2" fmla="*/ 0 h 433552"/>
+              <a:gd name="connsiteX3" fmla="*/ 5033637 w 5253934"/>
+              <a:gd name="connsiteY3" fmla="*/ 217720 h 433552"/>
+              <a:gd name="connsiteX4" fmla="*/ 5243814 w 5253934"/>
+              <a:gd name="connsiteY4" fmla="*/ 433552 h 433552"/>
+              <a:gd name="connsiteX5" fmla="*/ 0 w 5253934"/>
+              <a:gd name="connsiteY5" fmla="*/ 426237 h 433552"/>
+              <a:gd name="connsiteX6" fmla="*/ 488154 w 5253934"/>
+              <a:gd name="connsiteY6" fmla="*/ 248179 h 433552"/>
+              <a:gd name="connsiteX0" fmla="*/ 488154 w 5033637"/>
+              <a:gd name="connsiteY0" fmla="*/ 248179 h 426775"/>
+              <a:gd name="connsiteX1" fmla="*/ 914400 w 5033637"/>
+              <a:gd name="connsiteY1" fmla="*/ 19444 h 426775"/>
+              <a:gd name="connsiteX2" fmla="*/ 4726400 w 5033637"/>
+              <a:gd name="connsiteY2" fmla="*/ 0 h 426775"/>
+              <a:gd name="connsiteX3" fmla="*/ 5033637 w 5033637"/>
+              <a:gd name="connsiteY3" fmla="*/ 217720 h 426775"/>
+              <a:gd name="connsiteX4" fmla="*/ 4709804 w 5033637"/>
+              <a:gd name="connsiteY4" fmla="*/ 426775 h 426775"/>
+              <a:gd name="connsiteX5" fmla="*/ 0 w 5033637"/>
+              <a:gd name="connsiteY5" fmla="*/ 426237 h 426775"/>
+              <a:gd name="connsiteX6" fmla="*/ 488154 w 5033637"/>
+              <a:gd name="connsiteY6" fmla="*/ 248179 h 426775"/>
+              <a:gd name="connsiteX0" fmla="*/ 488154 w 5033637"/>
+              <a:gd name="connsiteY0" fmla="*/ 248179 h 426775"/>
+              <a:gd name="connsiteX1" fmla="*/ 914400 w 5033637"/>
+              <a:gd name="connsiteY1" fmla="*/ 19444 h 426775"/>
+              <a:gd name="connsiteX2" fmla="*/ 4726400 w 5033637"/>
+              <a:gd name="connsiteY2" fmla="*/ 0 h 426775"/>
+              <a:gd name="connsiteX3" fmla="*/ 5033637 w 5033637"/>
+              <a:gd name="connsiteY3" fmla="*/ 217720 h 426775"/>
+              <a:gd name="connsiteX4" fmla="*/ 4709804 w 5033637"/>
+              <a:gd name="connsiteY4" fmla="*/ 426775 h 426775"/>
+              <a:gd name="connsiteX5" fmla="*/ 0 w 5033637"/>
+              <a:gd name="connsiteY5" fmla="*/ 426237 h 426775"/>
+              <a:gd name="connsiteX6" fmla="*/ 488154 w 5033637"/>
+              <a:gd name="connsiteY6" fmla="*/ 248179 h 426775"/>
+              <a:gd name="connsiteX0" fmla="*/ 488154 w 5033637"/>
+              <a:gd name="connsiteY0" fmla="*/ 248179 h 426775"/>
+              <a:gd name="connsiteX1" fmla="*/ 914400 w 5033637"/>
+              <a:gd name="connsiteY1" fmla="*/ 19444 h 426775"/>
+              <a:gd name="connsiteX2" fmla="*/ 4726400 w 5033637"/>
+              <a:gd name="connsiteY2" fmla="*/ 0 h 426775"/>
+              <a:gd name="connsiteX3" fmla="*/ 5033637 w 5033637"/>
+              <a:gd name="connsiteY3" fmla="*/ 217720 h 426775"/>
+              <a:gd name="connsiteX4" fmla="*/ 4709804 w 5033637"/>
+              <a:gd name="connsiteY4" fmla="*/ 426775 h 426775"/>
+              <a:gd name="connsiteX5" fmla="*/ 0 w 5033637"/>
+              <a:gd name="connsiteY5" fmla="*/ 426237 h 426775"/>
+              <a:gd name="connsiteX6" fmla="*/ 488154 w 5033637"/>
+              <a:gd name="connsiteY6" fmla="*/ 248179 h 426775"/>
+              <a:gd name="connsiteX0" fmla="*/ 488154 w 5033637"/>
+              <a:gd name="connsiteY0" fmla="*/ 248179 h 426237"/>
+              <a:gd name="connsiteX1" fmla="*/ 914400 w 5033637"/>
+              <a:gd name="connsiteY1" fmla="*/ 19444 h 426237"/>
+              <a:gd name="connsiteX2" fmla="*/ 4726400 w 5033637"/>
+              <a:gd name="connsiteY2" fmla="*/ 0 h 426237"/>
+              <a:gd name="connsiteX3" fmla="*/ 5033637 w 5033637"/>
+              <a:gd name="connsiteY3" fmla="*/ 217720 h 426237"/>
+              <a:gd name="connsiteX4" fmla="*/ 4724434 w 5033637"/>
+              <a:gd name="connsiteY4" fmla="*/ 419998 h 426237"/>
+              <a:gd name="connsiteX5" fmla="*/ 0 w 5033637"/>
+              <a:gd name="connsiteY5" fmla="*/ 426237 h 426237"/>
+              <a:gd name="connsiteX6" fmla="*/ 488154 w 5033637"/>
+              <a:gd name="connsiteY6" fmla="*/ 248179 h 426237"/>
+            </a:gdLst>
+            <a:ahLst/>
+            <a:cxnLst>
+              <a:cxn ang="0">
+                <a:pos x="connsiteX0" y="connsiteY0"/>
+              </a:cxn>
+              <a:cxn ang="0">
+                <a:pos x="connsiteX1" y="connsiteY1"/>
+              </a:cxn>
+              <a:cxn ang="0">
+                <a:pos x="connsiteX2" y="connsiteY2"/>
+              </a:cxn>
+              <a:cxn ang="0">
+                <a:pos x="connsiteX3" y="connsiteY3"/>
+              </a:cxn>
+              <a:cxn ang="0">
+                <a:pos x="connsiteX4" y="connsiteY4"/>
+              </a:cxn>
+              <a:cxn ang="0">
+                <a:pos x="connsiteX5" y="connsiteY5"/>
+              </a:cxn>
+              <a:cxn ang="0">
+                <a:pos x="connsiteX6" y="connsiteY6"/>
+              </a:cxn>
+            </a:cxnLst>
+            <a:rect l="l" t="t" r="r" b="b"/>
+            <a:pathLst>
+              <a:path w="5033637" h="426237">
+                <a:moveTo>
+                  <a:pt x="488154" y="248179"/>
+                </a:moveTo>
+                <a:cubicBezTo>
+                  <a:pt x="640554" y="180380"/>
+                  <a:pt x="848674" y="19444"/>
+                  <a:pt x="914400" y="19444"/>
+                </a:cubicBezTo>
+                <a:lnTo>
+                  <a:pt x="4726400" y="0"/>
+                </a:lnTo>
+                <a:cubicBezTo>
+                  <a:pt x="4733714" y="11576"/>
+                  <a:pt x="4931225" y="145147"/>
+                  <a:pt x="5033637" y="217720"/>
+                </a:cubicBezTo>
+                <a:cubicBezTo>
+                  <a:pt x="4719083" y="418997"/>
+                  <a:pt x="4790160" y="419998"/>
+                  <a:pt x="4724434" y="419998"/>
+                </a:cubicBezTo>
+                <a:lnTo>
+                  <a:pt x="0" y="426237"/>
+                </a:lnTo>
+                <a:cubicBezTo>
+                  <a:pt x="350999" y="286833"/>
+                  <a:pt x="335754" y="315978"/>
+                  <a:pt x="488154" y="248179"/>
+                </a:cubicBezTo>
+                <a:close/>
+              </a:path>
+            </a:pathLst>
+          </a:custGeom>
+          <a:gradFill flip="none" rotWithShape="1">
+            <a:gsLst>
+              <a:gs pos="0">
+                <a:schemeClr val="bg1"/>
+              </a:gs>
+              <a:gs pos="50000">
+                <a:schemeClr val="bg1">
+                  <a:lumMod val="75000"/>
+                </a:schemeClr>
+              </a:gs>
+              <a:gs pos="100000">
+                <a:schemeClr val="bg1">
+                  <a:lumMod val="50000"/>
+                </a:schemeClr>
+              </a:gs>
+            </a:gsLst>
+            <a:lin ang="0" scaled="1"/>
+            <a:tileRect/>
+          </a:gradFill>
+          <a:ln>
+            <a:noFill/>
+          </a:ln>
+        </p:spPr>
+        <p:style>
+          <a:lnRef idx="2">
+            <a:schemeClr val="accent1">
+              <a:shade val="50000"/>
+            </a:schemeClr>
+          </a:lnRef>
+          <a:fillRef idx="1">
+            <a:schemeClr val="accent1"/>
+          </a:fillRef>
+          <a:effectRef idx="0">
+            <a:schemeClr val="accent1"/>
+          </a:effectRef>
+          <a:fontRef idx="minor">
+            <a:schemeClr val="lt1"/>
+          </a:fontRef>
+        </p:style>
+        <p:txBody>
+          <a:bodyPr rtlCol="0" anchor="ctr"/>
+          <a:lstStyle/>
+          <a:p>
+            <a:pPr algn="ctr"/>
+            <a:endParaRPr lang="en-US" dirty="0"/>
+          </a:p>
+        </p:txBody>
+      </p:sp>
+      <p:sp>
+        <p:nvSpPr>
+          <p:cNvPr id="145" name="TextBox 144">
+            <a:extLst>
+              <a:ext uri="{FF2B5EF4-FFF2-40B4-BE49-F238E27FC236}">
+                <a16:creationId xmlns:a16="http://schemas.microsoft.com/office/drawing/2014/main" id="{72994CBF-B25E-F3F8-4E0F-F2CA383A5F3F}"/>
+              </a:ext>
+            </a:extLst>
+          </p:cNvPr>
+          <p:cNvSpPr txBox="1"/>
+          <p:nvPr/>
+        </p:nvSpPr>
+        <p:spPr>
+          <a:xfrm>
+            <a:off x="4411001" y="8225712"/>
+            <a:ext cx="1136636" cy="584775"/>
+          </a:xfrm>
+          <a:prstGeom prst="rect">
+            <a:avLst/>
+          </a:prstGeom>
+          <a:noFill/>
+        </p:spPr>
+        <p:txBody>
+          <a:bodyPr wrap="square" rtlCol="0">
+            <a:spAutoFit/>
+          </a:bodyPr>
+          <a:lstStyle/>
+          <a:p>
+            <a:pPr algn="ctr"/>
+            <a:r>
+              <a:rPr lang="en-US" sz="1600" b="1" dirty="0"/>
+              <a:t>BURST &amp; COAST</a:t>
+            </a:r>
+          </a:p>
+        </p:txBody>
+      </p:sp>
+      <p:sp>
+        <p:nvSpPr>
+          <p:cNvPr id="146" name="TextBox 145">
+            <a:extLst>
+              <a:ext uri="{FF2B5EF4-FFF2-40B4-BE49-F238E27FC236}">
+                <a16:creationId xmlns:a16="http://schemas.microsoft.com/office/drawing/2014/main" id="{17F6FD16-CEA4-E9EC-2907-2C5A08FBA6D8}"/>
+              </a:ext>
+            </a:extLst>
+          </p:cNvPr>
+          <p:cNvSpPr txBox="1"/>
+          <p:nvPr/>
+        </p:nvSpPr>
+        <p:spPr>
+          <a:xfrm>
+            <a:off x="2069439" y="8349236"/>
+            <a:ext cx="2123542" cy="338554"/>
+          </a:xfrm>
+          <a:prstGeom prst="rect">
+            <a:avLst/>
+          </a:prstGeom>
+          <a:noFill/>
+        </p:spPr>
+        <p:txBody>
+          <a:bodyPr wrap="square" rtlCol="0">
+            <a:spAutoFit/>
+          </a:bodyPr>
+          <a:lstStyle/>
+          <a:p>
+            <a:pPr algn="r"/>
+            <a:r>
+              <a:rPr lang="en-US" sz="1600" b="1" dirty="0"/>
+              <a:t>STEADY</a:t>
+            </a:r>
+          </a:p>
+        </p:txBody>
+      </p:sp>
+      <p:sp>
+        <p:nvSpPr>
+          <p:cNvPr id="147" name="TextBox 146">
+            <a:extLst>
+              <a:ext uri="{FF2B5EF4-FFF2-40B4-BE49-F238E27FC236}">
+                <a16:creationId xmlns:a16="http://schemas.microsoft.com/office/drawing/2014/main" id="{0B70A2A9-BAF6-D8D8-32E1-9A6E6958BB49}"/>
+              </a:ext>
+            </a:extLst>
+          </p:cNvPr>
+          <p:cNvSpPr txBox="1"/>
+          <p:nvPr/>
+        </p:nvSpPr>
+        <p:spPr>
+          <a:xfrm>
+            <a:off x="5578544" y="8354054"/>
+            <a:ext cx="1136636" cy="338554"/>
+          </a:xfrm>
+          <a:prstGeom prst="rect">
+            <a:avLst/>
+          </a:prstGeom>
+          <a:noFill/>
+        </p:spPr>
+        <p:txBody>
+          <a:bodyPr wrap="square" rtlCol="0">
+            <a:spAutoFit/>
+          </a:bodyPr>
+          <a:lstStyle/>
+          <a:p>
+            <a:pPr algn="ctr"/>
+            <a:r>
+              <a:rPr lang="en-US" sz="1600" b="1" dirty="0"/>
+              <a:t>BURST</a:t>
+            </a:r>
+          </a:p>
+        </p:txBody>
+      </p:sp>
+      <p:sp>
+        <p:nvSpPr>
+          <p:cNvPr id="150" name="Rectangle 149">
+            <a:extLst>
+              <a:ext uri="{FF2B5EF4-FFF2-40B4-BE49-F238E27FC236}">
+                <a16:creationId xmlns:a16="http://schemas.microsoft.com/office/drawing/2014/main" id="{BA1F0253-50C5-3561-63D5-B09232A3298F}"/>
+              </a:ext>
+            </a:extLst>
+          </p:cNvPr>
+          <p:cNvSpPr/>
+          <p:nvPr/>
+        </p:nvSpPr>
+        <p:spPr>
+          <a:xfrm>
+            <a:off x="1223557" y="16517885"/>
+            <a:ext cx="2619823" cy="523220"/>
+          </a:xfrm>
+          <a:prstGeom prst="rect">
+            <a:avLst/>
+          </a:prstGeom>
+          <a:noFill/>
+        </p:spPr>
+        <p:txBody>
+          <a:bodyPr wrap="square">
+            <a:spAutoFit/>
+          </a:bodyPr>
+          <a:lstStyle/>
+          <a:p>
+            <a:pPr algn="ctr"/>
+            <a:r>
+              <a:rPr lang="en-US" sz="1400" dirty="0">
+                <a:latin typeface="Helvetica" pitchFamily="2" charset="0"/>
+              </a:rPr>
+              <a:t>Geist et al 2003, </a:t>
+            </a:r>
+            <a:r>
+              <a:rPr lang="en-US" sz="1400" dirty="0" err="1">
+                <a:latin typeface="Helvetica" pitchFamily="2" charset="0"/>
+              </a:rPr>
+              <a:t>Hachim</a:t>
+            </a:r>
+            <a:r>
+              <a:rPr lang="en-US" sz="1400" dirty="0">
+                <a:latin typeface="Helvetica" pitchFamily="2" charset="0"/>
+              </a:rPr>
+              <a:t> et al 2021</a:t>
+            </a:r>
+            <a:endParaRPr lang="en-US" sz="1400" b="1" dirty="0">
+              <a:latin typeface="Helvetica" pitchFamily="2" charset="0"/>
+            </a:endParaRPr>
+          </a:p>
+        </p:txBody>
+      </p:sp>
+      <p:sp>
+        <p:nvSpPr>
+          <p:cNvPr id="151" name="Rectangle 150">
+            <a:extLst>
+              <a:ext uri="{FF2B5EF4-FFF2-40B4-BE49-F238E27FC236}">
+                <a16:creationId xmlns:a16="http://schemas.microsoft.com/office/drawing/2014/main" id="{B2939050-980F-D5FC-605F-C7B41E3E0D33}"/>
+              </a:ext>
+            </a:extLst>
+          </p:cNvPr>
+          <p:cNvSpPr/>
+          <p:nvPr/>
+        </p:nvSpPr>
+        <p:spPr>
+          <a:xfrm>
+            <a:off x="5259098" y="4234231"/>
+            <a:ext cx="1729469" cy="2203952"/>
+          </a:xfrm>
+          <a:prstGeom prst="rect">
+            <a:avLst/>
+          </a:prstGeom>
+          <a:noFill/>
+          <a:ln w="38100">
+            <a:noFill/>
+          </a:ln>
+        </p:spPr>
+        <p:style>
+          <a:lnRef idx="2">
+            <a:schemeClr val="accent2"/>
+          </a:lnRef>
+          <a:fillRef idx="1">
+            <a:schemeClr val="lt1"/>
+          </a:fillRef>
+          <a:effectRef idx="0">
+            <a:schemeClr val="accent2"/>
+          </a:effectRef>
+          <a:fontRef idx="minor">
+            <a:schemeClr val="dk1"/>
+          </a:fontRef>
+        </p:style>
+        <p:txBody>
+          <a:bodyPr rtlCol="0" anchor="ctr"/>
+          <a:lstStyle/>
+          <a:p>
+            <a:pPr algn="ctr"/>
+            <a:r>
+              <a:rPr lang="en-US" sz="2000" b="1" dirty="0">
+                <a:latin typeface="Helvetica" pitchFamily="2" charset="0"/>
+              </a:rPr>
+              <a:t>Anaerobic</a:t>
+            </a:r>
+            <a:r>
+              <a:rPr lang="en-US" sz="2000" dirty="0">
+                <a:latin typeface="Helvetica" pitchFamily="2" charset="0"/>
+              </a:rPr>
+              <a:t> </a:t>
+            </a:r>
+          </a:p>
+          <a:p>
+            <a:pPr algn="ctr"/>
+            <a:r>
+              <a:rPr lang="en-US" sz="2000" dirty="0">
+                <a:latin typeface="Helvetica" pitchFamily="2" charset="0"/>
+              </a:rPr>
+              <a:t>swim speeds</a:t>
+            </a:r>
+          </a:p>
+        </p:txBody>
+      </p:sp>
+      <p:sp>
+        <p:nvSpPr>
+          <p:cNvPr id="152" name="Rectangle 151">
+            <a:extLst>
+              <a:ext uri="{FF2B5EF4-FFF2-40B4-BE49-F238E27FC236}">
+                <a16:creationId xmlns:a16="http://schemas.microsoft.com/office/drawing/2014/main" id="{E9C3D982-215D-CD50-1375-030CC3DC8AF9}"/>
+              </a:ext>
+            </a:extLst>
+          </p:cNvPr>
+          <p:cNvSpPr/>
+          <p:nvPr/>
+        </p:nvSpPr>
+        <p:spPr>
+          <a:xfrm>
+            <a:off x="3311578" y="5853131"/>
+            <a:ext cx="1149963" cy="463454"/>
+          </a:xfrm>
+          <a:prstGeom prst="rect">
+            <a:avLst/>
+          </a:prstGeom>
+          <a:noFill/>
+          <a:ln w="38100">
+            <a:noFill/>
+          </a:ln>
+        </p:spPr>
+        <p:style>
+          <a:lnRef idx="2">
+            <a:schemeClr val="accent6"/>
+          </a:lnRef>
+          <a:fillRef idx="1">
+            <a:schemeClr val="lt1"/>
+          </a:fillRef>
+          <a:effectRef idx="0">
+            <a:schemeClr val="accent6"/>
+          </a:effectRef>
+          <a:fontRef idx="minor">
+            <a:schemeClr val="dk1"/>
+          </a:fontRef>
+        </p:style>
+        <p:txBody>
+          <a:bodyPr rtlCol="0" anchor="ctr"/>
+          <a:lstStyle/>
+          <a:p>
+            <a:pPr algn="ctr"/>
+            <a:r>
+              <a:rPr lang="en-US" sz="2000" b="1" dirty="0">
+                <a:latin typeface="Helvetica" pitchFamily="2" charset="0"/>
+              </a:rPr>
+              <a:t>~ 2 BL/s</a:t>
+            </a:r>
+          </a:p>
+        </p:txBody>
+      </p:sp>
+      <p:sp>
+        <p:nvSpPr>
+          <p:cNvPr id="11" name="TextBox 10">
+            <a:extLst>
+              <a:ext uri="{FF2B5EF4-FFF2-40B4-BE49-F238E27FC236}">
+                <a16:creationId xmlns:a16="http://schemas.microsoft.com/office/drawing/2014/main" id="{E8DB12B9-8DC3-0C6C-039A-7327614C2B3D}"/>
+              </a:ext>
+            </a:extLst>
+          </p:cNvPr>
+          <p:cNvSpPr txBox="1"/>
+          <p:nvPr/>
+        </p:nvSpPr>
+        <p:spPr>
+          <a:xfrm>
+            <a:off x="3184826" y="4033709"/>
+            <a:ext cx="3733458" cy="461665"/>
+          </a:xfrm>
+          <a:prstGeom prst="rect">
+            <a:avLst/>
+          </a:prstGeom>
+          <a:noFill/>
+        </p:spPr>
+        <p:txBody>
+          <a:bodyPr wrap="none" rtlCol="0">
+            <a:spAutoFit/>
+          </a:bodyPr>
+          <a:lstStyle/>
+          <a:p>
+            <a:r>
+              <a:rPr lang="en-US" sz="2400" b="1" dirty="0">
+                <a:latin typeface="Helvetica" pitchFamily="2" charset="0"/>
+              </a:rPr>
+              <a:t>RELATIVE SWIM SPEED</a:t>
+            </a:r>
+          </a:p>
+        </p:txBody>
+      </p:sp>
+      <p:sp>
+        <p:nvSpPr>
+          <p:cNvPr id="153" name="TextBox 152">
+            <a:extLst>
+              <a:ext uri="{FF2B5EF4-FFF2-40B4-BE49-F238E27FC236}">
+                <a16:creationId xmlns:a16="http://schemas.microsoft.com/office/drawing/2014/main" id="{2CBE9151-9643-F520-1633-DE202CC2B6E7}"/>
+              </a:ext>
+            </a:extLst>
+          </p:cNvPr>
+          <p:cNvSpPr txBox="1"/>
+          <p:nvPr/>
+        </p:nvSpPr>
+        <p:spPr>
+          <a:xfrm>
+            <a:off x="8942188" y="4016115"/>
+            <a:ext cx="3927678" cy="461665"/>
+          </a:xfrm>
+          <a:prstGeom prst="rect">
+            <a:avLst/>
+          </a:prstGeom>
+          <a:noFill/>
+        </p:spPr>
+        <p:txBody>
+          <a:bodyPr wrap="none" rtlCol="0">
+            <a:spAutoFit/>
+          </a:bodyPr>
+          <a:lstStyle/>
+          <a:p>
+            <a:r>
+              <a:rPr lang="en-US" sz="2400" b="1" dirty="0">
+                <a:latin typeface="Helvetica" pitchFamily="2" charset="0"/>
+              </a:rPr>
+              <a:t>ABSOLUTE SWIM SPEED</a:t>
+            </a:r>
+          </a:p>
+        </p:txBody>
+      </p:sp>
+      <p:cxnSp>
+        <p:nvCxnSpPr>
+          <p:cNvPr id="154" name="Straight Connector 153">
+            <a:extLst>
+              <a:ext uri="{FF2B5EF4-FFF2-40B4-BE49-F238E27FC236}">
+                <a16:creationId xmlns:a16="http://schemas.microsoft.com/office/drawing/2014/main" id="{E616FEEC-6DE8-8C52-30BA-3F51D1BA1E6F}"/>
+              </a:ext>
+            </a:extLst>
+          </p:cNvPr>
+          <p:cNvCxnSpPr>
+            <a:cxnSpLocks/>
+          </p:cNvCxnSpPr>
+          <p:nvPr/>
+        </p:nvCxnSpPr>
+        <p:spPr>
+          <a:xfrm>
+            <a:off x="9751334" y="5796198"/>
+            <a:ext cx="0" cy="2957356"/>
+          </a:xfrm>
+          <a:prstGeom prst="line">
+            <a:avLst/>
+          </a:prstGeom>
+          <a:ln w="19050">
+            <a:solidFill>
+              <a:schemeClr val="accent6">
+                <a:lumMod val="75000"/>
+              </a:schemeClr>
+            </a:solidFill>
+            <a:prstDash val="dash"/>
+          </a:ln>
+        </p:spPr>
+        <p:style>
+          <a:lnRef idx="1">
+            <a:schemeClr val="dk1"/>
+          </a:lnRef>
+          <a:fillRef idx="0">
+            <a:schemeClr val="dk1"/>
+          </a:fillRef>
+          <a:effectRef idx="0">
+            <a:schemeClr val="dk1"/>
+          </a:effectRef>
+          <a:fontRef idx="minor">
+            <a:schemeClr val="tx1"/>
+          </a:fontRef>
+        </p:style>
+      </p:cxnSp>
+      <p:sp>
+        <p:nvSpPr>
+          <p:cNvPr id="155" name="Rectangle 154">
+            <a:extLst>
+              <a:ext uri="{FF2B5EF4-FFF2-40B4-BE49-F238E27FC236}">
+                <a16:creationId xmlns:a16="http://schemas.microsoft.com/office/drawing/2014/main" id="{CAAA5031-E619-7964-602F-546A3A369E45}"/>
+              </a:ext>
+            </a:extLst>
+          </p:cNvPr>
+          <p:cNvSpPr/>
+          <p:nvPr/>
+        </p:nvSpPr>
+        <p:spPr>
+          <a:xfrm>
+            <a:off x="8338143" y="5730747"/>
+            <a:ext cx="1149963" cy="463454"/>
+          </a:xfrm>
+          <a:prstGeom prst="rect">
+            <a:avLst/>
+          </a:prstGeom>
+          <a:noFill/>
+          <a:ln w="38100">
+            <a:noFill/>
+          </a:ln>
+        </p:spPr>
+        <p:style>
+          <a:lnRef idx="2">
+            <a:schemeClr val="accent6"/>
+          </a:lnRef>
+          <a:fillRef idx="1">
+            <a:schemeClr val="lt1"/>
+          </a:fillRef>
+          <a:effectRef idx="0">
+            <a:schemeClr val="accent6"/>
+          </a:effectRef>
+          <a:fontRef idx="minor">
+            <a:schemeClr val="dk1"/>
+          </a:fontRef>
+        </p:style>
+        <p:txBody>
+          <a:bodyPr rtlCol="0" anchor="ctr"/>
+          <a:lstStyle/>
+          <a:p>
+            <a:pPr algn="ctr"/>
+            <a:r>
+              <a:rPr lang="en-US" sz="2000" b="1" dirty="0">
+                <a:latin typeface="Helvetica" pitchFamily="2" charset="0"/>
+              </a:rPr>
+              <a:t>~ 2 BL/s</a:t>
+            </a:r>
+          </a:p>
+        </p:txBody>
+      </p:sp>
+      <p:cxnSp>
+        <p:nvCxnSpPr>
+          <p:cNvPr id="156" name="Straight Connector 155">
+            <a:extLst>
+              <a:ext uri="{FF2B5EF4-FFF2-40B4-BE49-F238E27FC236}">
+                <a16:creationId xmlns:a16="http://schemas.microsoft.com/office/drawing/2014/main" id="{BC04E55C-F162-034B-A935-7FCEA9B33C86}"/>
+              </a:ext>
+            </a:extLst>
+          </p:cNvPr>
+          <p:cNvCxnSpPr>
+            <a:cxnSpLocks/>
+          </p:cNvCxnSpPr>
+          <p:nvPr/>
+        </p:nvCxnSpPr>
+        <p:spPr>
+          <a:xfrm>
+            <a:off x="10481803" y="6003389"/>
+            <a:ext cx="0" cy="2727459"/>
+          </a:xfrm>
+          <a:prstGeom prst="line">
+            <a:avLst/>
+          </a:prstGeom>
+          <a:ln w="19050">
+            <a:solidFill>
+              <a:schemeClr val="bg1">
+                <a:lumMod val="50000"/>
+              </a:schemeClr>
+            </a:solidFill>
+            <a:prstDash val="dash"/>
+          </a:ln>
+        </p:spPr>
+        <p:style>
+          <a:lnRef idx="1">
+            <a:schemeClr val="dk1"/>
+          </a:lnRef>
+          <a:fillRef idx="0">
+            <a:schemeClr val="dk1"/>
+          </a:fillRef>
+          <a:effectRef idx="0">
+            <a:schemeClr val="dk1"/>
+          </a:effectRef>
+          <a:fontRef idx="minor">
+            <a:schemeClr val="tx1"/>
+          </a:fontRef>
+        </p:style>
+      </p:cxnSp>
+      <p:cxnSp>
+        <p:nvCxnSpPr>
+          <p:cNvPr id="157" name="Straight Connector 156">
+            <a:extLst>
+              <a:ext uri="{FF2B5EF4-FFF2-40B4-BE49-F238E27FC236}">
+                <a16:creationId xmlns:a16="http://schemas.microsoft.com/office/drawing/2014/main" id="{9EE171B7-6B1D-E893-6928-39E991C31550}"/>
+              </a:ext>
+            </a:extLst>
+          </p:cNvPr>
+          <p:cNvCxnSpPr>
+            <a:cxnSpLocks/>
+          </p:cNvCxnSpPr>
+          <p:nvPr/>
+        </p:nvCxnSpPr>
+        <p:spPr>
+          <a:xfrm>
+            <a:off x="11685237" y="6003389"/>
+            <a:ext cx="0" cy="2727459"/>
+          </a:xfrm>
+          <a:prstGeom prst="line">
+            <a:avLst/>
+          </a:prstGeom>
+          <a:ln w="19050">
+            <a:solidFill>
+              <a:schemeClr val="accent3">
+                <a:lumMod val="50000"/>
+              </a:schemeClr>
+            </a:solidFill>
+            <a:prstDash val="dash"/>
+          </a:ln>
+        </p:spPr>
+        <p:style>
+          <a:lnRef idx="1">
+            <a:schemeClr val="dk1"/>
+          </a:lnRef>
+          <a:fillRef idx="0">
+            <a:schemeClr val="dk1"/>
+          </a:fillRef>
+          <a:effectRef idx="0">
+            <a:schemeClr val="dk1"/>
+          </a:effectRef>
+          <a:fontRef idx="minor">
+            <a:schemeClr val="tx1"/>
+          </a:fontRef>
+        </p:style>
+      </p:cxnSp>
+      <p:sp>
+        <p:nvSpPr>
+          <p:cNvPr id="163" name="TextBox 162">
+            <a:extLst>
+              <a:ext uri="{FF2B5EF4-FFF2-40B4-BE49-F238E27FC236}">
+                <a16:creationId xmlns:a16="http://schemas.microsoft.com/office/drawing/2014/main" id="{0C72E14E-364E-0785-67B8-6D074A95454B}"/>
+              </a:ext>
+            </a:extLst>
+          </p:cNvPr>
+          <p:cNvSpPr txBox="1"/>
+          <p:nvPr/>
+        </p:nvSpPr>
+        <p:spPr>
+          <a:xfrm rot="16200000">
+            <a:off x="-1509028" y="6388335"/>
+            <a:ext cx="5939523" cy="1077218"/>
+          </a:xfrm>
+          <a:prstGeom prst="rect">
+            <a:avLst/>
+          </a:prstGeom>
+          <a:noFill/>
+        </p:spPr>
+        <p:txBody>
+          <a:bodyPr wrap="square" rtlCol="0">
+            <a:spAutoFit/>
+          </a:bodyPr>
+          <a:lstStyle/>
+          <a:p>
+            <a:pPr algn="ctr"/>
+            <a:r>
+              <a:rPr lang="en-US" sz="3200" dirty="0">
+                <a:latin typeface="Helvetica" pitchFamily="2" charset="0"/>
+              </a:rPr>
+              <a:t>Mass-specific oxygen consumption rate </a:t>
+            </a:r>
+          </a:p>
+        </p:txBody>
+      </p:sp>
+      <p:sp>
+        <p:nvSpPr>
+          <p:cNvPr id="173" name="TextBox 172">
+            <a:extLst>
+              <a:ext uri="{FF2B5EF4-FFF2-40B4-BE49-F238E27FC236}">
+                <a16:creationId xmlns:a16="http://schemas.microsoft.com/office/drawing/2014/main" id="{00EC7ADA-2251-FD35-E755-0ADE04961656}"/>
+              </a:ext>
+            </a:extLst>
+          </p:cNvPr>
+          <p:cNvSpPr txBox="1"/>
+          <p:nvPr/>
+        </p:nvSpPr>
+        <p:spPr>
+          <a:xfrm>
+            <a:off x="7883805" y="9317881"/>
+            <a:ext cx="5913816" cy="584775"/>
+          </a:xfrm>
+          <a:prstGeom prst="rect">
+            <a:avLst/>
+          </a:prstGeom>
+          <a:solidFill>
+            <a:schemeClr val="bg1"/>
+          </a:solidFill>
+        </p:spPr>
+        <p:txBody>
+          <a:bodyPr wrap="square" rtlCol="0">
+            <a:spAutoFit/>
+          </a:bodyPr>
+          <a:lstStyle/>
+          <a:p>
+            <a:pPr algn="ctr"/>
+            <a:r>
+              <a:rPr lang="en-US" sz="3200" dirty="0">
+                <a:latin typeface="Helvetica" pitchFamily="2" charset="0"/>
+              </a:rPr>
+              <a:t>Swim speed cm/s</a:t>
+            </a:r>
+          </a:p>
+        </p:txBody>
+      </p:sp>
+      <p:sp>
+        <p:nvSpPr>
+          <p:cNvPr id="174" name="TextBox 173">
+            <a:extLst>
+              <a:ext uri="{FF2B5EF4-FFF2-40B4-BE49-F238E27FC236}">
+                <a16:creationId xmlns:a16="http://schemas.microsoft.com/office/drawing/2014/main" id="{DA450E8F-307F-E852-DDFA-F70AC8A4E205}"/>
+              </a:ext>
+            </a:extLst>
+          </p:cNvPr>
+          <p:cNvSpPr txBox="1"/>
+          <p:nvPr/>
+        </p:nvSpPr>
+        <p:spPr>
+          <a:xfrm>
+            <a:off x="1999342" y="9317881"/>
+            <a:ext cx="5835679" cy="584775"/>
+          </a:xfrm>
+          <a:prstGeom prst="rect">
+            <a:avLst/>
+          </a:prstGeom>
+          <a:solidFill>
+            <a:schemeClr val="bg1"/>
+          </a:solidFill>
+        </p:spPr>
+        <p:txBody>
+          <a:bodyPr wrap="square" rtlCol="0">
+            <a:spAutoFit/>
+          </a:bodyPr>
+          <a:lstStyle/>
+          <a:p>
+            <a:pPr algn="ctr"/>
+            <a:r>
+              <a:rPr lang="en-US" sz="3200" dirty="0">
+                <a:latin typeface="Helvetica" pitchFamily="2" charset="0"/>
+              </a:rPr>
+              <a:t>Swim speed BL/s</a:t>
+            </a:r>
+          </a:p>
+        </p:txBody>
+      </p:sp>
+      <p:sp>
+        <p:nvSpPr>
+          <p:cNvPr id="182" name="Right Arrow 181">
+            <a:extLst>
+              <a:ext uri="{FF2B5EF4-FFF2-40B4-BE49-F238E27FC236}">
+                <a16:creationId xmlns:a16="http://schemas.microsoft.com/office/drawing/2014/main" id="{C59C8A0E-0268-4741-B17C-878C8DA6C744}"/>
+              </a:ext>
+            </a:extLst>
+          </p:cNvPr>
+          <p:cNvSpPr/>
+          <p:nvPr/>
+        </p:nvSpPr>
+        <p:spPr>
+          <a:xfrm>
+            <a:off x="9306985" y="5820842"/>
+            <a:ext cx="328397" cy="243045"/>
+          </a:xfrm>
+          <a:prstGeom prst="rightArrow">
+            <a:avLst>
+              <a:gd name="adj1" fmla="val 50000"/>
+              <a:gd name="adj2" fmla="val 56578"/>
+            </a:avLst>
+          </a:prstGeom>
+          <a:solidFill>
+            <a:schemeClr val="bg1">
+              <a:lumMod val="50000"/>
+            </a:schemeClr>
+          </a:solidFill>
+          <a:ln>
+            <a:solidFill>
+              <a:schemeClr val="bg1">
+                <a:lumMod val="50000"/>
+              </a:schemeClr>
+            </a:solidFill>
+          </a:ln>
+        </p:spPr>
+        <p:style>
+          <a:lnRef idx="2">
+            <a:schemeClr val="accent1">
+              <a:shade val="50000"/>
+            </a:schemeClr>
+          </a:lnRef>
+          <a:fillRef idx="1">
+            <a:schemeClr val="accent1"/>
+          </a:fillRef>
+          <a:effectRef idx="0">
+            <a:schemeClr val="accent1"/>
+          </a:effectRef>
+          <a:fontRef idx="minor">
+            <a:schemeClr val="lt1"/>
+          </a:fontRef>
+        </p:style>
+        <p:txBody>
+          <a:bodyPr rtlCol="0" anchor="ctr"/>
+          <a:lstStyle/>
+          <a:p>
+            <a:pPr algn="ctr"/>
+            <a:endParaRPr lang="en-US" sz="3350"/>
+          </a:p>
+        </p:txBody>
+      </p:sp>
+      <p:sp>
+        <p:nvSpPr>
+          <p:cNvPr id="183" name="Right Arrow 182">
+            <a:extLst>
+              <a:ext uri="{FF2B5EF4-FFF2-40B4-BE49-F238E27FC236}">
+                <a16:creationId xmlns:a16="http://schemas.microsoft.com/office/drawing/2014/main" id="{C0D52058-17E7-F792-0442-3F58284B3E31}"/>
+              </a:ext>
+            </a:extLst>
+          </p:cNvPr>
+          <p:cNvSpPr/>
+          <p:nvPr/>
+        </p:nvSpPr>
+        <p:spPr>
+          <a:xfrm>
+            <a:off x="10052274" y="5854345"/>
+            <a:ext cx="328397" cy="243045"/>
+          </a:xfrm>
+          <a:prstGeom prst="rightArrow">
+            <a:avLst>
+              <a:gd name="adj1" fmla="val 50000"/>
+              <a:gd name="adj2" fmla="val 56578"/>
+            </a:avLst>
+          </a:prstGeom>
+          <a:solidFill>
+            <a:schemeClr val="bg1">
+              <a:lumMod val="50000"/>
+            </a:schemeClr>
+          </a:solidFill>
+          <a:ln>
+            <a:solidFill>
+              <a:schemeClr val="bg1">
+                <a:lumMod val="50000"/>
+              </a:schemeClr>
+            </a:solidFill>
+          </a:ln>
+        </p:spPr>
+        <p:style>
+          <a:lnRef idx="2">
+            <a:schemeClr val="accent1">
+              <a:shade val="50000"/>
+            </a:schemeClr>
+          </a:lnRef>
+          <a:fillRef idx="1">
+            <a:schemeClr val="accent1"/>
+          </a:fillRef>
+          <a:effectRef idx="0">
+            <a:schemeClr val="accent1"/>
+          </a:effectRef>
+          <a:fontRef idx="minor">
+            <a:schemeClr val="lt1"/>
+          </a:fontRef>
+        </p:style>
+        <p:txBody>
+          <a:bodyPr rtlCol="0" anchor="ctr"/>
+          <a:lstStyle/>
+          <a:p>
+            <a:pPr algn="ctr"/>
+            <a:endParaRPr lang="en-US" sz="3350"/>
+          </a:p>
+        </p:txBody>
+      </p:sp>
+      <p:sp>
+        <p:nvSpPr>
+          <p:cNvPr id="184" name="Right Arrow 183">
+            <a:extLst>
+              <a:ext uri="{FF2B5EF4-FFF2-40B4-BE49-F238E27FC236}">
+                <a16:creationId xmlns:a16="http://schemas.microsoft.com/office/drawing/2014/main" id="{417259FD-3F10-FB83-776C-4DE0C4317632}"/>
+              </a:ext>
+            </a:extLst>
+          </p:cNvPr>
+          <p:cNvSpPr/>
+          <p:nvPr/>
+        </p:nvSpPr>
+        <p:spPr>
+          <a:xfrm>
+            <a:off x="11236979" y="5840951"/>
+            <a:ext cx="328397" cy="243045"/>
+          </a:xfrm>
+          <a:prstGeom prst="rightArrow">
+            <a:avLst>
+              <a:gd name="adj1" fmla="val 50000"/>
+              <a:gd name="adj2" fmla="val 56578"/>
+            </a:avLst>
+          </a:prstGeom>
+          <a:solidFill>
+            <a:schemeClr val="bg1">
+              <a:lumMod val="50000"/>
+            </a:schemeClr>
+          </a:solidFill>
+          <a:ln>
+            <a:solidFill>
+              <a:schemeClr val="bg1">
+                <a:lumMod val="50000"/>
+              </a:schemeClr>
+            </a:solidFill>
+          </a:ln>
+        </p:spPr>
+        <p:style>
+          <a:lnRef idx="2">
+            <a:schemeClr val="accent1">
+              <a:shade val="50000"/>
+            </a:schemeClr>
+          </a:lnRef>
+          <a:fillRef idx="1">
+            <a:schemeClr val="accent1"/>
+          </a:fillRef>
+          <a:effectRef idx="0">
+            <a:schemeClr val="accent1"/>
+          </a:effectRef>
+          <a:fontRef idx="minor">
+            <a:schemeClr val="lt1"/>
+          </a:fontRef>
+        </p:style>
+        <p:txBody>
+          <a:bodyPr rtlCol="0" anchor="ctr"/>
+          <a:lstStyle/>
+          <a:p>
+            <a:pPr algn="ctr"/>
+            <a:endParaRPr lang="en-US" sz="3350"/>
+          </a:p>
+        </p:txBody>
+      </p:sp>
+      <p:grpSp>
+        <p:nvGrpSpPr>
+          <p:cNvPr id="215" name="Group 214">
+            <a:extLst>
+              <a:ext uri="{FF2B5EF4-FFF2-40B4-BE49-F238E27FC236}">
+                <a16:creationId xmlns:a16="http://schemas.microsoft.com/office/drawing/2014/main" id="{C0BE4D25-AB31-5FD0-B872-F803D2217390}"/>
+              </a:ext>
+            </a:extLst>
+          </p:cNvPr>
+          <p:cNvGrpSpPr/>
+          <p:nvPr/>
+        </p:nvGrpSpPr>
+        <p:grpSpPr>
+          <a:xfrm>
+            <a:off x="14068467" y="4539544"/>
+            <a:ext cx="6538720" cy="5334536"/>
+            <a:chOff x="7097742" y="10626755"/>
+            <a:chExt cx="6538720" cy="5334536"/>
+          </a:xfrm>
+        </p:grpSpPr>
+        <p:grpSp>
+          <p:nvGrpSpPr>
+            <p:cNvPr id="175" name="Group 174">
+              <a:extLst>
+                <a:ext uri="{FF2B5EF4-FFF2-40B4-BE49-F238E27FC236}">
+                  <a16:creationId xmlns:a16="http://schemas.microsoft.com/office/drawing/2014/main" id="{3B59EDA6-4AC5-4C03-7B13-4B894EDCA5F1}"/>
+                </a:ext>
+              </a:extLst>
+            </p:cNvPr>
+            <p:cNvGrpSpPr/>
+            <p:nvPr/>
+          </p:nvGrpSpPr>
+          <p:grpSpPr>
+            <a:xfrm>
+              <a:off x="8329512" y="10705792"/>
+              <a:ext cx="5306950" cy="5255499"/>
+              <a:chOff x="9084857" y="10179859"/>
+              <a:chExt cx="5306950" cy="5255499"/>
+            </a:xfrm>
+          </p:grpSpPr>
+          <p:sp>
+            <p:nvSpPr>
+              <p:cNvPr id="165" name="Freeform 164">
+                <a:extLst>
+                  <a:ext uri="{FF2B5EF4-FFF2-40B4-BE49-F238E27FC236}">
+                    <a16:creationId xmlns:a16="http://schemas.microsoft.com/office/drawing/2014/main" id="{6BB8F9D2-D169-21BA-7ED5-E5DCC5A7E508}"/>
+                  </a:ext>
+                </a:extLst>
+              </p:cNvPr>
+              <p:cNvSpPr/>
+              <p:nvPr/>
+            </p:nvSpPr>
+            <p:spPr>
+              <a:xfrm>
+                <a:off x="9255512" y="11030552"/>
+                <a:ext cx="4861932" cy="3153800"/>
+              </a:xfrm>
+              <a:custGeom>
+                <a:avLst/>
+                <a:gdLst>
+                  <a:gd name="connsiteX0" fmla="*/ 0 w 4861932"/>
+                  <a:gd name="connsiteY0" fmla="*/ 3211551 h 3211551"/>
+                  <a:gd name="connsiteX1" fmla="*/ 468351 w 4861932"/>
+                  <a:gd name="connsiteY1" fmla="*/ 1806498 h 3211551"/>
+                  <a:gd name="connsiteX2" fmla="*/ 2653990 w 4861932"/>
+                  <a:gd name="connsiteY2" fmla="*/ 312234 h 3211551"/>
+                  <a:gd name="connsiteX3" fmla="*/ 4861932 w 4861932"/>
+                  <a:gd name="connsiteY3" fmla="*/ 0 h 3211551"/>
+                  <a:gd name="connsiteX0" fmla="*/ 0 w 4861932"/>
+                  <a:gd name="connsiteY0" fmla="*/ 3211551 h 3211551"/>
+                  <a:gd name="connsiteX1" fmla="*/ 651231 w 4861932"/>
+                  <a:gd name="connsiteY1" fmla="*/ 1690995 h 3211551"/>
+                  <a:gd name="connsiteX2" fmla="*/ 2653990 w 4861932"/>
+                  <a:gd name="connsiteY2" fmla="*/ 312234 h 3211551"/>
+                  <a:gd name="connsiteX3" fmla="*/ 4861932 w 4861932"/>
+                  <a:gd name="connsiteY3" fmla="*/ 0 h 3211551"/>
+                  <a:gd name="connsiteX0" fmla="*/ 0 w 4861932"/>
+                  <a:gd name="connsiteY0" fmla="*/ 3211551 h 3211551"/>
+                  <a:gd name="connsiteX1" fmla="*/ 651231 w 4861932"/>
+                  <a:gd name="connsiteY1" fmla="*/ 1690995 h 3211551"/>
+                  <a:gd name="connsiteX2" fmla="*/ 2721366 w 4861932"/>
+                  <a:gd name="connsiteY2" fmla="*/ 379611 h 3211551"/>
+                  <a:gd name="connsiteX3" fmla="*/ 4861932 w 4861932"/>
+                  <a:gd name="connsiteY3" fmla="*/ 0 h 3211551"/>
+                  <a:gd name="connsiteX0" fmla="*/ 0 w 4871557"/>
+                  <a:gd name="connsiteY0" fmla="*/ 3124924 h 3124924"/>
+                  <a:gd name="connsiteX1" fmla="*/ 651231 w 4871557"/>
+                  <a:gd name="connsiteY1" fmla="*/ 1604368 h 3124924"/>
+                  <a:gd name="connsiteX2" fmla="*/ 2721366 w 4871557"/>
+                  <a:gd name="connsiteY2" fmla="*/ 292984 h 3124924"/>
+                  <a:gd name="connsiteX3" fmla="*/ 4871557 w 4871557"/>
+                  <a:gd name="connsiteY3" fmla="*/ 0 h 3124924"/>
+                  <a:gd name="connsiteX0" fmla="*/ 0 w 4871557"/>
+                  <a:gd name="connsiteY0" fmla="*/ 3124924 h 3124924"/>
+                  <a:gd name="connsiteX1" fmla="*/ 651231 w 4871557"/>
+                  <a:gd name="connsiteY1" fmla="*/ 1604368 h 3124924"/>
+                  <a:gd name="connsiteX2" fmla="*/ 2721366 w 4871557"/>
+                  <a:gd name="connsiteY2" fmla="*/ 292984 h 3124924"/>
+                  <a:gd name="connsiteX3" fmla="*/ 4871557 w 4871557"/>
+                  <a:gd name="connsiteY3" fmla="*/ 0 h 3124924"/>
+                  <a:gd name="connsiteX0" fmla="*/ 0 w 4871557"/>
+                  <a:gd name="connsiteY0" fmla="*/ 3124924 h 3124924"/>
+                  <a:gd name="connsiteX1" fmla="*/ 651231 w 4871557"/>
+                  <a:gd name="connsiteY1" fmla="*/ 1604368 h 3124924"/>
+                  <a:gd name="connsiteX2" fmla="*/ 2721366 w 4871557"/>
+                  <a:gd name="connsiteY2" fmla="*/ 292984 h 3124924"/>
+                  <a:gd name="connsiteX3" fmla="*/ 4871557 w 4871557"/>
+                  <a:gd name="connsiteY3" fmla="*/ 0 h 3124924"/>
+                  <a:gd name="connsiteX0" fmla="*/ 0 w 4871557"/>
+                  <a:gd name="connsiteY0" fmla="*/ 3124924 h 3124924"/>
+                  <a:gd name="connsiteX1" fmla="*/ 651231 w 4871557"/>
+                  <a:gd name="connsiteY1" fmla="*/ 1604368 h 3124924"/>
+                  <a:gd name="connsiteX2" fmla="*/ 2721366 w 4871557"/>
+                  <a:gd name="connsiteY2" fmla="*/ 292984 h 3124924"/>
+                  <a:gd name="connsiteX3" fmla="*/ 4871557 w 4871557"/>
+                  <a:gd name="connsiteY3" fmla="*/ 0 h 3124924"/>
+                  <a:gd name="connsiteX0" fmla="*/ 0 w 4871557"/>
+                  <a:gd name="connsiteY0" fmla="*/ 3124924 h 3124924"/>
+                  <a:gd name="connsiteX1" fmla="*/ 843736 w 4871557"/>
+                  <a:gd name="connsiteY1" fmla="*/ 1459989 h 3124924"/>
+                  <a:gd name="connsiteX2" fmla="*/ 2721366 w 4871557"/>
+                  <a:gd name="connsiteY2" fmla="*/ 292984 h 3124924"/>
+                  <a:gd name="connsiteX3" fmla="*/ 4871557 w 4871557"/>
+                  <a:gd name="connsiteY3" fmla="*/ 0 h 3124924"/>
+                  <a:gd name="connsiteX0" fmla="*/ 0 w 4871557"/>
+                  <a:gd name="connsiteY0" fmla="*/ 3124924 h 3124924"/>
+                  <a:gd name="connsiteX1" fmla="*/ 843736 w 4871557"/>
+                  <a:gd name="connsiteY1" fmla="*/ 1459989 h 3124924"/>
+                  <a:gd name="connsiteX2" fmla="*/ 2721366 w 4871557"/>
+                  <a:gd name="connsiteY2" fmla="*/ 292984 h 3124924"/>
+                  <a:gd name="connsiteX3" fmla="*/ 4871557 w 4871557"/>
+                  <a:gd name="connsiteY3" fmla="*/ 0 h 3124924"/>
+                  <a:gd name="connsiteX0" fmla="*/ 0 w 4871557"/>
+                  <a:gd name="connsiteY0" fmla="*/ 3124924 h 3124924"/>
+                  <a:gd name="connsiteX1" fmla="*/ 891862 w 4871557"/>
+                  <a:gd name="connsiteY1" fmla="*/ 1363737 h 3124924"/>
+                  <a:gd name="connsiteX2" fmla="*/ 2721366 w 4871557"/>
+                  <a:gd name="connsiteY2" fmla="*/ 292984 h 3124924"/>
+                  <a:gd name="connsiteX3" fmla="*/ 4871557 w 4871557"/>
+                  <a:gd name="connsiteY3" fmla="*/ 0 h 3124924"/>
+                  <a:gd name="connsiteX0" fmla="*/ 0 w 4871557"/>
+                  <a:gd name="connsiteY0" fmla="*/ 3124924 h 3124924"/>
+                  <a:gd name="connsiteX1" fmla="*/ 891862 w 4871557"/>
+                  <a:gd name="connsiteY1" fmla="*/ 1363737 h 3124924"/>
+                  <a:gd name="connsiteX2" fmla="*/ 2721366 w 4871557"/>
+                  <a:gd name="connsiteY2" fmla="*/ 292984 h 3124924"/>
+                  <a:gd name="connsiteX3" fmla="*/ 4871557 w 4871557"/>
+                  <a:gd name="connsiteY3" fmla="*/ 0 h 3124924"/>
+                  <a:gd name="connsiteX0" fmla="*/ 0 w 4871557"/>
+                  <a:gd name="connsiteY0" fmla="*/ 3124924 h 3124924"/>
+                  <a:gd name="connsiteX1" fmla="*/ 891862 w 4871557"/>
+                  <a:gd name="connsiteY1" fmla="*/ 1363737 h 3124924"/>
+                  <a:gd name="connsiteX2" fmla="*/ 2721366 w 4871557"/>
+                  <a:gd name="connsiteY2" fmla="*/ 292984 h 3124924"/>
+                  <a:gd name="connsiteX3" fmla="*/ 4871557 w 4871557"/>
+                  <a:gd name="connsiteY3" fmla="*/ 0 h 3124924"/>
+                  <a:gd name="connsiteX0" fmla="*/ 0 w 4861932"/>
+                  <a:gd name="connsiteY0" fmla="*/ 3153800 h 3153800"/>
+                  <a:gd name="connsiteX1" fmla="*/ 891862 w 4861932"/>
+                  <a:gd name="connsiteY1" fmla="*/ 1392613 h 3153800"/>
+                  <a:gd name="connsiteX2" fmla="*/ 2721366 w 4861932"/>
+                  <a:gd name="connsiteY2" fmla="*/ 321860 h 3153800"/>
+                  <a:gd name="connsiteX3" fmla="*/ 4861932 w 4861932"/>
+                  <a:gd name="connsiteY3" fmla="*/ 0 h 3153800"/>
+                  <a:gd name="connsiteX0" fmla="*/ 0 w 4861932"/>
+                  <a:gd name="connsiteY0" fmla="*/ 3153800 h 3153800"/>
+                  <a:gd name="connsiteX1" fmla="*/ 891862 w 4861932"/>
+                  <a:gd name="connsiteY1" fmla="*/ 1392613 h 3153800"/>
+                  <a:gd name="connsiteX2" fmla="*/ 2721366 w 4861932"/>
+                  <a:gd name="connsiteY2" fmla="*/ 321860 h 3153800"/>
+                  <a:gd name="connsiteX3" fmla="*/ 4861932 w 4861932"/>
+                  <a:gd name="connsiteY3" fmla="*/ 0 h 3153800"/>
+                </a:gdLst>
+                <a:ahLst/>
+                <a:cxnLst>
+                  <a:cxn ang="0">
+                    <a:pos x="connsiteX0" y="connsiteY0"/>
+                  </a:cxn>
+                  <a:cxn ang="0">
+                    <a:pos x="connsiteX1" y="connsiteY1"/>
+                  </a:cxn>
+                  <a:cxn ang="0">
+                    <a:pos x="connsiteX2" y="connsiteY2"/>
+                  </a:cxn>
+                  <a:cxn ang="0">
+                    <a:pos x="connsiteX3" y="connsiteY3"/>
+                  </a:cxn>
+                </a:cxnLst>
+                <a:rect l="l" t="t" r="r" b="b"/>
+                <a:pathLst>
+                  <a:path w="4861932" h="3153800">
+                    <a:moveTo>
+                      <a:pt x="0" y="3153800"/>
+                    </a:moveTo>
+                    <a:cubicBezTo>
+                      <a:pt x="99636" y="2394500"/>
+                      <a:pt x="457551" y="1816477"/>
+                      <a:pt x="891862" y="1392613"/>
+                    </a:cubicBezTo>
+                    <a:cubicBezTo>
+                      <a:pt x="1326173" y="968749"/>
+                      <a:pt x="1989103" y="622943"/>
+                      <a:pt x="2721366" y="321860"/>
+                    </a:cubicBezTo>
+                    <a:cubicBezTo>
+                      <a:pt x="3540257" y="40027"/>
+                      <a:pt x="4201095" y="34451"/>
+                      <a:pt x="4861932" y="0"/>
+                    </a:cubicBezTo>
+                  </a:path>
+                </a:pathLst>
+              </a:custGeom>
+              <a:noFill/>
+              <a:ln w="38100">
+                <a:solidFill>
+                  <a:schemeClr val="tx1"/>
+                </a:solidFill>
+              </a:ln>
+            </p:spPr>
+            <p:style>
+              <a:lnRef idx="2">
+                <a:schemeClr val="accent1">
+                  <a:shade val="50000"/>
+                </a:schemeClr>
+              </a:lnRef>
+              <a:fillRef idx="1">
+                <a:schemeClr val="accent1"/>
+              </a:fillRef>
+              <a:effectRef idx="0">
+                <a:schemeClr val="accent1"/>
+              </a:effectRef>
+              <a:fontRef idx="minor">
+                <a:schemeClr val="lt1"/>
+              </a:fontRef>
+            </p:style>
+            <p:txBody>
+              <a:bodyPr rtlCol="0" anchor="ctr"/>
+              <a:lstStyle/>
+              <a:p>
+                <a:pPr algn="ctr"/>
+                <a:endParaRPr lang="en-US"/>
+              </a:p>
+            </p:txBody>
+          </p:sp>
+          <p:sp>
+            <p:nvSpPr>
+              <p:cNvPr id="166" name="Freeform 165">
+                <a:extLst>
+                  <a:ext uri="{FF2B5EF4-FFF2-40B4-BE49-F238E27FC236}">
+                    <a16:creationId xmlns:a16="http://schemas.microsoft.com/office/drawing/2014/main" id="{D5D0C132-A0EC-2578-FB1D-81FED6A9954C}"/>
+                  </a:ext>
+                </a:extLst>
+              </p:cNvPr>
+              <p:cNvSpPr/>
+              <p:nvPr/>
+            </p:nvSpPr>
+            <p:spPr>
+              <a:xfrm flipV="1">
+                <a:off x="9255512" y="11030552"/>
+                <a:ext cx="4973692" cy="3265560"/>
+              </a:xfrm>
+              <a:custGeom>
+                <a:avLst/>
+                <a:gdLst>
+                  <a:gd name="connsiteX0" fmla="*/ 0 w 4861932"/>
+                  <a:gd name="connsiteY0" fmla="*/ 3211551 h 3211551"/>
+                  <a:gd name="connsiteX1" fmla="*/ 468351 w 4861932"/>
+                  <a:gd name="connsiteY1" fmla="*/ 1806498 h 3211551"/>
+                  <a:gd name="connsiteX2" fmla="*/ 2653990 w 4861932"/>
+                  <a:gd name="connsiteY2" fmla="*/ 312234 h 3211551"/>
+                  <a:gd name="connsiteX3" fmla="*/ 4861932 w 4861932"/>
+                  <a:gd name="connsiteY3" fmla="*/ 0 h 3211551"/>
+                  <a:gd name="connsiteX0" fmla="*/ 0 w 4861932"/>
+                  <a:gd name="connsiteY0" fmla="*/ 3211551 h 3211551"/>
+                  <a:gd name="connsiteX1" fmla="*/ 651231 w 4861932"/>
+                  <a:gd name="connsiteY1" fmla="*/ 1690995 h 3211551"/>
+                  <a:gd name="connsiteX2" fmla="*/ 2653990 w 4861932"/>
+                  <a:gd name="connsiteY2" fmla="*/ 312234 h 3211551"/>
+                  <a:gd name="connsiteX3" fmla="*/ 4861932 w 4861932"/>
+                  <a:gd name="connsiteY3" fmla="*/ 0 h 3211551"/>
+                  <a:gd name="connsiteX0" fmla="*/ 0 w 4861932"/>
+                  <a:gd name="connsiteY0" fmla="*/ 3211551 h 3211551"/>
+                  <a:gd name="connsiteX1" fmla="*/ 651231 w 4861932"/>
+                  <a:gd name="connsiteY1" fmla="*/ 1690995 h 3211551"/>
+                  <a:gd name="connsiteX2" fmla="*/ 2721366 w 4861932"/>
+                  <a:gd name="connsiteY2" fmla="*/ 379611 h 3211551"/>
+                  <a:gd name="connsiteX3" fmla="*/ 4861932 w 4861932"/>
+                  <a:gd name="connsiteY3" fmla="*/ 0 h 3211551"/>
+                  <a:gd name="connsiteX0" fmla="*/ 0 w 4871557"/>
+                  <a:gd name="connsiteY0" fmla="*/ 3124924 h 3124924"/>
+                  <a:gd name="connsiteX1" fmla="*/ 651231 w 4871557"/>
+                  <a:gd name="connsiteY1" fmla="*/ 1604368 h 3124924"/>
+                  <a:gd name="connsiteX2" fmla="*/ 2721366 w 4871557"/>
+                  <a:gd name="connsiteY2" fmla="*/ 292984 h 3124924"/>
+                  <a:gd name="connsiteX3" fmla="*/ 4871557 w 4871557"/>
+                  <a:gd name="connsiteY3" fmla="*/ 0 h 3124924"/>
+                  <a:gd name="connsiteX0" fmla="*/ 0 w 4871557"/>
+                  <a:gd name="connsiteY0" fmla="*/ 3124924 h 3124924"/>
+                  <a:gd name="connsiteX1" fmla="*/ 651231 w 4871557"/>
+                  <a:gd name="connsiteY1" fmla="*/ 1604368 h 3124924"/>
+                  <a:gd name="connsiteX2" fmla="*/ 2721366 w 4871557"/>
+                  <a:gd name="connsiteY2" fmla="*/ 292984 h 3124924"/>
+                  <a:gd name="connsiteX3" fmla="*/ 4871557 w 4871557"/>
+                  <a:gd name="connsiteY3" fmla="*/ 0 h 3124924"/>
+                  <a:gd name="connsiteX0" fmla="*/ 0 w 4871557"/>
+                  <a:gd name="connsiteY0" fmla="*/ 3124924 h 3124924"/>
+                  <a:gd name="connsiteX1" fmla="*/ 651231 w 4871557"/>
+                  <a:gd name="connsiteY1" fmla="*/ 1604368 h 3124924"/>
+                  <a:gd name="connsiteX2" fmla="*/ 2721366 w 4871557"/>
+                  <a:gd name="connsiteY2" fmla="*/ 292984 h 3124924"/>
+                  <a:gd name="connsiteX3" fmla="*/ 4871557 w 4871557"/>
+                  <a:gd name="connsiteY3" fmla="*/ 0 h 3124924"/>
+                  <a:gd name="connsiteX0" fmla="*/ 0 w 4871557"/>
+                  <a:gd name="connsiteY0" fmla="*/ 3124924 h 3124924"/>
+                  <a:gd name="connsiteX1" fmla="*/ 651231 w 4871557"/>
+                  <a:gd name="connsiteY1" fmla="*/ 1604368 h 3124924"/>
+                  <a:gd name="connsiteX2" fmla="*/ 2721366 w 4871557"/>
+                  <a:gd name="connsiteY2" fmla="*/ 292984 h 3124924"/>
+                  <a:gd name="connsiteX3" fmla="*/ 4871557 w 4871557"/>
+                  <a:gd name="connsiteY3" fmla="*/ 0 h 3124924"/>
+                  <a:gd name="connsiteX0" fmla="*/ 0 w 4871557"/>
+                  <a:gd name="connsiteY0" fmla="*/ 3124924 h 3124924"/>
+                  <a:gd name="connsiteX1" fmla="*/ 843736 w 4871557"/>
+                  <a:gd name="connsiteY1" fmla="*/ 1459989 h 3124924"/>
+                  <a:gd name="connsiteX2" fmla="*/ 2721366 w 4871557"/>
+                  <a:gd name="connsiteY2" fmla="*/ 292984 h 3124924"/>
+                  <a:gd name="connsiteX3" fmla="*/ 4871557 w 4871557"/>
+                  <a:gd name="connsiteY3" fmla="*/ 0 h 3124924"/>
+                  <a:gd name="connsiteX0" fmla="*/ 0 w 4871557"/>
+                  <a:gd name="connsiteY0" fmla="*/ 3124924 h 3124924"/>
+                  <a:gd name="connsiteX1" fmla="*/ 843736 w 4871557"/>
+                  <a:gd name="connsiteY1" fmla="*/ 1459989 h 3124924"/>
+                  <a:gd name="connsiteX2" fmla="*/ 2721366 w 4871557"/>
+                  <a:gd name="connsiteY2" fmla="*/ 292984 h 3124924"/>
+                  <a:gd name="connsiteX3" fmla="*/ 4871557 w 4871557"/>
+                  <a:gd name="connsiteY3" fmla="*/ 0 h 3124924"/>
+                  <a:gd name="connsiteX0" fmla="*/ 0 w 4871557"/>
+                  <a:gd name="connsiteY0" fmla="*/ 3124924 h 3124924"/>
+                  <a:gd name="connsiteX1" fmla="*/ 891862 w 4871557"/>
+                  <a:gd name="connsiteY1" fmla="*/ 1363737 h 3124924"/>
+                  <a:gd name="connsiteX2" fmla="*/ 2721366 w 4871557"/>
+                  <a:gd name="connsiteY2" fmla="*/ 292984 h 3124924"/>
+                  <a:gd name="connsiteX3" fmla="*/ 4871557 w 4871557"/>
+                  <a:gd name="connsiteY3" fmla="*/ 0 h 3124924"/>
+                  <a:gd name="connsiteX0" fmla="*/ 0 w 4871557"/>
+                  <a:gd name="connsiteY0" fmla="*/ 3124924 h 3124924"/>
+                  <a:gd name="connsiteX1" fmla="*/ 891862 w 4871557"/>
+                  <a:gd name="connsiteY1" fmla="*/ 1363737 h 3124924"/>
+                  <a:gd name="connsiteX2" fmla="*/ 2721366 w 4871557"/>
+                  <a:gd name="connsiteY2" fmla="*/ 292984 h 3124924"/>
+                  <a:gd name="connsiteX3" fmla="*/ 4871557 w 4871557"/>
+                  <a:gd name="connsiteY3" fmla="*/ 0 h 3124924"/>
+                  <a:gd name="connsiteX0" fmla="*/ 0 w 4871557"/>
+                  <a:gd name="connsiteY0" fmla="*/ 3124924 h 3124924"/>
+                  <a:gd name="connsiteX1" fmla="*/ 891862 w 4871557"/>
+                  <a:gd name="connsiteY1" fmla="*/ 1363737 h 3124924"/>
+                  <a:gd name="connsiteX2" fmla="*/ 2721366 w 4871557"/>
+                  <a:gd name="connsiteY2" fmla="*/ 292984 h 3124924"/>
+                  <a:gd name="connsiteX3" fmla="*/ 4871557 w 4871557"/>
+                  <a:gd name="connsiteY3" fmla="*/ 0 h 3124924"/>
+                  <a:gd name="connsiteX0" fmla="*/ 0 w 4861932"/>
+                  <a:gd name="connsiteY0" fmla="*/ 3153800 h 3153800"/>
+                  <a:gd name="connsiteX1" fmla="*/ 891862 w 4861932"/>
+                  <a:gd name="connsiteY1" fmla="*/ 1392613 h 3153800"/>
+                  <a:gd name="connsiteX2" fmla="*/ 2721366 w 4861932"/>
+                  <a:gd name="connsiteY2" fmla="*/ 321860 h 3153800"/>
+                  <a:gd name="connsiteX3" fmla="*/ 4861932 w 4861932"/>
+                  <a:gd name="connsiteY3" fmla="*/ 0 h 3153800"/>
+                  <a:gd name="connsiteX0" fmla="*/ 0 w 4861932"/>
+                  <a:gd name="connsiteY0" fmla="*/ 3153800 h 3153800"/>
+                  <a:gd name="connsiteX1" fmla="*/ 891862 w 4861932"/>
+                  <a:gd name="connsiteY1" fmla="*/ 1392613 h 3153800"/>
+                  <a:gd name="connsiteX2" fmla="*/ 2721366 w 4861932"/>
+                  <a:gd name="connsiteY2" fmla="*/ 321860 h 3153800"/>
+                  <a:gd name="connsiteX3" fmla="*/ 4861932 w 4861932"/>
+                  <a:gd name="connsiteY3" fmla="*/ 0 h 3153800"/>
+                </a:gdLst>
+                <a:ahLst/>
+                <a:cxnLst>
+                  <a:cxn ang="0">
+                    <a:pos x="connsiteX0" y="connsiteY0"/>
+                  </a:cxn>
+                  <a:cxn ang="0">
+                    <a:pos x="connsiteX1" y="connsiteY1"/>
+                  </a:cxn>
+                  <a:cxn ang="0">
+                    <a:pos x="connsiteX2" y="connsiteY2"/>
+                  </a:cxn>
+                  <a:cxn ang="0">
+                    <a:pos x="connsiteX3" y="connsiteY3"/>
+                  </a:cxn>
+                </a:cxnLst>
+                <a:rect l="l" t="t" r="r" b="b"/>
+                <a:pathLst>
+                  <a:path w="4861932" h="3153800">
+                    <a:moveTo>
+                      <a:pt x="0" y="3153800"/>
+                    </a:moveTo>
+                    <a:cubicBezTo>
+                      <a:pt x="99636" y="2394500"/>
+                      <a:pt x="457551" y="1816477"/>
+                      <a:pt x="891862" y="1392613"/>
+                    </a:cubicBezTo>
+                    <a:cubicBezTo>
+                      <a:pt x="1326173" y="968749"/>
+                      <a:pt x="1989103" y="622943"/>
+                      <a:pt x="2721366" y="321860"/>
+                    </a:cubicBezTo>
+                    <a:cubicBezTo>
+                      <a:pt x="3540257" y="40027"/>
+                      <a:pt x="4201095" y="34451"/>
+                      <a:pt x="4861932" y="0"/>
+                    </a:cubicBezTo>
+                  </a:path>
+                </a:pathLst>
+              </a:custGeom>
+              <a:noFill/>
+              <a:ln w="38100">
+                <a:solidFill>
+                  <a:schemeClr val="tx1"/>
+                </a:solidFill>
+              </a:ln>
+            </p:spPr>
+            <p:style>
+              <a:lnRef idx="2">
+                <a:schemeClr val="accent1">
+                  <a:shade val="50000"/>
+                </a:schemeClr>
+              </a:lnRef>
+              <a:fillRef idx="1">
+                <a:schemeClr val="accent1"/>
+              </a:fillRef>
+              <a:effectRef idx="0">
+                <a:schemeClr val="accent1"/>
+              </a:effectRef>
+              <a:fontRef idx="minor">
+                <a:schemeClr val="lt1"/>
+              </a:fontRef>
+            </p:style>
+            <p:txBody>
+              <a:bodyPr rtlCol="0" anchor="ctr"/>
+              <a:lstStyle/>
+              <a:p>
+                <a:pPr algn="ctr"/>
+                <a:endParaRPr lang="en-US"/>
+              </a:p>
+            </p:txBody>
+          </p:sp>
+          <p:sp>
+            <p:nvSpPr>
+              <p:cNvPr id="167" name="Freeform 166">
+                <a:extLst>
+                  <a:ext uri="{FF2B5EF4-FFF2-40B4-BE49-F238E27FC236}">
+                    <a16:creationId xmlns:a16="http://schemas.microsoft.com/office/drawing/2014/main" id="{FB90D0FD-7A1C-D1EF-11FF-D3F975E81632}"/>
+                  </a:ext>
+                </a:extLst>
+              </p:cNvPr>
+              <p:cNvSpPr/>
+              <p:nvPr/>
+            </p:nvSpPr>
+            <p:spPr>
+              <a:xfrm>
+                <a:off x="9251256" y="11570304"/>
+                <a:ext cx="5039681" cy="2589264"/>
+              </a:xfrm>
+              <a:custGeom>
+                <a:avLst/>
+                <a:gdLst>
+                  <a:gd name="connsiteX0" fmla="*/ 0 w 4861932"/>
+                  <a:gd name="connsiteY0" fmla="*/ 3211551 h 3211551"/>
+                  <a:gd name="connsiteX1" fmla="*/ 468351 w 4861932"/>
+                  <a:gd name="connsiteY1" fmla="*/ 1806498 h 3211551"/>
+                  <a:gd name="connsiteX2" fmla="*/ 2653990 w 4861932"/>
+                  <a:gd name="connsiteY2" fmla="*/ 312234 h 3211551"/>
+                  <a:gd name="connsiteX3" fmla="*/ 4861932 w 4861932"/>
+                  <a:gd name="connsiteY3" fmla="*/ 0 h 3211551"/>
+                  <a:gd name="connsiteX0" fmla="*/ 0 w 4861932"/>
+                  <a:gd name="connsiteY0" fmla="*/ 3211551 h 3211551"/>
+                  <a:gd name="connsiteX1" fmla="*/ 651231 w 4861932"/>
+                  <a:gd name="connsiteY1" fmla="*/ 1690995 h 3211551"/>
+                  <a:gd name="connsiteX2" fmla="*/ 2653990 w 4861932"/>
+                  <a:gd name="connsiteY2" fmla="*/ 312234 h 3211551"/>
+                  <a:gd name="connsiteX3" fmla="*/ 4861932 w 4861932"/>
+                  <a:gd name="connsiteY3" fmla="*/ 0 h 3211551"/>
+                  <a:gd name="connsiteX0" fmla="*/ 0 w 4861932"/>
+                  <a:gd name="connsiteY0" fmla="*/ 3211551 h 3211551"/>
+                  <a:gd name="connsiteX1" fmla="*/ 651231 w 4861932"/>
+                  <a:gd name="connsiteY1" fmla="*/ 1690995 h 3211551"/>
+                  <a:gd name="connsiteX2" fmla="*/ 2721366 w 4861932"/>
+                  <a:gd name="connsiteY2" fmla="*/ 379611 h 3211551"/>
+                  <a:gd name="connsiteX3" fmla="*/ 4861932 w 4861932"/>
+                  <a:gd name="connsiteY3" fmla="*/ 0 h 3211551"/>
+                  <a:gd name="connsiteX0" fmla="*/ 0 w 4871557"/>
+                  <a:gd name="connsiteY0" fmla="*/ 3124924 h 3124924"/>
+                  <a:gd name="connsiteX1" fmla="*/ 651231 w 4871557"/>
+                  <a:gd name="connsiteY1" fmla="*/ 1604368 h 3124924"/>
+                  <a:gd name="connsiteX2" fmla="*/ 2721366 w 4871557"/>
+                  <a:gd name="connsiteY2" fmla="*/ 292984 h 3124924"/>
+                  <a:gd name="connsiteX3" fmla="*/ 4871557 w 4871557"/>
+                  <a:gd name="connsiteY3" fmla="*/ 0 h 3124924"/>
+                  <a:gd name="connsiteX0" fmla="*/ 0 w 4871557"/>
+                  <a:gd name="connsiteY0" fmla="*/ 3124924 h 3124924"/>
+                  <a:gd name="connsiteX1" fmla="*/ 651231 w 4871557"/>
+                  <a:gd name="connsiteY1" fmla="*/ 1604368 h 3124924"/>
+                  <a:gd name="connsiteX2" fmla="*/ 2721366 w 4871557"/>
+                  <a:gd name="connsiteY2" fmla="*/ 292984 h 3124924"/>
+                  <a:gd name="connsiteX3" fmla="*/ 4871557 w 4871557"/>
+                  <a:gd name="connsiteY3" fmla="*/ 0 h 3124924"/>
+                  <a:gd name="connsiteX0" fmla="*/ 0 w 4871557"/>
+                  <a:gd name="connsiteY0" fmla="*/ 3124924 h 3124924"/>
+                  <a:gd name="connsiteX1" fmla="*/ 651231 w 4871557"/>
+                  <a:gd name="connsiteY1" fmla="*/ 1604368 h 3124924"/>
+                  <a:gd name="connsiteX2" fmla="*/ 2721366 w 4871557"/>
+                  <a:gd name="connsiteY2" fmla="*/ 292984 h 3124924"/>
+                  <a:gd name="connsiteX3" fmla="*/ 4871557 w 4871557"/>
+                  <a:gd name="connsiteY3" fmla="*/ 0 h 3124924"/>
+                  <a:gd name="connsiteX0" fmla="*/ 0 w 4871557"/>
+                  <a:gd name="connsiteY0" fmla="*/ 3124924 h 3124924"/>
+                  <a:gd name="connsiteX1" fmla="*/ 651231 w 4871557"/>
+                  <a:gd name="connsiteY1" fmla="*/ 1604368 h 3124924"/>
+                  <a:gd name="connsiteX2" fmla="*/ 2721366 w 4871557"/>
+                  <a:gd name="connsiteY2" fmla="*/ 292984 h 3124924"/>
+                  <a:gd name="connsiteX3" fmla="*/ 4871557 w 4871557"/>
+                  <a:gd name="connsiteY3" fmla="*/ 0 h 3124924"/>
+                  <a:gd name="connsiteX0" fmla="*/ 0 w 4871557"/>
+                  <a:gd name="connsiteY0" fmla="*/ 3124924 h 3124924"/>
+                  <a:gd name="connsiteX1" fmla="*/ 843736 w 4871557"/>
+                  <a:gd name="connsiteY1" fmla="*/ 1459989 h 3124924"/>
+                  <a:gd name="connsiteX2" fmla="*/ 2721366 w 4871557"/>
+                  <a:gd name="connsiteY2" fmla="*/ 292984 h 3124924"/>
+                  <a:gd name="connsiteX3" fmla="*/ 4871557 w 4871557"/>
+                  <a:gd name="connsiteY3" fmla="*/ 0 h 3124924"/>
+                  <a:gd name="connsiteX0" fmla="*/ 0 w 4871557"/>
+                  <a:gd name="connsiteY0" fmla="*/ 3124924 h 3124924"/>
+                  <a:gd name="connsiteX1" fmla="*/ 843736 w 4871557"/>
+                  <a:gd name="connsiteY1" fmla="*/ 1459989 h 3124924"/>
+                  <a:gd name="connsiteX2" fmla="*/ 2721366 w 4871557"/>
+                  <a:gd name="connsiteY2" fmla="*/ 292984 h 3124924"/>
+                  <a:gd name="connsiteX3" fmla="*/ 4871557 w 4871557"/>
+                  <a:gd name="connsiteY3" fmla="*/ 0 h 3124924"/>
+                  <a:gd name="connsiteX0" fmla="*/ 0 w 4871557"/>
+                  <a:gd name="connsiteY0" fmla="*/ 3124924 h 3124924"/>
+                  <a:gd name="connsiteX1" fmla="*/ 891862 w 4871557"/>
+                  <a:gd name="connsiteY1" fmla="*/ 1363737 h 3124924"/>
+                  <a:gd name="connsiteX2" fmla="*/ 2721366 w 4871557"/>
+                  <a:gd name="connsiteY2" fmla="*/ 292984 h 3124924"/>
+                  <a:gd name="connsiteX3" fmla="*/ 4871557 w 4871557"/>
+                  <a:gd name="connsiteY3" fmla="*/ 0 h 3124924"/>
+                  <a:gd name="connsiteX0" fmla="*/ 0 w 4871557"/>
+                  <a:gd name="connsiteY0" fmla="*/ 3124924 h 3124924"/>
+                  <a:gd name="connsiteX1" fmla="*/ 891862 w 4871557"/>
+                  <a:gd name="connsiteY1" fmla="*/ 1363737 h 3124924"/>
+                  <a:gd name="connsiteX2" fmla="*/ 2721366 w 4871557"/>
+                  <a:gd name="connsiteY2" fmla="*/ 292984 h 3124924"/>
+                  <a:gd name="connsiteX3" fmla="*/ 4871557 w 4871557"/>
+                  <a:gd name="connsiteY3" fmla="*/ 0 h 3124924"/>
+                  <a:gd name="connsiteX0" fmla="*/ 0 w 4871557"/>
+                  <a:gd name="connsiteY0" fmla="*/ 3124924 h 3124924"/>
+                  <a:gd name="connsiteX1" fmla="*/ 891862 w 4871557"/>
+                  <a:gd name="connsiteY1" fmla="*/ 1363737 h 3124924"/>
+                  <a:gd name="connsiteX2" fmla="*/ 2721366 w 4871557"/>
+                  <a:gd name="connsiteY2" fmla="*/ 292984 h 3124924"/>
+                  <a:gd name="connsiteX3" fmla="*/ 4871557 w 4871557"/>
+                  <a:gd name="connsiteY3" fmla="*/ 0 h 3124924"/>
+                  <a:gd name="connsiteX0" fmla="*/ 0 w 4861932"/>
+                  <a:gd name="connsiteY0" fmla="*/ 3153800 h 3153800"/>
+                  <a:gd name="connsiteX1" fmla="*/ 891862 w 4861932"/>
+                  <a:gd name="connsiteY1" fmla="*/ 1392613 h 3153800"/>
+                  <a:gd name="connsiteX2" fmla="*/ 2721366 w 4861932"/>
+                  <a:gd name="connsiteY2" fmla="*/ 321860 h 3153800"/>
+                  <a:gd name="connsiteX3" fmla="*/ 4861932 w 4861932"/>
+                  <a:gd name="connsiteY3" fmla="*/ 0 h 3153800"/>
+                  <a:gd name="connsiteX0" fmla="*/ 0 w 4861932"/>
+                  <a:gd name="connsiteY0" fmla="*/ 3153800 h 3153800"/>
+                  <a:gd name="connsiteX1" fmla="*/ 891862 w 4861932"/>
+                  <a:gd name="connsiteY1" fmla="*/ 1392613 h 3153800"/>
+                  <a:gd name="connsiteX2" fmla="*/ 2721366 w 4861932"/>
+                  <a:gd name="connsiteY2" fmla="*/ 321860 h 3153800"/>
+                  <a:gd name="connsiteX3" fmla="*/ 4861932 w 4861932"/>
+                  <a:gd name="connsiteY3" fmla="*/ 0 h 3153800"/>
+                  <a:gd name="connsiteX0" fmla="*/ 0 w 4861932"/>
+                  <a:gd name="connsiteY0" fmla="*/ 3153800 h 3153800"/>
+                  <a:gd name="connsiteX1" fmla="*/ 891862 w 4861932"/>
+                  <a:gd name="connsiteY1" fmla="*/ 1392613 h 3153800"/>
+                  <a:gd name="connsiteX2" fmla="*/ 2284486 w 4861932"/>
+                  <a:gd name="connsiteY2" fmla="*/ 514900 h 3153800"/>
+                  <a:gd name="connsiteX3" fmla="*/ 4861932 w 4861932"/>
+                  <a:gd name="connsiteY3" fmla="*/ 0 h 3153800"/>
+                  <a:gd name="connsiteX0" fmla="*/ 0 w 4994012"/>
+                  <a:gd name="connsiteY0" fmla="*/ 2666303 h 2666303"/>
+                  <a:gd name="connsiteX1" fmla="*/ 891862 w 4994012"/>
+                  <a:gd name="connsiteY1" fmla="*/ 905116 h 2666303"/>
+                  <a:gd name="connsiteX2" fmla="*/ 2284486 w 4994012"/>
+                  <a:gd name="connsiteY2" fmla="*/ 27403 h 2666303"/>
+                  <a:gd name="connsiteX3" fmla="*/ 4994012 w 4994012"/>
+                  <a:gd name="connsiteY3" fmla="*/ 1696903 h 2666303"/>
+                  <a:gd name="connsiteX0" fmla="*/ 0 w 4994012"/>
+                  <a:gd name="connsiteY0" fmla="*/ 2616159 h 2616159"/>
+                  <a:gd name="connsiteX1" fmla="*/ 891862 w 4994012"/>
+                  <a:gd name="connsiteY1" fmla="*/ 854972 h 2616159"/>
+                  <a:gd name="connsiteX2" fmla="*/ 2416566 w 4994012"/>
+                  <a:gd name="connsiteY2" fmla="*/ 28059 h 2616159"/>
+                  <a:gd name="connsiteX3" fmla="*/ 4994012 w 4994012"/>
+                  <a:gd name="connsiteY3" fmla="*/ 1646759 h 2616159"/>
+                  <a:gd name="connsiteX0" fmla="*/ 0 w 4994012"/>
+                  <a:gd name="connsiteY0" fmla="*/ 2609329 h 2609329"/>
+                  <a:gd name="connsiteX1" fmla="*/ 891862 w 4994012"/>
+                  <a:gd name="connsiteY1" fmla="*/ 848142 h 2609329"/>
+                  <a:gd name="connsiteX2" fmla="*/ 2416566 w 4994012"/>
+                  <a:gd name="connsiteY2" fmla="*/ 21229 h 2609329"/>
+                  <a:gd name="connsiteX3" fmla="*/ 4994012 w 4994012"/>
+                  <a:gd name="connsiteY3" fmla="*/ 1639929 h 2609329"/>
+                  <a:gd name="connsiteX0" fmla="*/ 0 w 4994012"/>
+                  <a:gd name="connsiteY0" fmla="*/ 2609329 h 2609329"/>
+                  <a:gd name="connsiteX1" fmla="*/ 891862 w 4994012"/>
+                  <a:gd name="connsiteY1" fmla="*/ 848142 h 2609329"/>
+                  <a:gd name="connsiteX2" fmla="*/ 2416566 w 4994012"/>
+                  <a:gd name="connsiteY2" fmla="*/ 21229 h 2609329"/>
+                  <a:gd name="connsiteX3" fmla="*/ 4994012 w 4994012"/>
+                  <a:gd name="connsiteY3" fmla="*/ 1639929 h 2609329"/>
+                  <a:gd name="connsiteX0" fmla="*/ 0 w 4994012"/>
+                  <a:gd name="connsiteY0" fmla="*/ 2598633 h 2598633"/>
+                  <a:gd name="connsiteX1" fmla="*/ 891862 w 4994012"/>
+                  <a:gd name="connsiteY1" fmla="*/ 837446 h 2598633"/>
+                  <a:gd name="connsiteX2" fmla="*/ 2416566 w 4994012"/>
+                  <a:gd name="connsiteY2" fmla="*/ 10533 h 2598633"/>
+                  <a:gd name="connsiteX3" fmla="*/ 3596114 w 4994012"/>
+                  <a:gd name="connsiteY3" fmla="*/ 453652 h 2598633"/>
+                  <a:gd name="connsiteX4" fmla="*/ 4994012 w 4994012"/>
+                  <a:gd name="connsiteY4" fmla="*/ 1629233 h 2598633"/>
+                  <a:gd name="connsiteX0" fmla="*/ 0 w 4994012"/>
+                  <a:gd name="connsiteY0" fmla="*/ 2628149 h 2628149"/>
+                  <a:gd name="connsiteX1" fmla="*/ 891862 w 4994012"/>
+                  <a:gd name="connsiteY1" fmla="*/ 866962 h 2628149"/>
+                  <a:gd name="connsiteX2" fmla="*/ 2243846 w 4994012"/>
+                  <a:gd name="connsiteY2" fmla="*/ 9569 h 2628149"/>
+                  <a:gd name="connsiteX3" fmla="*/ 3596114 w 4994012"/>
+                  <a:gd name="connsiteY3" fmla="*/ 483168 h 2628149"/>
+                  <a:gd name="connsiteX4" fmla="*/ 4994012 w 4994012"/>
+                  <a:gd name="connsiteY4" fmla="*/ 1658749 h 2628149"/>
+                  <a:gd name="connsiteX0" fmla="*/ 0 w 4994012"/>
+                  <a:gd name="connsiteY0" fmla="*/ 2623608 h 2623608"/>
+                  <a:gd name="connsiteX1" fmla="*/ 891862 w 4994012"/>
+                  <a:gd name="connsiteY1" fmla="*/ 862421 h 2623608"/>
+                  <a:gd name="connsiteX2" fmla="*/ 2243846 w 4994012"/>
+                  <a:gd name="connsiteY2" fmla="*/ 5028 h 2623608"/>
+                  <a:gd name="connsiteX3" fmla="*/ 3596114 w 4994012"/>
+                  <a:gd name="connsiteY3" fmla="*/ 478627 h 2623608"/>
+                  <a:gd name="connsiteX4" fmla="*/ 4994012 w 4994012"/>
+                  <a:gd name="connsiteY4" fmla="*/ 1654208 h 2623608"/>
+                  <a:gd name="connsiteX0" fmla="*/ 0 w 4994012"/>
+                  <a:gd name="connsiteY0" fmla="*/ 2624919 h 2624919"/>
+                  <a:gd name="connsiteX1" fmla="*/ 891862 w 4994012"/>
+                  <a:gd name="connsiteY1" fmla="*/ 863732 h 2624919"/>
+                  <a:gd name="connsiteX2" fmla="*/ 2243846 w 4994012"/>
+                  <a:gd name="connsiteY2" fmla="*/ 6339 h 2624919"/>
+                  <a:gd name="connsiteX3" fmla="*/ 3545314 w 4994012"/>
+                  <a:gd name="connsiteY3" fmla="*/ 418978 h 2624919"/>
+                  <a:gd name="connsiteX4" fmla="*/ 4994012 w 4994012"/>
+                  <a:gd name="connsiteY4" fmla="*/ 1655519 h 2624919"/>
+                  <a:gd name="connsiteX0" fmla="*/ 0 w 4994012"/>
+                  <a:gd name="connsiteY0" fmla="*/ 2633271 h 2633271"/>
+                  <a:gd name="connsiteX1" fmla="*/ 891862 w 4994012"/>
+                  <a:gd name="connsiteY1" fmla="*/ 872084 h 2633271"/>
+                  <a:gd name="connsiteX2" fmla="*/ 2243846 w 4994012"/>
+                  <a:gd name="connsiteY2" fmla="*/ 14691 h 2633271"/>
+                  <a:gd name="connsiteX3" fmla="*/ 3545314 w 4994012"/>
+                  <a:gd name="connsiteY3" fmla="*/ 427330 h 2633271"/>
+                  <a:gd name="connsiteX4" fmla="*/ 4994012 w 4994012"/>
+                  <a:gd name="connsiteY4" fmla="*/ 1663871 h 2633271"/>
+                  <a:gd name="connsiteX0" fmla="*/ 0 w 4994012"/>
+                  <a:gd name="connsiteY0" fmla="*/ 2634942 h 2634942"/>
+                  <a:gd name="connsiteX1" fmla="*/ 891862 w 4994012"/>
+                  <a:gd name="connsiteY1" fmla="*/ 873755 h 2634942"/>
+                  <a:gd name="connsiteX2" fmla="*/ 2243846 w 4994012"/>
+                  <a:gd name="connsiteY2" fmla="*/ 16362 h 2634942"/>
+                  <a:gd name="connsiteX3" fmla="*/ 3474194 w 4994012"/>
+                  <a:gd name="connsiteY3" fmla="*/ 398521 h 2634942"/>
+                  <a:gd name="connsiteX4" fmla="*/ 4994012 w 4994012"/>
+                  <a:gd name="connsiteY4" fmla="*/ 1665542 h 2634942"/>
+                  <a:gd name="connsiteX0" fmla="*/ 0 w 4994012"/>
+                  <a:gd name="connsiteY0" fmla="*/ 2637799 h 2637799"/>
+                  <a:gd name="connsiteX1" fmla="*/ 891862 w 4994012"/>
+                  <a:gd name="connsiteY1" fmla="*/ 876612 h 2637799"/>
+                  <a:gd name="connsiteX2" fmla="*/ 2243846 w 4994012"/>
+                  <a:gd name="connsiteY2" fmla="*/ 19219 h 2637799"/>
+                  <a:gd name="connsiteX3" fmla="*/ 3464034 w 4994012"/>
+                  <a:gd name="connsiteY3" fmla="*/ 360738 h 2637799"/>
+                  <a:gd name="connsiteX4" fmla="*/ 4994012 w 4994012"/>
+                  <a:gd name="connsiteY4" fmla="*/ 1668399 h 2637799"/>
+                  <a:gd name="connsiteX0" fmla="*/ 0 w 4994012"/>
+                  <a:gd name="connsiteY0" fmla="*/ 2637799 h 2637799"/>
+                  <a:gd name="connsiteX1" fmla="*/ 891862 w 4994012"/>
+                  <a:gd name="connsiteY1" fmla="*/ 876612 h 2637799"/>
+                  <a:gd name="connsiteX2" fmla="*/ 2243846 w 4994012"/>
+                  <a:gd name="connsiteY2" fmla="*/ 19219 h 2637799"/>
+                  <a:gd name="connsiteX3" fmla="*/ 3464034 w 4994012"/>
+                  <a:gd name="connsiteY3" fmla="*/ 360738 h 2637799"/>
+                  <a:gd name="connsiteX4" fmla="*/ 4994012 w 4994012"/>
+                  <a:gd name="connsiteY4" fmla="*/ 1668399 h 2637799"/>
+                  <a:gd name="connsiteX0" fmla="*/ 0 w 4994012"/>
+                  <a:gd name="connsiteY0" fmla="*/ 2637799 h 2637799"/>
+                  <a:gd name="connsiteX1" fmla="*/ 891862 w 4994012"/>
+                  <a:gd name="connsiteY1" fmla="*/ 876612 h 2637799"/>
+                  <a:gd name="connsiteX2" fmla="*/ 2243846 w 4994012"/>
+                  <a:gd name="connsiteY2" fmla="*/ 19219 h 2637799"/>
+                  <a:gd name="connsiteX3" fmla="*/ 3464034 w 4994012"/>
+                  <a:gd name="connsiteY3" fmla="*/ 360738 h 2637799"/>
+                  <a:gd name="connsiteX4" fmla="*/ 4419074 w 4994012"/>
+                  <a:gd name="connsiteY4" fmla="*/ 1183699 h 2637799"/>
+                  <a:gd name="connsiteX5" fmla="*/ 4994012 w 4994012"/>
+                  <a:gd name="connsiteY5" fmla="*/ 1668399 h 2637799"/>
+                  <a:gd name="connsiteX0" fmla="*/ 0 w 4994012"/>
+                  <a:gd name="connsiteY0" fmla="*/ 2637799 h 2637799"/>
+                  <a:gd name="connsiteX1" fmla="*/ 891862 w 4994012"/>
+                  <a:gd name="connsiteY1" fmla="*/ 876612 h 2637799"/>
+                  <a:gd name="connsiteX2" fmla="*/ 2243846 w 4994012"/>
+                  <a:gd name="connsiteY2" fmla="*/ 19219 h 2637799"/>
+                  <a:gd name="connsiteX3" fmla="*/ 3464034 w 4994012"/>
+                  <a:gd name="connsiteY3" fmla="*/ 360738 h 2637799"/>
+                  <a:gd name="connsiteX4" fmla="*/ 4337794 w 4994012"/>
+                  <a:gd name="connsiteY4" fmla="*/ 1305619 h 2637799"/>
+                  <a:gd name="connsiteX5" fmla="*/ 4994012 w 4994012"/>
+                  <a:gd name="connsiteY5" fmla="*/ 1668399 h 2637799"/>
+                  <a:gd name="connsiteX0" fmla="*/ 0 w 4994012"/>
+                  <a:gd name="connsiteY0" fmla="*/ 2637799 h 2637799"/>
+                  <a:gd name="connsiteX1" fmla="*/ 891862 w 4994012"/>
+                  <a:gd name="connsiteY1" fmla="*/ 876612 h 2637799"/>
+                  <a:gd name="connsiteX2" fmla="*/ 2243846 w 4994012"/>
+                  <a:gd name="connsiteY2" fmla="*/ 19219 h 2637799"/>
+                  <a:gd name="connsiteX3" fmla="*/ 3464034 w 4994012"/>
+                  <a:gd name="connsiteY3" fmla="*/ 360738 h 2637799"/>
+                  <a:gd name="connsiteX4" fmla="*/ 4337794 w 4994012"/>
+                  <a:gd name="connsiteY4" fmla="*/ 1305619 h 2637799"/>
+                  <a:gd name="connsiteX5" fmla="*/ 4994012 w 4994012"/>
+                  <a:gd name="connsiteY5" fmla="*/ 1668399 h 2637799"/>
+                  <a:gd name="connsiteX0" fmla="*/ 0 w 4994012"/>
+                  <a:gd name="connsiteY0" fmla="*/ 2637799 h 2637799"/>
+                  <a:gd name="connsiteX1" fmla="*/ 891862 w 4994012"/>
+                  <a:gd name="connsiteY1" fmla="*/ 876612 h 2637799"/>
+                  <a:gd name="connsiteX2" fmla="*/ 2243846 w 4994012"/>
+                  <a:gd name="connsiteY2" fmla="*/ 19219 h 2637799"/>
+                  <a:gd name="connsiteX3" fmla="*/ 3464034 w 4994012"/>
+                  <a:gd name="connsiteY3" fmla="*/ 360738 h 2637799"/>
+                  <a:gd name="connsiteX4" fmla="*/ 4337794 w 4994012"/>
+                  <a:gd name="connsiteY4" fmla="*/ 1305619 h 2637799"/>
+                  <a:gd name="connsiteX5" fmla="*/ 4994012 w 4994012"/>
+                  <a:gd name="connsiteY5" fmla="*/ 1668399 h 2637799"/>
+                  <a:gd name="connsiteX0" fmla="*/ 0 w 4994012"/>
+                  <a:gd name="connsiteY0" fmla="*/ 2637799 h 2637799"/>
+                  <a:gd name="connsiteX1" fmla="*/ 891862 w 4994012"/>
+                  <a:gd name="connsiteY1" fmla="*/ 876612 h 2637799"/>
+                  <a:gd name="connsiteX2" fmla="*/ 2243846 w 4994012"/>
+                  <a:gd name="connsiteY2" fmla="*/ 19219 h 2637799"/>
+                  <a:gd name="connsiteX3" fmla="*/ 3464034 w 4994012"/>
+                  <a:gd name="connsiteY3" fmla="*/ 360738 h 2637799"/>
+                  <a:gd name="connsiteX4" fmla="*/ 4337794 w 4994012"/>
+                  <a:gd name="connsiteY4" fmla="*/ 1305619 h 2637799"/>
+                  <a:gd name="connsiteX5" fmla="*/ 4994012 w 4994012"/>
+                  <a:gd name="connsiteY5" fmla="*/ 1668399 h 2637799"/>
+                  <a:gd name="connsiteX0" fmla="*/ 0 w 4994012"/>
+                  <a:gd name="connsiteY0" fmla="*/ 2641790 h 2641790"/>
+                  <a:gd name="connsiteX1" fmla="*/ 891862 w 4994012"/>
+                  <a:gd name="connsiteY1" fmla="*/ 880603 h 2641790"/>
+                  <a:gd name="connsiteX2" fmla="*/ 2243846 w 4994012"/>
+                  <a:gd name="connsiteY2" fmla="*/ 23210 h 2641790"/>
+                  <a:gd name="connsiteX3" fmla="*/ 3464034 w 4994012"/>
+                  <a:gd name="connsiteY3" fmla="*/ 364729 h 2641790"/>
+                  <a:gd name="connsiteX4" fmla="*/ 4337794 w 4994012"/>
+                  <a:gd name="connsiteY4" fmla="*/ 1309610 h 2641790"/>
+                  <a:gd name="connsiteX5" fmla="*/ 4994012 w 4994012"/>
+                  <a:gd name="connsiteY5" fmla="*/ 1672390 h 2641790"/>
+                  <a:gd name="connsiteX0" fmla="*/ 0 w 4994012"/>
+                  <a:gd name="connsiteY0" fmla="*/ 2641790 h 2641790"/>
+                  <a:gd name="connsiteX1" fmla="*/ 708982 w 4994012"/>
+                  <a:gd name="connsiteY1" fmla="*/ 982203 h 2641790"/>
+                  <a:gd name="connsiteX2" fmla="*/ 2243846 w 4994012"/>
+                  <a:gd name="connsiteY2" fmla="*/ 23210 h 2641790"/>
+                  <a:gd name="connsiteX3" fmla="*/ 3464034 w 4994012"/>
+                  <a:gd name="connsiteY3" fmla="*/ 364729 h 2641790"/>
+                  <a:gd name="connsiteX4" fmla="*/ 4337794 w 4994012"/>
+                  <a:gd name="connsiteY4" fmla="*/ 1309610 h 2641790"/>
+                  <a:gd name="connsiteX5" fmla="*/ 4994012 w 4994012"/>
+                  <a:gd name="connsiteY5" fmla="*/ 1672390 h 2641790"/>
+                  <a:gd name="connsiteX0" fmla="*/ 0 w 4994012"/>
+                  <a:gd name="connsiteY0" fmla="*/ 2636661 h 2636661"/>
+                  <a:gd name="connsiteX1" fmla="*/ 708982 w 4994012"/>
+                  <a:gd name="connsiteY1" fmla="*/ 977074 h 2636661"/>
+                  <a:gd name="connsiteX2" fmla="*/ 2243846 w 4994012"/>
+                  <a:gd name="connsiteY2" fmla="*/ 18081 h 2636661"/>
+                  <a:gd name="connsiteX3" fmla="*/ 3464034 w 4994012"/>
+                  <a:gd name="connsiteY3" fmla="*/ 359600 h 2636661"/>
+                  <a:gd name="connsiteX4" fmla="*/ 4337794 w 4994012"/>
+                  <a:gd name="connsiteY4" fmla="*/ 1304481 h 2636661"/>
+                  <a:gd name="connsiteX5" fmla="*/ 4994012 w 4994012"/>
+                  <a:gd name="connsiteY5" fmla="*/ 1667261 h 2636661"/>
+                  <a:gd name="connsiteX0" fmla="*/ 0 w 4994012"/>
+                  <a:gd name="connsiteY0" fmla="*/ 2636661 h 2636661"/>
+                  <a:gd name="connsiteX1" fmla="*/ 708982 w 4994012"/>
+                  <a:gd name="connsiteY1" fmla="*/ 977074 h 2636661"/>
+                  <a:gd name="connsiteX2" fmla="*/ 2243846 w 4994012"/>
+                  <a:gd name="connsiteY2" fmla="*/ 18081 h 2636661"/>
+                  <a:gd name="connsiteX3" fmla="*/ 3464034 w 4994012"/>
+                  <a:gd name="connsiteY3" fmla="*/ 359600 h 2636661"/>
+                  <a:gd name="connsiteX4" fmla="*/ 4337794 w 4994012"/>
+                  <a:gd name="connsiteY4" fmla="*/ 1304481 h 2636661"/>
+                  <a:gd name="connsiteX5" fmla="*/ 4994012 w 4994012"/>
+                  <a:gd name="connsiteY5" fmla="*/ 1667261 h 2636661"/>
+                  <a:gd name="connsiteX0" fmla="*/ 0 w 5060270"/>
+                  <a:gd name="connsiteY0" fmla="*/ 2598845 h 2598845"/>
+                  <a:gd name="connsiteX1" fmla="*/ 775240 w 5060270"/>
+                  <a:gd name="connsiteY1" fmla="*/ 977074 h 2598845"/>
+                  <a:gd name="connsiteX2" fmla="*/ 2310104 w 5060270"/>
+                  <a:gd name="connsiteY2" fmla="*/ 18081 h 2598845"/>
+                  <a:gd name="connsiteX3" fmla="*/ 3530292 w 5060270"/>
+                  <a:gd name="connsiteY3" fmla="*/ 359600 h 2598845"/>
+                  <a:gd name="connsiteX4" fmla="*/ 4404052 w 5060270"/>
+                  <a:gd name="connsiteY4" fmla="*/ 1304481 h 2598845"/>
+                  <a:gd name="connsiteX5" fmla="*/ 5060270 w 5060270"/>
+                  <a:gd name="connsiteY5" fmla="*/ 1667261 h 2598845"/>
+                  <a:gd name="connsiteX0" fmla="*/ 0 w 5060270"/>
+                  <a:gd name="connsiteY0" fmla="*/ 2598845 h 2598845"/>
+                  <a:gd name="connsiteX1" fmla="*/ 775240 w 5060270"/>
+                  <a:gd name="connsiteY1" fmla="*/ 977074 h 2598845"/>
+                  <a:gd name="connsiteX2" fmla="*/ 1566704 w 5060270"/>
+                  <a:gd name="connsiteY2" fmla="*/ 323055 h 2598845"/>
+                  <a:gd name="connsiteX3" fmla="*/ 2310104 w 5060270"/>
+                  <a:gd name="connsiteY3" fmla="*/ 18081 h 2598845"/>
+                  <a:gd name="connsiteX4" fmla="*/ 3530292 w 5060270"/>
+                  <a:gd name="connsiteY4" fmla="*/ 359600 h 2598845"/>
+                  <a:gd name="connsiteX5" fmla="*/ 4404052 w 5060270"/>
+                  <a:gd name="connsiteY5" fmla="*/ 1304481 h 2598845"/>
+                  <a:gd name="connsiteX6" fmla="*/ 5060270 w 5060270"/>
+                  <a:gd name="connsiteY6" fmla="*/ 1667261 h 2598845"/>
+                  <a:gd name="connsiteX0" fmla="*/ 0 w 5060270"/>
+                  <a:gd name="connsiteY0" fmla="*/ 2598845 h 2598845"/>
+                  <a:gd name="connsiteX1" fmla="*/ 775240 w 5060270"/>
+                  <a:gd name="connsiteY1" fmla="*/ 977074 h 2598845"/>
+                  <a:gd name="connsiteX2" fmla="*/ 1614711 w 5060270"/>
+                  <a:gd name="connsiteY2" fmla="*/ 347030 h 2598845"/>
+                  <a:gd name="connsiteX3" fmla="*/ 2310104 w 5060270"/>
+                  <a:gd name="connsiteY3" fmla="*/ 18081 h 2598845"/>
+                  <a:gd name="connsiteX4" fmla="*/ 3530292 w 5060270"/>
+                  <a:gd name="connsiteY4" fmla="*/ 359600 h 2598845"/>
+                  <a:gd name="connsiteX5" fmla="*/ 4404052 w 5060270"/>
+                  <a:gd name="connsiteY5" fmla="*/ 1304481 h 2598845"/>
+                  <a:gd name="connsiteX6" fmla="*/ 5060270 w 5060270"/>
+                  <a:gd name="connsiteY6" fmla="*/ 1667261 h 2598845"/>
+                  <a:gd name="connsiteX0" fmla="*/ 0 w 5060270"/>
+                  <a:gd name="connsiteY0" fmla="*/ 2590736 h 2590736"/>
+                  <a:gd name="connsiteX1" fmla="*/ 775240 w 5060270"/>
+                  <a:gd name="connsiteY1" fmla="*/ 968965 h 2590736"/>
+                  <a:gd name="connsiteX2" fmla="*/ 1614711 w 5060270"/>
+                  <a:gd name="connsiteY2" fmla="*/ 338921 h 2590736"/>
+                  <a:gd name="connsiteX3" fmla="*/ 2370112 w 5060270"/>
+                  <a:gd name="connsiteY3" fmla="*/ 15967 h 2590736"/>
+                  <a:gd name="connsiteX4" fmla="*/ 3530292 w 5060270"/>
+                  <a:gd name="connsiteY4" fmla="*/ 351491 h 2590736"/>
+                  <a:gd name="connsiteX5" fmla="*/ 4404052 w 5060270"/>
+                  <a:gd name="connsiteY5" fmla="*/ 1296372 h 2590736"/>
+                  <a:gd name="connsiteX6" fmla="*/ 5060270 w 5060270"/>
+                  <a:gd name="connsiteY6" fmla="*/ 1659152 h 2590736"/>
+                  <a:gd name="connsiteX0" fmla="*/ 0 w 5060270"/>
+                  <a:gd name="connsiteY0" fmla="*/ 2590736 h 2590736"/>
+                  <a:gd name="connsiteX1" fmla="*/ 775240 w 5060270"/>
+                  <a:gd name="connsiteY1" fmla="*/ 968965 h 2590736"/>
+                  <a:gd name="connsiteX2" fmla="*/ 1620711 w 5060270"/>
+                  <a:gd name="connsiteY2" fmla="*/ 308951 h 2590736"/>
+                  <a:gd name="connsiteX3" fmla="*/ 2370112 w 5060270"/>
+                  <a:gd name="connsiteY3" fmla="*/ 15967 h 2590736"/>
+                  <a:gd name="connsiteX4" fmla="*/ 3530292 w 5060270"/>
+                  <a:gd name="connsiteY4" fmla="*/ 351491 h 2590736"/>
+                  <a:gd name="connsiteX5" fmla="*/ 4404052 w 5060270"/>
+                  <a:gd name="connsiteY5" fmla="*/ 1296372 h 2590736"/>
+                  <a:gd name="connsiteX6" fmla="*/ 5060270 w 5060270"/>
+                  <a:gd name="connsiteY6" fmla="*/ 1659152 h 2590736"/>
+                  <a:gd name="connsiteX0" fmla="*/ 0 w 5060270"/>
+                  <a:gd name="connsiteY0" fmla="*/ 2590736 h 2590736"/>
+                  <a:gd name="connsiteX1" fmla="*/ 775240 w 5060270"/>
+                  <a:gd name="connsiteY1" fmla="*/ 968965 h 2590736"/>
+                  <a:gd name="connsiteX2" fmla="*/ 1684882 w 5060270"/>
+                  <a:gd name="connsiteY2" fmla="*/ 289230 h 2590736"/>
+                  <a:gd name="connsiteX3" fmla="*/ 2370112 w 5060270"/>
+                  <a:gd name="connsiteY3" fmla="*/ 15967 h 2590736"/>
+                  <a:gd name="connsiteX4" fmla="*/ 3530292 w 5060270"/>
+                  <a:gd name="connsiteY4" fmla="*/ 351491 h 2590736"/>
+                  <a:gd name="connsiteX5" fmla="*/ 4404052 w 5060270"/>
+                  <a:gd name="connsiteY5" fmla="*/ 1296372 h 2590736"/>
+                  <a:gd name="connsiteX6" fmla="*/ 5060270 w 5060270"/>
+                  <a:gd name="connsiteY6" fmla="*/ 1659152 h 2590736"/>
+                  <a:gd name="connsiteX0" fmla="*/ 0 w 5060270"/>
+                  <a:gd name="connsiteY0" fmla="*/ 2609535 h 2609535"/>
+                  <a:gd name="connsiteX1" fmla="*/ 775240 w 5060270"/>
+                  <a:gd name="connsiteY1" fmla="*/ 987764 h 2609535"/>
+                  <a:gd name="connsiteX2" fmla="*/ 1684882 w 5060270"/>
+                  <a:gd name="connsiteY2" fmla="*/ 308029 h 2609535"/>
+                  <a:gd name="connsiteX3" fmla="*/ 2449092 w 5060270"/>
+                  <a:gd name="connsiteY3" fmla="*/ 15045 h 2609535"/>
+                  <a:gd name="connsiteX4" fmla="*/ 3530292 w 5060270"/>
+                  <a:gd name="connsiteY4" fmla="*/ 370290 h 2609535"/>
+                  <a:gd name="connsiteX5" fmla="*/ 4404052 w 5060270"/>
+                  <a:gd name="connsiteY5" fmla="*/ 1315171 h 2609535"/>
+                  <a:gd name="connsiteX6" fmla="*/ 5060270 w 5060270"/>
+                  <a:gd name="connsiteY6" fmla="*/ 1677951 h 2609535"/>
+                  <a:gd name="connsiteX0" fmla="*/ 0 w 5060270"/>
+                  <a:gd name="connsiteY0" fmla="*/ 2609535 h 2609535"/>
+                  <a:gd name="connsiteX1" fmla="*/ 716006 w 5060270"/>
+                  <a:gd name="connsiteY1" fmla="*/ 1022277 h 2609535"/>
+                  <a:gd name="connsiteX2" fmla="*/ 1684882 w 5060270"/>
+                  <a:gd name="connsiteY2" fmla="*/ 308029 h 2609535"/>
+                  <a:gd name="connsiteX3" fmla="*/ 2449092 w 5060270"/>
+                  <a:gd name="connsiteY3" fmla="*/ 15045 h 2609535"/>
+                  <a:gd name="connsiteX4" fmla="*/ 3530292 w 5060270"/>
+                  <a:gd name="connsiteY4" fmla="*/ 370290 h 2609535"/>
+                  <a:gd name="connsiteX5" fmla="*/ 4404052 w 5060270"/>
+                  <a:gd name="connsiteY5" fmla="*/ 1315171 h 2609535"/>
+                  <a:gd name="connsiteX6" fmla="*/ 5060270 w 5060270"/>
+                  <a:gd name="connsiteY6" fmla="*/ 1677951 h 2609535"/>
+                  <a:gd name="connsiteX0" fmla="*/ 0 w 5060270"/>
+                  <a:gd name="connsiteY0" fmla="*/ 2609535 h 2609535"/>
+                  <a:gd name="connsiteX1" fmla="*/ 716006 w 5060270"/>
+                  <a:gd name="connsiteY1" fmla="*/ 1022277 h 2609535"/>
+                  <a:gd name="connsiteX2" fmla="*/ 1684882 w 5060270"/>
+                  <a:gd name="connsiteY2" fmla="*/ 308029 h 2609535"/>
+                  <a:gd name="connsiteX3" fmla="*/ 2449092 w 5060270"/>
+                  <a:gd name="connsiteY3" fmla="*/ 15045 h 2609535"/>
+                  <a:gd name="connsiteX4" fmla="*/ 3530292 w 5060270"/>
+                  <a:gd name="connsiteY4" fmla="*/ 370290 h 2609535"/>
+                  <a:gd name="connsiteX5" fmla="*/ 4404052 w 5060270"/>
+                  <a:gd name="connsiteY5" fmla="*/ 1315171 h 2609535"/>
+                  <a:gd name="connsiteX6" fmla="*/ 5060270 w 5060270"/>
+                  <a:gd name="connsiteY6" fmla="*/ 1677951 h 2609535"/>
+                  <a:gd name="connsiteX0" fmla="*/ 0 w 5060270"/>
+                  <a:gd name="connsiteY0" fmla="*/ 2609535 h 2609535"/>
+                  <a:gd name="connsiteX1" fmla="*/ 740688 w 5060270"/>
+                  <a:gd name="connsiteY1" fmla="*/ 1012416 h 2609535"/>
+                  <a:gd name="connsiteX2" fmla="*/ 1684882 w 5060270"/>
+                  <a:gd name="connsiteY2" fmla="*/ 308029 h 2609535"/>
+                  <a:gd name="connsiteX3" fmla="*/ 2449092 w 5060270"/>
+                  <a:gd name="connsiteY3" fmla="*/ 15045 h 2609535"/>
+                  <a:gd name="connsiteX4" fmla="*/ 3530292 w 5060270"/>
+                  <a:gd name="connsiteY4" fmla="*/ 370290 h 2609535"/>
+                  <a:gd name="connsiteX5" fmla="*/ 4404052 w 5060270"/>
+                  <a:gd name="connsiteY5" fmla="*/ 1315171 h 2609535"/>
+                  <a:gd name="connsiteX6" fmla="*/ 5060270 w 5060270"/>
+                  <a:gd name="connsiteY6" fmla="*/ 1677951 h 2609535"/>
+                  <a:gd name="connsiteX0" fmla="*/ 0 w 5060270"/>
+                  <a:gd name="connsiteY0" fmla="*/ 2609535 h 2609535"/>
+                  <a:gd name="connsiteX1" fmla="*/ 740688 w 5060270"/>
+                  <a:gd name="connsiteY1" fmla="*/ 1012416 h 2609535"/>
+                  <a:gd name="connsiteX2" fmla="*/ 1684882 w 5060270"/>
+                  <a:gd name="connsiteY2" fmla="*/ 308029 h 2609535"/>
+                  <a:gd name="connsiteX3" fmla="*/ 2449092 w 5060270"/>
+                  <a:gd name="connsiteY3" fmla="*/ 15045 h 2609535"/>
+                  <a:gd name="connsiteX4" fmla="*/ 3530292 w 5060270"/>
+                  <a:gd name="connsiteY4" fmla="*/ 370290 h 2609535"/>
+                  <a:gd name="connsiteX5" fmla="*/ 4404052 w 5060270"/>
+                  <a:gd name="connsiteY5" fmla="*/ 1315171 h 2609535"/>
+                  <a:gd name="connsiteX6" fmla="*/ 5060270 w 5060270"/>
+                  <a:gd name="connsiteY6" fmla="*/ 1677951 h 2609535"/>
+                  <a:gd name="connsiteX0" fmla="*/ 0 w 5060270"/>
+                  <a:gd name="connsiteY0" fmla="*/ 2609535 h 2609535"/>
+                  <a:gd name="connsiteX1" fmla="*/ 740688 w 5060270"/>
+                  <a:gd name="connsiteY1" fmla="*/ 1012416 h 2609535"/>
+                  <a:gd name="connsiteX2" fmla="*/ 1684882 w 5060270"/>
+                  <a:gd name="connsiteY2" fmla="*/ 308029 h 2609535"/>
+                  <a:gd name="connsiteX3" fmla="*/ 2449092 w 5060270"/>
+                  <a:gd name="connsiteY3" fmla="*/ 15045 h 2609535"/>
+                  <a:gd name="connsiteX4" fmla="*/ 3530292 w 5060270"/>
+                  <a:gd name="connsiteY4" fmla="*/ 370290 h 2609535"/>
+                  <a:gd name="connsiteX5" fmla="*/ 4404052 w 5060270"/>
+                  <a:gd name="connsiteY5" fmla="*/ 1315171 h 2609535"/>
+                  <a:gd name="connsiteX6" fmla="*/ 5060270 w 5060270"/>
+                  <a:gd name="connsiteY6" fmla="*/ 1677951 h 2609535"/>
+                  <a:gd name="connsiteX0" fmla="*/ 0 w 5060270"/>
+                  <a:gd name="connsiteY0" fmla="*/ 2609535 h 2609535"/>
+                  <a:gd name="connsiteX1" fmla="*/ 740688 w 5060270"/>
+                  <a:gd name="connsiteY1" fmla="*/ 1012416 h 2609535"/>
+                  <a:gd name="connsiteX2" fmla="*/ 1684882 w 5060270"/>
+                  <a:gd name="connsiteY2" fmla="*/ 308029 h 2609535"/>
+                  <a:gd name="connsiteX3" fmla="*/ 2449092 w 5060270"/>
+                  <a:gd name="connsiteY3" fmla="*/ 15045 h 2609535"/>
+                  <a:gd name="connsiteX4" fmla="*/ 3530292 w 5060270"/>
+                  <a:gd name="connsiteY4" fmla="*/ 370290 h 2609535"/>
+                  <a:gd name="connsiteX5" fmla="*/ 4404052 w 5060270"/>
+                  <a:gd name="connsiteY5" fmla="*/ 1315171 h 2609535"/>
+                  <a:gd name="connsiteX6" fmla="*/ 5060270 w 5060270"/>
+                  <a:gd name="connsiteY6" fmla="*/ 1677951 h 2609535"/>
+                  <a:gd name="connsiteX0" fmla="*/ 0 w 5060270"/>
+                  <a:gd name="connsiteY0" fmla="*/ 2609535 h 2609535"/>
+                  <a:gd name="connsiteX1" fmla="*/ 182641 w 5060270"/>
+                  <a:gd name="connsiteY1" fmla="*/ 1946936 h 2609535"/>
+                  <a:gd name="connsiteX2" fmla="*/ 740688 w 5060270"/>
+                  <a:gd name="connsiteY2" fmla="*/ 1012416 h 2609535"/>
+                  <a:gd name="connsiteX3" fmla="*/ 1684882 w 5060270"/>
+                  <a:gd name="connsiteY3" fmla="*/ 308029 h 2609535"/>
+                  <a:gd name="connsiteX4" fmla="*/ 2449092 w 5060270"/>
+                  <a:gd name="connsiteY4" fmla="*/ 15045 h 2609535"/>
+                  <a:gd name="connsiteX5" fmla="*/ 3530292 w 5060270"/>
+                  <a:gd name="connsiteY5" fmla="*/ 370290 h 2609535"/>
+                  <a:gd name="connsiteX6" fmla="*/ 4404052 w 5060270"/>
+                  <a:gd name="connsiteY6" fmla="*/ 1315171 h 2609535"/>
+                  <a:gd name="connsiteX7" fmla="*/ 5060270 w 5060270"/>
+                  <a:gd name="connsiteY7" fmla="*/ 1677951 h 2609535"/>
+                  <a:gd name="connsiteX0" fmla="*/ 0 w 5060270"/>
+                  <a:gd name="connsiteY0" fmla="*/ 2609535 h 2609535"/>
+                  <a:gd name="connsiteX1" fmla="*/ 221219 w 5060270"/>
+                  <a:gd name="connsiteY1" fmla="*/ 1812075 h 2609535"/>
+                  <a:gd name="connsiteX2" fmla="*/ 740688 w 5060270"/>
+                  <a:gd name="connsiteY2" fmla="*/ 1012416 h 2609535"/>
+                  <a:gd name="connsiteX3" fmla="*/ 1684882 w 5060270"/>
+                  <a:gd name="connsiteY3" fmla="*/ 308029 h 2609535"/>
+                  <a:gd name="connsiteX4" fmla="*/ 2449092 w 5060270"/>
+                  <a:gd name="connsiteY4" fmla="*/ 15045 h 2609535"/>
+                  <a:gd name="connsiteX5" fmla="*/ 3530292 w 5060270"/>
+                  <a:gd name="connsiteY5" fmla="*/ 370290 h 2609535"/>
+                  <a:gd name="connsiteX6" fmla="*/ 4404052 w 5060270"/>
+                  <a:gd name="connsiteY6" fmla="*/ 1315171 h 2609535"/>
+                  <a:gd name="connsiteX7" fmla="*/ 5060270 w 5060270"/>
+                  <a:gd name="connsiteY7" fmla="*/ 1677951 h 2609535"/>
+                  <a:gd name="connsiteX0" fmla="*/ 0 w 5060270"/>
+                  <a:gd name="connsiteY0" fmla="*/ 2609535 h 2609535"/>
+                  <a:gd name="connsiteX1" fmla="*/ 221219 w 5060270"/>
+                  <a:gd name="connsiteY1" fmla="*/ 1812075 h 2609535"/>
+                  <a:gd name="connsiteX2" fmla="*/ 740688 w 5060270"/>
+                  <a:gd name="connsiteY2" fmla="*/ 1012416 h 2609535"/>
+                  <a:gd name="connsiteX3" fmla="*/ 1684882 w 5060270"/>
+                  <a:gd name="connsiteY3" fmla="*/ 308029 h 2609535"/>
+                  <a:gd name="connsiteX4" fmla="*/ 2449092 w 5060270"/>
+                  <a:gd name="connsiteY4" fmla="*/ 15045 h 2609535"/>
+                  <a:gd name="connsiteX5" fmla="*/ 3530292 w 5060270"/>
+                  <a:gd name="connsiteY5" fmla="*/ 370290 h 2609535"/>
+                  <a:gd name="connsiteX6" fmla="*/ 4404052 w 5060270"/>
+                  <a:gd name="connsiteY6" fmla="*/ 1315171 h 2609535"/>
+                  <a:gd name="connsiteX7" fmla="*/ 5060270 w 5060270"/>
+                  <a:gd name="connsiteY7" fmla="*/ 1677951 h 2609535"/>
+                  <a:gd name="connsiteX0" fmla="*/ 0 w 5060270"/>
+                  <a:gd name="connsiteY0" fmla="*/ 2605536 h 2605536"/>
+                  <a:gd name="connsiteX1" fmla="*/ 221219 w 5060270"/>
+                  <a:gd name="connsiteY1" fmla="*/ 1808076 h 2605536"/>
+                  <a:gd name="connsiteX2" fmla="*/ 740688 w 5060270"/>
+                  <a:gd name="connsiteY2" fmla="*/ 1008417 h 2605536"/>
+                  <a:gd name="connsiteX3" fmla="*/ 1684882 w 5060270"/>
+                  <a:gd name="connsiteY3" fmla="*/ 304030 h 2605536"/>
+                  <a:gd name="connsiteX4" fmla="*/ 2428129 w 5060270"/>
+                  <a:gd name="connsiteY4" fmla="*/ 15233 h 2605536"/>
+                  <a:gd name="connsiteX5" fmla="*/ 3530292 w 5060270"/>
+                  <a:gd name="connsiteY5" fmla="*/ 366291 h 2605536"/>
+                  <a:gd name="connsiteX6" fmla="*/ 4404052 w 5060270"/>
+                  <a:gd name="connsiteY6" fmla="*/ 1311172 h 2605536"/>
+                  <a:gd name="connsiteX7" fmla="*/ 5060270 w 5060270"/>
+                  <a:gd name="connsiteY7" fmla="*/ 1673952 h 2605536"/>
+                  <a:gd name="connsiteX0" fmla="*/ 0 w 5060270"/>
+                  <a:gd name="connsiteY0" fmla="*/ 2625715 h 2625715"/>
+                  <a:gd name="connsiteX1" fmla="*/ 221219 w 5060270"/>
+                  <a:gd name="connsiteY1" fmla="*/ 1828255 h 2625715"/>
+                  <a:gd name="connsiteX2" fmla="*/ 740688 w 5060270"/>
+                  <a:gd name="connsiteY2" fmla="*/ 1028596 h 2625715"/>
+                  <a:gd name="connsiteX3" fmla="*/ 1684882 w 5060270"/>
+                  <a:gd name="connsiteY3" fmla="*/ 324209 h 2625715"/>
+                  <a:gd name="connsiteX4" fmla="*/ 2428129 w 5060270"/>
+                  <a:gd name="connsiteY4" fmla="*/ 35412 h 2625715"/>
+                  <a:gd name="connsiteX5" fmla="*/ 3530292 w 5060270"/>
+                  <a:gd name="connsiteY5" fmla="*/ 386470 h 2625715"/>
+                  <a:gd name="connsiteX6" fmla="*/ 4404052 w 5060270"/>
+                  <a:gd name="connsiteY6" fmla="*/ 1331351 h 2625715"/>
+                  <a:gd name="connsiteX7" fmla="*/ 5060270 w 5060270"/>
+                  <a:gd name="connsiteY7" fmla="*/ 1694131 h 2625715"/>
+                  <a:gd name="connsiteX0" fmla="*/ 0 w 5060270"/>
+                  <a:gd name="connsiteY0" fmla="*/ 2591991 h 2591991"/>
+                  <a:gd name="connsiteX1" fmla="*/ 221219 w 5060270"/>
+                  <a:gd name="connsiteY1" fmla="*/ 1794531 h 2591991"/>
+                  <a:gd name="connsiteX2" fmla="*/ 740688 w 5060270"/>
+                  <a:gd name="connsiteY2" fmla="*/ 994872 h 2591991"/>
+                  <a:gd name="connsiteX3" fmla="*/ 1684882 w 5060270"/>
+                  <a:gd name="connsiteY3" fmla="*/ 290485 h 2591991"/>
+                  <a:gd name="connsiteX4" fmla="*/ 2428129 w 5060270"/>
+                  <a:gd name="connsiteY4" fmla="*/ 1688 h 2591991"/>
+                  <a:gd name="connsiteX5" fmla="*/ 3530292 w 5060270"/>
+                  <a:gd name="connsiteY5" fmla="*/ 352746 h 2591991"/>
+                  <a:gd name="connsiteX6" fmla="*/ 4404052 w 5060270"/>
+                  <a:gd name="connsiteY6" fmla="*/ 1297627 h 2591991"/>
+                  <a:gd name="connsiteX7" fmla="*/ 5060270 w 5060270"/>
+                  <a:gd name="connsiteY7" fmla="*/ 1660407 h 2591991"/>
+                  <a:gd name="connsiteX0" fmla="*/ 0 w 5060270"/>
+                  <a:gd name="connsiteY0" fmla="*/ 2596180 h 2596180"/>
+                  <a:gd name="connsiteX1" fmla="*/ 221219 w 5060270"/>
+                  <a:gd name="connsiteY1" fmla="*/ 1798720 h 2596180"/>
+                  <a:gd name="connsiteX2" fmla="*/ 740688 w 5060270"/>
+                  <a:gd name="connsiteY2" fmla="*/ 999061 h 2596180"/>
+                  <a:gd name="connsiteX3" fmla="*/ 1684882 w 5060270"/>
+                  <a:gd name="connsiteY3" fmla="*/ 294674 h 2596180"/>
+                  <a:gd name="connsiteX4" fmla="*/ 2428129 w 5060270"/>
+                  <a:gd name="connsiteY4" fmla="*/ 5877 h 2596180"/>
+                  <a:gd name="connsiteX5" fmla="*/ 3530292 w 5060270"/>
+                  <a:gd name="connsiteY5" fmla="*/ 356935 h 2596180"/>
+                  <a:gd name="connsiteX6" fmla="*/ 4404052 w 5060270"/>
+                  <a:gd name="connsiteY6" fmla="*/ 1301816 h 2596180"/>
+                  <a:gd name="connsiteX7" fmla="*/ 5060270 w 5060270"/>
+                  <a:gd name="connsiteY7" fmla="*/ 1664596 h 2596180"/>
+                  <a:gd name="connsiteX0" fmla="*/ 0 w 5060270"/>
+                  <a:gd name="connsiteY0" fmla="*/ 2596772 h 2596772"/>
+                  <a:gd name="connsiteX1" fmla="*/ 221219 w 5060270"/>
+                  <a:gd name="connsiteY1" fmla="*/ 1799312 h 2596772"/>
+                  <a:gd name="connsiteX2" fmla="*/ 740688 w 5060270"/>
+                  <a:gd name="connsiteY2" fmla="*/ 999653 h 2596772"/>
+                  <a:gd name="connsiteX3" fmla="*/ 1684882 w 5060270"/>
+                  <a:gd name="connsiteY3" fmla="*/ 295266 h 2596772"/>
+                  <a:gd name="connsiteX4" fmla="*/ 2428129 w 5060270"/>
+                  <a:gd name="connsiteY4" fmla="*/ 6469 h 2596772"/>
+                  <a:gd name="connsiteX5" fmla="*/ 3530292 w 5060270"/>
+                  <a:gd name="connsiteY5" fmla="*/ 357527 h 2596772"/>
+                  <a:gd name="connsiteX6" fmla="*/ 4404052 w 5060270"/>
+                  <a:gd name="connsiteY6" fmla="*/ 1302408 h 2596772"/>
+                  <a:gd name="connsiteX7" fmla="*/ 5060270 w 5060270"/>
+                  <a:gd name="connsiteY7" fmla="*/ 1665188 h 2596772"/>
+                  <a:gd name="connsiteX0" fmla="*/ 0 w 5060270"/>
+                  <a:gd name="connsiteY0" fmla="*/ 2596772 h 2596772"/>
+                  <a:gd name="connsiteX1" fmla="*/ 221219 w 5060270"/>
+                  <a:gd name="connsiteY1" fmla="*/ 1799312 h 2596772"/>
+                  <a:gd name="connsiteX2" fmla="*/ 740688 w 5060270"/>
+                  <a:gd name="connsiteY2" fmla="*/ 999653 h 2596772"/>
+                  <a:gd name="connsiteX3" fmla="*/ 1659728 w 5060270"/>
+                  <a:gd name="connsiteY3" fmla="*/ 291078 h 2596772"/>
+                  <a:gd name="connsiteX4" fmla="*/ 2428129 w 5060270"/>
+                  <a:gd name="connsiteY4" fmla="*/ 6469 h 2596772"/>
+                  <a:gd name="connsiteX5" fmla="*/ 3530292 w 5060270"/>
+                  <a:gd name="connsiteY5" fmla="*/ 357527 h 2596772"/>
+                  <a:gd name="connsiteX6" fmla="*/ 4404052 w 5060270"/>
+                  <a:gd name="connsiteY6" fmla="*/ 1302408 h 2596772"/>
+                  <a:gd name="connsiteX7" fmla="*/ 5060270 w 5060270"/>
+                  <a:gd name="connsiteY7" fmla="*/ 1665188 h 2596772"/>
+                  <a:gd name="connsiteX0" fmla="*/ 0 w 5060270"/>
+                  <a:gd name="connsiteY0" fmla="*/ 2596772 h 2596772"/>
+                  <a:gd name="connsiteX1" fmla="*/ 221219 w 5060270"/>
+                  <a:gd name="connsiteY1" fmla="*/ 1799312 h 2596772"/>
+                  <a:gd name="connsiteX2" fmla="*/ 740688 w 5060270"/>
+                  <a:gd name="connsiteY2" fmla="*/ 999653 h 2596772"/>
+                  <a:gd name="connsiteX3" fmla="*/ 1659728 w 5060270"/>
+                  <a:gd name="connsiteY3" fmla="*/ 291078 h 2596772"/>
+                  <a:gd name="connsiteX4" fmla="*/ 2428129 w 5060270"/>
+                  <a:gd name="connsiteY4" fmla="*/ 6469 h 2596772"/>
+                  <a:gd name="connsiteX5" fmla="*/ 3530292 w 5060270"/>
+                  <a:gd name="connsiteY5" fmla="*/ 357527 h 2596772"/>
+                  <a:gd name="connsiteX6" fmla="*/ 4404052 w 5060270"/>
+                  <a:gd name="connsiteY6" fmla="*/ 1302408 h 2596772"/>
+                  <a:gd name="connsiteX7" fmla="*/ 5060270 w 5060270"/>
+                  <a:gd name="connsiteY7" fmla="*/ 1665188 h 2596772"/>
+                  <a:gd name="connsiteX0" fmla="*/ 0 w 5060270"/>
+                  <a:gd name="connsiteY0" fmla="*/ 2596772 h 2596772"/>
+                  <a:gd name="connsiteX1" fmla="*/ 221219 w 5060270"/>
+                  <a:gd name="connsiteY1" fmla="*/ 1799312 h 2596772"/>
+                  <a:gd name="connsiteX2" fmla="*/ 740688 w 5060270"/>
+                  <a:gd name="connsiteY2" fmla="*/ 999653 h 2596772"/>
+                  <a:gd name="connsiteX3" fmla="*/ 1659728 w 5060270"/>
+                  <a:gd name="connsiteY3" fmla="*/ 291078 h 2596772"/>
+                  <a:gd name="connsiteX4" fmla="*/ 2428129 w 5060270"/>
+                  <a:gd name="connsiteY4" fmla="*/ 6469 h 2596772"/>
+                  <a:gd name="connsiteX5" fmla="*/ 3530292 w 5060270"/>
+                  <a:gd name="connsiteY5" fmla="*/ 357527 h 2596772"/>
+                  <a:gd name="connsiteX6" fmla="*/ 4404052 w 5060270"/>
+                  <a:gd name="connsiteY6" fmla="*/ 1302408 h 2596772"/>
+                  <a:gd name="connsiteX7" fmla="*/ 5060270 w 5060270"/>
+                  <a:gd name="connsiteY7" fmla="*/ 1665188 h 2596772"/>
+                  <a:gd name="connsiteX0" fmla="*/ 0 w 5060270"/>
+                  <a:gd name="connsiteY0" fmla="*/ 2596772 h 2596772"/>
+                  <a:gd name="connsiteX1" fmla="*/ 221219 w 5060270"/>
+                  <a:gd name="connsiteY1" fmla="*/ 1799312 h 2596772"/>
+                  <a:gd name="connsiteX2" fmla="*/ 740688 w 5060270"/>
+                  <a:gd name="connsiteY2" fmla="*/ 999653 h 2596772"/>
+                  <a:gd name="connsiteX3" fmla="*/ 1659728 w 5060270"/>
+                  <a:gd name="connsiteY3" fmla="*/ 291078 h 2596772"/>
+                  <a:gd name="connsiteX4" fmla="*/ 2428129 w 5060270"/>
+                  <a:gd name="connsiteY4" fmla="*/ 6469 h 2596772"/>
+                  <a:gd name="connsiteX5" fmla="*/ 3530292 w 5060270"/>
+                  <a:gd name="connsiteY5" fmla="*/ 357527 h 2596772"/>
+                  <a:gd name="connsiteX6" fmla="*/ 4404052 w 5060270"/>
+                  <a:gd name="connsiteY6" fmla="*/ 1302408 h 2596772"/>
+                  <a:gd name="connsiteX7" fmla="*/ 5060270 w 5060270"/>
+                  <a:gd name="connsiteY7" fmla="*/ 1665188 h 2596772"/>
+                </a:gdLst>
+                <a:ahLst/>
+                <a:cxnLst>
+                  <a:cxn ang="0">
+                    <a:pos x="connsiteX0" y="connsiteY0"/>
+                  </a:cxn>
+                  <a:cxn ang="0">
+                    <a:pos x="connsiteX1" y="connsiteY1"/>
+                  </a:cxn>
+                  <a:cxn ang="0">
+                    <a:pos x="connsiteX2" y="connsiteY2"/>
+                  </a:cxn>
+                  <a:cxn ang="0">
+                    <a:pos x="connsiteX3" y="connsiteY3"/>
+                  </a:cxn>
+                  <a:cxn ang="0">
+                    <a:pos x="connsiteX4" y="connsiteY4"/>
+                  </a:cxn>
+                  <a:cxn ang="0">
+                    <a:pos x="connsiteX5" y="connsiteY5"/>
+                  </a:cxn>
+                  <a:cxn ang="0">
+                    <a:pos x="connsiteX6" y="connsiteY6"/>
+                  </a:cxn>
+                  <a:cxn ang="0">
+                    <a:pos x="connsiteX7" y="connsiteY7"/>
+                  </a:cxn>
+                </a:cxnLst>
+                <a:rect l="l" t="t" r="r" b="b"/>
+                <a:pathLst>
+                  <a:path w="5060270" h="2596772">
+                    <a:moveTo>
+                      <a:pt x="0" y="2596772"/>
+                    </a:moveTo>
+                    <a:cubicBezTo>
+                      <a:pt x="30440" y="2486339"/>
+                      <a:pt x="97771" y="2065499"/>
+                      <a:pt x="221219" y="1799312"/>
+                    </a:cubicBezTo>
+                    <a:cubicBezTo>
+                      <a:pt x="382910" y="1508336"/>
+                      <a:pt x="563824" y="1217525"/>
+                      <a:pt x="740688" y="999653"/>
+                    </a:cubicBezTo>
+                    <a:cubicBezTo>
+                      <a:pt x="917552" y="781781"/>
+                      <a:pt x="1403917" y="450910"/>
+                      <a:pt x="1659728" y="291078"/>
+                    </a:cubicBezTo>
+                    <a:cubicBezTo>
+                      <a:pt x="1915539" y="131246"/>
+                      <a:pt x="2100864" y="378"/>
+                      <a:pt x="2428129" y="6469"/>
+                    </a:cubicBezTo>
+                    <a:cubicBezTo>
+                      <a:pt x="2737091" y="-34159"/>
+                      <a:pt x="3213549" y="120600"/>
+                      <a:pt x="3530292" y="357527"/>
+                    </a:cubicBezTo>
+                    <a:cubicBezTo>
+                      <a:pt x="3847035" y="594454"/>
+                      <a:pt x="4092479" y="956968"/>
+                      <a:pt x="4404052" y="1302408"/>
+                    </a:cubicBezTo>
+                    <a:cubicBezTo>
+                      <a:pt x="4561831" y="1433495"/>
+                      <a:pt x="4790731" y="1645861"/>
+                      <a:pt x="5060270" y="1665188"/>
+                    </a:cubicBezTo>
+                  </a:path>
+                </a:pathLst>
+              </a:custGeom>
+              <a:noFill/>
+              <a:ln w="19050">
+                <a:solidFill>
+                  <a:schemeClr val="tx1"/>
+                </a:solidFill>
+                <a:prstDash val="dash"/>
+              </a:ln>
+            </p:spPr>
+            <p:style>
+              <a:lnRef idx="2">
+                <a:schemeClr val="accent1">
+                  <a:shade val="50000"/>
+                </a:schemeClr>
+              </a:lnRef>
+              <a:fillRef idx="1">
+                <a:schemeClr val="accent1"/>
+              </a:fillRef>
+              <a:effectRef idx="0">
+                <a:schemeClr val="accent1"/>
+              </a:effectRef>
+              <a:fontRef idx="minor">
+                <a:schemeClr val="lt1"/>
+              </a:fontRef>
+            </p:style>
+            <p:txBody>
+              <a:bodyPr rtlCol="0" anchor="ctr"/>
+              <a:lstStyle/>
+              <a:p>
+                <a:pPr algn="ctr"/>
+                <a:endParaRPr lang="en-US"/>
+              </a:p>
+            </p:txBody>
+          </p:sp>
+          <p:sp>
+            <p:nvSpPr>
+              <p:cNvPr id="168" name="Rounded Rectangle 167">
+                <a:extLst>
+                  <a:ext uri="{FF2B5EF4-FFF2-40B4-BE49-F238E27FC236}">
+                    <a16:creationId xmlns:a16="http://schemas.microsoft.com/office/drawing/2014/main" id="{8DAFB560-2929-4B1F-38F3-F18BD10320F0}"/>
+                  </a:ext>
+                </a:extLst>
+              </p:cNvPr>
+              <p:cNvSpPr/>
+              <p:nvPr/>
+            </p:nvSpPr>
+            <p:spPr>
+              <a:xfrm>
+                <a:off x="9966462" y="11578461"/>
+                <a:ext cx="4308391" cy="2693996"/>
+              </a:xfrm>
+              <a:custGeom>
+                <a:avLst/>
+                <a:gdLst>
+                  <a:gd name="connsiteX0" fmla="*/ 0 w 481860"/>
+                  <a:gd name="connsiteY0" fmla="*/ 80312 h 789390"/>
+                  <a:gd name="connsiteX1" fmla="*/ 80312 w 481860"/>
+                  <a:gd name="connsiteY1" fmla="*/ 0 h 789390"/>
+                  <a:gd name="connsiteX2" fmla="*/ 401548 w 481860"/>
+                  <a:gd name="connsiteY2" fmla="*/ 0 h 789390"/>
+                  <a:gd name="connsiteX3" fmla="*/ 481860 w 481860"/>
+                  <a:gd name="connsiteY3" fmla="*/ 80312 h 789390"/>
+                  <a:gd name="connsiteX4" fmla="*/ 481860 w 481860"/>
+                  <a:gd name="connsiteY4" fmla="*/ 709078 h 789390"/>
+                  <a:gd name="connsiteX5" fmla="*/ 401548 w 481860"/>
+                  <a:gd name="connsiteY5" fmla="*/ 789390 h 789390"/>
+                  <a:gd name="connsiteX6" fmla="*/ 80312 w 481860"/>
+                  <a:gd name="connsiteY6" fmla="*/ 789390 h 789390"/>
+                  <a:gd name="connsiteX7" fmla="*/ 0 w 481860"/>
+                  <a:gd name="connsiteY7" fmla="*/ 709078 h 789390"/>
+                  <a:gd name="connsiteX8" fmla="*/ 0 w 481860"/>
+                  <a:gd name="connsiteY8" fmla="*/ 80312 h 789390"/>
+                  <a:gd name="connsiteX0" fmla="*/ 0 w 1608133"/>
+                  <a:gd name="connsiteY0" fmla="*/ 482619 h 1191697"/>
+                  <a:gd name="connsiteX1" fmla="*/ 80312 w 1608133"/>
+                  <a:gd name="connsiteY1" fmla="*/ 402307 h 1191697"/>
+                  <a:gd name="connsiteX2" fmla="*/ 401548 w 1608133"/>
+                  <a:gd name="connsiteY2" fmla="*/ 402307 h 1191697"/>
+                  <a:gd name="connsiteX3" fmla="*/ 1608133 w 1608133"/>
+                  <a:gd name="connsiteY3" fmla="*/ 3117 h 1191697"/>
+                  <a:gd name="connsiteX4" fmla="*/ 481860 w 1608133"/>
+                  <a:gd name="connsiteY4" fmla="*/ 1111385 h 1191697"/>
+                  <a:gd name="connsiteX5" fmla="*/ 401548 w 1608133"/>
+                  <a:gd name="connsiteY5" fmla="*/ 1191697 h 1191697"/>
+                  <a:gd name="connsiteX6" fmla="*/ 80312 w 1608133"/>
+                  <a:gd name="connsiteY6" fmla="*/ 1191697 h 1191697"/>
+                  <a:gd name="connsiteX7" fmla="*/ 0 w 1608133"/>
+                  <a:gd name="connsiteY7" fmla="*/ 1111385 h 1191697"/>
+                  <a:gd name="connsiteX8" fmla="*/ 0 w 1608133"/>
+                  <a:gd name="connsiteY8" fmla="*/ 482619 h 1191697"/>
+                  <a:gd name="connsiteX0" fmla="*/ 0 w 1608133"/>
+                  <a:gd name="connsiteY0" fmla="*/ 710356 h 1419434"/>
+                  <a:gd name="connsiteX1" fmla="*/ 80312 w 1608133"/>
+                  <a:gd name="connsiteY1" fmla="*/ 630044 h 1419434"/>
+                  <a:gd name="connsiteX2" fmla="*/ 468455 w 1608133"/>
+                  <a:gd name="connsiteY2" fmla="*/ 0 h 1419434"/>
+                  <a:gd name="connsiteX3" fmla="*/ 1608133 w 1608133"/>
+                  <a:gd name="connsiteY3" fmla="*/ 230854 h 1419434"/>
+                  <a:gd name="connsiteX4" fmla="*/ 481860 w 1608133"/>
+                  <a:gd name="connsiteY4" fmla="*/ 1339122 h 1419434"/>
+                  <a:gd name="connsiteX5" fmla="*/ 401548 w 1608133"/>
+                  <a:gd name="connsiteY5" fmla="*/ 1419434 h 1419434"/>
+                  <a:gd name="connsiteX6" fmla="*/ 80312 w 1608133"/>
+                  <a:gd name="connsiteY6" fmla="*/ 1419434 h 1419434"/>
+                  <a:gd name="connsiteX7" fmla="*/ 0 w 1608133"/>
+                  <a:gd name="connsiteY7" fmla="*/ 1339122 h 1419434"/>
+                  <a:gd name="connsiteX8" fmla="*/ 0 w 1608133"/>
+                  <a:gd name="connsiteY8" fmla="*/ 710356 h 1419434"/>
+                  <a:gd name="connsiteX0" fmla="*/ 0 w 1608133"/>
+                  <a:gd name="connsiteY0" fmla="*/ 740863 h 1449941"/>
+                  <a:gd name="connsiteX1" fmla="*/ 80312 w 1608133"/>
+                  <a:gd name="connsiteY1" fmla="*/ 660551 h 1449941"/>
+                  <a:gd name="connsiteX2" fmla="*/ 468455 w 1608133"/>
+                  <a:gd name="connsiteY2" fmla="*/ 30507 h 1449941"/>
+                  <a:gd name="connsiteX3" fmla="*/ 1608133 w 1608133"/>
+                  <a:gd name="connsiteY3" fmla="*/ 261361 h 1449941"/>
+                  <a:gd name="connsiteX4" fmla="*/ 481860 w 1608133"/>
+                  <a:gd name="connsiteY4" fmla="*/ 1369629 h 1449941"/>
+                  <a:gd name="connsiteX5" fmla="*/ 401548 w 1608133"/>
+                  <a:gd name="connsiteY5" fmla="*/ 1449941 h 1449941"/>
+                  <a:gd name="connsiteX6" fmla="*/ 80312 w 1608133"/>
+                  <a:gd name="connsiteY6" fmla="*/ 1449941 h 1449941"/>
+                  <a:gd name="connsiteX7" fmla="*/ 0 w 1608133"/>
+                  <a:gd name="connsiteY7" fmla="*/ 1369629 h 1449941"/>
+                  <a:gd name="connsiteX8" fmla="*/ 0 w 1608133"/>
+                  <a:gd name="connsiteY8" fmla="*/ 740863 h 1449941"/>
+                  <a:gd name="connsiteX0" fmla="*/ 0 w 1608133"/>
+                  <a:gd name="connsiteY0" fmla="*/ 798211 h 1507289"/>
+                  <a:gd name="connsiteX1" fmla="*/ 80312 w 1608133"/>
+                  <a:gd name="connsiteY1" fmla="*/ 717899 h 1507289"/>
+                  <a:gd name="connsiteX2" fmla="*/ 340216 w 1608133"/>
+                  <a:gd name="connsiteY2" fmla="*/ 26523 h 1507289"/>
+                  <a:gd name="connsiteX3" fmla="*/ 1608133 w 1608133"/>
+                  <a:gd name="connsiteY3" fmla="*/ 318709 h 1507289"/>
+                  <a:gd name="connsiteX4" fmla="*/ 481860 w 1608133"/>
+                  <a:gd name="connsiteY4" fmla="*/ 1426977 h 1507289"/>
+                  <a:gd name="connsiteX5" fmla="*/ 401548 w 1608133"/>
+                  <a:gd name="connsiteY5" fmla="*/ 1507289 h 1507289"/>
+                  <a:gd name="connsiteX6" fmla="*/ 80312 w 1608133"/>
+                  <a:gd name="connsiteY6" fmla="*/ 1507289 h 1507289"/>
+                  <a:gd name="connsiteX7" fmla="*/ 0 w 1608133"/>
+                  <a:gd name="connsiteY7" fmla="*/ 1426977 h 1507289"/>
+                  <a:gd name="connsiteX8" fmla="*/ 0 w 1608133"/>
+                  <a:gd name="connsiteY8" fmla="*/ 798211 h 1507289"/>
+                  <a:gd name="connsiteX0" fmla="*/ 0 w 1608133"/>
+                  <a:gd name="connsiteY0" fmla="*/ 803638 h 1512716"/>
+                  <a:gd name="connsiteX1" fmla="*/ 80312 w 1608133"/>
+                  <a:gd name="connsiteY1" fmla="*/ 723326 h 1512716"/>
+                  <a:gd name="connsiteX2" fmla="*/ 340216 w 1608133"/>
+                  <a:gd name="connsiteY2" fmla="*/ 31950 h 1512716"/>
+                  <a:gd name="connsiteX3" fmla="*/ 1608133 w 1608133"/>
+                  <a:gd name="connsiteY3" fmla="*/ 324136 h 1512716"/>
+                  <a:gd name="connsiteX4" fmla="*/ 481860 w 1608133"/>
+                  <a:gd name="connsiteY4" fmla="*/ 1432404 h 1512716"/>
+                  <a:gd name="connsiteX5" fmla="*/ 401548 w 1608133"/>
+                  <a:gd name="connsiteY5" fmla="*/ 1512716 h 1512716"/>
+                  <a:gd name="connsiteX6" fmla="*/ 80312 w 1608133"/>
+                  <a:gd name="connsiteY6" fmla="*/ 1512716 h 1512716"/>
+                  <a:gd name="connsiteX7" fmla="*/ 0 w 1608133"/>
+                  <a:gd name="connsiteY7" fmla="*/ 1432404 h 1512716"/>
+                  <a:gd name="connsiteX8" fmla="*/ 0 w 1608133"/>
+                  <a:gd name="connsiteY8" fmla="*/ 803638 h 1512716"/>
+                  <a:gd name="connsiteX0" fmla="*/ 496573 w 2104706"/>
+                  <a:gd name="connsiteY0" fmla="*/ 803638 h 1512716"/>
+                  <a:gd name="connsiteX1" fmla="*/ 2597 w 2104706"/>
+                  <a:gd name="connsiteY1" fmla="*/ 477999 h 1512716"/>
+                  <a:gd name="connsiteX2" fmla="*/ 836789 w 2104706"/>
+                  <a:gd name="connsiteY2" fmla="*/ 31950 h 1512716"/>
+                  <a:gd name="connsiteX3" fmla="*/ 2104706 w 2104706"/>
+                  <a:gd name="connsiteY3" fmla="*/ 324136 h 1512716"/>
+                  <a:gd name="connsiteX4" fmla="*/ 978433 w 2104706"/>
+                  <a:gd name="connsiteY4" fmla="*/ 1432404 h 1512716"/>
+                  <a:gd name="connsiteX5" fmla="*/ 898121 w 2104706"/>
+                  <a:gd name="connsiteY5" fmla="*/ 1512716 h 1512716"/>
+                  <a:gd name="connsiteX6" fmla="*/ 576885 w 2104706"/>
+                  <a:gd name="connsiteY6" fmla="*/ 1512716 h 1512716"/>
+                  <a:gd name="connsiteX7" fmla="*/ 496573 w 2104706"/>
+                  <a:gd name="connsiteY7" fmla="*/ 1432404 h 1512716"/>
+                  <a:gd name="connsiteX8" fmla="*/ 496573 w 2104706"/>
+                  <a:gd name="connsiteY8" fmla="*/ 803638 h 1512716"/>
+                  <a:gd name="connsiteX0" fmla="*/ 0 w 2745557"/>
+                  <a:gd name="connsiteY0" fmla="*/ 1082419 h 1512716"/>
+                  <a:gd name="connsiteX1" fmla="*/ 643448 w 2745557"/>
+                  <a:gd name="connsiteY1" fmla="*/ 477999 h 1512716"/>
+                  <a:gd name="connsiteX2" fmla="*/ 1477640 w 2745557"/>
+                  <a:gd name="connsiteY2" fmla="*/ 31950 h 1512716"/>
+                  <a:gd name="connsiteX3" fmla="*/ 2745557 w 2745557"/>
+                  <a:gd name="connsiteY3" fmla="*/ 324136 h 1512716"/>
+                  <a:gd name="connsiteX4" fmla="*/ 1619284 w 2745557"/>
+                  <a:gd name="connsiteY4" fmla="*/ 1432404 h 1512716"/>
+                  <a:gd name="connsiteX5" fmla="*/ 1538972 w 2745557"/>
+                  <a:gd name="connsiteY5" fmla="*/ 1512716 h 1512716"/>
+                  <a:gd name="connsiteX6" fmla="*/ 1217736 w 2745557"/>
+                  <a:gd name="connsiteY6" fmla="*/ 1512716 h 1512716"/>
+                  <a:gd name="connsiteX7" fmla="*/ 1137424 w 2745557"/>
+                  <a:gd name="connsiteY7" fmla="*/ 1432404 h 1512716"/>
+                  <a:gd name="connsiteX8" fmla="*/ 0 w 2745557"/>
+                  <a:gd name="connsiteY8" fmla="*/ 1082419 h 1512716"/>
+                  <a:gd name="connsiteX0" fmla="*/ 0 w 2756708"/>
+                  <a:gd name="connsiteY0" fmla="*/ 1048965 h 1512716"/>
+                  <a:gd name="connsiteX1" fmla="*/ 654599 w 2756708"/>
+                  <a:gd name="connsiteY1" fmla="*/ 477999 h 1512716"/>
+                  <a:gd name="connsiteX2" fmla="*/ 1488791 w 2756708"/>
+                  <a:gd name="connsiteY2" fmla="*/ 31950 h 1512716"/>
+                  <a:gd name="connsiteX3" fmla="*/ 2756708 w 2756708"/>
+                  <a:gd name="connsiteY3" fmla="*/ 324136 h 1512716"/>
+                  <a:gd name="connsiteX4" fmla="*/ 1630435 w 2756708"/>
+                  <a:gd name="connsiteY4" fmla="*/ 1432404 h 1512716"/>
+                  <a:gd name="connsiteX5" fmla="*/ 1550123 w 2756708"/>
+                  <a:gd name="connsiteY5" fmla="*/ 1512716 h 1512716"/>
+                  <a:gd name="connsiteX6" fmla="*/ 1228887 w 2756708"/>
+                  <a:gd name="connsiteY6" fmla="*/ 1512716 h 1512716"/>
+                  <a:gd name="connsiteX7" fmla="*/ 1148575 w 2756708"/>
+                  <a:gd name="connsiteY7" fmla="*/ 1432404 h 1512716"/>
+                  <a:gd name="connsiteX8" fmla="*/ 0 w 2756708"/>
+                  <a:gd name="connsiteY8" fmla="*/ 1048965 h 1512716"/>
+                  <a:gd name="connsiteX0" fmla="*/ 0 w 2756708"/>
+                  <a:gd name="connsiteY0" fmla="*/ 1048965 h 2014839"/>
+                  <a:gd name="connsiteX1" fmla="*/ 654599 w 2756708"/>
+                  <a:gd name="connsiteY1" fmla="*/ 477999 h 2014839"/>
+                  <a:gd name="connsiteX2" fmla="*/ 1488791 w 2756708"/>
+                  <a:gd name="connsiteY2" fmla="*/ 31950 h 2014839"/>
+                  <a:gd name="connsiteX3" fmla="*/ 2756708 w 2756708"/>
+                  <a:gd name="connsiteY3" fmla="*/ 324136 h 2014839"/>
+                  <a:gd name="connsiteX4" fmla="*/ 1630435 w 2756708"/>
+                  <a:gd name="connsiteY4" fmla="*/ 1432404 h 2014839"/>
+                  <a:gd name="connsiteX5" fmla="*/ 1550123 w 2756708"/>
+                  <a:gd name="connsiteY5" fmla="*/ 1512716 h 2014839"/>
+                  <a:gd name="connsiteX6" fmla="*/ 1228887 w 2756708"/>
+                  <a:gd name="connsiteY6" fmla="*/ 1512716 h 2014839"/>
+                  <a:gd name="connsiteX7" fmla="*/ 1287966 w 2756708"/>
+                  <a:gd name="connsiteY7" fmla="*/ 2012267 h 2014839"/>
+                  <a:gd name="connsiteX8" fmla="*/ 0 w 2756708"/>
+                  <a:gd name="connsiteY8" fmla="*/ 1048965 h 2014839"/>
+                  <a:gd name="connsiteX0" fmla="*/ 0 w 2756708"/>
+                  <a:gd name="connsiteY0" fmla="*/ 1048965 h 2014839"/>
+                  <a:gd name="connsiteX1" fmla="*/ 654599 w 2756708"/>
+                  <a:gd name="connsiteY1" fmla="*/ 477999 h 2014839"/>
+                  <a:gd name="connsiteX2" fmla="*/ 1488791 w 2756708"/>
+                  <a:gd name="connsiteY2" fmla="*/ 31950 h 2014839"/>
+                  <a:gd name="connsiteX3" fmla="*/ 2756708 w 2756708"/>
+                  <a:gd name="connsiteY3" fmla="*/ 324136 h 2014839"/>
+                  <a:gd name="connsiteX4" fmla="*/ 1630435 w 2756708"/>
+                  <a:gd name="connsiteY4" fmla="*/ 1432404 h 2014839"/>
+                  <a:gd name="connsiteX5" fmla="*/ 1550123 w 2756708"/>
+                  <a:gd name="connsiteY5" fmla="*/ 1512716 h 2014839"/>
+                  <a:gd name="connsiteX6" fmla="*/ 1228887 w 2756708"/>
+                  <a:gd name="connsiteY6" fmla="*/ 1512716 h 2014839"/>
+                  <a:gd name="connsiteX7" fmla="*/ 1287966 w 2756708"/>
+                  <a:gd name="connsiteY7" fmla="*/ 2012267 h 2014839"/>
+                  <a:gd name="connsiteX8" fmla="*/ 0 w 2756708"/>
+                  <a:gd name="connsiteY8" fmla="*/ 1048965 h 2014839"/>
+                  <a:gd name="connsiteX0" fmla="*/ 0 w 4286194"/>
+                  <a:gd name="connsiteY0" fmla="*/ 1048965 h 2699342"/>
+                  <a:gd name="connsiteX1" fmla="*/ 654599 w 4286194"/>
+                  <a:gd name="connsiteY1" fmla="*/ 477999 h 2699342"/>
+                  <a:gd name="connsiteX2" fmla="*/ 1488791 w 4286194"/>
+                  <a:gd name="connsiteY2" fmla="*/ 31950 h 2699342"/>
+                  <a:gd name="connsiteX3" fmla="*/ 2756708 w 4286194"/>
+                  <a:gd name="connsiteY3" fmla="*/ 324136 h 2699342"/>
+                  <a:gd name="connsiteX4" fmla="*/ 1630435 w 4286194"/>
+                  <a:gd name="connsiteY4" fmla="*/ 1432404 h 2699342"/>
+                  <a:gd name="connsiteX5" fmla="*/ 1550123 w 4286194"/>
+                  <a:gd name="connsiteY5" fmla="*/ 1512716 h 2699342"/>
+                  <a:gd name="connsiteX6" fmla="*/ 4286194 w 4286194"/>
+                  <a:gd name="connsiteY6" fmla="*/ 2699342 h 2699342"/>
+                  <a:gd name="connsiteX7" fmla="*/ 1287966 w 4286194"/>
+                  <a:gd name="connsiteY7" fmla="*/ 2012267 h 2699342"/>
+                  <a:gd name="connsiteX8" fmla="*/ 0 w 4286194"/>
+                  <a:gd name="connsiteY8" fmla="*/ 1048965 h 2699342"/>
+                  <a:gd name="connsiteX0" fmla="*/ 0 w 4286194"/>
+                  <a:gd name="connsiteY0" fmla="*/ 1048965 h 2699342"/>
+                  <a:gd name="connsiteX1" fmla="*/ 654599 w 4286194"/>
+                  <a:gd name="connsiteY1" fmla="*/ 477999 h 2699342"/>
+                  <a:gd name="connsiteX2" fmla="*/ 1488791 w 4286194"/>
+                  <a:gd name="connsiteY2" fmla="*/ 31950 h 2699342"/>
+                  <a:gd name="connsiteX3" fmla="*/ 2756708 w 4286194"/>
+                  <a:gd name="connsiteY3" fmla="*/ 324136 h 2699342"/>
+                  <a:gd name="connsiteX4" fmla="*/ 3556957 w 4286194"/>
+                  <a:gd name="connsiteY4" fmla="*/ 1243939 h 2699342"/>
+                  <a:gd name="connsiteX5" fmla="*/ 1550123 w 4286194"/>
+                  <a:gd name="connsiteY5" fmla="*/ 1512716 h 2699342"/>
+                  <a:gd name="connsiteX6" fmla="*/ 4286194 w 4286194"/>
+                  <a:gd name="connsiteY6" fmla="*/ 2699342 h 2699342"/>
+                  <a:gd name="connsiteX7" fmla="*/ 1287966 w 4286194"/>
+                  <a:gd name="connsiteY7" fmla="*/ 2012267 h 2699342"/>
+                  <a:gd name="connsiteX8" fmla="*/ 0 w 4286194"/>
+                  <a:gd name="connsiteY8" fmla="*/ 1048965 h 2699342"/>
+                  <a:gd name="connsiteX0" fmla="*/ 0 w 4286194"/>
+                  <a:gd name="connsiteY0" fmla="*/ 1048965 h 2699342"/>
+                  <a:gd name="connsiteX1" fmla="*/ 654599 w 4286194"/>
+                  <a:gd name="connsiteY1" fmla="*/ 477999 h 2699342"/>
+                  <a:gd name="connsiteX2" fmla="*/ 1488791 w 4286194"/>
+                  <a:gd name="connsiteY2" fmla="*/ 31950 h 2699342"/>
+                  <a:gd name="connsiteX3" fmla="*/ 2756708 w 4286194"/>
+                  <a:gd name="connsiteY3" fmla="*/ 324136 h 2699342"/>
+                  <a:gd name="connsiteX4" fmla="*/ 3556957 w 4286194"/>
+                  <a:gd name="connsiteY4" fmla="*/ 1243939 h 2699342"/>
+                  <a:gd name="connsiteX5" fmla="*/ 4279363 w 4286194"/>
+                  <a:gd name="connsiteY5" fmla="*/ 1694200 h 2699342"/>
+                  <a:gd name="connsiteX6" fmla="*/ 4286194 w 4286194"/>
+                  <a:gd name="connsiteY6" fmla="*/ 2699342 h 2699342"/>
+                  <a:gd name="connsiteX7" fmla="*/ 1287966 w 4286194"/>
+                  <a:gd name="connsiteY7" fmla="*/ 2012267 h 2699342"/>
+                  <a:gd name="connsiteX8" fmla="*/ 0 w 4286194"/>
+                  <a:gd name="connsiteY8" fmla="*/ 1048965 h 2699342"/>
+                  <a:gd name="connsiteX0" fmla="*/ 0 w 4286194"/>
+                  <a:gd name="connsiteY0" fmla="*/ 1048965 h 2720750"/>
+                  <a:gd name="connsiteX1" fmla="*/ 654599 w 4286194"/>
+                  <a:gd name="connsiteY1" fmla="*/ 477999 h 2720750"/>
+                  <a:gd name="connsiteX2" fmla="*/ 1488791 w 4286194"/>
+                  <a:gd name="connsiteY2" fmla="*/ 31950 h 2720750"/>
+                  <a:gd name="connsiteX3" fmla="*/ 2756708 w 4286194"/>
+                  <a:gd name="connsiteY3" fmla="*/ 324136 h 2720750"/>
+                  <a:gd name="connsiteX4" fmla="*/ 3556957 w 4286194"/>
+                  <a:gd name="connsiteY4" fmla="*/ 1243939 h 2720750"/>
+                  <a:gd name="connsiteX5" fmla="*/ 4279363 w 4286194"/>
+                  <a:gd name="connsiteY5" fmla="*/ 1694200 h 2720750"/>
+                  <a:gd name="connsiteX6" fmla="*/ 4286194 w 4286194"/>
+                  <a:gd name="connsiteY6" fmla="*/ 2699342 h 2720750"/>
+                  <a:gd name="connsiteX7" fmla="*/ 2660632 w 4286194"/>
+                  <a:gd name="connsiteY7" fmla="*/ 2352522 h 2720750"/>
+                  <a:gd name="connsiteX8" fmla="*/ 1287966 w 4286194"/>
+                  <a:gd name="connsiteY8" fmla="*/ 2012267 h 2720750"/>
+                  <a:gd name="connsiteX9" fmla="*/ 0 w 4286194"/>
+                  <a:gd name="connsiteY9" fmla="*/ 1048965 h 2720750"/>
+                  <a:gd name="connsiteX0" fmla="*/ 0 w 4286194"/>
+                  <a:gd name="connsiteY0" fmla="*/ 1048965 h 2738081"/>
+                  <a:gd name="connsiteX1" fmla="*/ 654599 w 4286194"/>
+                  <a:gd name="connsiteY1" fmla="*/ 477999 h 2738081"/>
+                  <a:gd name="connsiteX2" fmla="*/ 1488791 w 4286194"/>
+                  <a:gd name="connsiteY2" fmla="*/ 31950 h 2738081"/>
+                  <a:gd name="connsiteX3" fmla="*/ 2756708 w 4286194"/>
+                  <a:gd name="connsiteY3" fmla="*/ 324136 h 2738081"/>
+                  <a:gd name="connsiteX4" fmla="*/ 3556957 w 4286194"/>
+                  <a:gd name="connsiteY4" fmla="*/ 1243939 h 2738081"/>
+                  <a:gd name="connsiteX5" fmla="*/ 4279363 w 4286194"/>
+                  <a:gd name="connsiteY5" fmla="*/ 1694200 h 2738081"/>
+                  <a:gd name="connsiteX6" fmla="*/ 4286194 w 4286194"/>
+                  <a:gd name="connsiteY6" fmla="*/ 2699342 h 2738081"/>
+                  <a:gd name="connsiteX7" fmla="*/ 2653652 w 4286194"/>
+                  <a:gd name="connsiteY7" fmla="*/ 2547966 h 2738081"/>
+                  <a:gd name="connsiteX8" fmla="*/ 1287966 w 4286194"/>
+                  <a:gd name="connsiteY8" fmla="*/ 2012267 h 2738081"/>
+                  <a:gd name="connsiteX9" fmla="*/ 0 w 4286194"/>
+                  <a:gd name="connsiteY9" fmla="*/ 1048965 h 2738081"/>
+                  <a:gd name="connsiteX0" fmla="*/ 0 w 4293174"/>
+                  <a:gd name="connsiteY0" fmla="*/ 1048965 h 2709368"/>
+                  <a:gd name="connsiteX1" fmla="*/ 654599 w 4293174"/>
+                  <a:gd name="connsiteY1" fmla="*/ 477999 h 2709368"/>
+                  <a:gd name="connsiteX2" fmla="*/ 1488791 w 4293174"/>
+                  <a:gd name="connsiteY2" fmla="*/ 31950 h 2709368"/>
+                  <a:gd name="connsiteX3" fmla="*/ 2756708 w 4293174"/>
+                  <a:gd name="connsiteY3" fmla="*/ 324136 h 2709368"/>
+                  <a:gd name="connsiteX4" fmla="*/ 3556957 w 4293174"/>
+                  <a:gd name="connsiteY4" fmla="*/ 1243939 h 2709368"/>
+                  <a:gd name="connsiteX5" fmla="*/ 4279363 w 4293174"/>
+                  <a:gd name="connsiteY5" fmla="*/ 1694200 h 2709368"/>
+                  <a:gd name="connsiteX6" fmla="*/ 4293174 w 4293174"/>
+                  <a:gd name="connsiteY6" fmla="*/ 2664441 h 2709368"/>
+                  <a:gd name="connsiteX7" fmla="*/ 2653652 w 4293174"/>
+                  <a:gd name="connsiteY7" fmla="*/ 2547966 h 2709368"/>
+                  <a:gd name="connsiteX8" fmla="*/ 1287966 w 4293174"/>
+                  <a:gd name="connsiteY8" fmla="*/ 2012267 h 2709368"/>
+                  <a:gd name="connsiteX9" fmla="*/ 0 w 4293174"/>
+                  <a:gd name="connsiteY9" fmla="*/ 1048965 h 2709368"/>
+                  <a:gd name="connsiteX0" fmla="*/ 0 w 4293174"/>
+                  <a:gd name="connsiteY0" fmla="*/ 1048965 h 2665582"/>
+                  <a:gd name="connsiteX1" fmla="*/ 654599 w 4293174"/>
+                  <a:gd name="connsiteY1" fmla="*/ 477999 h 2665582"/>
+                  <a:gd name="connsiteX2" fmla="*/ 1488791 w 4293174"/>
+                  <a:gd name="connsiteY2" fmla="*/ 31950 h 2665582"/>
+                  <a:gd name="connsiteX3" fmla="*/ 2756708 w 4293174"/>
+                  <a:gd name="connsiteY3" fmla="*/ 324136 h 2665582"/>
+                  <a:gd name="connsiteX4" fmla="*/ 3556957 w 4293174"/>
+                  <a:gd name="connsiteY4" fmla="*/ 1243939 h 2665582"/>
+                  <a:gd name="connsiteX5" fmla="*/ 4279363 w 4293174"/>
+                  <a:gd name="connsiteY5" fmla="*/ 1694200 h 2665582"/>
+                  <a:gd name="connsiteX6" fmla="*/ 4293174 w 4293174"/>
+                  <a:gd name="connsiteY6" fmla="*/ 2664441 h 2665582"/>
+                  <a:gd name="connsiteX7" fmla="*/ 2653652 w 4293174"/>
+                  <a:gd name="connsiteY7" fmla="*/ 2547966 h 2665582"/>
+                  <a:gd name="connsiteX8" fmla="*/ 1287966 w 4293174"/>
+                  <a:gd name="connsiteY8" fmla="*/ 2012267 h 2665582"/>
+                  <a:gd name="connsiteX9" fmla="*/ 0 w 4293174"/>
+                  <a:gd name="connsiteY9" fmla="*/ 1048965 h 2665582"/>
+                  <a:gd name="connsiteX0" fmla="*/ 0 w 4281215"/>
+                  <a:gd name="connsiteY0" fmla="*/ 1048965 h 2692825"/>
+                  <a:gd name="connsiteX1" fmla="*/ 654599 w 4281215"/>
+                  <a:gd name="connsiteY1" fmla="*/ 477999 h 2692825"/>
+                  <a:gd name="connsiteX2" fmla="*/ 1488791 w 4281215"/>
+                  <a:gd name="connsiteY2" fmla="*/ 31950 h 2692825"/>
+                  <a:gd name="connsiteX3" fmla="*/ 2756708 w 4281215"/>
+                  <a:gd name="connsiteY3" fmla="*/ 324136 h 2692825"/>
+                  <a:gd name="connsiteX4" fmla="*/ 3556957 w 4281215"/>
+                  <a:gd name="connsiteY4" fmla="*/ 1243939 h 2692825"/>
+                  <a:gd name="connsiteX5" fmla="*/ 4279363 w 4281215"/>
+                  <a:gd name="connsiteY5" fmla="*/ 1694200 h 2692825"/>
+                  <a:gd name="connsiteX6" fmla="*/ 4265253 w 4281215"/>
+                  <a:gd name="connsiteY6" fmla="*/ 2692362 h 2692825"/>
+                  <a:gd name="connsiteX7" fmla="*/ 2653652 w 4281215"/>
+                  <a:gd name="connsiteY7" fmla="*/ 2547966 h 2692825"/>
+                  <a:gd name="connsiteX8" fmla="*/ 1287966 w 4281215"/>
+                  <a:gd name="connsiteY8" fmla="*/ 2012267 h 2692825"/>
+                  <a:gd name="connsiteX9" fmla="*/ 0 w 4281215"/>
+                  <a:gd name="connsiteY9" fmla="*/ 1048965 h 2692825"/>
+                  <a:gd name="connsiteX0" fmla="*/ 0 w 4281215"/>
+                  <a:gd name="connsiteY0" fmla="*/ 1048965 h 2692594"/>
+                  <a:gd name="connsiteX1" fmla="*/ 654599 w 4281215"/>
+                  <a:gd name="connsiteY1" fmla="*/ 477999 h 2692594"/>
+                  <a:gd name="connsiteX2" fmla="*/ 1488791 w 4281215"/>
+                  <a:gd name="connsiteY2" fmla="*/ 31950 h 2692594"/>
+                  <a:gd name="connsiteX3" fmla="*/ 2756708 w 4281215"/>
+                  <a:gd name="connsiteY3" fmla="*/ 324136 h 2692594"/>
+                  <a:gd name="connsiteX4" fmla="*/ 3556957 w 4281215"/>
+                  <a:gd name="connsiteY4" fmla="*/ 1243939 h 2692594"/>
+                  <a:gd name="connsiteX5" fmla="*/ 4279363 w 4281215"/>
+                  <a:gd name="connsiteY5" fmla="*/ 1694200 h 2692594"/>
+                  <a:gd name="connsiteX6" fmla="*/ 4265253 w 4281215"/>
+                  <a:gd name="connsiteY6" fmla="*/ 2692362 h 2692594"/>
+                  <a:gd name="connsiteX7" fmla="*/ 2576871 w 4281215"/>
+                  <a:gd name="connsiteY7" fmla="*/ 2506085 h 2692594"/>
+                  <a:gd name="connsiteX8" fmla="*/ 1287966 w 4281215"/>
+                  <a:gd name="connsiteY8" fmla="*/ 2012267 h 2692594"/>
+                  <a:gd name="connsiteX9" fmla="*/ 0 w 4281215"/>
+                  <a:gd name="connsiteY9" fmla="*/ 1048965 h 2692594"/>
+                  <a:gd name="connsiteX0" fmla="*/ 0 w 4282569"/>
+                  <a:gd name="connsiteY0" fmla="*/ 1048965 h 2692594"/>
+                  <a:gd name="connsiteX1" fmla="*/ 654599 w 4282569"/>
+                  <a:gd name="connsiteY1" fmla="*/ 477999 h 2692594"/>
+                  <a:gd name="connsiteX2" fmla="*/ 1488791 w 4282569"/>
+                  <a:gd name="connsiteY2" fmla="*/ 31950 h 2692594"/>
+                  <a:gd name="connsiteX3" fmla="*/ 2756708 w 4282569"/>
+                  <a:gd name="connsiteY3" fmla="*/ 324136 h 2692594"/>
+                  <a:gd name="connsiteX4" fmla="*/ 3556957 w 4282569"/>
+                  <a:gd name="connsiteY4" fmla="*/ 1243939 h 2692594"/>
+                  <a:gd name="connsiteX5" fmla="*/ 4279363 w 4282569"/>
+                  <a:gd name="connsiteY5" fmla="*/ 1694200 h 2692594"/>
+                  <a:gd name="connsiteX6" fmla="*/ 4265253 w 4282569"/>
+                  <a:gd name="connsiteY6" fmla="*/ 2692362 h 2692594"/>
+                  <a:gd name="connsiteX7" fmla="*/ 2576871 w 4282569"/>
+                  <a:gd name="connsiteY7" fmla="*/ 2506085 h 2692594"/>
+                  <a:gd name="connsiteX8" fmla="*/ 1287966 w 4282569"/>
+                  <a:gd name="connsiteY8" fmla="*/ 2012267 h 2692594"/>
+                  <a:gd name="connsiteX9" fmla="*/ 0 w 4282569"/>
+                  <a:gd name="connsiteY9" fmla="*/ 1048965 h 2692594"/>
+                  <a:gd name="connsiteX0" fmla="*/ 0 w 4282569"/>
+                  <a:gd name="connsiteY0" fmla="*/ 1048965 h 2692594"/>
+                  <a:gd name="connsiteX1" fmla="*/ 654599 w 4282569"/>
+                  <a:gd name="connsiteY1" fmla="*/ 477999 h 2692594"/>
+                  <a:gd name="connsiteX2" fmla="*/ 1488791 w 4282569"/>
+                  <a:gd name="connsiteY2" fmla="*/ 31950 h 2692594"/>
+                  <a:gd name="connsiteX3" fmla="*/ 2756708 w 4282569"/>
+                  <a:gd name="connsiteY3" fmla="*/ 324136 h 2692594"/>
+                  <a:gd name="connsiteX4" fmla="*/ 3556957 w 4282569"/>
+                  <a:gd name="connsiteY4" fmla="*/ 1243939 h 2692594"/>
+                  <a:gd name="connsiteX5" fmla="*/ 4279363 w 4282569"/>
+                  <a:gd name="connsiteY5" fmla="*/ 1694200 h 2692594"/>
+                  <a:gd name="connsiteX6" fmla="*/ 4265253 w 4282569"/>
+                  <a:gd name="connsiteY6" fmla="*/ 2692362 h 2692594"/>
+                  <a:gd name="connsiteX7" fmla="*/ 2576871 w 4282569"/>
+                  <a:gd name="connsiteY7" fmla="*/ 2506085 h 2692594"/>
+                  <a:gd name="connsiteX8" fmla="*/ 1287966 w 4282569"/>
+                  <a:gd name="connsiteY8" fmla="*/ 2012267 h 2692594"/>
+                  <a:gd name="connsiteX9" fmla="*/ 0 w 4282569"/>
+                  <a:gd name="connsiteY9" fmla="*/ 1048965 h 2692594"/>
+                  <a:gd name="connsiteX0" fmla="*/ 0 w 4282569"/>
+                  <a:gd name="connsiteY0" fmla="*/ 1048965 h 2692594"/>
+                  <a:gd name="connsiteX1" fmla="*/ 654599 w 4282569"/>
+                  <a:gd name="connsiteY1" fmla="*/ 477999 h 2692594"/>
+                  <a:gd name="connsiteX2" fmla="*/ 1488791 w 4282569"/>
+                  <a:gd name="connsiteY2" fmla="*/ 31950 h 2692594"/>
+                  <a:gd name="connsiteX3" fmla="*/ 2756708 w 4282569"/>
+                  <a:gd name="connsiteY3" fmla="*/ 324136 h 2692594"/>
+                  <a:gd name="connsiteX4" fmla="*/ 3556957 w 4282569"/>
+                  <a:gd name="connsiteY4" fmla="*/ 1243939 h 2692594"/>
+                  <a:gd name="connsiteX5" fmla="*/ 4279363 w 4282569"/>
+                  <a:gd name="connsiteY5" fmla="*/ 1694200 h 2692594"/>
+                  <a:gd name="connsiteX6" fmla="*/ 4265253 w 4282569"/>
+                  <a:gd name="connsiteY6" fmla="*/ 2692362 h 2692594"/>
+                  <a:gd name="connsiteX7" fmla="*/ 2576871 w 4282569"/>
+                  <a:gd name="connsiteY7" fmla="*/ 2506085 h 2692594"/>
+                  <a:gd name="connsiteX8" fmla="*/ 1287966 w 4282569"/>
+                  <a:gd name="connsiteY8" fmla="*/ 2012267 h 2692594"/>
+                  <a:gd name="connsiteX9" fmla="*/ 0 w 4282569"/>
+                  <a:gd name="connsiteY9" fmla="*/ 1048965 h 2692594"/>
+                  <a:gd name="connsiteX0" fmla="*/ 0 w 4282569"/>
+                  <a:gd name="connsiteY0" fmla="*/ 1050367 h 2693996"/>
+                  <a:gd name="connsiteX1" fmla="*/ 654599 w 4282569"/>
+                  <a:gd name="connsiteY1" fmla="*/ 479401 h 2693996"/>
+                  <a:gd name="connsiteX2" fmla="*/ 1488791 w 4282569"/>
+                  <a:gd name="connsiteY2" fmla="*/ 33352 h 2693996"/>
+                  <a:gd name="connsiteX3" fmla="*/ 2693887 w 4282569"/>
+                  <a:gd name="connsiteY3" fmla="*/ 304598 h 2693996"/>
+                  <a:gd name="connsiteX4" fmla="*/ 3556957 w 4282569"/>
+                  <a:gd name="connsiteY4" fmla="*/ 1245341 h 2693996"/>
+                  <a:gd name="connsiteX5" fmla="*/ 4279363 w 4282569"/>
+                  <a:gd name="connsiteY5" fmla="*/ 1695602 h 2693996"/>
+                  <a:gd name="connsiteX6" fmla="*/ 4265253 w 4282569"/>
+                  <a:gd name="connsiteY6" fmla="*/ 2693764 h 2693996"/>
+                  <a:gd name="connsiteX7" fmla="*/ 2576871 w 4282569"/>
+                  <a:gd name="connsiteY7" fmla="*/ 2507487 h 2693996"/>
+                  <a:gd name="connsiteX8" fmla="*/ 1287966 w 4282569"/>
+                  <a:gd name="connsiteY8" fmla="*/ 2013669 h 2693996"/>
+                  <a:gd name="connsiteX9" fmla="*/ 0 w 4282569"/>
+                  <a:gd name="connsiteY9" fmla="*/ 1050367 h 2693996"/>
+                  <a:gd name="connsiteX0" fmla="*/ 0 w 4282569"/>
+                  <a:gd name="connsiteY0" fmla="*/ 1050367 h 2693996"/>
+                  <a:gd name="connsiteX1" fmla="*/ 654599 w 4282569"/>
+                  <a:gd name="connsiteY1" fmla="*/ 479401 h 2693996"/>
+                  <a:gd name="connsiteX2" fmla="*/ 1488791 w 4282569"/>
+                  <a:gd name="connsiteY2" fmla="*/ 33352 h 2693996"/>
+                  <a:gd name="connsiteX3" fmla="*/ 2693887 w 4282569"/>
+                  <a:gd name="connsiteY3" fmla="*/ 304598 h 2693996"/>
+                  <a:gd name="connsiteX4" fmla="*/ 3556957 w 4282569"/>
+                  <a:gd name="connsiteY4" fmla="*/ 1245341 h 2693996"/>
+                  <a:gd name="connsiteX5" fmla="*/ 4279363 w 4282569"/>
+                  <a:gd name="connsiteY5" fmla="*/ 1695602 h 2693996"/>
+                  <a:gd name="connsiteX6" fmla="*/ 4265253 w 4282569"/>
+                  <a:gd name="connsiteY6" fmla="*/ 2693764 h 2693996"/>
+                  <a:gd name="connsiteX7" fmla="*/ 2576871 w 4282569"/>
+                  <a:gd name="connsiteY7" fmla="*/ 2507487 h 2693996"/>
+                  <a:gd name="connsiteX8" fmla="*/ 1287966 w 4282569"/>
+                  <a:gd name="connsiteY8" fmla="*/ 2013669 h 2693996"/>
+                  <a:gd name="connsiteX9" fmla="*/ 0 w 4282569"/>
+                  <a:gd name="connsiteY9" fmla="*/ 1050367 h 2693996"/>
+                  <a:gd name="connsiteX0" fmla="*/ 0 w 4282264"/>
+                  <a:gd name="connsiteY0" fmla="*/ 1050367 h 2693996"/>
+                  <a:gd name="connsiteX1" fmla="*/ 654599 w 4282264"/>
+                  <a:gd name="connsiteY1" fmla="*/ 479401 h 2693996"/>
+                  <a:gd name="connsiteX2" fmla="*/ 1488791 w 4282264"/>
+                  <a:gd name="connsiteY2" fmla="*/ 33352 h 2693996"/>
+                  <a:gd name="connsiteX3" fmla="*/ 2693887 w 4282264"/>
+                  <a:gd name="connsiteY3" fmla="*/ 304598 h 2693996"/>
+                  <a:gd name="connsiteX4" fmla="*/ 3508096 w 4282264"/>
+                  <a:gd name="connsiteY4" fmla="*/ 1203461 h 2693996"/>
+                  <a:gd name="connsiteX5" fmla="*/ 4279363 w 4282264"/>
+                  <a:gd name="connsiteY5" fmla="*/ 1695602 h 2693996"/>
+                  <a:gd name="connsiteX6" fmla="*/ 4265253 w 4282264"/>
+                  <a:gd name="connsiteY6" fmla="*/ 2693764 h 2693996"/>
+                  <a:gd name="connsiteX7" fmla="*/ 2576871 w 4282264"/>
+                  <a:gd name="connsiteY7" fmla="*/ 2507487 h 2693996"/>
+                  <a:gd name="connsiteX8" fmla="*/ 1287966 w 4282264"/>
+                  <a:gd name="connsiteY8" fmla="*/ 2013669 h 2693996"/>
+                  <a:gd name="connsiteX9" fmla="*/ 0 w 4282264"/>
+                  <a:gd name="connsiteY9" fmla="*/ 1050367 h 2693996"/>
+                  <a:gd name="connsiteX0" fmla="*/ 0 w 4281751"/>
+                  <a:gd name="connsiteY0" fmla="*/ 1050367 h 2693996"/>
+                  <a:gd name="connsiteX1" fmla="*/ 654599 w 4281751"/>
+                  <a:gd name="connsiteY1" fmla="*/ 479401 h 2693996"/>
+                  <a:gd name="connsiteX2" fmla="*/ 1488791 w 4281751"/>
+                  <a:gd name="connsiteY2" fmla="*/ 33352 h 2693996"/>
+                  <a:gd name="connsiteX3" fmla="*/ 2693887 w 4281751"/>
+                  <a:gd name="connsiteY3" fmla="*/ 304598 h 2693996"/>
+                  <a:gd name="connsiteX4" fmla="*/ 3508096 w 4281751"/>
+                  <a:gd name="connsiteY4" fmla="*/ 1203461 h 2693996"/>
+                  <a:gd name="connsiteX5" fmla="*/ 4279363 w 4281751"/>
+                  <a:gd name="connsiteY5" fmla="*/ 1695602 h 2693996"/>
+                  <a:gd name="connsiteX6" fmla="*/ 4265253 w 4281751"/>
+                  <a:gd name="connsiteY6" fmla="*/ 2693764 h 2693996"/>
+                  <a:gd name="connsiteX7" fmla="*/ 2576871 w 4281751"/>
+                  <a:gd name="connsiteY7" fmla="*/ 2507487 h 2693996"/>
+                  <a:gd name="connsiteX8" fmla="*/ 1287966 w 4281751"/>
+                  <a:gd name="connsiteY8" fmla="*/ 2013669 h 2693996"/>
+                  <a:gd name="connsiteX9" fmla="*/ 0 w 4281751"/>
+                  <a:gd name="connsiteY9" fmla="*/ 1050367 h 2693996"/>
+                  <a:gd name="connsiteX0" fmla="*/ 0 w 4281724"/>
+                  <a:gd name="connsiteY0" fmla="*/ 1050367 h 2693996"/>
+                  <a:gd name="connsiteX1" fmla="*/ 654599 w 4281724"/>
+                  <a:gd name="connsiteY1" fmla="*/ 479401 h 2693996"/>
+                  <a:gd name="connsiteX2" fmla="*/ 1488791 w 4281724"/>
+                  <a:gd name="connsiteY2" fmla="*/ 33352 h 2693996"/>
+                  <a:gd name="connsiteX3" fmla="*/ 2693887 w 4281724"/>
+                  <a:gd name="connsiteY3" fmla="*/ 304598 h 2693996"/>
+                  <a:gd name="connsiteX4" fmla="*/ 3501115 w 4281724"/>
+                  <a:gd name="connsiteY4" fmla="*/ 1161580 h 2693996"/>
+                  <a:gd name="connsiteX5" fmla="*/ 4279363 w 4281724"/>
+                  <a:gd name="connsiteY5" fmla="*/ 1695602 h 2693996"/>
+                  <a:gd name="connsiteX6" fmla="*/ 4265253 w 4281724"/>
+                  <a:gd name="connsiteY6" fmla="*/ 2693764 h 2693996"/>
+                  <a:gd name="connsiteX7" fmla="*/ 2576871 w 4281724"/>
+                  <a:gd name="connsiteY7" fmla="*/ 2507487 h 2693996"/>
+                  <a:gd name="connsiteX8" fmla="*/ 1287966 w 4281724"/>
+                  <a:gd name="connsiteY8" fmla="*/ 2013669 h 2693996"/>
+                  <a:gd name="connsiteX9" fmla="*/ 0 w 4281724"/>
+                  <a:gd name="connsiteY9" fmla="*/ 1050367 h 2693996"/>
+                  <a:gd name="connsiteX0" fmla="*/ 0 w 4279363"/>
+                  <a:gd name="connsiteY0" fmla="*/ 1050367 h 2693996"/>
+                  <a:gd name="connsiteX1" fmla="*/ 654599 w 4279363"/>
+                  <a:gd name="connsiteY1" fmla="*/ 479401 h 2693996"/>
+                  <a:gd name="connsiteX2" fmla="*/ 1488791 w 4279363"/>
+                  <a:gd name="connsiteY2" fmla="*/ 33352 h 2693996"/>
+                  <a:gd name="connsiteX3" fmla="*/ 2693887 w 4279363"/>
+                  <a:gd name="connsiteY3" fmla="*/ 304598 h 2693996"/>
+                  <a:gd name="connsiteX4" fmla="*/ 3501115 w 4279363"/>
+                  <a:gd name="connsiteY4" fmla="*/ 1161580 h 2693996"/>
+                  <a:gd name="connsiteX5" fmla="*/ 4279363 w 4279363"/>
+                  <a:gd name="connsiteY5" fmla="*/ 1695602 h 2693996"/>
+                  <a:gd name="connsiteX6" fmla="*/ 4265253 w 4279363"/>
+                  <a:gd name="connsiteY6" fmla="*/ 2693764 h 2693996"/>
+                  <a:gd name="connsiteX7" fmla="*/ 2576871 w 4279363"/>
+                  <a:gd name="connsiteY7" fmla="*/ 2507487 h 2693996"/>
+                  <a:gd name="connsiteX8" fmla="*/ 1287966 w 4279363"/>
+                  <a:gd name="connsiteY8" fmla="*/ 2013669 h 2693996"/>
+                  <a:gd name="connsiteX9" fmla="*/ 0 w 4279363"/>
+                  <a:gd name="connsiteY9" fmla="*/ 1050367 h 2693996"/>
+                  <a:gd name="connsiteX0" fmla="*/ 0 w 4279363"/>
+                  <a:gd name="connsiteY0" fmla="*/ 1050367 h 2693996"/>
+                  <a:gd name="connsiteX1" fmla="*/ 654599 w 4279363"/>
+                  <a:gd name="connsiteY1" fmla="*/ 479401 h 2693996"/>
+                  <a:gd name="connsiteX2" fmla="*/ 1488791 w 4279363"/>
+                  <a:gd name="connsiteY2" fmla="*/ 33352 h 2693996"/>
+                  <a:gd name="connsiteX3" fmla="*/ 2693887 w 4279363"/>
+                  <a:gd name="connsiteY3" fmla="*/ 304598 h 2693996"/>
+                  <a:gd name="connsiteX4" fmla="*/ 3501115 w 4279363"/>
+                  <a:gd name="connsiteY4" fmla="*/ 1161580 h 2693996"/>
+                  <a:gd name="connsiteX5" fmla="*/ 4279363 w 4279363"/>
+                  <a:gd name="connsiteY5" fmla="*/ 1695602 h 2693996"/>
+                  <a:gd name="connsiteX6" fmla="*/ 4265253 w 4279363"/>
+                  <a:gd name="connsiteY6" fmla="*/ 2693764 h 2693996"/>
+                  <a:gd name="connsiteX7" fmla="*/ 2576871 w 4279363"/>
+                  <a:gd name="connsiteY7" fmla="*/ 2507487 h 2693996"/>
+                  <a:gd name="connsiteX8" fmla="*/ 1287966 w 4279363"/>
+                  <a:gd name="connsiteY8" fmla="*/ 2013669 h 2693996"/>
+                  <a:gd name="connsiteX9" fmla="*/ 0 w 4279363"/>
+                  <a:gd name="connsiteY9" fmla="*/ 1050367 h 2693996"/>
+                  <a:gd name="connsiteX0" fmla="*/ 0 w 4301134"/>
+                  <a:gd name="connsiteY0" fmla="*/ 1050367 h 2693996"/>
+                  <a:gd name="connsiteX1" fmla="*/ 654599 w 4301134"/>
+                  <a:gd name="connsiteY1" fmla="*/ 479401 h 2693996"/>
+                  <a:gd name="connsiteX2" fmla="*/ 1488791 w 4301134"/>
+                  <a:gd name="connsiteY2" fmla="*/ 33352 h 2693996"/>
+                  <a:gd name="connsiteX3" fmla="*/ 2693887 w 4301134"/>
+                  <a:gd name="connsiteY3" fmla="*/ 304598 h 2693996"/>
+                  <a:gd name="connsiteX4" fmla="*/ 3501115 w 4301134"/>
+                  <a:gd name="connsiteY4" fmla="*/ 1161580 h 2693996"/>
+                  <a:gd name="connsiteX5" fmla="*/ 4301134 w 4301134"/>
+                  <a:gd name="connsiteY5" fmla="*/ 1659316 h 2693996"/>
+                  <a:gd name="connsiteX6" fmla="*/ 4265253 w 4301134"/>
+                  <a:gd name="connsiteY6" fmla="*/ 2693764 h 2693996"/>
+                  <a:gd name="connsiteX7" fmla="*/ 2576871 w 4301134"/>
+                  <a:gd name="connsiteY7" fmla="*/ 2507487 h 2693996"/>
+                  <a:gd name="connsiteX8" fmla="*/ 1287966 w 4301134"/>
+                  <a:gd name="connsiteY8" fmla="*/ 2013669 h 2693996"/>
+                  <a:gd name="connsiteX9" fmla="*/ 0 w 4301134"/>
+                  <a:gd name="connsiteY9" fmla="*/ 1050367 h 2693996"/>
+                  <a:gd name="connsiteX0" fmla="*/ 0 w 4301134"/>
+                  <a:gd name="connsiteY0" fmla="*/ 1050367 h 2693996"/>
+                  <a:gd name="connsiteX1" fmla="*/ 654599 w 4301134"/>
+                  <a:gd name="connsiteY1" fmla="*/ 479401 h 2693996"/>
+                  <a:gd name="connsiteX2" fmla="*/ 1488791 w 4301134"/>
+                  <a:gd name="connsiteY2" fmla="*/ 33352 h 2693996"/>
+                  <a:gd name="connsiteX3" fmla="*/ 2693887 w 4301134"/>
+                  <a:gd name="connsiteY3" fmla="*/ 304598 h 2693996"/>
+                  <a:gd name="connsiteX4" fmla="*/ 3501115 w 4301134"/>
+                  <a:gd name="connsiteY4" fmla="*/ 1161580 h 2693996"/>
+                  <a:gd name="connsiteX5" fmla="*/ 4301134 w 4301134"/>
+                  <a:gd name="connsiteY5" fmla="*/ 1659316 h 2693996"/>
+                  <a:gd name="connsiteX6" fmla="*/ 4265253 w 4301134"/>
+                  <a:gd name="connsiteY6" fmla="*/ 2693764 h 2693996"/>
+                  <a:gd name="connsiteX7" fmla="*/ 2576871 w 4301134"/>
+                  <a:gd name="connsiteY7" fmla="*/ 2507487 h 2693996"/>
+                  <a:gd name="connsiteX8" fmla="*/ 1287966 w 4301134"/>
+                  <a:gd name="connsiteY8" fmla="*/ 2013669 h 2693996"/>
+                  <a:gd name="connsiteX9" fmla="*/ 0 w 4301134"/>
+                  <a:gd name="connsiteY9" fmla="*/ 1050367 h 2693996"/>
+                  <a:gd name="connsiteX0" fmla="*/ 0 w 4301134"/>
+                  <a:gd name="connsiteY0" fmla="*/ 1050367 h 2693996"/>
+                  <a:gd name="connsiteX1" fmla="*/ 654599 w 4301134"/>
+                  <a:gd name="connsiteY1" fmla="*/ 479401 h 2693996"/>
+                  <a:gd name="connsiteX2" fmla="*/ 1488791 w 4301134"/>
+                  <a:gd name="connsiteY2" fmla="*/ 33352 h 2693996"/>
+                  <a:gd name="connsiteX3" fmla="*/ 2693887 w 4301134"/>
+                  <a:gd name="connsiteY3" fmla="*/ 304598 h 2693996"/>
+                  <a:gd name="connsiteX4" fmla="*/ 3537401 w 4301134"/>
+                  <a:gd name="connsiteY4" fmla="*/ 1183352 h 2693996"/>
+                  <a:gd name="connsiteX5" fmla="*/ 4301134 w 4301134"/>
+                  <a:gd name="connsiteY5" fmla="*/ 1659316 h 2693996"/>
+                  <a:gd name="connsiteX6" fmla="*/ 4265253 w 4301134"/>
+                  <a:gd name="connsiteY6" fmla="*/ 2693764 h 2693996"/>
+                  <a:gd name="connsiteX7" fmla="*/ 2576871 w 4301134"/>
+                  <a:gd name="connsiteY7" fmla="*/ 2507487 h 2693996"/>
+                  <a:gd name="connsiteX8" fmla="*/ 1287966 w 4301134"/>
+                  <a:gd name="connsiteY8" fmla="*/ 2013669 h 2693996"/>
+                  <a:gd name="connsiteX9" fmla="*/ 0 w 4301134"/>
+                  <a:gd name="connsiteY9" fmla="*/ 1050367 h 2693996"/>
+                  <a:gd name="connsiteX0" fmla="*/ 0 w 4308391"/>
+                  <a:gd name="connsiteY0" fmla="*/ 1050367 h 2693996"/>
+                  <a:gd name="connsiteX1" fmla="*/ 654599 w 4308391"/>
+                  <a:gd name="connsiteY1" fmla="*/ 479401 h 2693996"/>
+                  <a:gd name="connsiteX2" fmla="*/ 1488791 w 4308391"/>
+                  <a:gd name="connsiteY2" fmla="*/ 33352 h 2693996"/>
+                  <a:gd name="connsiteX3" fmla="*/ 2693887 w 4308391"/>
+                  <a:gd name="connsiteY3" fmla="*/ 304598 h 2693996"/>
+                  <a:gd name="connsiteX4" fmla="*/ 3537401 w 4308391"/>
+                  <a:gd name="connsiteY4" fmla="*/ 1183352 h 2693996"/>
+                  <a:gd name="connsiteX5" fmla="*/ 4308391 w 4308391"/>
+                  <a:gd name="connsiteY5" fmla="*/ 1681087 h 2693996"/>
+                  <a:gd name="connsiteX6" fmla="*/ 4265253 w 4308391"/>
+                  <a:gd name="connsiteY6" fmla="*/ 2693764 h 2693996"/>
+                  <a:gd name="connsiteX7" fmla="*/ 2576871 w 4308391"/>
+                  <a:gd name="connsiteY7" fmla="*/ 2507487 h 2693996"/>
+                  <a:gd name="connsiteX8" fmla="*/ 1287966 w 4308391"/>
+                  <a:gd name="connsiteY8" fmla="*/ 2013669 h 2693996"/>
+                  <a:gd name="connsiteX9" fmla="*/ 0 w 4308391"/>
+                  <a:gd name="connsiteY9" fmla="*/ 1050367 h 2693996"/>
+                </a:gdLst>
+                <a:ahLst/>
+                <a:cxnLst>
+                  <a:cxn ang="0">
+                    <a:pos x="connsiteX0" y="connsiteY0"/>
+                  </a:cxn>
+                  <a:cxn ang="0">
+                    <a:pos x="connsiteX1" y="connsiteY1"/>
+                  </a:cxn>
+                  <a:cxn ang="0">
+                    <a:pos x="connsiteX2" y="connsiteY2"/>
+                  </a:cxn>
+                  <a:cxn ang="0">
+                    <a:pos x="connsiteX3" y="connsiteY3"/>
+                  </a:cxn>
+                  <a:cxn ang="0">
+                    <a:pos x="connsiteX4" y="connsiteY4"/>
+                  </a:cxn>
+                  <a:cxn ang="0">
+                    <a:pos x="connsiteX5" y="connsiteY5"/>
+                  </a:cxn>
+                  <a:cxn ang="0">
+                    <a:pos x="connsiteX6" y="connsiteY6"/>
+                  </a:cxn>
+                  <a:cxn ang="0">
+                    <a:pos x="connsiteX7" y="connsiteY7"/>
+                  </a:cxn>
+                  <a:cxn ang="0">
+                    <a:pos x="connsiteX8" y="connsiteY8"/>
+                  </a:cxn>
+                  <a:cxn ang="0">
+                    <a:pos x="connsiteX9" y="connsiteY9"/>
+                  </a:cxn>
+                </a:cxnLst>
+                <a:rect l="l" t="t" r="r" b="b"/>
+                <a:pathLst>
+                  <a:path w="4308391" h="2693996">
+                    <a:moveTo>
+                      <a:pt x="0" y="1050367"/>
+                    </a:moveTo>
+                    <a:cubicBezTo>
+                      <a:pt x="0" y="1006012"/>
+                      <a:pt x="610244" y="479401"/>
+                      <a:pt x="654599" y="479401"/>
+                    </a:cubicBezTo>
+                    <a:lnTo>
+                      <a:pt x="1488791" y="33352"/>
+                    </a:lnTo>
+                    <a:cubicBezTo>
+                      <a:pt x="1951317" y="-111613"/>
+                      <a:pt x="2693887" y="260243"/>
+                      <a:pt x="2693887" y="304598"/>
+                    </a:cubicBezTo>
+                    <a:cubicBezTo>
+                      <a:pt x="3021954" y="542108"/>
+                      <a:pt x="3216314" y="743418"/>
+                      <a:pt x="3537401" y="1183352"/>
+                    </a:cubicBezTo>
+                    <a:cubicBezTo>
+                      <a:pt x="3767746" y="1444092"/>
+                      <a:pt x="3955432" y="1564363"/>
+                      <a:pt x="4308391" y="1681087"/>
+                    </a:cubicBezTo>
+                    <a:lnTo>
+                      <a:pt x="4265253" y="2693764"/>
+                    </a:lnTo>
+                    <a:cubicBezTo>
+                      <a:pt x="4009425" y="2698782"/>
+                      <a:pt x="3076576" y="2621999"/>
+                      <a:pt x="2576871" y="2507487"/>
+                    </a:cubicBezTo>
+                    <a:cubicBezTo>
+                      <a:pt x="2077166" y="2392975"/>
+                      <a:pt x="1731405" y="2230929"/>
+                      <a:pt x="1287966" y="2013669"/>
+                    </a:cubicBezTo>
+                    <a:cubicBezTo>
+                      <a:pt x="630044" y="1698144"/>
+                      <a:pt x="324619" y="1371468"/>
+                      <a:pt x="0" y="1050367"/>
+                    </a:cubicBezTo>
+                    <a:close/>
+                  </a:path>
+                </a:pathLst>
+              </a:custGeom>
+              <a:pattFill prst="wdUpDiag">
+                <a:fgClr>
+                  <a:schemeClr val="bg1">
+                    <a:lumMod val="85000"/>
+                  </a:schemeClr>
+                </a:fgClr>
+                <a:bgClr>
+                  <a:schemeClr val="bg1">
+                    <a:lumMod val="95000"/>
+                  </a:schemeClr>
+                </a:bgClr>
+              </a:pattFill>
+              <a:ln>
+                <a:noFill/>
+              </a:ln>
+            </p:spPr>
+            <p:style>
+              <a:lnRef idx="2">
+                <a:schemeClr val="accent1">
+                  <a:shade val="50000"/>
+                </a:schemeClr>
+              </a:lnRef>
+              <a:fillRef idx="1">
+                <a:schemeClr val="accent1"/>
+              </a:fillRef>
+              <a:effectRef idx="0">
+                <a:schemeClr val="accent1"/>
+              </a:effectRef>
+              <a:fontRef idx="minor">
+                <a:schemeClr val="lt1"/>
+              </a:fontRef>
+            </p:style>
+            <p:txBody>
+              <a:bodyPr rtlCol="0" anchor="ctr"/>
+              <a:lstStyle/>
+              <a:p>
+                <a:pPr algn="ctr"/>
+                <a:endParaRPr lang="en-US" dirty="0"/>
+              </a:p>
+            </p:txBody>
+          </p:sp>
+          <p:sp>
+            <p:nvSpPr>
+              <p:cNvPr id="169" name="Rectangle 168">
+                <a:extLst>
+                  <a:ext uri="{FF2B5EF4-FFF2-40B4-BE49-F238E27FC236}">
+                    <a16:creationId xmlns:a16="http://schemas.microsoft.com/office/drawing/2014/main" id="{46CB1076-AB35-ADF3-DDB9-16A63D7B281F}"/>
+                  </a:ext>
+                </a:extLst>
+              </p:cNvPr>
+              <p:cNvSpPr/>
+              <p:nvPr/>
+            </p:nvSpPr>
+            <p:spPr>
+              <a:xfrm>
+                <a:off x="9092908" y="10179859"/>
+                <a:ext cx="5298899" cy="4172222"/>
+              </a:xfrm>
+              <a:prstGeom prst="rect">
+                <a:avLst/>
+              </a:prstGeom>
+              <a:noFill/>
+              <a:ln w="28575">
+                <a:solidFill>
+                  <a:schemeClr val="tx1"/>
+                </a:solidFill>
+              </a:ln>
+            </p:spPr>
+            <p:style>
+              <a:lnRef idx="2">
+                <a:schemeClr val="accent1">
+                  <a:shade val="50000"/>
+                </a:schemeClr>
+              </a:lnRef>
+              <a:fillRef idx="1">
+                <a:schemeClr val="accent1"/>
+              </a:fillRef>
+              <a:effectRef idx="0">
+                <a:schemeClr val="accent1"/>
+              </a:effectRef>
+              <a:fontRef idx="minor">
+                <a:schemeClr val="lt1"/>
+              </a:fontRef>
+            </p:style>
+            <p:txBody>
+              <a:bodyPr rtlCol="0" anchor="ctr"/>
+              <a:lstStyle/>
+              <a:p>
+                <a:pPr algn="ctr"/>
+                <a:endParaRPr lang="en-US"/>
+              </a:p>
+            </p:txBody>
+          </p:sp>
+          <p:pic>
+            <p:nvPicPr>
+              <p:cNvPr id="171" name="Picture 170">
+                <a:extLst>
+                  <a:ext uri="{FF2B5EF4-FFF2-40B4-BE49-F238E27FC236}">
+                    <a16:creationId xmlns:a16="http://schemas.microsoft.com/office/drawing/2014/main" id="{0EF91D23-E1DE-80DD-A9A4-A145B74B8CDD}"/>
+                  </a:ext>
+                </a:extLst>
+              </p:cNvPr>
+              <p:cNvPicPr>
+                <a:picLocks noChangeAspect="1"/>
+              </p:cNvPicPr>
+              <p:nvPr/>
+            </p:nvPicPr>
+            <p:blipFill>
+              <a:blip r:embed="rId18"/>
+              <a:stretch>
+                <a:fillRect/>
+              </a:stretch>
+            </p:blipFill>
+            <p:spPr>
+              <a:xfrm>
+                <a:off x="9084857" y="14365005"/>
+                <a:ext cx="5306949" cy="239942"/>
+              </a:xfrm>
+              <a:prstGeom prst="rect">
+                <a:avLst/>
+              </a:prstGeom>
+            </p:spPr>
+          </p:pic>
+          <p:sp>
+            <p:nvSpPr>
+              <p:cNvPr id="172" name="TextBox 171">
+                <a:extLst>
+                  <a:ext uri="{FF2B5EF4-FFF2-40B4-BE49-F238E27FC236}">
+                    <a16:creationId xmlns:a16="http://schemas.microsoft.com/office/drawing/2014/main" id="{4715D215-E427-70EA-2490-DEABE89F735E}"/>
+                  </a:ext>
+                </a:extLst>
+              </p:cNvPr>
+              <p:cNvSpPr txBox="1"/>
+              <p:nvPr/>
+            </p:nvSpPr>
+            <p:spPr>
+              <a:xfrm>
+                <a:off x="10929878" y="14850583"/>
+                <a:ext cx="2076209" cy="584775"/>
+              </a:xfrm>
+              <a:prstGeom prst="rect">
+                <a:avLst/>
+              </a:prstGeom>
+              <a:noFill/>
+            </p:spPr>
+            <p:txBody>
+              <a:bodyPr wrap="none" rtlCol="0">
+                <a:spAutoFit/>
+              </a:bodyPr>
+              <a:lstStyle/>
+              <a:p>
+                <a:r>
+                  <a:rPr lang="en-US" sz="3200" dirty="0">
+                    <a:latin typeface="Helvetica" pitchFamily="2" charset="0"/>
+                  </a:rPr>
+                  <a:t>Body size </a:t>
+                </a:r>
+              </a:p>
+            </p:txBody>
+          </p:sp>
+        </p:grpSp>
+        <p:sp>
+          <p:nvSpPr>
+            <p:cNvPr id="177" name="TextBox 176">
+              <a:extLst>
+                <a:ext uri="{FF2B5EF4-FFF2-40B4-BE49-F238E27FC236}">
+                  <a16:creationId xmlns:a16="http://schemas.microsoft.com/office/drawing/2014/main" id="{60CDA498-6911-3AD8-447F-19E6A634E6BB}"/>
+                </a:ext>
+              </a:extLst>
+            </p:cNvPr>
+            <p:cNvSpPr txBox="1"/>
+            <p:nvPr/>
+          </p:nvSpPr>
+          <p:spPr>
+            <a:xfrm rot="16200000">
+              <a:off x="5538706" y="12185791"/>
+              <a:ext cx="4195289" cy="1077218"/>
+            </a:xfrm>
+            <a:prstGeom prst="rect">
+              <a:avLst/>
+            </a:prstGeom>
+            <a:noFill/>
+          </p:spPr>
+          <p:txBody>
+            <a:bodyPr wrap="square">
+              <a:spAutoFit/>
+            </a:bodyPr>
+            <a:lstStyle/>
+            <a:p>
+              <a:pPr algn="ctr"/>
+              <a:r>
+                <a:rPr lang="en-US" sz="3200" dirty="0">
+                  <a:effectLst/>
+                  <a:latin typeface="Helvetica" pitchFamily="2" charset="0"/>
+                </a:rPr>
+                <a:t>Mass-specific power requirements</a:t>
+              </a:r>
+            </a:p>
+          </p:txBody>
+        </p:sp>
+        <p:sp>
+          <p:nvSpPr>
+            <p:cNvPr id="185" name="TextBox 184">
+              <a:extLst>
+                <a:ext uri="{FF2B5EF4-FFF2-40B4-BE49-F238E27FC236}">
+                  <a16:creationId xmlns:a16="http://schemas.microsoft.com/office/drawing/2014/main" id="{2BBB278E-EDAF-A476-DAA8-D9157E8D5F36}"/>
+                </a:ext>
+              </a:extLst>
+            </p:cNvPr>
+            <p:cNvSpPr txBox="1"/>
+            <p:nvPr/>
+          </p:nvSpPr>
+          <p:spPr>
+            <a:xfrm>
+              <a:off x="11683959" y="11638564"/>
+              <a:ext cx="1872961" cy="1107996"/>
+            </a:xfrm>
+            <a:prstGeom prst="rect">
+              <a:avLst/>
+            </a:prstGeom>
+            <a:noFill/>
+          </p:spPr>
+          <p:txBody>
+            <a:bodyPr wrap="square" rtlCol="0">
+              <a:spAutoFit/>
+            </a:bodyPr>
+            <a:lstStyle/>
+            <a:p>
+              <a:pPr algn="r"/>
+              <a:r>
+                <a:rPr lang="en-US" sz="2200" dirty="0">
+                  <a:latin typeface="Helvetica" pitchFamily="2" charset="0"/>
+                </a:rPr>
+                <a:t>Anaerobic - bursts and sprints </a:t>
+              </a:r>
+            </a:p>
+          </p:txBody>
+        </p:sp>
+        <p:sp>
+          <p:nvSpPr>
+            <p:cNvPr id="186" name="TextBox 185">
+              <a:extLst>
+                <a:ext uri="{FF2B5EF4-FFF2-40B4-BE49-F238E27FC236}">
+                  <a16:creationId xmlns:a16="http://schemas.microsoft.com/office/drawing/2014/main" id="{8843244A-9801-78DD-DF27-E1A525B8BCF4}"/>
+                </a:ext>
+              </a:extLst>
+            </p:cNvPr>
+            <p:cNvSpPr txBox="1"/>
+            <p:nvPr/>
+          </p:nvSpPr>
+          <p:spPr>
+            <a:xfrm>
+              <a:off x="8918932" y="14154799"/>
+              <a:ext cx="2221867" cy="769441"/>
+            </a:xfrm>
+            <a:prstGeom prst="rect">
+              <a:avLst/>
+            </a:prstGeom>
+            <a:noFill/>
+          </p:spPr>
+          <p:txBody>
+            <a:bodyPr wrap="square" rtlCol="0">
+              <a:spAutoFit/>
+            </a:bodyPr>
+            <a:lstStyle/>
+            <a:p>
+              <a:pPr algn="r"/>
+              <a:r>
+                <a:rPr lang="en-US" sz="2200" dirty="0">
+                  <a:latin typeface="Helvetica" pitchFamily="2" charset="0"/>
+                </a:rPr>
+                <a:t>Aerobic -   	 recovery</a:t>
+              </a:r>
+            </a:p>
+          </p:txBody>
+        </p:sp>
+        <p:sp>
+          <p:nvSpPr>
+            <p:cNvPr id="189" name="TextBox 188">
+              <a:extLst>
+                <a:ext uri="{FF2B5EF4-FFF2-40B4-BE49-F238E27FC236}">
+                  <a16:creationId xmlns:a16="http://schemas.microsoft.com/office/drawing/2014/main" id="{979A1D6F-0FA3-9E41-43DB-72AB69F25CDB}"/>
+                </a:ext>
+              </a:extLst>
+            </p:cNvPr>
+            <p:cNvSpPr txBox="1"/>
+            <p:nvPr/>
+          </p:nvSpPr>
+          <p:spPr>
+            <a:xfrm>
+              <a:off x="9982963" y="12862142"/>
+              <a:ext cx="2117951" cy="769441"/>
+            </a:xfrm>
+            <a:prstGeom prst="rect">
+              <a:avLst/>
+            </a:prstGeom>
+            <a:noFill/>
+          </p:spPr>
+          <p:txBody>
+            <a:bodyPr wrap="square" rtlCol="0">
+              <a:spAutoFit/>
+            </a:bodyPr>
+            <a:lstStyle/>
+            <a:p>
+              <a:pPr algn="ctr"/>
+              <a:r>
+                <a:rPr lang="en-US" sz="2200" b="1" dirty="0">
+                  <a:latin typeface="Helvetica" pitchFamily="2" charset="0"/>
+                </a:rPr>
+                <a:t>ANAEROBIC SCOPE</a:t>
+              </a:r>
+              <a:endParaRPr lang="en-US" sz="2200" dirty="0">
+                <a:latin typeface="Helvetica" pitchFamily="2" charset="0"/>
+              </a:endParaRPr>
+            </a:p>
+          </p:txBody>
+        </p:sp>
+        <p:pic>
+          <p:nvPicPr>
+            <p:cNvPr id="212" name="Picture 211" descr="A close up of a logo&#10;&#10;Description automatically generated">
+              <a:extLst>
+                <a:ext uri="{FF2B5EF4-FFF2-40B4-BE49-F238E27FC236}">
+                  <a16:creationId xmlns:a16="http://schemas.microsoft.com/office/drawing/2014/main" id="{B9DA95F5-FC4D-9D99-AC82-BB76D83F429C}"/>
+                </a:ext>
+              </a:extLst>
+            </p:cNvPr>
+            <p:cNvPicPr>
+              <a:picLocks noChangeAspect="1"/>
+            </p:cNvPicPr>
+            <p:nvPr/>
+          </p:nvPicPr>
+          <p:blipFill rotWithShape="1">
+            <a:blip r:embed="rId4">
+              <a:duotone>
+                <a:schemeClr val="accent6">
+                  <a:shade val="45000"/>
+                  <a:satMod val="135000"/>
+                </a:schemeClr>
+                <a:prstClr val="white"/>
+              </a:duotone>
+              <a:extLst>
+                <a:ext uri="{BEBA8EAE-BF5A-486C-A8C5-ECC9F3942E4B}">
+                  <a14:imgProps xmlns:a14="http://schemas.microsoft.com/office/drawing/2010/main">
+                    <a14:imgLayer r:embed="rId19">
+                      <a14:imgEffect>
+                        <a14:sharpenSoften amount="100000"/>
+                      </a14:imgEffect>
+                      <a14:imgEffect>
+                        <a14:saturation sat="0"/>
+                      </a14:imgEffect>
+                      <a14:imgEffect>
+                        <a14:brightnessContrast bright="-100000" contrast="100000"/>
+                      </a14:imgEffect>
+                    </a14:imgLayer>
+                  </a14:imgProps>
+                </a:ext>
+                <a:ext uri="{28A0092B-C50C-407E-A947-70E740481C1C}">
+                  <a14:useLocalDpi xmlns:a14="http://schemas.microsoft.com/office/drawing/2010/main"/>
+                </a:ext>
+              </a:extLst>
+            </a:blip>
+            <a:srcRect/>
+            <a:stretch/>
+          </p:blipFill>
+          <p:spPr>
+            <a:xfrm flipH="1">
+              <a:off x="9082208" y="10804061"/>
+              <a:ext cx="811795" cy="321518"/>
+            </a:xfrm>
+            <a:prstGeom prst="rect">
+              <a:avLst/>
+            </a:prstGeom>
+          </p:spPr>
+        </p:pic>
+        <p:pic>
+          <p:nvPicPr>
+            <p:cNvPr id="213" name="Picture 212" descr="A close up of a logo&#10;&#10;Description automatically generated">
+              <a:extLst>
+                <a:ext uri="{FF2B5EF4-FFF2-40B4-BE49-F238E27FC236}">
+                  <a16:creationId xmlns:a16="http://schemas.microsoft.com/office/drawing/2014/main" id="{FEA4195C-3E46-2601-7F3D-F5A685CF5E67}"/>
+                </a:ext>
+              </a:extLst>
+            </p:cNvPr>
+            <p:cNvPicPr>
+              <a:picLocks noChangeAspect="1"/>
+            </p:cNvPicPr>
+            <p:nvPr/>
+          </p:nvPicPr>
+          <p:blipFill rotWithShape="1">
+            <a:blip r:embed="rId4">
+              <a:duotone>
+                <a:schemeClr val="accent3">
+                  <a:shade val="45000"/>
+                  <a:satMod val="135000"/>
+                </a:schemeClr>
+                <a:prstClr val="white"/>
+              </a:duotone>
+              <a:extLst>
+                <a:ext uri="{BEBA8EAE-BF5A-486C-A8C5-ECC9F3942E4B}">
+                  <a14:imgProps xmlns:a14="http://schemas.microsoft.com/office/drawing/2010/main">
+                    <a14:imgLayer r:embed="rId20">
+                      <a14:imgEffect>
+                        <a14:brightnessContrast bright="-40000" contrast="40000"/>
+                      </a14:imgEffect>
+                    </a14:imgLayer>
+                  </a14:imgProps>
+                </a:ext>
+                <a:ext uri="{28A0092B-C50C-407E-A947-70E740481C1C}">
+                  <a14:useLocalDpi xmlns:a14="http://schemas.microsoft.com/office/drawing/2010/main"/>
+                </a:ext>
+              </a:extLst>
+            </a:blip>
+            <a:srcRect/>
+            <a:stretch/>
+          </p:blipFill>
+          <p:spPr>
+            <a:xfrm flipH="1">
+              <a:off x="11683959" y="10773247"/>
+              <a:ext cx="1739375" cy="688894"/>
+            </a:xfrm>
+            <a:prstGeom prst="rect">
+              <a:avLst/>
+            </a:prstGeom>
+          </p:spPr>
+        </p:pic>
+        <p:pic>
+          <p:nvPicPr>
+            <p:cNvPr id="214" name="Picture 213" descr="A close up of a logo&#10;&#10;Description automatically generated">
+              <a:extLst>
+                <a:ext uri="{FF2B5EF4-FFF2-40B4-BE49-F238E27FC236}">
+                  <a16:creationId xmlns:a16="http://schemas.microsoft.com/office/drawing/2014/main" id="{B9605C90-7E70-62F7-058F-9C9D0872FD6C}"/>
+                </a:ext>
+              </a:extLst>
+            </p:cNvPr>
+            <p:cNvPicPr>
+              <a:picLocks noChangeAspect="1"/>
+            </p:cNvPicPr>
+            <p:nvPr/>
+          </p:nvPicPr>
+          <p:blipFill rotWithShape="1">
+            <a:blip r:embed="rId4">
+              <a:duotone>
+                <a:prstClr val="black"/>
+                <a:schemeClr val="tx2">
+                  <a:tint val="45000"/>
+                  <a:satMod val="400000"/>
+                </a:schemeClr>
+              </a:duotone>
+              <a:extLst>
+                <a:ext uri="{BEBA8EAE-BF5A-486C-A8C5-ECC9F3942E4B}">
+                  <a14:imgProps xmlns:a14="http://schemas.microsoft.com/office/drawing/2010/main">
+                    <a14:imgLayer r:embed="rId21">
+                      <a14:imgEffect>
+                        <a14:brightnessContrast bright="-40000" contrast="40000"/>
+                      </a14:imgEffect>
+                    </a14:imgLayer>
+                  </a14:imgProps>
+                </a:ext>
+                <a:ext uri="{28A0092B-C50C-407E-A947-70E740481C1C}">
+                  <a14:useLocalDpi xmlns:a14="http://schemas.microsoft.com/office/drawing/2010/main"/>
+                </a:ext>
+              </a:extLst>
+            </a:blip>
+            <a:srcRect/>
+            <a:stretch/>
+          </p:blipFill>
+          <p:spPr>
+            <a:xfrm flipH="1">
+              <a:off x="10278719" y="10814606"/>
+              <a:ext cx="1122458" cy="442122"/>
+            </a:xfrm>
+            <a:prstGeom prst="rect">
+              <a:avLst/>
+            </a:prstGeom>
+          </p:spPr>
+        </p:pic>
+      </p:grpSp>
+      <p:sp>
+        <p:nvSpPr>
+          <p:cNvPr id="216" name="TextBox 215">
+            <a:extLst>
+              <a:ext uri="{FF2B5EF4-FFF2-40B4-BE49-F238E27FC236}">
+                <a16:creationId xmlns:a16="http://schemas.microsoft.com/office/drawing/2014/main" id="{94D625D7-CE81-B91B-705B-CB7130C5AAEB}"/>
+              </a:ext>
+            </a:extLst>
+          </p:cNvPr>
+          <p:cNvSpPr txBox="1"/>
+          <p:nvPr/>
+        </p:nvSpPr>
+        <p:spPr>
+          <a:xfrm>
+            <a:off x="15101591" y="3998522"/>
+            <a:ext cx="5706947" cy="461665"/>
+          </a:xfrm>
+          <a:prstGeom prst="rect">
+            <a:avLst/>
+          </a:prstGeom>
+          <a:noFill/>
+        </p:spPr>
+        <p:txBody>
+          <a:bodyPr wrap="none" rtlCol="0">
+            <a:spAutoFit/>
+          </a:bodyPr>
+          <a:lstStyle/>
+          <a:p>
+            <a:pPr algn="ctr"/>
+            <a:r>
+              <a:rPr lang="en-US" sz="2400" b="1" dirty="0">
+                <a:latin typeface="Helvetica" pitchFamily="2" charset="0"/>
+              </a:rPr>
+              <a:t>AEROBIC and ANAEROBIC POWER </a:t>
+            </a:r>
+            <a:r>
+              <a:rPr lang="en-US" sz="2400" b="1" baseline="30000" dirty="0">
+                <a:latin typeface="Helvetica" pitchFamily="2" charset="0"/>
+              </a:rPr>
+              <a:t>3</a:t>
+            </a:r>
+            <a:r>
+              <a:rPr lang="en-US" sz="2400" b="1" dirty="0">
+                <a:latin typeface="Helvetica" pitchFamily="2" charset="0"/>
+              </a:rPr>
+              <a:t> </a:t>
+            </a:r>
+          </a:p>
+        </p:txBody>
+      </p:sp>
+      <p:pic>
+        <p:nvPicPr>
+          <p:cNvPr id="218" name="Picture 217">
+            <a:extLst>
+              <a:ext uri="{FF2B5EF4-FFF2-40B4-BE49-F238E27FC236}">
+                <a16:creationId xmlns:a16="http://schemas.microsoft.com/office/drawing/2014/main" id="{F408DB2F-0C7E-58EA-D6A5-4F2BFF9F8C4B}"/>
+              </a:ext>
+            </a:extLst>
+          </p:cNvPr>
+          <p:cNvPicPr>
+            <a:picLocks noChangeAspect="1"/>
+          </p:cNvPicPr>
+          <p:nvPr/>
+        </p:nvPicPr>
+        <p:blipFill>
+          <a:blip r:embed="rId22"/>
+          <a:stretch>
+            <a:fillRect/>
+          </a:stretch>
+        </p:blipFill>
+        <p:spPr>
+          <a:xfrm>
+            <a:off x="2194575" y="8913883"/>
+            <a:ext cx="11586549" cy="428521"/>
+          </a:xfrm>
+          <a:prstGeom prst="rect">
+            <a:avLst/>
+          </a:prstGeom>
+        </p:spPr>
+      </p:pic>
+      <p:pic>
+        <p:nvPicPr>
+          <p:cNvPr id="219" name="Picture 218">
+            <a:extLst>
+              <a:ext uri="{FF2B5EF4-FFF2-40B4-BE49-F238E27FC236}">
+                <a16:creationId xmlns:a16="http://schemas.microsoft.com/office/drawing/2014/main" id="{C4FBCC94-0B71-ADC1-3D2C-248500BF02BD}"/>
+              </a:ext>
+            </a:extLst>
+          </p:cNvPr>
+          <p:cNvPicPr>
+            <a:picLocks noChangeAspect="1"/>
+          </p:cNvPicPr>
+          <p:nvPr/>
+        </p:nvPicPr>
+        <p:blipFill>
+          <a:blip r:embed="rId18"/>
+          <a:stretch>
+            <a:fillRect/>
+          </a:stretch>
+        </p:blipFill>
+        <p:spPr>
+          <a:xfrm rot="5400000">
+            <a:off x="13098013" y="6624653"/>
+            <a:ext cx="4217803" cy="190699"/>
+          </a:xfrm>
+          <a:prstGeom prst="rect">
+            <a:avLst/>
+          </a:prstGeom>
+        </p:spPr>
+      </p:pic>
+      <p:sp>
+        <p:nvSpPr>
+          <p:cNvPr id="220" name="TextBox 219">
+            <a:extLst>
+              <a:ext uri="{FF2B5EF4-FFF2-40B4-BE49-F238E27FC236}">
+                <a16:creationId xmlns:a16="http://schemas.microsoft.com/office/drawing/2014/main" id="{50B53147-90D4-16A5-E5AB-5881579585B9}"/>
+              </a:ext>
+            </a:extLst>
+          </p:cNvPr>
+          <p:cNvSpPr txBox="1"/>
+          <p:nvPr/>
+        </p:nvSpPr>
+        <p:spPr>
+          <a:xfrm>
+            <a:off x="2384738" y="4642129"/>
+            <a:ext cx="481222" cy="584775"/>
+          </a:xfrm>
+          <a:prstGeom prst="rect">
+            <a:avLst/>
+          </a:prstGeom>
+          <a:noFill/>
+        </p:spPr>
+        <p:txBody>
+          <a:bodyPr wrap="none" rtlCol="0">
+            <a:spAutoFit/>
+          </a:bodyPr>
+          <a:lstStyle/>
+          <a:p>
+            <a:r>
+              <a:rPr lang="en-US" sz="3200" b="1" dirty="0">
+                <a:latin typeface="Helvetica" pitchFamily="2" charset="0"/>
+                <a:cs typeface="Arial" panose="020B0604020202020204" pitchFamily="34" charset="0"/>
+              </a:rPr>
+              <a:t>A</a:t>
+            </a:r>
+          </a:p>
+        </p:txBody>
+      </p:sp>
+      <p:sp>
+        <p:nvSpPr>
+          <p:cNvPr id="221" name="TextBox 220">
+            <a:extLst>
+              <a:ext uri="{FF2B5EF4-FFF2-40B4-BE49-F238E27FC236}">
+                <a16:creationId xmlns:a16="http://schemas.microsoft.com/office/drawing/2014/main" id="{7409D9C4-868C-73EE-B3F7-71EE985D299A}"/>
+              </a:ext>
+            </a:extLst>
+          </p:cNvPr>
+          <p:cNvSpPr txBox="1"/>
+          <p:nvPr/>
+        </p:nvSpPr>
+        <p:spPr>
+          <a:xfrm>
+            <a:off x="8436441" y="4642128"/>
+            <a:ext cx="481222" cy="584775"/>
+          </a:xfrm>
+          <a:prstGeom prst="rect">
+            <a:avLst/>
+          </a:prstGeom>
+          <a:noFill/>
+        </p:spPr>
+        <p:txBody>
+          <a:bodyPr wrap="none" rtlCol="0">
+            <a:spAutoFit/>
+          </a:bodyPr>
+          <a:lstStyle/>
+          <a:p>
+            <a:r>
+              <a:rPr lang="en-US" sz="3200" b="1" dirty="0">
+                <a:latin typeface="Helvetica" pitchFamily="2" charset="0"/>
+                <a:cs typeface="Arial" panose="020B0604020202020204" pitchFamily="34" charset="0"/>
+              </a:rPr>
+              <a:t>B</a:t>
+            </a:r>
+          </a:p>
+        </p:txBody>
+      </p:sp>
+      <p:sp>
+        <p:nvSpPr>
+          <p:cNvPr id="222" name="TextBox 221">
+            <a:extLst>
+              <a:ext uri="{FF2B5EF4-FFF2-40B4-BE49-F238E27FC236}">
+                <a16:creationId xmlns:a16="http://schemas.microsoft.com/office/drawing/2014/main" id="{2B42421B-10E6-DBD6-D3E8-4A2FB67D4790}"/>
+              </a:ext>
+            </a:extLst>
+          </p:cNvPr>
+          <p:cNvSpPr txBox="1"/>
+          <p:nvPr/>
+        </p:nvSpPr>
+        <p:spPr>
+          <a:xfrm>
+            <a:off x="15408435" y="4638803"/>
+            <a:ext cx="481222" cy="584775"/>
+          </a:xfrm>
+          <a:prstGeom prst="rect">
+            <a:avLst/>
+          </a:prstGeom>
+          <a:noFill/>
+        </p:spPr>
+        <p:txBody>
+          <a:bodyPr wrap="none" rtlCol="0">
+            <a:spAutoFit/>
+          </a:bodyPr>
+          <a:lstStyle/>
+          <a:p>
+            <a:r>
+              <a:rPr lang="en-US" sz="3200" b="1" dirty="0">
+                <a:latin typeface="Helvetica" pitchFamily="2" charset="0"/>
+                <a:cs typeface="Arial" panose="020B0604020202020204" pitchFamily="34" charset="0"/>
+              </a:rPr>
+              <a:t>C</a:t>
+            </a:r>
+          </a:p>
+        </p:txBody>
+      </p:sp>
+    </p:spTree>
+    <p:extLst>
+      <p:ext uri="{BB962C8B-B14F-4D97-AF65-F5344CB8AC3E}">
+        <p14:creationId xmlns:p14="http://schemas.microsoft.com/office/powerpoint/2010/main" val="3272533068"/>
+      </p:ext>
+    </p:extLst>
+  </p:cSld>
+  <p:clrMapOvr>
+    <a:masterClrMapping/>
+  </p:clrMapOvr>
+</p:sld>
+</file>
+
 <file path=ppt/theme/theme1.xml><?xml version="1.0" encoding="utf-8"?>
 <a:theme xmlns:a="http://schemas.openxmlformats.org/drawingml/2006/main" name="Office Theme">
   <a:themeElements>
